--- a/Docs/Reports/Planning Presentation/V2Planning.pptx
+++ b/Docs/Reports/Planning Presentation/V2Planning.pptx
@@ -2,23 +2,24 @@
 <file path=ppt/presentation.xml><?xml version="1.0" encoding="utf-8"?>
 <p:presentation xmlns:a="http://schemas.openxmlformats.org/drawingml/2006/main" xmlns:r="http://schemas.openxmlformats.org/officeDocument/2006/relationships" xmlns:p="http://schemas.openxmlformats.org/presentationml/2006/main" saveSubsetFonts="1">
   <p:sldMasterIdLst>
-    <p:sldMasterId id="2147483678" r:id="rId1"/>
+    <p:sldMasterId id="2147483690" r:id="rId1"/>
   </p:sldMasterIdLst>
   <p:notesMasterIdLst>
-    <p:notesMasterId r:id="rId13"/>
+    <p:notesMasterId r:id="rId14"/>
   </p:notesMasterIdLst>
   <p:sldIdLst>
     <p:sldId id="256" r:id="rId2"/>
     <p:sldId id="257" r:id="rId3"/>
-    <p:sldId id="267" r:id="rId4"/>
-    <p:sldId id="268" r:id="rId5"/>
-    <p:sldId id="258" r:id="rId6"/>
-    <p:sldId id="259" r:id="rId7"/>
-    <p:sldId id="262" r:id="rId8"/>
-    <p:sldId id="265" r:id="rId9"/>
-    <p:sldId id="263" r:id="rId10"/>
-    <p:sldId id="260" r:id="rId11"/>
-    <p:sldId id="261" r:id="rId12"/>
+    <p:sldId id="269" r:id="rId4"/>
+    <p:sldId id="270" r:id="rId5"/>
+    <p:sldId id="271" r:id="rId6"/>
+    <p:sldId id="272" r:id="rId7"/>
+    <p:sldId id="259" r:id="rId8"/>
+    <p:sldId id="262" r:id="rId9"/>
+    <p:sldId id="265" r:id="rId10"/>
+    <p:sldId id="263" r:id="rId11"/>
+    <p:sldId id="260" r:id="rId12"/>
+    <p:sldId id="261" r:id="rId13"/>
   </p:sldIdLst>
   <p:sldSz cx="12192000" cy="6858000"/>
   <p:notesSz cx="6858000" cy="9144000"/>
@@ -119,7 +120,7 @@
   </p:defaultTextStyle>
   <p:extLst>
     <p:ext uri="{EFAFB233-063F-42B5-8137-9DF3F51BA10A}">
-      <p15:sldGuideLst xmlns:p15="http://schemas.microsoft.com/office/powerpoint/2012/main"/>
+      <p15:sldGuideLst xmlns:p15="http://schemas.microsoft.com/office/powerpoint/2012/main" xmlns=""/>
     </p:ext>
   </p:extLst>
 </p:presentation>
@@ -207,7 +208,7 @@
           <a:p>
             <a:fld id="{4A1BBD13-A8AC-4D0A-A91D-67CAFE177BF9}" type="datetimeFigureOut">
               <a:rPr lang="fr-FR"/>
-              <a:t>16/12/2014</a:t>
+              <a:t>18/12/2014</a:t>
             </a:fld>
             <a:endParaRPr lang="fr-FR"/>
           </a:p>
@@ -623,7 +624,7 @@
           <a:p>
             <a:fld id="{F5AE91CA-69E1-4F73-A570-C18A4465CE0F}" type="slidenum">
               <a:rPr lang="fr-FR"/>
-              <a:t>10</a:t>
+              <a:t>11</a:t>
             </a:fld>
             <a:endParaRPr lang="fr-FR"/>
           </a:p>
@@ -707,7 +708,7 @@
           <a:p>
             <a:fld id="{F5AE91CA-69E1-4F73-A570-C18A4465CE0F}" type="slidenum">
               <a:rPr lang="fr-FR"/>
-              <a:t>11</a:t>
+              <a:t>12</a:t>
             </a:fld>
             <a:endParaRPr lang="fr-FR"/>
           </a:p>
@@ -873,7 +874,7 @@
           <a:bodyPr/>
           <a:lstStyle/>
           <a:p>
-            <a:fld id="{F5AE91CA-69E1-4F73-A570-C18A4465CE0F}" type="slidenum">
+            <a:fld id="{5C4CBB30-58C5-4553-9AAB-B48AED2355E7}" type="slidenum">
               <a:rPr lang="fr-FR"/>
               <a:t>3</a:t>
             </a:fld>
@@ -884,7 +885,7 @@
     </p:spTree>
     <p:extLst>
       <p:ext uri="{BB962C8B-B14F-4D97-AF65-F5344CB8AC3E}">
-        <p14:creationId xmlns:p14="http://schemas.microsoft.com/office/powerpoint/2010/main" val="1391908800"/>
+        <p14:creationId xmlns:p14="http://schemas.microsoft.com/office/powerpoint/2010/main" val="1544464879"/>
       </p:ext>
     </p:extLst>
   </p:cSld>
@@ -957,7 +958,7 @@
           <a:bodyPr/>
           <a:lstStyle/>
           <a:p>
-            <a:fld id="{F5AE91CA-69E1-4F73-A570-C18A4465CE0F}" type="slidenum">
+            <a:fld id="{5C4CBB30-58C5-4553-9AAB-B48AED2355E7}" type="slidenum">
               <a:rPr lang="fr-FR"/>
               <a:t>4</a:t>
             </a:fld>
@@ -968,7 +969,7 @@
     </p:spTree>
     <p:extLst>
       <p:ext uri="{BB962C8B-B14F-4D97-AF65-F5344CB8AC3E}">
-        <p14:creationId xmlns:p14="http://schemas.microsoft.com/office/powerpoint/2010/main" val="1223078046"/>
+        <p14:creationId xmlns:p14="http://schemas.microsoft.com/office/powerpoint/2010/main" val="1555858289"/>
       </p:ext>
     </p:extLst>
   </p:cSld>
@@ -997,7 +998,7 @@
       </p:grpSpPr>
       <p:sp>
         <p:nvSpPr>
-          <p:cNvPr id="2" name="Espace réservé de l'image des diapositives 1"/>
+          <p:cNvPr id="2" name="Slide Image Placeholder 1"/>
           <p:cNvSpPr>
             <a:spLocks noGrp="1" noRot="1" noChangeAspect="1"/>
           </p:cNvSpPr>
@@ -1009,7 +1010,7 @@
       </p:sp>
       <p:sp>
         <p:nvSpPr>
-          <p:cNvPr id="3" name="Espace réservé des notes 2"/>
+          <p:cNvPr id="3" name="Notes Placeholder 2"/>
           <p:cNvSpPr>
             <a:spLocks noGrp="1"/>
           </p:cNvSpPr>
@@ -1022,20 +1023,13 @@
           <a:bodyPr/>
           <a:lstStyle/>
           <a:p>
-            <a:r>
-              <a:rPr lang="fr-FR"/>
-              <a:t/>
-            </a:r>
-            <a:br>
-              <a:rPr lang="fr-FR"/>
-            </a:br>
-            <a:endParaRPr lang="fr-FR"/>
-          </a:p>
-        </p:txBody>
-      </p:sp>
-      <p:sp>
-        <p:nvSpPr>
-          <p:cNvPr id="4" name="Espace réservé du numéro de diapositive 3"/>
+            <a:endParaRPr lang="en-US"/>
+          </a:p>
+        </p:txBody>
+      </p:sp>
+      <p:sp>
+        <p:nvSpPr>
+          <p:cNvPr id="4" name="Slide Number Placeholder 3"/>
           <p:cNvSpPr>
             <a:spLocks noGrp="1"/>
           </p:cNvSpPr>
@@ -1048,7 +1042,7 @@
           <a:bodyPr/>
           <a:lstStyle/>
           <a:p>
-            <a:fld id="{F5AE91CA-69E1-4F73-A570-C18A4465CE0F}" type="slidenum">
+            <a:fld id="{5C4CBB30-58C5-4553-9AAB-B48AED2355E7}" type="slidenum">
               <a:rPr lang="fr-FR"/>
               <a:t>5</a:t>
             </a:fld>
@@ -1059,7 +1053,7 @@
     </p:spTree>
     <p:extLst>
       <p:ext uri="{BB962C8B-B14F-4D97-AF65-F5344CB8AC3E}">
-        <p14:creationId xmlns:p14="http://schemas.microsoft.com/office/powerpoint/2010/main" val="1772956658"/>
+        <p14:creationId xmlns:p14="http://schemas.microsoft.com/office/powerpoint/2010/main" val="3828304058"/>
       </p:ext>
     </p:extLst>
   </p:cSld>
@@ -1134,7 +1128,7 @@
           <a:p>
             <a:fld id="{F5AE91CA-69E1-4F73-A570-C18A4465CE0F}" type="slidenum">
               <a:rPr lang="fr-FR"/>
-              <a:t>6</a:t>
+              <a:t>7</a:t>
             </a:fld>
             <a:endParaRPr lang="fr-FR"/>
           </a:p>
@@ -1218,7 +1212,7 @@
           <a:p>
             <a:fld id="{F5AE91CA-69E1-4F73-A570-C18A4465CE0F}" type="slidenum">
               <a:rPr lang="fr-FR"/>
-              <a:t>7</a:t>
+              <a:t>8</a:t>
             </a:fld>
             <a:endParaRPr lang="fr-FR"/>
           </a:p>
@@ -1302,7 +1296,7 @@
           <a:p>
             <a:fld id="{F5AE91CA-69E1-4F73-A570-C18A4465CE0F}" type="slidenum">
               <a:rPr lang="fr-FR"/>
-              <a:t>8</a:t>
+              <a:t>9</a:t>
             </a:fld>
             <a:endParaRPr lang="fr-FR"/>
           </a:p>
@@ -1386,7 +1380,7 @@
           <a:p>
             <a:fld id="{F5AE91CA-69E1-4F73-A570-C18A4465CE0F}" type="slidenum">
               <a:rPr lang="fr-FR"/>
-              <a:t>9</a:t>
+              <a:t>10</a:t>
             </a:fld>
             <a:endParaRPr lang="fr-FR"/>
           </a:p>
@@ -1407,7 +1401,7 @@
 
 <file path=ppt/slideLayouts/slideLayout1.xml><?xml version="1.0" encoding="utf-8"?>
 <p:sldLayout xmlns:a="http://schemas.openxmlformats.org/drawingml/2006/main" xmlns:r="http://schemas.openxmlformats.org/officeDocument/2006/relationships" xmlns:p="http://schemas.openxmlformats.org/presentationml/2006/main" type="title" preserve="1">
-  <p:cSld name="Diapositive de titre">
+  <p:cSld name="Title Slide">
     <p:spTree>
       <p:nvGrpSpPr>
         <p:cNvPr id="1" name=""/>
@@ -1434,23 +1428,25 @@
         </p:nvSpPr>
         <p:spPr>
           <a:xfrm>
-            <a:off x="1524000" y="1122363"/>
-            <a:ext cx="9144000" cy="2387600"/>
+            <a:off x="1219200" y="2516625"/>
+            <a:ext cx="9753600" cy="2595025"/>
           </a:xfrm>
         </p:spPr>
         <p:txBody>
-          <a:bodyPr anchor="b"/>
+          <a:bodyPr>
+            <a:normAutofit/>
+          </a:bodyPr>
           <a:lstStyle>
-            <a:lvl1pPr algn="ctr">
-              <a:defRPr sz="6000"/>
+            <a:lvl1pPr>
+              <a:defRPr sz="4800"/>
             </a:lvl1pPr>
           </a:lstStyle>
           <a:p>
             <a:r>
-              <a:rPr lang="fr-FR" dirty="0"/>
-              <a:t>Modifiez le style du titre</a:t>
-            </a:r>
-            <a:endParaRPr lang="en-US" dirty="0"/>
+              <a:rPr lang="en-US" smtClean="0"/>
+              <a:t>Click to edit Master title style</a:t>
+            </a:r>
+            <a:endParaRPr lang="en-US"/>
           </a:p>
         </p:txBody>
       </p:sp>
@@ -1466,143 +1462,210 @@
         </p:nvSpPr>
         <p:spPr>
           <a:xfrm>
-            <a:off x="1524000" y="3602038"/>
-            <a:ext cx="9144000" cy="1655762"/>
+            <a:off x="1219200" y="5166530"/>
+            <a:ext cx="9753600" cy="1144632"/>
           </a:xfrm>
         </p:spPr>
         <p:txBody>
+          <a:bodyPr>
+            <a:normAutofit/>
+          </a:bodyPr>
+          <a:lstStyle>
+            <a:lvl1pPr marL="0" indent="0" algn="l">
+              <a:buNone/>
+              <a:defRPr sz="2200">
+                <a:solidFill>
+                  <a:schemeClr val="tx1"/>
+                </a:solidFill>
+              </a:defRPr>
+            </a:lvl1pPr>
+            <a:lvl2pPr marL="457200" indent="0" algn="ctr">
+              <a:buNone/>
+              <a:defRPr>
+                <a:solidFill>
+                  <a:schemeClr val="tx1">
+                    <a:tint val="75000"/>
+                  </a:schemeClr>
+                </a:solidFill>
+              </a:defRPr>
+            </a:lvl2pPr>
+            <a:lvl3pPr marL="914400" indent="0" algn="ctr">
+              <a:buNone/>
+              <a:defRPr>
+                <a:solidFill>
+                  <a:schemeClr val="tx1">
+                    <a:tint val="75000"/>
+                  </a:schemeClr>
+                </a:solidFill>
+              </a:defRPr>
+            </a:lvl3pPr>
+            <a:lvl4pPr marL="1371600" indent="0" algn="ctr">
+              <a:buNone/>
+              <a:defRPr>
+                <a:solidFill>
+                  <a:schemeClr val="tx1">
+                    <a:tint val="75000"/>
+                  </a:schemeClr>
+                </a:solidFill>
+              </a:defRPr>
+            </a:lvl4pPr>
+            <a:lvl5pPr marL="1828800" indent="0" algn="ctr">
+              <a:buNone/>
+              <a:defRPr>
+                <a:solidFill>
+                  <a:schemeClr val="tx1">
+                    <a:tint val="75000"/>
+                  </a:schemeClr>
+                </a:solidFill>
+              </a:defRPr>
+            </a:lvl5pPr>
+            <a:lvl6pPr marL="2286000" indent="0" algn="ctr">
+              <a:buNone/>
+              <a:defRPr>
+                <a:solidFill>
+                  <a:schemeClr val="tx1">
+                    <a:tint val="75000"/>
+                  </a:schemeClr>
+                </a:solidFill>
+              </a:defRPr>
+            </a:lvl6pPr>
+            <a:lvl7pPr marL="2743200" indent="0" algn="ctr">
+              <a:buNone/>
+              <a:defRPr>
+                <a:solidFill>
+                  <a:schemeClr val="tx1">
+                    <a:tint val="75000"/>
+                  </a:schemeClr>
+                </a:solidFill>
+              </a:defRPr>
+            </a:lvl7pPr>
+            <a:lvl8pPr marL="3200400" indent="0" algn="ctr">
+              <a:buNone/>
+              <a:defRPr>
+                <a:solidFill>
+                  <a:schemeClr val="tx1">
+                    <a:tint val="75000"/>
+                  </a:schemeClr>
+                </a:solidFill>
+              </a:defRPr>
+            </a:lvl8pPr>
+            <a:lvl9pPr marL="3657600" indent="0" algn="ctr">
+              <a:buNone/>
+              <a:defRPr>
+                <a:solidFill>
+                  <a:schemeClr val="tx1">
+                    <a:tint val="75000"/>
+                  </a:schemeClr>
+                </a:solidFill>
+              </a:defRPr>
+            </a:lvl9pPr>
+          </a:lstStyle>
+          <a:p>
+            <a:r>
+              <a:rPr lang="en-US" smtClean="0"/>
+              <a:t>Click to edit Master subtitle style</a:t>
+            </a:r>
+            <a:endParaRPr lang="en-US" dirty="0"/>
+          </a:p>
+        </p:txBody>
+      </p:sp>
+      <p:sp>
+        <p:nvSpPr>
+          <p:cNvPr id="7" name="Date Placeholder 6"/>
+          <p:cNvSpPr>
+            <a:spLocks noGrp="1"/>
+          </p:cNvSpPr>
+          <p:nvPr>
+            <p:ph type="dt" sz="half" idx="10"/>
+          </p:nvPr>
+        </p:nvSpPr>
+        <p:spPr/>
+        <p:txBody>
+          <a:bodyPr/>
+          <a:lstStyle/>
+          <a:p>
+            <a:fld id="{A755EAAE-0C2B-495A-AFE0-8D7D7DA72936}" type="datetime1">
+              <a:rPr lang="de-DE" smtClean="0"/>
+              <a:t>18.12.2014</a:t>
+            </a:fld>
+            <a:endParaRPr lang="de-DE"/>
+          </a:p>
+        </p:txBody>
+      </p:sp>
+      <p:sp>
+        <p:nvSpPr>
+          <p:cNvPr id="8" name="Slide Number Placeholder 7"/>
+          <p:cNvSpPr>
+            <a:spLocks noGrp="1"/>
+          </p:cNvSpPr>
+          <p:nvPr>
+            <p:ph type="sldNum" sz="quarter" idx="11"/>
+          </p:nvPr>
+        </p:nvSpPr>
+        <p:spPr>
+          <a:xfrm>
+            <a:off x="9752555" y="687589"/>
+            <a:ext cx="1254937" cy="301752"/>
+          </a:xfrm>
+        </p:spPr>
+        <p:txBody>
           <a:bodyPr/>
           <a:lstStyle>
-            <a:lvl1pPr marL="0" indent="0" algn="ctr">
-              <a:buNone/>
-              <a:defRPr sz="2400"/>
+            <a:lvl1pPr>
+              <a:defRPr sz="2800" b="1">
+                <a:solidFill>
+                  <a:srgbClr val="FF0000"/>
+                </a:solidFill>
+              </a:defRPr>
             </a:lvl1pPr>
-            <a:lvl2pPr marL="457200" indent="0" algn="ctr">
-              <a:buNone/>
-              <a:defRPr sz="2000"/>
-            </a:lvl2pPr>
-            <a:lvl3pPr marL="914400" indent="0" algn="ctr">
-              <a:buNone/>
-              <a:defRPr sz="1800"/>
-            </a:lvl3pPr>
-            <a:lvl4pPr marL="1371600" indent="0" algn="ctr">
-              <a:buNone/>
-              <a:defRPr sz="1600"/>
-            </a:lvl4pPr>
-            <a:lvl5pPr marL="1828800" indent="0" algn="ctr">
-              <a:buNone/>
-              <a:defRPr sz="1600"/>
-            </a:lvl5pPr>
-            <a:lvl6pPr marL="2286000" indent="0" algn="ctr">
-              <a:buNone/>
-              <a:defRPr sz="1600"/>
-            </a:lvl6pPr>
-            <a:lvl7pPr marL="2743200" indent="0" algn="ctr">
-              <a:buNone/>
-              <a:defRPr sz="1600"/>
-            </a:lvl7pPr>
-            <a:lvl8pPr marL="3200400" indent="0" algn="ctr">
-              <a:buNone/>
-              <a:defRPr sz="1600"/>
-            </a:lvl8pPr>
-            <a:lvl9pPr marL="3657600" indent="0" algn="ctr">
-              <a:buNone/>
-              <a:defRPr sz="1600"/>
-            </a:lvl9pPr>
           </a:lstStyle>
-          <a:p>
-            <a:r>
-              <a:rPr lang="fr-FR" dirty="0"/>
-              <a:t>Modifier le style des sous-titres du masque</a:t>
-            </a:r>
-            <a:endParaRPr lang="en-US" dirty="0"/>
-          </a:p>
-        </p:txBody>
-      </p:sp>
-      <p:sp>
-        <p:nvSpPr>
-          <p:cNvPr id="4" name="Date Placeholder 3"/>
-          <p:cNvSpPr>
-            <a:spLocks noGrp="1"/>
-          </p:cNvSpPr>
-          <p:nvPr>
-            <p:ph type="dt" sz="half" idx="10"/>
-          </p:nvPr>
-        </p:nvSpPr>
-        <p:spPr/>
-        <p:txBody>
-          <a:bodyPr/>
-          <a:lstStyle/>
-          <a:p>
-            <a:fld id="{638941B0-F4D5-4460-BCAD-F7E2B41A8257}" type="datetimeFigureOut">
-              <a:rPr lang="de-DE" smtClean="0"/>
-              <a:t>16.12.2014</a:t>
-            </a:fld>
-            <a:endParaRPr lang="de-DE"/>
-          </a:p>
-        </p:txBody>
-      </p:sp>
-      <p:sp>
-        <p:nvSpPr>
-          <p:cNvPr id="5" name="Footer Placeholder 4"/>
-          <p:cNvSpPr>
-            <a:spLocks noGrp="1"/>
-          </p:cNvSpPr>
-          <p:nvPr>
-            <p:ph type="ftr" sz="quarter" idx="11"/>
-          </p:nvPr>
-        </p:nvSpPr>
-        <p:spPr/>
-        <p:txBody>
-          <a:bodyPr/>
-          <a:lstStyle/>
-          <a:p>
-            <a:endParaRPr lang="de-DE"/>
-          </a:p>
-        </p:txBody>
-      </p:sp>
-      <p:sp>
-        <p:nvSpPr>
-          <p:cNvPr id="6" name="Slide Number Placeholder 5"/>
-          <p:cNvSpPr>
-            <a:spLocks noGrp="1"/>
-          </p:cNvSpPr>
-          <p:nvPr>
-            <p:ph type="sldNum" sz="quarter" idx="12"/>
-          </p:nvPr>
-        </p:nvSpPr>
-        <p:spPr/>
-        <p:txBody>
-          <a:bodyPr/>
-          <a:lstStyle/>
           <a:p>
             <a:fld id="{27C6CCC6-2BE5-4E42-96A4-D1E8E81A3D8E}" type="slidenum">
               <a:rPr lang="de-DE" smtClean="0"/>
+              <a:pPr/>
               <a:t>‹#›</a:t>
             </a:fld>
-            <a:endParaRPr lang="de-DE"/>
+            <a:endParaRPr lang="de-DE" dirty="0"/>
+          </a:p>
+        </p:txBody>
+      </p:sp>
+      <p:sp>
+        <p:nvSpPr>
+          <p:cNvPr id="9" name="Footer Placeholder 8"/>
+          <p:cNvSpPr>
+            <a:spLocks noGrp="1"/>
+          </p:cNvSpPr>
+          <p:nvPr>
+            <p:ph type="ftr" sz="quarter" idx="12"/>
+          </p:nvPr>
+        </p:nvSpPr>
+        <p:spPr/>
+        <p:txBody>
+          <a:bodyPr/>
+          <a:lstStyle/>
+          <a:p>
+            <a:endParaRPr lang="de-DE" dirty="0"/>
           </a:p>
         </p:txBody>
       </p:sp>
     </p:spTree>
-    <p:extLst>
-      <p:ext uri="{BB962C8B-B14F-4D97-AF65-F5344CB8AC3E}">
-        <p14:creationId xmlns:p14="http://schemas.microsoft.com/office/powerpoint/2010/main" val="2542346632"/>
-      </p:ext>
-    </p:extLst>
   </p:cSld>
   <p:clrMapOvr>
     <a:masterClrMapping/>
   </p:clrMapOvr>
-  <p:transition spd="slow">
-    <p:push dir="u"/>
-  </p:transition>
+  <p:timing>
+    <p:tnLst>
+      <p:par>
+        <p:cTn id="1" dur="indefinite" restart="never" nodeType="tmRoot"/>
+      </p:par>
+    </p:tnLst>
+  </p:timing>
 </p:sldLayout>
 </file>
 
 <file path=ppt/slideLayouts/slideLayout10.xml><?xml version="1.0" encoding="utf-8"?>
 <p:sldLayout xmlns:a="http://schemas.openxmlformats.org/drawingml/2006/main" xmlns:r="http://schemas.openxmlformats.org/officeDocument/2006/relationships" xmlns:p="http://schemas.openxmlformats.org/presentationml/2006/main" type="vertTx" preserve="1">
-  <p:cSld name="Titre et texte vertical">
+  <p:cSld name="Title and Vertical Text">
     <p:spTree>
       <p:nvGrpSpPr>
         <p:cNvPr id="1" name=""/>
@@ -1633,10 +1696,10 @@
           <a:lstStyle/>
           <a:p>
             <a:r>
-              <a:rPr lang="fr-FR" dirty="0"/>
-              <a:t>Modifiez le style du titre</a:t>
-            </a:r>
-            <a:endParaRPr lang="en-US" dirty="0"/>
+              <a:rPr lang="en-US" smtClean="0"/>
+              <a:t>Click to edit Master title style</a:t>
+            </a:r>
+            <a:endParaRPr lang="en-US"/>
           </a:p>
         </p:txBody>
       </p:sp>
@@ -1657,38 +1720,38 @@
           <a:p>
             <a:pPr lvl="0"/>
             <a:r>
-              <a:rPr lang="fr-FR" dirty="0"/>
-              <a:t>Modifier les styles du texte du masque</a:t>
+              <a:rPr lang="en-US" smtClean="0"/>
+              <a:t>Click to edit Master text styles</a:t>
             </a:r>
           </a:p>
           <a:p>
             <a:pPr lvl="1"/>
             <a:r>
-              <a:rPr lang="fr-FR" dirty="0"/>
-              <a:t>Deuxième niveau</a:t>
+              <a:rPr lang="en-US" smtClean="0"/>
+              <a:t>Second level</a:t>
             </a:r>
           </a:p>
           <a:p>
             <a:pPr lvl="2"/>
             <a:r>
-              <a:rPr lang="fr-FR" dirty="0"/>
-              <a:t>Troisième niveau</a:t>
+              <a:rPr lang="en-US" smtClean="0"/>
+              <a:t>Third level</a:t>
             </a:r>
           </a:p>
           <a:p>
             <a:pPr lvl="3"/>
             <a:r>
-              <a:rPr lang="fr-FR" dirty="0"/>
-              <a:t>Quatrième niveau</a:t>
+              <a:rPr lang="en-US" smtClean="0"/>
+              <a:t>Fourth level</a:t>
             </a:r>
           </a:p>
           <a:p>
             <a:pPr lvl="4"/>
             <a:r>
-              <a:rPr lang="fr-FR" dirty="0"/>
-              <a:t>Cinquième niveau</a:t>
-            </a:r>
-            <a:endParaRPr lang="en-US" dirty="0"/>
+              <a:rPr lang="en-US" smtClean="0"/>
+              <a:t>Fifth level</a:t>
+            </a:r>
+            <a:endParaRPr lang="en-US"/>
           </a:p>
         </p:txBody>
       </p:sp>
@@ -1707,9 +1770,9 @@
           <a:bodyPr/>
           <a:lstStyle/>
           <a:p>
-            <a:fld id="{638941B0-F4D5-4460-BCAD-F7E2B41A8257}" type="datetimeFigureOut">
+            <a:fld id="{C0DBF29D-98EE-415E-9E3D-95E6D5F2FB90}" type="datetime1">
               <a:rPr lang="de-DE" smtClean="0"/>
-              <a:t>16.12.2014</a:t>
+              <a:t>18.12.2014</a:t>
             </a:fld>
             <a:endParaRPr lang="de-DE"/>
           </a:p>
@@ -1758,24 +1821,16 @@
         </p:txBody>
       </p:sp>
     </p:spTree>
-    <p:extLst>
-      <p:ext uri="{BB962C8B-B14F-4D97-AF65-F5344CB8AC3E}">
-        <p14:creationId xmlns:p14="http://schemas.microsoft.com/office/powerpoint/2010/main" val="1300388327"/>
-      </p:ext>
-    </p:extLst>
   </p:cSld>
   <p:clrMapOvr>
     <a:masterClrMapping/>
   </p:clrMapOvr>
-  <p:transition spd="slow">
-    <p:push dir="u"/>
-  </p:transition>
 </p:sldLayout>
 </file>
 
 <file path=ppt/slideLayouts/slideLayout11.xml><?xml version="1.0" encoding="utf-8"?>
 <p:sldLayout xmlns:a="http://schemas.openxmlformats.org/drawingml/2006/main" xmlns:r="http://schemas.openxmlformats.org/officeDocument/2006/relationships" xmlns:p="http://schemas.openxmlformats.org/presentationml/2006/main" type="vertTitleAndTx" preserve="1">
-  <p:cSld name="Titre vertical et texte">
+  <p:cSld name="Vertical Title and Text">
     <p:spTree>
       <p:nvGrpSpPr>
         <p:cNvPr id="1" name=""/>
@@ -1802,8 +1857,8 @@
         </p:nvSpPr>
         <p:spPr>
           <a:xfrm>
-            <a:off x="8724900" y="365125"/>
-            <a:ext cx="2628900" cy="5811838"/>
+            <a:off x="8331201" y="1826709"/>
+            <a:ext cx="1989999" cy="4484454"/>
           </a:xfrm>
         </p:spPr>
         <p:txBody>
@@ -1811,10 +1866,10 @@
           <a:lstStyle/>
           <a:p>
             <a:r>
-              <a:rPr lang="fr-FR" dirty="0"/>
-              <a:t>Modifiez le style du titre</a:t>
-            </a:r>
-            <a:endParaRPr lang="en-US" dirty="0"/>
+              <a:rPr lang="en-US" smtClean="0"/>
+              <a:t>Click to edit Master title style</a:t>
+            </a:r>
+            <a:endParaRPr lang="en-US"/>
           </a:p>
         </p:txBody>
       </p:sp>
@@ -1830,8 +1885,8 @@
         </p:nvSpPr>
         <p:spPr>
           <a:xfrm>
-            <a:off x="838200" y="365125"/>
-            <a:ext cx="7734300" cy="5811838"/>
+            <a:off x="1139365" y="1826709"/>
+            <a:ext cx="6988635" cy="4484454"/>
           </a:xfrm>
         </p:spPr>
         <p:txBody>
@@ -1840,38 +1895,38 @@
           <a:p>
             <a:pPr lvl="0"/>
             <a:r>
-              <a:rPr lang="fr-FR" dirty="0"/>
-              <a:t>Modifier les styles du texte du masque</a:t>
+              <a:rPr lang="en-US" smtClean="0"/>
+              <a:t>Click to edit Master text styles</a:t>
             </a:r>
           </a:p>
           <a:p>
             <a:pPr lvl="1"/>
             <a:r>
-              <a:rPr lang="fr-FR" dirty="0"/>
-              <a:t>Deuxième niveau</a:t>
+              <a:rPr lang="en-US" smtClean="0"/>
+              <a:t>Second level</a:t>
             </a:r>
           </a:p>
           <a:p>
             <a:pPr lvl="2"/>
             <a:r>
-              <a:rPr lang="fr-FR" dirty="0"/>
-              <a:t>Troisième niveau</a:t>
+              <a:rPr lang="en-US" smtClean="0"/>
+              <a:t>Third level</a:t>
             </a:r>
           </a:p>
           <a:p>
             <a:pPr lvl="3"/>
             <a:r>
-              <a:rPr lang="fr-FR" dirty="0"/>
-              <a:t>Quatrième niveau</a:t>
+              <a:rPr lang="en-US" smtClean="0"/>
+              <a:t>Fourth level</a:t>
             </a:r>
           </a:p>
           <a:p>
             <a:pPr lvl="4"/>
             <a:r>
-              <a:rPr lang="fr-FR" dirty="0"/>
-              <a:t>Cinquième niveau</a:t>
-            </a:r>
-            <a:endParaRPr lang="en-US" dirty="0"/>
+              <a:rPr lang="en-US" smtClean="0"/>
+              <a:t>Fifth level</a:t>
+            </a:r>
+            <a:endParaRPr lang="en-US"/>
           </a:p>
         </p:txBody>
       </p:sp>
@@ -1890,9 +1945,9 @@
           <a:bodyPr/>
           <a:lstStyle/>
           <a:p>
-            <a:fld id="{638941B0-F4D5-4460-BCAD-F7E2B41A8257}" type="datetimeFigureOut">
+            <a:fld id="{28A79863-F3C7-4033-92FE-57FD67452E0C}" type="datetime1">
               <a:rPr lang="de-DE" smtClean="0"/>
-              <a:t>16.12.2014</a:t>
+              <a:t>18.12.2014</a:t>
             </a:fld>
             <a:endParaRPr lang="de-DE"/>
           </a:p>
@@ -1941,24 +1996,16 @@
         </p:txBody>
       </p:sp>
     </p:spTree>
-    <p:extLst>
-      <p:ext uri="{BB962C8B-B14F-4D97-AF65-F5344CB8AC3E}">
-        <p14:creationId xmlns:p14="http://schemas.microsoft.com/office/powerpoint/2010/main" val="996851722"/>
-      </p:ext>
-    </p:extLst>
   </p:cSld>
   <p:clrMapOvr>
     <a:masterClrMapping/>
   </p:clrMapOvr>
-  <p:transition spd="slow">
-    <p:push dir="u"/>
-  </p:transition>
 </p:sldLayout>
 </file>
 
 <file path=ppt/slideLayouts/slideLayout2.xml><?xml version="1.0" encoding="utf-8"?>
 <p:sldLayout xmlns:a="http://schemas.openxmlformats.org/drawingml/2006/main" xmlns:r="http://schemas.openxmlformats.org/officeDocument/2006/relationships" xmlns:p="http://schemas.openxmlformats.org/presentationml/2006/main" type="obj" preserve="1">
-  <p:cSld name="Titre et contenu">
+  <p:cSld name="Title and Content">
     <p:spTree>
       <p:nvGrpSpPr>
         <p:cNvPr id="1" name=""/>
@@ -1983,14 +2030,71 @@
             <p:ph type="title"/>
           </p:nvPr>
         </p:nvSpPr>
+        <p:spPr>
+          <a:xfrm>
+            <a:off x="615043" y="0"/>
+            <a:ext cx="9753600" cy="1154097"/>
+          </a:xfrm>
+        </p:spPr>
+        <p:txBody>
+          <a:bodyPr/>
+          <a:lstStyle/>
+          <a:p>
+            <a:r>
+              <a:rPr lang="en-US" smtClean="0"/>
+              <a:t>Click to edit Master title style</a:t>
+            </a:r>
+            <a:endParaRPr lang="en-US"/>
+          </a:p>
+        </p:txBody>
+      </p:sp>
+      <p:sp>
+        <p:nvSpPr>
+          <p:cNvPr id="3" name="Content Placeholder 2"/>
+          <p:cNvSpPr>
+            <a:spLocks noGrp="1"/>
+          </p:cNvSpPr>
+          <p:nvPr>
+            <p:ph idx="1"/>
+          </p:nvPr>
+        </p:nvSpPr>
         <p:spPr/>
         <p:txBody>
           <a:bodyPr/>
           <a:lstStyle/>
           <a:p>
-            <a:r>
-              <a:rPr lang="fr-FR" dirty="0"/>
-              <a:t>Modifiez le style du titre</a:t>
+            <a:pPr lvl="0"/>
+            <a:r>
+              <a:rPr lang="en-US" smtClean="0"/>
+              <a:t>Click to edit Master text styles</a:t>
+            </a:r>
+          </a:p>
+          <a:p>
+            <a:pPr lvl="1"/>
+            <a:r>
+              <a:rPr lang="en-US" smtClean="0"/>
+              <a:t>Second level</a:t>
+            </a:r>
+          </a:p>
+          <a:p>
+            <a:pPr lvl="2"/>
+            <a:r>
+              <a:rPr lang="en-US" smtClean="0"/>
+              <a:t>Third level</a:t>
+            </a:r>
+          </a:p>
+          <a:p>
+            <a:pPr lvl="3"/>
+            <a:r>
+              <a:rPr lang="en-US" smtClean="0"/>
+              <a:t>Fourth level</a:t>
+            </a:r>
+          </a:p>
+          <a:p>
+            <a:pPr lvl="4"/>
+            <a:r>
+              <a:rPr lang="en-US" smtClean="0"/>
+              <a:t>Fifth level</a:t>
             </a:r>
             <a:endParaRPr lang="en-US" dirty="0"/>
           </a:p>
@@ -1998,12 +2102,12 @@
       </p:sp>
       <p:sp>
         <p:nvSpPr>
-          <p:cNvPr id="3" name="Content Placeholder 2"/>
-          <p:cNvSpPr>
-            <a:spLocks noGrp="1"/>
-          </p:cNvSpPr>
-          <p:nvPr>
-            <p:ph idx="1"/>
+          <p:cNvPr id="4" name="Date Placeholder 3"/>
+          <p:cNvSpPr>
+            <a:spLocks noGrp="1"/>
+          </p:cNvSpPr>
+          <p:nvPr>
+            <p:ph type="dt" sz="half" idx="10"/>
           </p:nvPr>
         </p:nvSpPr>
         <p:spPr/>
@@ -2011,61 +2115,9 @@
           <a:bodyPr/>
           <a:lstStyle/>
           <a:p>
-            <a:pPr lvl="0"/>
-            <a:r>
-              <a:rPr lang="fr-FR" dirty="0"/>
-              <a:t>Modifier les styles du texte du masque</a:t>
-            </a:r>
-          </a:p>
-          <a:p>
-            <a:pPr lvl="1"/>
-            <a:r>
-              <a:rPr lang="fr-FR" dirty="0"/>
-              <a:t>Deuxième niveau</a:t>
-            </a:r>
-          </a:p>
-          <a:p>
-            <a:pPr lvl="2"/>
-            <a:r>
-              <a:rPr lang="fr-FR" dirty="0"/>
-              <a:t>Troisième niveau</a:t>
-            </a:r>
-          </a:p>
-          <a:p>
-            <a:pPr lvl="3"/>
-            <a:r>
-              <a:rPr lang="fr-FR" dirty="0"/>
-              <a:t>Quatrième niveau</a:t>
-            </a:r>
-          </a:p>
-          <a:p>
-            <a:pPr lvl="4"/>
-            <a:r>
-              <a:rPr lang="fr-FR" dirty="0"/>
-              <a:t>Cinquième niveau</a:t>
-            </a:r>
-            <a:endParaRPr lang="en-US" dirty="0"/>
-          </a:p>
-        </p:txBody>
-      </p:sp>
-      <p:sp>
-        <p:nvSpPr>
-          <p:cNvPr id="4" name="Date Placeholder 3"/>
-          <p:cNvSpPr>
-            <a:spLocks noGrp="1"/>
-          </p:cNvSpPr>
-          <p:nvPr>
-            <p:ph type="dt" sz="half" idx="10"/>
-          </p:nvPr>
-        </p:nvSpPr>
-        <p:spPr/>
-        <p:txBody>
-          <a:bodyPr/>
-          <a:lstStyle/>
-          <a:p>
-            <a:fld id="{638941B0-F4D5-4460-BCAD-F7E2B41A8257}" type="datetimeFigureOut">
+            <a:fld id="{B88F187E-90BF-4F32-A3B9-F24172DFCC31}" type="datetime1">
               <a:rPr lang="de-DE" smtClean="0"/>
-              <a:t>16.12.2014</a:t>
+              <a:t>18.12.2014</a:t>
             </a:fld>
             <a:endParaRPr lang="de-DE"/>
           </a:p>
@@ -2086,7 +2138,7 @@
           <a:bodyPr/>
           <a:lstStyle/>
           <a:p>
-            <a:endParaRPr lang="de-DE"/>
+            <a:endParaRPr lang="de-DE" dirty="0"/>
           </a:p>
         </p:txBody>
       </p:sp>
@@ -2100,38 +2152,47 @@
             <p:ph type="sldNum" sz="quarter" idx="12"/>
           </p:nvPr>
         </p:nvSpPr>
-        <p:spPr/>
+        <p:spPr>
+          <a:xfrm>
+            <a:off x="9752554" y="703913"/>
+            <a:ext cx="1254937" cy="301752"/>
+          </a:xfrm>
+        </p:spPr>
         <p:txBody>
           <a:bodyPr/>
-          <a:lstStyle/>
+          <a:lstStyle>
+            <a:lvl1pPr>
+              <a:defRPr sz="2800" b="1"/>
+            </a:lvl1pPr>
+          </a:lstStyle>
           <a:p>
             <a:fld id="{27C6CCC6-2BE5-4E42-96A4-D1E8E81A3D8E}" type="slidenum">
               <a:rPr lang="de-DE" smtClean="0"/>
+              <a:pPr/>
               <a:t>‹#›</a:t>
             </a:fld>
-            <a:endParaRPr lang="de-DE"/>
+            <a:endParaRPr lang="de-DE" dirty="0"/>
           </a:p>
         </p:txBody>
       </p:sp>
     </p:spTree>
-    <p:extLst>
-      <p:ext uri="{BB962C8B-B14F-4D97-AF65-F5344CB8AC3E}">
-        <p14:creationId xmlns:p14="http://schemas.microsoft.com/office/powerpoint/2010/main" val="3694918882"/>
-      </p:ext>
-    </p:extLst>
   </p:cSld>
   <p:clrMapOvr>
     <a:masterClrMapping/>
   </p:clrMapOvr>
-  <p:transition spd="slow">
-    <p:push dir="u"/>
-  </p:transition>
+  <p:timing>
+    <p:tnLst>
+      <p:par>
+        <p:cTn id="1" dur="indefinite" restart="never" nodeType="tmRoot"/>
+      </p:par>
+    </p:tnLst>
+  </p:timing>
 </p:sldLayout>
 </file>
 
 <file path=ppt/slideLayouts/slideLayout3.xml><?xml version="1.0" encoding="utf-8"?>
 <p:sldLayout xmlns:a="http://schemas.openxmlformats.org/drawingml/2006/main" xmlns:r="http://schemas.openxmlformats.org/officeDocument/2006/relationships" xmlns:p="http://schemas.openxmlformats.org/presentationml/2006/main" type="secHead" preserve="1">
-  <p:cSld name="Titre de section">
+  <p:cSld name="Section Header">
     <p:spTree>
       <p:nvGrpSpPr>
         <p:cNvPr id="1" name=""/>
@@ -2158,141 +2219,139 @@
         </p:nvSpPr>
         <p:spPr>
           <a:xfrm>
-            <a:off x="831850" y="1709738"/>
-            <a:ext cx="10515600" cy="2852737"/>
+            <a:off x="1219200" y="5017572"/>
+            <a:ext cx="9753600" cy="1293592"/>
           </a:xfrm>
         </p:spPr>
         <p:txBody>
+          <a:bodyPr anchor="t"/>
+          <a:lstStyle>
+            <a:lvl1pPr algn="l">
+              <a:defRPr sz="4000" b="0" cap="none"/>
+            </a:lvl1pPr>
+          </a:lstStyle>
+          <a:p>
+            <a:r>
+              <a:rPr lang="en-US" smtClean="0"/>
+              <a:t>Click to edit Master title style</a:t>
+            </a:r>
+            <a:endParaRPr lang="en-US"/>
+          </a:p>
+        </p:txBody>
+      </p:sp>
+      <p:sp>
+        <p:nvSpPr>
+          <p:cNvPr id="3" name="Text Placeholder 2"/>
+          <p:cNvSpPr>
+            <a:spLocks noGrp="1"/>
+          </p:cNvSpPr>
+          <p:nvPr>
+            <p:ph type="body" idx="1"/>
+          </p:nvPr>
+        </p:nvSpPr>
+        <p:spPr>
+          <a:xfrm>
+            <a:off x="1219200" y="3865098"/>
+            <a:ext cx="9753600" cy="1098439"/>
+          </a:xfrm>
+        </p:spPr>
+        <p:txBody>
           <a:bodyPr anchor="b"/>
           <a:lstStyle>
-            <a:lvl1pPr>
-              <a:defRPr sz="6000"/>
+            <a:lvl1pPr marL="0" indent="0">
+              <a:buNone/>
+              <a:defRPr sz="2000">
+                <a:solidFill>
+                  <a:schemeClr val="tx1"/>
+                </a:solidFill>
+              </a:defRPr>
             </a:lvl1pPr>
-          </a:lstStyle>
-          <a:p>
-            <a:r>
-              <a:rPr lang="fr-FR" dirty="0"/>
-              <a:t>Modifiez le style du titre</a:t>
-            </a:r>
-            <a:endParaRPr lang="en-US" dirty="0"/>
-          </a:p>
-        </p:txBody>
-      </p:sp>
-      <p:sp>
-        <p:nvSpPr>
-          <p:cNvPr id="3" name="Text Placeholder 2"/>
-          <p:cNvSpPr>
-            <a:spLocks noGrp="1"/>
-          </p:cNvSpPr>
-          <p:nvPr>
-            <p:ph type="body" idx="1"/>
-          </p:nvPr>
-        </p:nvSpPr>
-        <p:spPr>
-          <a:xfrm>
-            <a:off x="831850" y="4589463"/>
-            <a:ext cx="10515600" cy="1500187"/>
-          </a:xfrm>
-        </p:spPr>
-        <p:txBody>
-          <a:bodyPr/>
-          <a:lstStyle>
-            <a:lvl1pPr marL="0" indent="0">
-              <a:buNone/>
-              <a:defRPr sz="2400">
+            <a:lvl2pPr marL="457200" indent="0">
+              <a:buNone/>
+              <a:defRPr sz="1800">
                 <a:solidFill>
                   <a:schemeClr val="tx1">
                     <a:tint val="75000"/>
                   </a:schemeClr>
                 </a:solidFill>
               </a:defRPr>
-            </a:lvl1pPr>
-            <a:lvl2pPr marL="457200" indent="0">
-              <a:buNone/>
-              <a:defRPr sz="2000">
+            </a:lvl2pPr>
+            <a:lvl3pPr marL="914400" indent="0">
+              <a:buNone/>
+              <a:defRPr sz="1600">
                 <a:solidFill>
                   <a:schemeClr val="tx1">
                     <a:tint val="75000"/>
                   </a:schemeClr>
                 </a:solidFill>
               </a:defRPr>
-            </a:lvl2pPr>
-            <a:lvl3pPr marL="914400" indent="0">
-              <a:buNone/>
-              <a:defRPr sz="1800">
+            </a:lvl3pPr>
+            <a:lvl4pPr marL="1371600" indent="0">
+              <a:buNone/>
+              <a:defRPr sz="1400">
                 <a:solidFill>
                   <a:schemeClr val="tx1">
                     <a:tint val="75000"/>
                   </a:schemeClr>
                 </a:solidFill>
               </a:defRPr>
-            </a:lvl3pPr>
-            <a:lvl4pPr marL="1371600" indent="0">
-              <a:buNone/>
-              <a:defRPr sz="1600">
+            </a:lvl4pPr>
+            <a:lvl5pPr marL="1828800" indent="0">
+              <a:buNone/>
+              <a:defRPr sz="1400">
                 <a:solidFill>
                   <a:schemeClr val="tx1">
                     <a:tint val="75000"/>
                   </a:schemeClr>
                 </a:solidFill>
               </a:defRPr>
-            </a:lvl4pPr>
-            <a:lvl5pPr marL="1828800" indent="0">
-              <a:buNone/>
-              <a:defRPr sz="1600">
+            </a:lvl5pPr>
+            <a:lvl6pPr marL="2286000" indent="0">
+              <a:buNone/>
+              <a:defRPr sz="1400">
                 <a:solidFill>
                   <a:schemeClr val="tx1">
                     <a:tint val="75000"/>
                   </a:schemeClr>
                 </a:solidFill>
               </a:defRPr>
-            </a:lvl5pPr>
-            <a:lvl6pPr marL="2286000" indent="0">
-              <a:buNone/>
-              <a:defRPr sz="1600">
+            </a:lvl6pPr>
+            <a:lvl7pPr marL="2743200" indent="0">
+              <a:buNone/>
+              <a:defRPr sz="1400">
                 <a:solidFill>
                   <a:schemeClr val="tx1">
                     <a:tint val="75000"/>
                   </a:schemeClr>
                 </a:solidFill>
               </a:defRPr>
-            </a:lvl6pPr>
-            <a:lvl7pPr marL="2743200" indent="0">
-              <a:buNone/>
-              <a:defRPr sz="1600">
+            </a:lvl7pPr>
+            <a:lvl8pPr marL="3200400" indent="0">
+              <a:buNone/>
+              <a:defRPr sz="1400">
                 <a:solidFill>
                   <a:schemeClr val="tx1">
                     <a:tint val="75000"/>
                   </a:schemeClr>
                 </a:solidFill>
               </a:defRPr>
-            </a:lvl7pPr>
-            <a:lvl8pPr marL="3200400" indent="0">
-              <a:buNone/>
-              <a:defRPr sz="1600">
+            </a:lvl8pPr>
+            <a:lvl9pPr marL="3657600" indent="0">
+              <a:buNone/>
+              <a:defRPr sz="1400">
                 <a:solidFill>
                   <a:schemeClr val="tx1">
                     <a:tint val="75000"/>
                   </a:schemeClr>
                 </a:solidFill>
               </a:defRPr>
-            </a:lvl8pPr>
-            <a:lvl9pPr marL="3657600" indent="0">
-              <a:buNone/>
-              <a:defRPr sz="1600">
-                <a:solidFill>
-                  <a:schemeClr val="tx1">
-                    <a:tint val="75000"/>
-                  </a:schemeClr>
-                </a:solidFill>
-              </a:defRPr>
             </a:lvl9pPr>
           </a:lstStyle>
           <a:p>
             <a:pPr lvl="0"/>
             <a:r>
-              <a:rPr lang="fr-FR" dirty="0"/>
-              <a:t>Modifier les styles du texte du masque</a:t>
+              <a:rPr lang="en-US" smtClean="0"/>
+              <a:t>Click to edit Master text styles</a:t>
             </a:r>
           </a:p>
         </p:txBody>
@@ -2312,9 +2371,9 @@
           <a:bodyPr/>
           <a:lstStyle/>
           <a:p>
-            <a:fld id="{638941B0-F4D5-4460-BCAD-F7E2B41A8257}" type="datetimeFigureOut">
+            <a:fld id="{138E3AE3-517E-452C-9FE7-5C3834783A81}" type="datetime1">
               <a:rPr lang="de-DE" smtClean="0"/>
-              <a:t>16.12.2014</a:t>
+              <a:t>18.12.2014</a:t>
             </a:fld>
             <a:endParaRPr lang="de-DE"/>
           </a:p>
@@ -2363,24 +2422,23 @@
         </p:txBody>
       </p:sp>
     </p:spTree>
-    <p:extLst>
-      <p:ext uri="{BB962C8B-B14F-4D97-AF65-F5344CB8AC3E}">
-        <p14:creationId xmlns:p14="http://schemas.microsoft.com/office/powerpoint/2010/main" val="1108814813"/>
-      </p:ext>
-    </p:extLst>
   </p:cSld>
   <p:clrMapOvr>
     <a:masterClrMapping/>
   </p:clrMapOvr>
-  <p:transition spd="slow">
-    <p:push dir="u"/>
-  </p:transition>
+  <p:timing>
+    <p:tnLst>
+      <p:par>
+        <p:cTn id="1" dur="indefinite" restart="never" nodeType="tmRoot"/>
+      </p:par>
+    </p:tnLst>
+  </p:timing>
 </p:sldLayout>
 </file>
 
 <file path=ppt/slideLayouts/slideLayout4.xml><?xml version="1.0" encoding="utf-8"?>
 <p:sldLayout xmlns:a="http://schemas.openxmlformats.org/drawingml/2006/main" xmlns:r="http://schemas.openxmlformats.org/officeDocument/2006/relationships" xmlns:p="http://schemas.openxmlformats.org/presentationml/2006/main" type="twoObj" preserve="1">
-  <p:cSld name="Deux contenus">
+  <p:cSld name="Two Content">
     <p:spTree>
       <p:nvGrpSpPr>
         <p:cNvPr id="1" name=""/>
@@ -2397,12 +2455,12 @@
       </p:grpSpPr>
       <p:sp>
         <p:nvSpPr>
-          <p:cNvPr id="2" name="Title 1"/>
-          <p:cNvSpPr>
-            <a:spLocks noGrp="1"/>
-          </p:cNvSpPr>
-          <p:nvPr>
-            <p:ph type="title"/>
+          <p:cNvPr id="5" name="Date Placeholder 4"/>
+          <p:cNvSpPr>
+            <a:spLocks noGrp="1"/>
+          </p:cNvSpPr>
+          <p:nvPr>
+            <p:ph type="dt" sz="half" idx="10"/>
           </p:nvPr>
         </p:nvSpPr>
         <p:spPr/>
@@ -2410,146 +2468,9 @@
           <a:bodyPr/>
           <a:lstStyle/>
           <a:p>
-            <a:r>
-              <a:rPr lang="fr-FR" dirty="0"/>
-              <a:t>Modifiez le style du titre</a:t>
-            </a:r>
-            <a:endParaRPr lang="en-US" dirty="0"/>
-          </a:p>
-        </p:txBody>
-      </p:sp>
-      <p:sp>
-        <p:nvSpPr>
-          <p:cNvPr id="3" name="Content Placeholder 2"/>
-          <p:cNvSpPr>
-            <a:spLocks noGrp="1"/>
-          </p:cNvSpPr>
-          <p:nvPr>
-            <p:ph sz="half" idx="1"/>
-          </p:nvPr>
-        </p:nvSpPr>
-        <p:spPr>
-          <a:xfrm>
-            <a:off x="838200" y="1825625"/>
-            <a:ext cx="5181600" cy="4351338"/>
-          </a:xfrm>
-        </p:spPr>
-        <p:txBody>
-          <a:bodyPr/>
-          <a:lstStyle/>
-          <a:p>
-            <a:pPr lvl="0"/>
-            <a:r>
-              <a:rPr lang="fr-FR" dirty="0"/>
-              <a:t>Modifier les styles du texte du masque</a:t>
-            </a:r>
-          </a:p>
-          <a:p>
-            <a:pPr lvl="1"/>
-            <a:r>
-              <a:rPr lang="fr-FR" dirty="0"/>
-              <a:t>Deuxième niveau</a:t>
-            </a:r>
-          </a:p>
-          <a:p>
-            <a:pPr lvl="2"/>
-            <a:r>
-              <a:rPr lang="fr-FR" dirty="0"/>
-              <a:t>Troisième niveau</a:t>
-            </a:r>
-          </a:p>
-          <a:p>
-            <a:pPr lvl="3"/>
-            <a:r>
-              <a:rPr lang="fr-FR" dirty="0"/>
-              <a:t>Quatrième niveau</a:t>
-            </a:r>
-          </a:p>
-          <a:p>
-            <a:pPr lvl="4"/>
-            <a:r>
-              <a:rPr lang="fr-FR" dirty="0"/>
-              <a:t>Cinquième niveau</a:t>
-            </a:r>
-            <a:endParaRPr lang="en-US" dirty="0"/>
-          </a:p>
-        </p:txBody>
-      </p:sp>
-      <p:sp>
-        <p:nvSpPr>
-          <p:cNvPr id="4" name="Content Placeholder 3"/>
-          <p:cNvSpPr>
-            <a:spLocks noGrp="1"/>
-          </p:cNvSpPr>
-          <p:nvPr>
-            <p:ph sz="half" idx="2"/>
-          </p:nvPr>
-        </p:nvSpPr>
-        <p:spPr>
-          <a:xfrm>
-            <a:off x="6172200" y="1825625"/>
-            <a:ext cx="5181600" cy="4351338"/>
-          </a:xfrm>
-        </p:spPr>
-        <p:txBody>
-          <a:bodyPr/>
-          <a:lstStyle/>
-          <a:p>
-            <a:pPr lvl="0"/>
-            <a:r>
-              <a:rPr lang="fr-FR" dirty="0"/>
-              <a:t>Modifier les styles du texte du masque</a:t>
-            </a:r>
-          </a:p>
-          <a:p>
-            <a:pPr lvl="1"/>
-            <a:r>
-              <a:rPr lang="fr-FR" dirty="0"/>
-              <a:t>Deuxième niveau</a:t>
-            </a:r>
-          </a:p>
-          <a:p>
-            <a:pPr lvl="2"/>
-            <a:r>
-              <a:rPr lang="fr-FR" dirty="0"/>
-              <a:t>Troisième niveau</a:t>
-            </a:r>
-          </a:p>
-          <a:p>
-            <a:pPr lvl="3"/>
-            <a:r>
-              <a:rPr lang="fr-FR" dirty="0"/>
-              <a:t>Quatrième niveau</a:t>
-            </a:r>
-          </a:p>
-          <a:p>
-            <a:pPr lvl="4"/>
-            <a:r>
-              <a:rPr lang="fr-FR" dirty="0"/>
-              <a:t>Cinquième niveau</a:t>
-            </a:r>
-            <a:endParaRPr lang="en-US" dirty="0"/>
-          </a:p>
-        </p:txBody>
-      </p:sp>
-      <p:sp>
-        <p:nvSpPr>
-          <p:cNvPr id="5" name="Date Placeholder 4"/>
-          <p:cNvSpPr>
-            <a:spLocks noGrp="1"/>
-          </p:cNvSpPr>
-          <p:nvPr>
-            <p:ph type="dt" sz="half" idx="10"/>
-          </p:nvPr>
-        </p:nvSpPr>
-        <p:spPr/>
-        <p:txBody>
-          <a:bodyPr/>
-          <a:lstStyle/>
-          <a:p>
-            <a:fld id="{638941B0-F4D5-4460-BCAD-F7E2B41A8257}" type="datetimeFigureOut">
+            <a:fld id="{9BD123AD-F88A-4333-B4C5-B65B73945430}" type="datetime1">
               <a:rPr lang="de-DE" smtClean="0"/>
-              <a:t>16.12.2014</a:t>
+              <a:t>18.12.2014</a:t>
             </a:fld>
             <a:endParaRPr lang="de-DE"/>
           </a:p>
@@ -2593,29 +2514,170 @@
               <a:rPr lang="de-DE" smtClean="0"/>
               <a:t>‹#›</a:t>
             </a:fld>
-            <a:endParaRPr lang="de-DE"/>
+            <a:endParaRPr lang="de-DE" dirty="0"/>
+          </a:p>
+        </p:txBody>
+      </p:sp>
+      <p:sp>
+        <p:nvSpPr>
+          <p:cNvPr id="9" name="Title 8"/>
+          <p:cNvSpPr>
+            <a:spLocks noGrp="1"/>
+          </p:cNvSpPr>
+          <p:nvPr>
+            <p:ph type="title"/>
+          </p:nvPr>
+        </p:nvSpPr>
+        <p:spPr>
+          <a:xfrm>
+            <a:off x="737507" y="0"/>
+            <a:ext cx="9753600" cy="1154097"/>
+          </a:xfrm>
+        </p:spPr>
+        <p:txBody>
+          <a:bodyPr/>
+          <a:lstStyle/>
+          <a:p>
+            <a:r>
+              <a:rPr lang="en-US" smtClean="0"/>
+              <a:t>Click to edit Master title style</a:t>
+            </a:r>
+            <a:endParaRPr lang="en-US"/>
+          </a:p>
+        </p:txBody>
+      </p:sp>
+      <p:sp>
+        <p:nvSpPr>
+          <p:cNvPr id="8" name="Content Placeholder 7"/>
+          <p:cNvSpPr>
+            <a:spLocks noGrp="1"/>
+          </p:cNvSpPr>
+          <p:nvPr>
+            <p:ph sz="quarter" idx="13"/>
+          </p:nvPr>
+        </p:nvSpPr>
+        <p:spPr>
+          <a:xfrm>
+            <a:off x="1219200" y="2743200"/>
+            <a:ext cx="4754880" cy="3593592"/>
+          </a:xfrm>
+        </p:spPr>
+        <p:txBody>
+          <a:bodyPr/>
+          <a:lstStyle/>
+          <a:p>
+            <a:pPr lvl="0"/>
+            <a:r>
+              <a:rPr lang="en-US" smtClean="0"/>
+              <a:t>Click to edit Master text styles</a:t>
+            </a:r>
+          </a:p>
+          <a:p>
+            <a:pPr lvl="1"/>
+            <a:r>
+              <a:rPr lang="en-US" smtClean="0"/>
+              <a:t>Second level</a:t>
+            </a:r>
+          </a:p>
+          <a:p>
+            <a:pPr lvl="2"/>
+            <a:r>
+              <a:rPr lang="en-US" smtClean="0"/>
+              <a:t>Third level</a:t>
+            </a:r>
+          </a:p>
+          <a:p>
+            <a:pPr lvl="3"/>
+            <a:r>
+              <a:rPr lang="en-US" smtClean="0"/>
+              <a:t>Fourth level</a:t>
+            </a:r>
+          </a:p>
+          <a:p>
+            <a:pPr lvl="4"/>
+            <a:r>
+              <a:rPr lang="en-US" smtClean="0"/>
+              <a:t>Fifth level</a:t>
+            </a:r>
+            <a:endParaRPr lang="en-US"/>
+          </a:p>
+        </p:txBody>
+      </p:sp>
+      <p:sp>
+        <p:nvSpPr>
+          <p:cNvPr id="11" name="Content Placeholder 10"/>
+          <p:cNvSpPr>
+            <a:spLocks noGrp="1"/>
+          </p:cNvSpPr>
+          <p:nvPr>
+            <p:ph sz="quarter" idx="14"/>
+          </p:nvPr>
+        </p:nvSpPr>
+        <p:spPr>
+          <a:xfrm>
+            <a:off x="6242304" y="2743201"/>
+            <a:ext cx="4754880" cy="3595687"/>
+          </a:xfrm>
+        </p:spPr>
+        <p:txBody>
+          <a:bodyPr/>
+          <a:lstStyle/>
+          <a:p>
+            <a:pPr lvl="0"/>
+            <a:r>
+              <a:rPr lang="en-US" smtClean="0"/>
+              <a:t>Click to edit Master text styles</a:t>
+            </a:r>
+          </a:p>
+          <a:p>
+            <a:pPr lvl="1"/>
+            <a:r>
+              <a:rPr lang="en-US" smtClean="0"/>
+              <a:t>Second level</a:t>
+            </a:r>
+          </a:p>
+          <a:p>
+            <a:pPr lvl="2"/>
+            <a:r>
+              <a:rPr lang="en-US" smtClean="0"/>
+              <a:t>Third level</a:t>
+            </a:r>
+          </a:p>
+          <a:p>
+            <a:pPr lvl="3"/>
+            <a:r>
+              <a:rPr lang="en-US" smtClean="0"/>
+              <a:t>Fourth level</a:t>
+            </a:r>
+          </a:p>
+          <a:p>
+            <a:pPr lvl="4"/>
+            <a:r>
+              <a:rPr lang="en-US" smtClean="0"/>
+              <a:t>Fifth level</a:t>
+            </a:r>
+            <a:endParaRPr lang="en-US"/>
           </a:p>
         </p:txBody>
       </p:sp>
     </p:spTree>
-    <p:extLst>
-      <p:ext uri="{BB962C8B-B14F-4D97-AF65-F5344CB8AC3E}">
-        <p14:creationId xmlns:p14="http://schemas.microsoft.com/office/powerpoint/2010/main" val="4230953002"/>
-      </p:ext>
-    </p:extLst>
   </p:cSld>
   <p:clrMapOvr>
     <a:masterClrMapping/>
   </p:clrMapOvr>
-  <p:transition spd="slow">
-    <p:push dir="u"/>
-  </p:transition>
+  <p:timing>
+    <p:tnLst>
+      <p:par>
+        <p:cTn id="1" dur="indefinite" restart="never" nodeType="tmRoot"/>
+      </p:par>
+    </p:tnLst>
+  </p:timing>
 </p:sldLayout>
 </file>
 
 <file path=ppt/slideLayouts/slideLayout5.xml><?xml version="1.0" encoding="utf-8"?>
 <p:sldLayout xmlns:a="http://schemas.openxmlformats.org/drawingml/2006/main" xmlns:r="http://schemas.openxmlformats.org/officeDocument/2006/relationships" xmlns:p="http://schemas.openxmlformats.org/presentationml/2006/main" type="twoTxTwoObj" preserve="1">
-  <p:cSld name="Comparaison">
+  <p:cSld name="Comparison">
     <p:spTree>
       <p:nvGrpSpPr>
         <p:cNvPr id="1" name=""/>
@@ -2632,54 +2694,32 @@
       </p:grpSpPr>
       <p:sp>
         <p:nvSpPr>
-          <p:cNvPr id="2" name="Title 1"/>
-          <p:cNvSpPr>
-            <a:spLocks noGrp="1"/>
-          </p:cNvSpPr>
-          <p:nvPr>
-            <p:ph type="title"/>
+          <p:cNvPr id="3" name="Text Placeholder 2"/>
+          <p:cNvSpPr>
+            <a:spLocks noGrp="1"/>
+          </p:cNvSpPr>
+          <p:nvPr>
+            <p:ph type="body" idx="1"/>
           </p:nvPr>
         </p:nvSpPr>
         <p:spPr>
           <a:xfrm>
-            <a:off x="839788" y="365125"/>
-            <a:ext cx="10515600" cy="1325563"/>
+            <a:off x="1488464" y="2743200"/>
+            <a:ext cx="4486656" cy="621792"/>
           </a:xfrm>
         </p:spPr>
         <p:txBody>
-          <a:bodyPr/>
-          <a:lstStyle/>
-          <a:p>
-            <a:r>
-              <a:rPr lang="fr-FR" dirty="0"/>
-              <a:t>Modifiez le style du titre</a:t>
-            </a:r>
-            <a:endParaRPr lang="en-US" dirty="0"/>
-          </a:p>
-        </p:txBody>
-      </p:sp>
-      <p:sp>
-        <p:nvSpPr>
-          <p:cNvPr id="3" name="Text Placeholder 2"/>
-          <p:cNvSpPr>
-            <a:spLocks noGrp="1"/>
-          </p:cNvSpPr>
-          <p:nvPr>
-            <p:ph type="body" idx="1"/>
-          </p:nvPr>
-        </p:nvSpPr>
-        <p:spPr>
-          <a:xfrm>
-            <a:off x="839788" y="1681163"/>
-            <a:ext cx="5157787" cy="823912"/>
-          </a:xfrm>
-        </p:spPr>
-        <p:txBody>
-          <a:bodyPr anchor="b"/>
+          <a:bodyPr anchor="b">
+            <a:noAutofit/>
+          </a:bodyPr>
           <a:lstStyle>
             <a:lvl1pPr marL="0" indent="0">
               <a:buNone/>
-              <a:defRPr sz="2400" b="1"/>
+              <a:defRPr sz="2000" b="1">
+                <a:solidFill>
+                  <a:schemeClr val="tx2"/>
+                </a:solidFill>
+              </a:defRPr>
             </a:lvl1pPr>
             <a:lvl2pPr marL="457200" indent="0">
               <a:buNone/>
@@ -2717,91 +2757,40 @@
           <a:p>
             <a:pPr lvl="0"/>
             <a:r>
-              <a:rPr lang="fr-FR" dirty="0"/>
-              <a:t>Modifier les styles du texte du masque</a:t>
-            </a:r>
-          </a:p>
-        </p:txBody>
-      </p:sp>
-      <p:sp>
-        <p:nvSpPr>
-          <p:cNvPr id="4" name="Content Placeholder 3"/>
-          <p:cNvSpPr>
-            <a:spLocks noGrp="1"/>
-          </p:cNvSpPr>
-          <p:nvPr>
-            <p:ph sz="half" idx="2"/>
+              <a:rPr lang="en-US" smtClean="0"/>
+              <a:t>Click to edit Master text styles</a:t>
+            </a:r>
+          </a:p>
+        </p:txBody>
+      </p:sp>
+      <p:sp>
+        <p:nvSpPr>
+          <p:cNvPr id="5" name="Text Placeholder 4"/>
+          <p:cNvSpPr>
+            <a:spLocks noGrp="1"/>
+          </p:cNvSpPr>
+          <p:nvPr>
+            <p:ph type="body" sz="quarter" idx="3"/>
           </p:nvPr>
         </p:nvSpPr>
         <p:spPr>
           <a:xfrm>
-            <a:off x="839788" y="2505075"/>
-            <a:ext cx="5157787" cy="3684588"/>
+            <a:off x="6513526" y="2743200"/>
+            <a:ext cx="4482749" cy="621792"/>
           </a:xfrm>
         </p:spPr>
         <p:txBody>
-          <a:bodyPr/>
-          <a:lstStyle/>
-          <a:p>
-            <a:pPr lvl="0"/>
-            <a:r>
-              <a:rPr lang="fr-FR" dirty="0"/>
-              <a:t>Modifier les styles du texte du masque</a:t>
-            </a:r>
-          </a:p>
-          <a:p>
-            <a:pPr lvl="1"/>
-            <a:r>
-              <a:rPr lang="fr-FR" dirty="0"/>
-              <a:t>Deuxième niveau</a:t>
-            </a:r>
-          </a:p>
-          <a:p>
-            <a:pPr lvl="2"/>
-            <a:r>
-              <a:rPr lang="fr-FR" dirty="0"/>
-              <a:t>Troisième niveau</a:t>
-            </a:r>
-          </a:p>
-          <a:p>
-            <a:pPr lvl="3"/>
-            <a:r>
-              <a:rPr lang="fr-FR" dirty="0"/>
-              <a:t>Quatrième niveau</a:t>
-            </a:r>
-          </a:p>
-          <a:p>
-            <a:pPr lvl="4"/>
-            <a:r>
-              <a:rPr lang="fr-FR" dirty="0"/>
-              <a:t>Cinquième niveau</a:t>
-            </a:r>
-            <a:endParaRPr lang="en-US" dirty="0"/>
-          </a:p>
-        </p:txBody>
-      </p:sp>
-      <p:sp>
-        <p:nvSpPr>
-          <p:cNvPr id="5" name="Text Placeholder 4"/>
-          <p:cNvSpPr>
-            <a:spLocks noGrp="1"/>
-          </p:cNvSpPr>
-          <p:nvPr>
-            <p:ph type="body" sz="quarter" idx="3"/>
-          </p:nvPr>
-        </p:nvSpPr>
-        <p:spPr>
-          <a:xfrm>
-            <a:off x="6172200" y="1681163"/>
-            <a:ext cx="5183188" cy="823912"/>
-          </a:xfrm>
-        </p:spPr>
-        <p:txBody>
-          <a:bodyPr anchor="b"/>
+          <a:bodyPr anchor="b">
+            <a:noAutofit/>
+          </a:bodyPr>
           <a:lstStyle>
             <a:lvl1pPr marL="0" indent="0">
               <a:buNone/>
-              <a:defRPr sz="2400" b="1"/>
+              <a:defRPr sz="2000" b="1">
+                <a:solidFill>
+                  <a:schemeClr val="tx2"/>
+                </a:solidFill>
+              </a:defRPr>
             </a:lvl1pPr>
             <a:lvl2pPr marL="457200" indent="0">
               <a:buNone/>
@@ -2839,87 +2828,30 @@
           <a:p>
             <a:pPr lvl="0"/>
             <a:r>
-              <a:rPr lang="fr-FR" dirty="0"/>
-              <a:t>Modifier les styles du texte du masque</a:t>
-            </a:r>
-          </a:p>
-        </p:txBody>
-      </p:sp>
-      <p:sp>
-        <p:nvSpPr>
-          <p:cNvPr id="6" name="Content Placeholder 5"/>
-          <p:cNvSpPr>
-            <a:spLocks noGrp="1"/>
-          </p:cNvSpPr>
-          <p:nvPr>
-            <p:ph sz="quarter" idx="4"/>
-          </p:nvPr>
-        </p:nvSpPr>
-        <p:spPr>
-          <a:xfrm>
-            <a:off x="6172200" y="2505075"/>
-            <a:ext cx="5183188" cy="3684588"/>
-          </a:xfrm>
-        </p:spPr>
+              <a:rPr lang="en-US" smtClean="0"/>
+              <a:t>Click to edit Master text styles</a:t>
+            </a:r>
+          </a:p>
+        </p:txBody>
+      </p:sp>
+      <p:sp>
+        <p:nvSpPr>
+          <p:cNvPr id="7" name="Date Placeholder 6"/>
+          <p:cNvSpPr>
+            <a:spLocks noGrp="1"/>
+          </p:cNvSpPr>
+          <p:nvPr>
+            <p:ph type="dt" sz="half" idx="10"/>
+          </p:nvPr>
+        </p:nvSpPr>
+        <p:spPr/>
         <p:txBody>
           <a:bodyPr/>
           <a:lstStyle/>
           <a:p>
-            <a:pPr lvl="0"/>
-            <a:r>
-              <a:rPr lang="fr-FR" dirty="0"/>
-              <a:t>Modifier les styles du texte du masque</a:t>
-            </a:r>
-          </a:p>
-          <a:p>
-            <a:pPr lvl="1"/>
-            <a:r>
-              <a:rPr lang="fr-FR" dirty="0"/>
-              <a:t>Deuxième niveau</a:t>
-            </a:r>
-          </a:p>
-          <a:p>
-            <a:pPr lvl="2"/>
-            <a:r>
-              <a:rPr lang="fr-FR" dirty="0"/>
-              <a:t>Troisième niveau</a:t>
-            </a:r>
-          </a:p>
-          <a:p>
-            <a:pPr lvl="3"/>
-            <a:r>
-              <a:rPr lang="fr-FR" dirty="0"/>
-              <a:t>Quatrième niveau</a:t>
-            </a:r>
-          </a:p>
-          <a:p>
-            <a:pPr lvl="4"/>
-            <a:r>
-              <a:rPr lang="fr-FR" dirty="0"/>
-              <a:t>Cinquième niveau</a:t>
-            </a:r>
-            <a:endParaRPr lang="en-US" dirty="0"/>
-          </a:p>
-        </p:txBody>
-      </p:sp>
-      <p:sp>
-        <p:nvSpPr>
-          <p:cNvPr id="7" name="Date Placeholder 6"/>
-          <p:cNvSpPr>
-            <a:spLocks noGrp="1"/>
-          </p:cNvSpPr>
-          <p:nvPr>
-            <p:ph type="dt" sz="half" idx="10"/>
-          </p:nvPr>
-        </p:nvSpPr>
-        <p:spPr/>
-        <p:txBody>
-          <a:bodyPr/>
-          <a:lstStyle/>
-          <a:p>
-            <a:fld id="{638941B0-F4D5-4460-BCAD-F7E2B41A8257}" type="datetimeFigureOut">
+            <a:fld id="{8ED2A0AE-A1F7-4D38-941E-3D0B020B73D3}" type="datetime1">
               <a:rPr lang="de-DE" smtClean="0"/>
-              <a:t>16.12.2014</a:t>
+              <a:t>18.12.2014</a:t>
             </a:fld>
             <a:endParaRPr lang="de-DE"/>
           </a:p>
@@ -2967,25 +2899,159 @@
           </a:p>
         </p:txBody>
       </p:sp>
+      <p:sp>
+        <p:nvSpPr>
+          <p:cNvPr id="10" name="Title 9"/>
+          <p:cNvSpPr>
+            <a:spLocks noGrp="1"/>
+          </p:cNvSpPr>
+          <p:nvPr>
+            <p:ph type="title"/>
+          </p:nvPr>
+        </p:nvSpPr>
+        <p:spPr>
+          <a:xfrm>
+            <a:off x="1219200" y="1544716"/>
+            <a:ext cx="9753600" cy="1154097"/>
+          </a:xfrm>
+        </p:spPr>
+        <p:txBody>
+          <a:bodyPr/>
+          <a:lstStyle/>
+          <a:p>
+            <a:r>
+              <a:rPr lang="en-US" smtClean="0"/>
+              <a:t>Click to edit Master title style</a:t>
+            </a:r>
+            <a:endParaRPr lang="en-US" dirty="0"/>
+          </a:p>
+        </p:txBody>
+      </p:sp>
+      <p:sp>
+        <p:nvSpPr>
+          <p:cNvPr id="11" name="Content Placeholder 10"/>
+          <p:cNvSpPr>
+            <a:spLocks noGrp="1"/>
+          </p:cNvSpPr>
+          <p:nvPr>
+            <p:ph sz="quarter" idx="13"/>
+          </p:nvPr>
+        </p:nvSpPr>
+        <p:spPr>
+          <a:xfrm>
+            <a:off x="1219200" y="3383280"/>
+            <a:ext cx="4754880" cy="2953512"/>
+          </a:xfrm>
+        </p:spPr>
+        <p:txBody>
+          <a:bodyPr/>
+          <a:lstStyle/>
+          <a:p>
+            <a:pPr lvl="0"/>
+            <a:r>
+              <a:rPr lang="en-US" smtClean="0"/>
+              <a:t>Click to edit Master text styles</a:t>
+            </a:r>
+          </a:p>
+          <a:p>
+            <a:pPr lvl="1"/>
+            <a:r>
+              <a:rPr lang="en-US" smtClean="0"/>
+              <a:t>Second level</a:t>
+            </a:r>
+          </a:p>
+          <a:p>
+            <a:pPr lvl="2"/>
+            <a:r>
+              <a:rPr lang="en-US" smtClean="0"/>
+              <a:t>Third level</a:t>
+            </a:r>
+          </a:p>
+          <a:p>
+            <a:pPr lvl="3"/>
+            <a:r>
+              <a:rPr lang="en-US" smtClean="0"/>
+              <a:t>Fourth level</a:t>
+            </a:r>
+          </a:p>
+          <a:p>
+            <a:pPr lvl="4"/>
+            <a:r>
+              <a:rPr lang="en-US" smtClean="0"/>
+              <a:t>Fifth level</a:t>
+            </a:r>
+            <a:endParaRPr lang="en-US" dirty="0"/>
+          </a:p>
+        </p:txBody>
+      </p:sp>
+      <p:sp>
+        <p:nvSpPr>
+          <p:cNvPr id="13" name="Content Placeholder 12"/>
+          <p:cNvSpPr>
+            <a:spLocks noGrp="1"/>
+          </p:cNvSpPr>
+          <p:nvPr>
+            <p:ph sz="quarter" idx="14"/>
+          </p:nvPr>
+        </p:nvSpPr>
+        <p:spPr>
+          <a:xfrm>
+            <a:off x="6242303" y="3383280"/>
+            <a:ext cx="4754880" cy="2953512"/>
+          </a:xfrm>
+        </p:spPr>
+        <p:txBody>
+          <a:bodyPr/>
+          <a:lstStyle/>
+          <a:p>
+            <a:pPr lvl="0"/>
+            <a:r>
+              <a:rPr lang="en-US" smtClean="0"/>
+              <a:t>Click to edit Master text styles</a:t>
+            </a:r>
+          </a:p>
+          <a:p>
+            <a:pPr lvl="1"/>
+            <a:r>
+              <a:rPr lang="en-US" smtClean="0"/>
+              <a:t>Second level</a:t>
+            </a:r>
+          </a:p>
+          <a:p>
+            <a:pPr lvl="2"/>
+            <a:r>
+              <a:rPr lang="en-US" smtClean="0"/>
+              <a:t>Third level</a:t>
+            </a:r>
+          </a:p>
+          <a:p>
+            <a:pPr lvl="3"/>
+            <a:r>
+              <a:rPr lang="en-US" smtClean="0"/>
+              <a:t>Fourth level</a:t>
+            </a:r>
+          </a:p>
+          <a:p>
+            <a:pPr lvl="4"/>
+            <a:r>
+              <a:rPr lang="en-US" smtClean="0"/>
+              <a:t>Fifth level</a:t>
+            </a:r>
+            <a:endParaRPr lang="en-US" dirty="0"/>
+          </a:p>
+        </p:txBody>
+      </p:sp>
     </p:spTree>
-    <p:extLst>
-      <p:ext uri="{BB962C8B-B14F-4D97-AF65-F5344CB8AC3E}">
-        <p14:creationId xmlns:p14="http://schemas.microsoft.com/office/powerpoint/2010/main" val="4002740223"/>
-      </p:ext>
-    </p:extLst>
   </p:cSld>
   <p:clrMapOvr>
     <a:masterClrMapping/>
   </p:clrMapOvr>
-  <p:transition spd="slow">
-    <p:push dir="u"/>
-  </p:transition>
 </p:sldLayout>
 </file>
 
 <file path=ppt/slideLayouts/slideLayout6.xml><?xml version="1.0" encoding="utf-8"?>
 <p:sldLayout xmlns:a="http://schemas.openxmlformats.org/drawingml/2006/main" xmlns:r="http://schemas.openxmlformats.org/officeDocument/2006/relationships" xmlns:p="http://schemas.openxmlformats.org/presentationml/2006/main" type="titleOnly" preserve="1">
-  <p:cSld name="Titre seul">
+  <p:cSld name="Title Only">
     <p:spTree>
       <p:nvGrpSpPr>
         <p:cNvPr id="1" name=""/>
@@ -3016,10 +3082,10 @@
           <a:lstStyle/>
           <a:p>
             <a:r>
-              <a:rPr lang="fr-FR" dirty="0"/>
-              <a:t>Modifiez le style du titre</a:t>
-            </a:r>
-            <a:endParaRPr lang="en-US" dirty="0"/>
+              <a:rPr lang="en-US" smtClean="0"/>
+              <a:t>Click to edit Master title style</a:t>
+            </a:r>
+            <a:endParaRPr lang="en-US"/>
           </a:p>
         </p:txBody>
       </p:sp>
@@ -3038,9 +3104,9 @@
           <a:bodyPr/>
           <a:lstStyle/>
           <a:p>
-            <a:fld id="{638941B0-F4D5-4460-BCAD-F7E2B41A8257}" type="datetimeFigureOut">
+            <a:fld id="{B1B7D87F-55AD-4852-A953-7E0309DCF63C}" type="datetime1">
               <a:rPr lang="de-DE" smtClean="0"/>
-              <a:t>16.12.2014</a:t>
+              <a:t>18.12.2014</a:t>
             </a:fld>
             <a:endParaRPr lang="de-DE"/>
           </a:p>
@@ -3089,24 +3155,16 @@
         </p:txBody>
       </p:sp>
     </p:spTree>
-    <p:extLst>
-      <p:ext uri="{BB962C8B-B14F-4D97-AF65-F5344CB8AC3E}">
-        <p14:creationId xmlns:p14="http://schemas.microsoft.com/office/powerpoint/2010/main" val="1726050681"/>
-      </p:ext>
-    </p:extLst>
   </p:cSld>
   <p:clrMapOvr>
     <a:masterClrMapping/>
   </p:clrMapOvr>
-  <p:transition spd="slow">
-    <p:push dir="u"/>
-  </p:transition>
 </p:sldLayout>
 </file>
 
 <file path=ppt/slideLayouts/slideLayout7.xml><?xml version="1.0" encoding="utf-8"?>
 <p:sldLayout xmlns:a="http://schemas.openxmlformats.org/drawingml/2006/main" xmlns:r="http://schemas.openxmlformats.org/officeDocument/2006/relationships" xmlns:p="http://schemas.openxmlformats.org/presentationml/2006/main" type="blank" preserve="1">
-  <p:cSld name="Vide">
+  <p:cSld name="Blank">
     <p:spTree>
       <p:nvGrpSpPr>
         <p:cNvPr id="1" name=""/>
@@ -3136,9 +3194,9 @@
           <a:bodyPr/>
           <a:lstStyle/>
           <a:p>
-            <a:fld id="{638941B0-F4D5-4460-BCAD-F7E2B41A8257}" type="datetimeFigureOut">
+            <a:fld id="{A9BA6EB7-DCCA-43F9-BB48-C308C1C2AE6C}" type="datetime1">
               <a:rPr lang="de-DE" smtClean="0"/>
-              <a:t>16.12.2014</a:t>
+              <a:t>18.12.2014</a:t>
             </a:fld>
             <a:endParaRPr lang="de-DE"/>
           </a:p>
@@ -3187,24 +3245,16 @@
         </p:txBody>
       </p:sp>
     </p:spTree>
-    <p:extLst>
-      <p:ext uri="{BB962C8B-B14F-4D97-AF65-F5344CB8AC3E}">
-        <p14:creationId xmlns:p14="http://schemas.microsoft.com/office/powerpoint/2010/main" val="3136190864"/>
-      </p:ext>
-    </p:extLst>
   </p:cSld>
   <p:clrMapOvr>
     <a:masterClrMapping/>
   </p:clrMapOvr>
-  <p:transition spd="slow">
-    <p:push dir="u"/>
-  </p:transition>
 </p:sldLayout>
 </file>
 
 <file path=ppt/slideLayouts/slideLayout8.xml><?xml version="1.0" encoding="utf-8"?>
 <p:sldLayout xmlns:a="http://schemas.openxmlformats.org/drawingml/2006/main" xmlns:r="http://schemas.openxmlformats.org/officeDocument/2006/relationships" xmlns:p="http://schemas.openxmlformats.org/presentationml/2006/main" type="objTx" preserve="1">
-  <p:cSld name="Contenu avec légende">
+  <p:cSld name="Content with Caption">
     <p:spTree>
       <p:nvGrpSpPr>
         <p:cNvPr id="1" name=""/>
@@ -3231,59 +3281,61 @@
         </p:nvSpPr>
         <p:spPr>
           <a:xfrm>
-            <a:off x="839788" y="457200"/>
-            <a:ext cx="3932237" cy="1600200"/>
+            <a:off x="1219200" y="1825363"/>
+            <a:ext cx="3934581" cy="2173015"/>
           </a:xfrm>
         </p:spPr>
         <p:txBody>
-          <a:bodyPr anchor="b"/>
+          <a:bodyPr anchor="b">
+            <a:normAutofit/>
+          </a:bodyPr>
+          <a:lstStyle>
+            <a:lvl1pPr algn="l">
+              <a:defRPr sz="2800" b="0"/>
+            </a:lvl1pPr>
+          </a:lstStyle>
+          <a:p>
+            <a:r>
+              <a:rPr lang="en-US" smtClean="0"/>
+              <a:t>Click to edit Master title style</a:t>
+            </a:r>
+            <a:endParaRPr lang="en-US" dirty="0"/>
+          </a:p>
+        </p:txBody>
+      </p:sp>
+      <p:sp>
+        <p:nvSpPr>
+          <p:cNvPr id="3" name="Content Placeholder 2"/>
+          <p:cNvSpPr>
+            <a:spLocks noGrp="1"/>
+          </p:cNvSpPr>
+          <p:nvPr>
+            <p:ph idx="1"/>
+          </p:nvPr>
+        </p:nvSpPr>
+        <p:spPr>
+          <a:xfrm>
+            <a:off x="5362336" y="1826709"/>
+            <a:ext cx="5610464" cy="4476614"/>
+          </a:xfrm>
+        </p:spPr>
+        <p:txBody>
+          <a:bodyPr anchor="ctr"/>
           <a:lstStyle>
             <a:lvl1pPr>
-              <a:defRPr sz="3200"/>
-            </a:lvl1pPr>
-          </a:lstStyle>
-          <a:p>
-            <a:r>
-              <a:rPr lang="fr-FR" dirty="0"/>
-              <a:t>Modifiez le style du titre</a:t>
-            </a:r>
-            <a:endParaRPr lang="en-US" dirty="0"/>
-          </a:p>
-        </p:txBody>
-      </p:sp>
-      <p:sp>
-        <p:nvSpPr>
-          <p:cNvPr id="3" name="Content Placeholder 2"/>
-          <p:cNvSpPr>
-            <a:spLocks noGrp="1"/>
-          </p:cNvSpPr>
-          <p:nvPr>
-            <p:ph idx="1"/>
-          </p:nvPr>
-        </p:nvSpPr>
-        <p:spPr>
-          <a:xfrm>
-            <a:off x="5183188" y="987425"/>
-            <a:ext cx="6172200" cy="4873625"/>
-          </a:xfrm>
-        </p:spPr>
-        <p:txBody>
-          <a:bodyPr/>
-          <a:lstStyle>
-            <a:lvl1pPr>
-              <a:defRPr sz="3200"/>
+              <a:defRPr sz="2000"/>
             </a:lvl1pPr>
             <a:lvl2pPr>
-              <a:defRPr sz="2800"/>
+              <a:defRPr sz="1800"/>
             </a:lvl2pPr>
             <a:lvl3pPr>
-              <a:defRPr sz="2400"/>
+              <a:defRPr sz="1600"/>
             </a:lvl3pPr>
             <a:lvl4pPr>
-              <a:defRPr sz="2000"/>
+              <a:defRPr sz="1400"/>
             </a:lvl4pPr>
             <a:lvl5pPr>
-              <a:defRPr sz="2000"/>
+              <a:defRPr sz="1400"/>
             </a:lvl5pPr>
             <a:lvl6pPr>
               <a:defRPr sz="2000"/>
@@ -3301,36 +3353,36 @@
           <a:p>
             <a:pPr lvl="0"/>
             <a:r>
-              <a:rPr lang="fr-FR" dirty="0"/>
-              <a:t>Modifier les styles du texte du masque</a:t>
+              <a:rPr lang="en-US" smtClean="0"/>
+              <a:t>Click to edit Master text styles</a:t>
             </a:r>
           </a:p>
           <a:p>
             <a:pPr lvl="1"/>
             <a:r>
-              <a:rPr lang="fr-FR" dirty="0"/>
-              <a:t>Deuxième niveau</a:t>
+              <a:rPr lang="en-US" smtClean="0"/>
+              <a:t>Second level</a:t>
             </a:r>
           </a:p>
           <a:p>
             <a:pPr lvl="2"/>
             <a:r>
-              <a:rPr lang="fr-FR" dirty="0"/>
-              <a:t>Troisième niveau</a:t>
+              <a:rPr lang="en-US" smtClean="0"/>
+              <a:t>Third level</a:t>
             </a:r>
           </a:p>
           <a:p>
             <a:pPr lvl="3"/>
             <a:r>
-              <a:rPr lang="fr-FR" dirty="0"/>
-              <a:t>Quatrième niveau</a:t>
+              <a:rPr lang="en-US" smtClean="0"/>
+              <a:t>Fourth level</a:t>
             </a:r>
           </a:p>
           <a:p>
             <a:pPr lvl="4"/>
             <a:r>
-              <a:rPr lang="fr-FR" dirty="0"/>
-              <a:t>Cinquième niveau</a:t>
+              <a:rPr lang="en-US" smtClean="0"/>
+              <a:t>Fifth level</a:t>
             </a:r>
             <a:endParaRPr lang="en-US" dirty="0"/>
           </a:p>
@@ -3348,8 +3400,8 @@
         </p:nvSpPr>
         <p:spPr>
           <a:xfrm>
-            <a:off x="839788" y="2057400"/>
-            <a:ext cx="3932237" cy="3811588"/>
+            <a:off x="1219200" y="4061096"/>
+            <a:ext cx="3934581" cy="2245387"/>
           </a:xfrm>
         </p:spPr>
         <p:txBody>
@@ -3357,46 +3409,46 @@
           <a:lstStyle>
             <a:lvl1pPr marL="0" indent="0">
               <a:buNone/>
-              <a:defRPr sz="1600"/>
+              <a:defRPr sz="1400"/>
             </a:lvl1pPr>
             <a:lvl2pPr marL="457200" indent="0">
               <a:buNone/>
-              <a:defRPr sz="1400"/>
+              <a:defRPr sz="1200"/>
             </a:lvl2pPr>
             <a:lvl3pPr marL="914400" indent="0">
               <a:buNone/>
-              <a:defRPr sz="1200"/>
+              <a:defRPr sz="1000"/>
             </a:lvl3pPr>
             <a:lvl4pPr marL="1371600" indent="0">
               <a:buNone/>
-              <a:defRPr sz="1000"/>
+              <a:defRPr sz="900"/>
             </a:lvl4pPr>
             <a:lvl5pPr marL="1828800" indent="0">
               <a:buNone/>
-              <a:defRPr sz="1000"/>
+              <a:defRPr sz="900"/>
             </a:lvl5pPr>
             <a:lvl6pPr marL="2286000" indent="0">
               <a:buNone/>
-              <a:defRPr sz="1000"/>
+              <a:defRPr sz="900"/>
             </a:lvl6pPr>
             <a:lvl7pPr marL="2743200" indent="0">
               <a:buNone/>
-              <a:defRPr sz="1000"/>
+              <a:defRPr sz="900"/>
             </a:lvl7pPr>
             <a:lvl8pPr marL="3200400" indent="0">
               <a:buNone/>
-              <a:defRPr sz="1000"/>
+              <a:defRPr sz="900"/>
             </a:lvl8pPr>
             <a:lvl9pPr marL="3657600" indent="0">
               <a:buNone/>
-              <a:defRPr sz="1000"/>
+              <a:defRPr sz="900"/>
             </a:lvl9pPr>
           </a:lstStyle>
           <a:p>
             <a:pPr lvl="0"/>
             <a:r>
-              <a:rPr lang="fr-FR" dirty="0"/>
-              <a:t>Modifier les styles du texte du masque</a:t>
+              <a:rPr lang="en-US" smtClean="0"/>
+              <a:t>Click to edit Master text styles</a:t>
             </a:r>
           </a:p>
         </p:txBody>
@@ -3416,9 +3468,9 @@
           <a:bodyPr/>
           <a:lstStyle/>
           <a:p>
-            <a:fld id="{638941B0-F4D5-4460-BCAD-F7E2B41A8257}" type="datetimeFigureOut">
+            <a:fld id="{E2F59C8F-EBFE-45FC-A5C8-0FBD6231A179}" type="datetime1">
               <a:rPr lang="de-DE" smtClean="0"/>
-              <a:t>16.12.2014</a:t>
+              <a:t>18.12.2014</a:t>
             </a:fld>
             <a:endParaRPr lang="de-DE"/>
           </a:p>
@@ -3467,24 +3519,16 @@
         </p:txBody>
       </p:sp>
     </p:spTree>
-    <p:extLst>
-      <p:ext uri="{BB962C8B-B14F-4D97-AF65-F5344CB8AC3E}">
-        <p14:creationId xmlns:p14="http://schemas.microsoft.com/office/powerpoint/2010/main" val="1956628758"/>
-      </p:ext>
-    </p:extLst>
   </p:cSld>
   <p:clrMapOvr>
     <a:masterClrMapping/>
   </p:clrMapOvr>
-  <p:transition spd="slow">
-    <p:push dir="u"/>
-  </p:transition>
 </p:sldLayout>
 </file>
 
 <file path=ppt/slideLayouts/slideLayout9.xml><?xml version="1.0" encoding="utf-8"?>
 <p:sldLayout xmlns:a="http://schemas.openxmlformats.org/drawingml/2006/main" xmlns:r="http://schemas.openxmlformats.org/officeDocument/2006/relationships" xmlns:p="http://schemas.openxmlformats.org/presentationml/2006/main" type="picTx" preserve="1">
-  <p:cSld name="Image avec légende">
+  <p:cSld name="Picture with Caption">
     <p:spTree>
       <p:nvGrpSpPr>
         <p:cNvPr id="1" name=""/>
@@ -3511,21 +3555,23 @@
         </p:nvSpPr>
         <p:spPr>
           <a:xfrm>
-            <a:off x="839788" y="457200"/>
-            <a:ext cx="3932237" cy="1600200"/>
+            <a:off x="1219200" y="1828800"/>
+            <a:ext cx="3938016" cy="2176272"/>
           </a:xfrm>
         </p:spPr>
         <p:txBody>
-          <a:bodyPr anchor="b"/>
+          <a:bodyPr anchor="b">
+            <a:normAutofit/>
+          </a:bodyPr>
           <a:lstStyle>
-            <a:lvl1pPr>
-              <a:defRPr sz="3200"/>
+            <a:lvl1pPr algn="l">
+              <a:defRPr sz="2800" b="0"/>
             </a:lvl1pPr>
           </a:lstStyle>
           <a:p>
             <a:r>
-              <a:rPr lang="fr-FR" dirty="0"/>
-              <a:t>Modifiez le style du titre</a:t>
+              <a:rPr lang="en-US" smtClean="0"/>
+              <a:t>Click to edit Master title style</a:t>
             </a:r>
             <a:endParaRPr lang="en-US" dirty="0"/>
           </a:p>
@@ -3535,7 +3581,7 @@
         <p:nvSpPr>
           <p:cNvPr id="3" name="Picture Placeholder 2"/>
           <p:cNvSpPr>
-            <a:spLocks noGrp="1" noChangeAspect="1"/>
+            <a:spLocks noGrp="1"/>
           </p:cNvSpPr>
           <p:nvPr>
             <p:ph type="pic" idx="1"/>
@@ -3543,12 +3589,30 @@
         </p:nvSpPr>
         <p:spPr>
           <a:xfrm>
-            <a:off x="5183188" y="987425"/>
-            <a:ext cx="6172200" cy="4873625"/>
+            <a:off x="5588000" y="2286000"/>
+            <a:ext cx="5384800" cy="3352800"/>
           </a:xfrm>
+          <a:solidFill>
+            <a:schemeClr val="accent2"/>
+          </a:solidFill>
+          <a:ln w="12700">
+            <a:noFill/>
+          </a:ln>
+          <a:effectLst>
+            <a:reflection blurRad="12700" stA="30000" endPos="30000" dist="31750" dir="5400000" sy="-100000" algn="bl" rotWithShape="0"/>
+          </a:effectLst>
+          <a:scene3d>
+            <a:camera prst="perspectiveRight" fov="2700000">
+              <a:rot lat="240000" lon="900000" rev="0"/>
+            </a:camera>
+            <a:lightRig rig="threePt" dir="t">
+              <a:rot lat="0" lon="0" rev="2700000"/>
+            </a:lightRig>
+          </a:scene3d>
+          <a:sp3d/>
         </p:spPr>
         <p:txBody>
-          <a:bodyPr anchor="t"/>
+          <a:bodyPr/>
           <a:lstStyle>
             <a:lvl1pPr marL="0" indent="0">
               <a:buNone/>
@@ -3589,8 +3653,8 @@
           </a:lstStyle>
           <a:p>
             <a:r>
-              <a:rPr lang="fr-FR" dirty="0"/>
-              <a:t>Cliquez sur l'icône pour ajouter une image</a:t>
+              <a:rPr lang="en-US" smtClean="0"/>
+              <a:t>Click icon to add picture</a:t>
             </a:r>
             <a:endParaRPr lang="en-US" dirty="0"/>
           </a:p>
@@ -3608,8 +3672,8 @@
         </p:nvSpPr>
         <p:spPr>
           <a:xfrm>
-            <a:off x="839788" y="2057400"/>
-            <a:ext cx="3932237" cy="3811588"/>
+            <a:off x="1219200" y="4059936"/>
+            <a:ext cx="3938016" cy="2249424"/>
           </a:xfrm>
         </p:spPr>
         <p:txBody>
@@ -3617,46 +3681,46 @@
           <a:lstStyle>
             <a:lvl1pPr marL="0" indent="0">
               <a:buNone/>
-              <a:defRPr sz="1600"/>
+              <a:defRPr sz="1400"/>
             </a:lvl1pPr>
             <a:lvl2pPr marL="457200" indent="0">
               <a:buNone/>
-              <a:defRPr sz="1400"/>
+              <a:defRPr sz="1200"/>
             </a:lvl2pPr>
             <a:lvl3pPr marL="914400" indent="0">
               <a:buNone/>
-              <a:defRPr sz="1200"/>
+              <a:defRPr sz="1000"/>
             </a:lvl3pPr>
             <a:lvl4pPr marL="1371600" indent="0">
               <a:buNone/>
-              <a:defRPr sz="1000"/>
+              <a:defRPr sz="900"/>
             </a:lvl4pPr>
             <a:lvl5pPr marL="1828800" indent="0">
               <a:buNone/>
-              <a:defRPr sz="1000"/>
+              <a:defRPr sz="900"/>
             </a:lvl5pPr>
             <a:lvl6pPr marL="2286000" indent="0">
               <a:buNone/>
-              <a:defRPr sz="1000"/>
+              <a:defRPr sz="900"/>
             </a:lvl6pPr>
             <a:lvl7pPr marL="2743200" indent="0">
               <a:buNone/>
-              <a:defRPr sz="1000"/>
+              <a:defRPr sz="900"/>
             </a:lvl7pPr>
             <a:lvl8pPr marL="3200400" indent="0">
               <a:buNone/>
-              <a:defRPr sz="1000"/>
+              <a:defRPr sz="900"/>
             </a:lvl8pPr>
             <a:lvl9pPr marL="3657600" indent="0">
               <a:buNone/>
-              <a:defRPr sz="1000"/>
+              <a:defRPr sz="900"/>
             </a:lvl9pPr>
           </a:lstStyle>
           <a:p>
             <a:pPr lvl="0"/>
             <a:r>
-              <a:rPr lang="fr-FR" dirty="0"/>
-              <a:t>Modifier les styles du texte du masque</a:t>
+              <a:rPr lang="en-US" smtClean="0"/>
+              <a:t>Click to edit Master text styles</a:t>
             </a:r>
           </a:p>
         </p:txBody>
@@ -3676,9 +3740,9 @@
           <a:bodyPr/>
           <a:lstStyle/>
           <a:p>
-            <a:fld id="{638941B0-F4D5-4460-BCAD-F7E2B41A8257}" type="datetimeFigureOut">
+            <a:fld id="{3E849E14-FE53-4173-91CA-FC32495378F6}" type="datetime1">
               <a:rPr lang="de-DE" smtClean="0"/>
-              <a:t>16.12.2014</a:t>
+              <a:t>18.12.2014</a:t>
             </a:fld>
             <a:endParaRPr lang="de-DE"/>
           </a:p>
@@ -3727,18 +3791,10 @@
         </p:txBody>
       </p:sp>
     </p:spTree>
-    <p:extLst>
-      <p:ext uri="{BB962C8B-B14F-4D97-AF65-F5344CB8AC3E}">
-        <p14:creationId xmlns:p14="http://schemas.microsoft.com/office/powerpoint/2010/main" val="2795356132"/>
-      </p:ext>
-    </p:extLst>
   </p:cSld>
   <p:clrMapOvr>
     <a:masterClrMapping/>
   </p:clrMapOvr>
-  <p:transition spd="slow">
-    <p:push dir="u"/>
-  </p:transition>
 </p:sldLayout>
 </file>
 
@@ -3746,9 +3802,12 @@
 <p:sldMaster xmlns:a="http://schemas.openxmlformats.org/drawingml/2006/main" xmlns:r="http://schemas.openxmlformats.org/officeDocument/2006/relationships" xmlns:p="http://schemas.openxmlformats.org/presentationml/2006/main">
   <p:cSld>
     <p:bg>
-      <p:bgRef idx="1001">
-        <a:schemeClr val="bg1"/>
-      </p:bgRef>
+      <p:bgPr>
+        <a:solidFill>
+          <a:schemeClr val="bg2"/>
+        </a:solidFill>
+        <a:effectLst/>
+      </p:bgPr>
     </p:bg>
     <p:spTree>
       <p:nvGrpSpPr>
@@ -3766,32 +3825,124 @@
       </p:grpSpPr>
       <p:sp>
         <p:nvSpPr>
-          <p:cNvPr id="2" name="Title Placeholder 1"/>
-          <p:cNvSpPr>
-            <a:spLocks noGrp="1"/>
-          </p:cNvSpPr>
-          <p:nvPr>
-            <p:ph type="title"/>
-          </p:nvPr>
+          <p:cNvPr id="10" name="Rectangle 9"/>
+          <p:cNvSpPr/>
+          <p:nvPr/>
         </p:nvSpPr>
         <p:spPr>
           <a:xfrm>
-            <a:off x="838200" y="365125"/>
-            <a:ext cx="10515600" cy="1325563"/>
+            <a:off x="11247024" y="573807"/>
+            <a:ext cx="114981" cy="572316"/>
+          </a:xfrm>
+          <a:prstGeom prst="rect">
+            <a:avLst/>
+          </a:prstGeom>
+          <a:solidFill>
+            <a:schemeClr val="tx2"/>
+          </a:solidFill>
+          <a:ln>
+            <a:noFill/>
+          </a:ln>
+        </p:spPr>
+        <p:style>
+          <a:lnRef idx="2">
+            <a:schemeClr val="accent1">
+              <a:shade val="50000"/>
+            </a:schemeClr>
+          </a:lnRef>
+          <a:fillRef idx="1">
+            <a:schemeClr val="accent1"/>
+          </a:fillRef>
+          <a:effectRef idx="0">
+            <a:schemeClr val="accent1"/>
+          </a:effectRef>
+          <a:fontRef idx="minor">
+            <a:schemeClr val="lt1"/>
+          </a:fontRef>
+        </p:style>
+        <p:txBody>
+          <a:bodyPr rtlCol="0" anchor="ctr"/>
+          <a:lstStyle/>
+          <a:p>
+            <a:pPr algn="ctr"/>
+            <a:endParaRPr lang="en-US"/>
+          </a:p>
+        </p:txBody>
+      </p:sp>
+      <p:sp>
+        <p:nvSpPr>
+          <p:cNvPr id="11" name="Rectangle 10"/>
+          <p:cNvSpPr/>
+          <p:nvPr/>
+        </p:nvSpPr>
+        <p:spPr>
+          <a:xfrm>
+            <a:off x="11425892" y="573807"/>
+            <a:ext cx="768096" cy="572316"/>
+          </a:xfrm>
+          <a:prstGeom prst="rect">
+            <a:avLst/>
+          </a:prstGeom>
+          <a:solidFill>
+            <a:schemeClr val="tx2"/>
+          </a:solidFill>
+          <a:ln>
+            <a:noFill/>
+          </a:ln>
+        </p:spPr>
+        <p:style>
+          <a:lnRef idx="2">
+            <a:schemeClr val="accent1">
+              <a:shade val="50000"/>
+            </a:schemeClr>
+          </a:lnRef>
+          <a:fillRef idx="1">
+            <a:schemeClr val="accent1"/>
+          </a:fillRef>
+          <a:effectRef idx="0">
+            <a:schemeClr val="accent1"/>
+          </a:effectRef>
+          <a:fontRef idx="minor">
+            <a:schemeClr val="lt1"/>
+          </a:fontRef>
+        </p:style>
+        <p:txBody>
+          <a:bodyPr rtlCol="0" anchor="ctr"/>
+          <a:lstStyle/>
+          <a:p>
+            <a:pPr algn="ctr"/>
+            <a:endParaRPr lang="en-US"/>
+          </a:p>
+        </p:txBody>
+      </p:sp>
+      <p:sp>
+        <p:nvSpPr>
+          <p:cNvPr id="2" name="Title Placeholder 1"/>
+          <p:cNvSpPr>
+            <a:spLocks noGrp="1"/>
+          </p:cNvSpPr>
+          <p:nvPr>
+            <p:ph type="title"/>
+          </p:nvPr>
+        </p:nvSpPr>
+        <p:spPr>
+          <a:xfrm>
+            <a:off x="1219200" y="1544716"/>
+            <a:ext cx="9753600" cy="1154097"/>
           </a:xfrm>
           <a:prstGeom prst="rect">
             <a:avLst/>
           </a:prstGeom>
         </p:spPr>
         <p:txBody>
-          <a:bodyPr vert="horz" lIns="91440" tIns="45720" rIns="91440" bIns="45720" rtlCol="0" anchor="ctr">
+          <a:bodyPr vert="horz" lIns="91440" tIns="45720" rIns="91440" bIns="45720" rtlCol="0" anchor="b">
             <a:normAutofit/>
           </a:bodyPr>
           <a:lstStyle/>
           <a:p>
             <a:r>
-              <a:rPr lang="fr-FR" dirty="0"/>
-              <a:t>Modifiez le style du titre</a:t>
+              <a:rPr lang="en-US" smtClean="0"/>
+              <a:t>Click to edit Master title style</a:t>
             </a:r>
             <a:endParaRPr lang="en-US" dirty="0"/>
           </a:p>
@@ -3809,8 +3960,8 @@
         </p:nvSpPr>
         <p:spPr>
           <a:xfrm>
-            <a:off x="838200" y="1825625"/>
-            <a:ext cx="10515600" cy="4351338"/>
+            <a:off x="1219200" y="2769834"/>
+            <a:ext cx="9753600" cy="3539527"/>
           </a:xfrm>
           <a:prstGeom prst="rect">
             <a:avLst/>
@@ -3824,37 +3975,38 @@
           <a:p>
             <a:pPr lvl="0"/>
             <a:r>
-              <a:rPr lang="en-US" dirty="0"/>
+              <a:rPr lang="en-US" smtClean="0"/>
               <a:t>Click to edit Master text styles</a:t>
             </a:r>
           </a:p>
           <a:p>
             <a:pPr lvl="1"/>
             <a:r>
-              <a:rPr lang="en-US" dirty="0"/>
+              <a:rPr lang="en-US" smtClean="0"/>
               <a:t>Second level</a:t>
             </a:r>
           </a:p>
           <a:p>
             <a:pPr lvl="2"/>
             <a:r>
-              <a:rPr lang="en-US" dirty="0"/>
+              <a:rPr lang="en-US" smtClean="0"/>
               <a:t>Third level</a:t>
             </a:r>
           </a:p>
           <a:p>
             <a:pPr lvl="3"/>
             <a:r>
-              <a:rPr lang="en-US" dirty="0"/>
+              <a:rPr lang="en-US" smtClean="0"/>
               <a:t>Fourth level</a:t>
             </a:r>
           </a:p>
           <a:p>
             <a:pPr lvl="4"/>
             <a:r>
-              <a:rPr lang="en-US" dirty="0"/>
+              <a:rPr lang="en-US" smtClean="0"/>
               <a:t>Fifth level</a:t>
             </a:r>
+            <a:endParaRPr lang="en-US" dirty="0" smtClean="0"/>
           </a:p>
         </p:txBody>
       </p:sp>
@@ -3870,8 +4022,8 @@
         </p:nvSpPr>
         <p:spPr>
           <a:xfrm>
-            <a:off x="838200" y="6356350"/>
-            <a:ext cx="2743200" cy="365125"/>
+            <a:off x="8010254" y="548797"/>
+            <a:ext cx="1585509" cy="297918"/>
           </a:xfrm>
           <a:prstGeom prst="rect">
             <a:avLst/>
@@ -3884,16 +4036,16 @@
               <a:defRPr sz="1200">
                 <a:solidFill>
                   <a:schemeClr val="tx1">
-                    <a:tint val="75000"/>
+                    <a:alpha val="50000"/>
                   </a:schemeClr>
                 </a:solidFill>
               </a:defRPr>
             </a:lvl1pPr>
           </a:lstStyle>
           <a:p>
-            <a:fld id="{638941B0-F4D5-4460-BCAD-F7E2B41A8257}" type="datetimeFigureOut">
+            <a:fld id="{8E8659CD-822D-4AC9-A0CC-EF542C7C536C}" type="datetime1">
               <a:rPr lang="de-DE" smtClean="0"/>
-              <a:t>16.12.2014</a:t>
+              <a:t>18.12.2014</a:t>
             </a:fld>
             <a:endParaRPr lang="de-DE"/>
           </a:p>
@@ -3901,18 +4053,18 @@
       </p:sp>
       <p:sp>
         <p:nvSpPr>
-          <p:cNvPr id="5" name="Footer Placeholder 4"/>
-          <p:cNvSpPr>
-            <a:spLocks noGrp="1"/>
-          </p:cNvSpPr>
-          <p:nvPr>
-            <p:ph type="ftr" sz="quarter" idx="3"/>
+          <p:cNvPr id="6" name="Slide Number Placeholder 5"/>
+          <p:cNvSpPr>
+            <a:spLocks noGrp="1"/>
+          </p:cNvSpPr>
+          <p:nvPr>
+            <p:ph type="sldNum" sz="quarter" idx="4"/>
           </p:nvPr>
         </p:nvSpPr>
         <p:spPr>
           <a:xfrm>
-            <a:off x="4038600" y="6356350"/>
-            <a:ext cx="4114800" cy="365125"/>
+            <a:off x="9752554" y="695749"/>
+            <a:ext cx="1254937" cy="301752"/>
           </a:xfrm>
           <a:prstGeom prst="rect">
             <a:avLst/>
@@ -3921,117 +4073,170 @@
         <p:txBody>
           <a:bodyPr vert="horz" lIns="91440" tIns="45720" rIns="91440" bIns="45720" rtlCol="0" anchor="ctr"/>
           <a:lstStyle>
-            <a:lvl1pPr algn="ctr">
-              <a:defRPr sz="1200">
-                <a:solidFill>
-                  <a:schemeClr val="tx1">
-                    <a:tint val="75000"/>
-                  </a:schemeClr>
+            <a:lvl1pPr algn="r">
+              <a:defRPr sz="2800" b="1">
+                <a:solidFill>
+                  <a:srgbClr val="FF0000"/>
                 </a:solidFill>
               </a:defRPr>
             </a:lvl1pPr>
           </a:lstStyle>
           <a:p>
-            <a:endParaRPr lang="de-DE"/>
-          </a:p>
-        </p:txBody>
-      </p:sp>
-      <p:sp>
-        <p:nvSpPr>
-          <p:cNvPr id="6" name="Slide Number Placeholder 5"/>
-          <p:cNvSpPr>
-            <a:spLocks noGrp="1"/>
-          </p:cNvSpPr>
-          <p:nvPr>
-            <p:ph type="sldNum" sz="quarter" idx="4"/>
+            <a:fld id="{27C6CCC6-2BE5-4E42-96A4-D1E8E81A3D8E}" type="slidenum">
+              <a:rPr lang="de-DE" smtClean="0"/>
+              <a:pPr/>
+              <a:t>‹#›</a:t>
+            </a:fld>
+            <a:endParaRPr lang="de-DE" dirty="0"/>
+          </a:p>
+        </p:txBody>
+      </p:sp>
+      <p:sp>
+        <p:nvSpPr>
+          <p:cNvPr id="5" name="Footer Placeholder 4"/>
+          <p:cNvSpPr>
+            <a:spLocks noGrp="1"/>
+          </p:cNvSpPr>
+          <p:nvPr>
+            <p:ph type="ftr" sz="quarter" idx="3"/>
           </p:nvPr>
         </p:nvSpPr>
         <p:spPr>
           <a:xfrm>
-            <a:off x="8610600" y="6356350"/>
-            <a:ext cx="2743200" cy="365125"/>
+            <a:off x="8011585" y="855957"/>
+            <a:ext cx="2995319" cy="301227"/>
           </a:xfrm>
           <a:prstGeom prst="rect">
             <a:avLst/>
           </a:prstGeom>
         </p:spPr>
         <p:txBody>
-          <a:bodyPr vert="horz" lIns="91440" tIns="45720" rIns="91440" bIns="45720" rtlCol="0" anchor="ctr"/>
+          <a:bodyPr vert="horz" lIns="91440" tIns="0" rIns="91440" bIns="45720" rtlCol="0" anchor="t"/>
           <a:lstStyle>
-            <a:lvl1pPr algn="r">
-              <a:defRPr sz="1200">
-                <a:solidFill>
-                  <a:schemeClr val="tx1">
-                    <a:tint val="75000"/>
-                  </a:schemeClr>
+            <a:lvl1pPr algn="l">
+              <a:defRPr sz="1000">
+                <a:solidFill>
+                  <a:schemeClr val="tx1"/>
                 </a:solidFill>
               </a:defRPr>
             </a:lvl1pPr>
           </a:lstStyle>
           <a:p>
-            <a:fld id="{27C6CCC6-2BE5-4E42-96A4-D1E8E81A3D8E}" type="slidenum">
-              <a:rPr lang="de-DE" smtClean="0"/>
-              <a:t>‹#›</a:t>
-            </a:fld>
             <a:endParaRPr lang="de-DE"/>
           </a:p>
         </p:txBody>
       </p:sp>
     </p:spTree>
-    <p:extLst>
-      <p:ext uri="{BB962C8B-B14F-4D97-AF65-F5344CB8AC3E}">
-        <p14:creationId xmlns:p14="http://schemas.microsoft.com/office/powerpoint/2010/main" val="1610464466"/>
-      </p:ext>
-    </p:extLst>
   </p:cSld>
-  <p:clrMap bg1="lt1" tx1="dk1" bg2="lt2" tx2="dk2" accent1="accent1" accent2="accent2" accent3="accent3" accent4="accent4" accent5="accent5" accent6="accent6" hlink="hlink" folHlink="folHlink"/>
+  <p:clrMap bg1="dk1" tx1="lt1" bg2="dk2" tx2="lt2" accent1="accent1" accent2="accent2" accent3="accent3" accent4="accent4" accent5="accent5" accent6="accent6" hlink="hlink" folHlink="folHlink"/>
   <p:sldLayoutIdLst>
-    <p:sldLayoutId id="2147483679" r:id="rId1"/>
-    <p:sldLayoutId id="2147483680" r:id="rId2"/>
-    <p:sldLayoutId id="2147483681" r:id="rId3"/>
-    <p:sldLayoutId id="2147483682" r:id="rId4"/>
-    <p:sldLayoutId id="2147483683" r:id="rId5"/>
-    <p:sldLayoutId id="2147483684" r:id="rId6"/>
-    <p:sldLayoutId id="2147483685" r:id="rId7"/>
-    <p:sldLayoutId id="2147483686" r:id="rId8"/>
-    <p:sldLayoutId id="2147483687" r:id="rId9"/>
-    <p:sldLayoutId id="2147483688" r:id="rId10"/>
-    <p:sldLayoutId id="2147483689" r:id="rId11"/>
+    <p:sldLayoutId id="2147483691" r:id="rId1"/>
+    <p:sldLayoutId id="2147483692" r:id="rId2"/>
+    <p:sldLayoutId id="2147483693" r:id="rId3"/>
+    <p:sldLayoutId id="2147483694" r:id="rId4"/>
+    <p:sldLayoutId id="2147483695" r:id="rId5"/>
+    <p:sldLayoutId id="2147483696" r:id="rId6"/>
+    <p:sldLayoutId id="2147483697" r:id="rId7"/>
+    <p:sldLayoutId id="2147483698" r:id="rId8"/>
+    <p:sldLayoutId id="2147483699" r:id="rId9"/>
+    <p:sldLayoutId id="2147483700" r:id="rId10"/>
+    <p:sldLayoutId id="2147483701" r:id="rId11"/>
   </p:sldLayoutIdLst>
   <p:transition spd="slow">
     <p:push dir="u"/>
   </p:transition>
+  <p:timing>
+    <p:tnLst>
+      <p:par>
+        <p:cTn id="1" dur="indefinite" restart="never" nodeType="tmRoot"/>
+      </p:par>
+    </p:tnLst>
+  </p:timing>
+  <p:hf hdr="0" ftr="0" dt="0"/>
   <p:txStyles>
     <p:titleStyle>
       <a:lvl1pPr algn="l" defTabSz="914400" rtl="0" eaLnBrk="1" latinLnBrk="0" hangingPunct="1">
-        <a:lnSpc>
-          <a:spcPct val="90000"/>
-        </a:lnSpc>
         <a:spcBef>
           <a:spcPct val="0"/>
         </a:spcBef>
         <a:buNone/>
-        <a:defRPr sz="4400" kern="1200">
+        <a:defRPr sz="4000" kern="1200">
           <a:solidFill>
-            <a:schemeClr val="tx1"/>
+            <a:schemeClr val="tx2"/>
           </a:solidFill>
           <a:latin typeface="+mj-lt"/>
           <a:ea typeface="+mj-ea"/>
           <a:cs typeface="+mj-cs"/>
         </a:defRPr>
       </a:lvl1pPr>
+      <a:lvl2pPr eaLnBrk="1" hangingPunct="1">
+        <a:defRPr>
+          <a:solidFill>
+            <a:schemeClr val="tx2"/>
+          </a:solidFill>
+        </a:defRPr>
+      </a:lvl2pPr>
+      <a:lvl3pPr eaLnBrk="1" hangingPunct="1">
+        <a:defRPr>
+          <a:solidFill>
+            <a:schemeClr val="tx2"/>
+          </a:solidFill>
+        </a:defRPr>
+      </a:lvl3pPr>
+      <a:lvl4pPr eaLnBrk="1" hangingPunct="1">
+        <a:defRPr>
+          <a:solidFill>
+            <a:schemeClr val="tx2"/>
+          </a:solidFill>
+        </a:defRPr>
+      </a:lvl4pPr>
+      <a:lvl5pPr eaLnBrk="1" hangingPunct="1">
+        <a:defRPr>
+          <a:solidFill>
+            <a:schemeClr val="tx2"/>
+          </a:solidFill>
+        </a:defRPr>
+      </a:lvl5pPr>
+      <a:lvl6pPr eaLnBrk="1" hangingPunct="1">
+        <a:defRPr>
+          <a:solidFill>
+            <a:schemeClr val="tx2"/>
+          </a:solidFill>
+        </a:defRPr>
+      </a:lvl6pPr>
+      <a:lvl7pPr eaLnBrk="1" hangingPunct="1">
+        <a:defRPr>
+          <a:solidFill>
+            <a:schemeClr val="tx2"/>
+          </a:solidFill>
+        </a:defRPr>
+      </a:lvl7pPr>
+      <a:lvl8pPr eaLnBrk="1" hangingPunct="1">
+        <a:defRPr>
+          <a:solidFill>
+            <a:schemeClr val="tx2"/>
+          </a:solidFill>
+        </a:defRPr>
+      </a:lvl8pPr>
+      <a:lvl9pPr eaLnBrk="1" hangingPunct="1">
+        <a:defRPr>
+          <a:solidFill>
+            <a:schemeClr val="tx2"/>
+          </a:solidFill>
+        </a:defRPr>
+      </a:lvl9pPr>
     </p:titleStyle>
     <p:bodyStyle>
-      <a:lvl1pPr marL="228600" indent="-228600" algn="l" defTabSz="914400" rtl="0" eaLnBrk="1" latinLnBrk="0" hangingPunct="1">
-        <a:lnSpc>
-          <a:spcPct val="90000"/>
-        </a:lnSpc>
+      <a:lvl1pPr marL="228600" indent="-182880" algn="l" defTabSz="914400" rtl="0" eaLnBrk="1" latinLnBrk="0" hangingPunct="1">
         <a:spcBef>
-          <a:spcPts val="1000"/>
+          <a:spcPct val="20000"/>
         </a:spcBef>
-        <a:buFont typeface="Arial" panose="020B0604020202020204" pitchFamily="34" charset="0"/>
-        <a:buChar char="•"/>
-        <a:defRPr sz="2800" kern="1200">
+        <a:buClr>
+          <a:schemeClr val="tx2"/>
+        </a:buClr>
+        <a:buFont typeface="Wingdings" charset="2"/>
+        <a:buChar char="§"/>
+        <a:defRPr sz="2000" kern="1200">
           <a:solidFill>
             <a:schemeClr val="tx1"/>
           </a:solidFill>
@@ -4040,16 +4245,16 @@
           <a:cs typeface="+mn-cs"/>
         </a:defRPr>
       </a:lvl1pPr>
-      <a:lvl2pPr marL="685800" indent="-228600" algn="l" defTabSz="914400" rtl="0" eaLnBrk="1" latinLnBrk="0" hangingPunct="1">
-        <a:lnSpc>
-          <a:spcPct val="90000"/>
-        </a:lnSpc>
+      <a:lvl2pPr marL="502920" indent="-182880" algn="l" defTabSz="914400" rtl="0" eaLnBrk="1" latinLnBrk="0" hangingPunct="1">
         <a:spcBef>
-          <a:spcPts val="500"/>
+          <a:spcPct val="20000"/>
         </a:spcBef>
-        <a:buFont typeface="Arial" panose="020B0604020202020204" pitchFamily="34" charset="0"/>
-        <a:buChar char="•"/>
-        <a:defRPr sz="2400" kern="1200">
+        <a:buClr>
+          <a:schemeClr val="tx2"/>
+        </a:buClr>
+        <a:buFont typeface="Wingdings" charset="2"/>
+        <a:buChar char="§"/>
+        <a:defRPr sz="1800" kern="1200">
           <a:solidFill>
             <a:schemeClr val="tx1"/>
           </a:solidFill>
@@ -4058,16 +4263,16 @@
           <a:cs typeface="+mn-cs"/>
         </a:defRPr>
       </a:lvl2pPr>
-      <a:lvl3pPr marL="1143000" indent="-228600" algn="l" defTabSz="914400" rtl="0" eaLnBrk="1" latinLnBrk="0" hangingPunct="1">
-        <a:lnSpc>
-          <a:spcPct val="90000"/>
-        </a:lnSpc>
+      <a:lvl3pPr marL="685800" indent="-182880" algn="l" defTabSz="914400" rtl="0" eaLnBrk="1" latinLnBrk="0" hangingPunct="1">
         <a:spcBef>
-          <a:spcPts val="500"/>
+          <a:spcPct val="20000"/>
         </a:spcBef>
-        <a:buFont typeface="Arial" panose="020B0604020202020204" pitchFamily="34" charset="0"/>
-        <a:buChar char="•"/>
-        <a:defRPr sz="2000" kern="1200">
+        <a:buClr>
+          <a:schemeClr val="tx2"/>
+        </a:buClr>
+        <a:buFont typeface="Wingdings" charset="2"/>
+        <a:buChar char="§"/>
+        <a:defRPr sz="1600" kern="1200">
           <a:solidFill>
             <a:schemeClr val="tx1"/>
           </a:solidFill>
@@ -4076,16 +4281,16 @@
           <a:cs typeface="+mn-cs"/>
         </a:defRPr>
       </a:lvl3pPr>
-      <a:lvl4pPr marL="1600200" indent="-228600" algn="l" defTabSz="914400" rtl="0" eaLnBrk="1" latinLnBrk="0" hangingPunct="1">
-        <a:lnSpc>
-          <a:spcPct val="90000"/>
-        </a:lnSpc>
+      <a:lvl4pPr marL="914400" indent="-182880" algn="l" defTabSz="914400" rtl="0" eaLnBrk="1" latinLnBrk="0" hangingPunct="1">
         <a:spcBef>
-          <a:spcPts val="500"/>
+          <a:spcPct val="20000"/>
         </a:spcBef>
-        <a:buFont typeface="Arial" panose="020B0604020202020204" pitchFamily="34" charset="0"/>
-        <a:buChar char="•"/>
-        <a:defRPr sz="1800" kern="1200">
+        <a:buClr>
+          <a:schemeClr val="tx2"/>
+        </a:buClr>
+        <a:buFont typeface="Wingdings" charset="2"/>
+        <a:buChar char="§"/>
+        <a:defRPr sz="1400" kern="1200">
           <a:solidFill>
             <a:schemeClr val="tx1"/>
           </a:solidFill>
@@ -4094,16 +4299,16 @@
           <a:cs typeface="+mn-cs"/>
         </a:defRPr>
       </a:lvl4pPr>
-      <a:lvl5pPr marL="2057400" indent="-228600" algn="l" defTabSz="914400" rtl="0" eaLnBrk="1" latinLnBrk="0" hangingPunct="1">
-        <a:lnSpc>
-          <a:spcPct val="90000"/>
-        </a:lnSpc>
+      <a:lvl5pPr marL="1143000" indent="-182880" algn="l" defTabSz="914400" rtl="0" eaLnBrk="1" latinLnBrk="0" hangingPunct="1">
         <a:spcBef>
-          <a:spcPts val="500"/>
+          <a:spcPct val="20000"/>
         </a:spcBef>
-        <a:buFont typeface="Arial" panose="020B0604020202020204" pitchFamily="34" charset="0"/>
-        <a:buChar char="•"/>
-        <a:defRPr sz="1800" kern="1200">
+        <a:buClr>
+          <a:schemeClr val="tx2"/>
+        </a:buClr>
+        <a:buFont typeface="Wingdings" charset="2"/>
+        <a:buChar char="§"/>
+        <a:defRPr sz="1400" kern="1200">
           <a:solidFill>
             <a:schemeClr val="tx1"/>
           </a:solidFill>
@@ -4112,16 +4317,16 @@
           <a:cs typeface="+mn-cs"/>
         </a:defRPr>
       </a:lvl5pPr>
-      <a:lvl6pPr marL="2514600" indent="-228600" algn="l" defTabSz="914400" rtl="0" eaLnBrk="1" latinLnBrk="0" hangingPunct="1">
-        <a:lnSpc>
-          <a:spcPct val="90000"/>
-        </a:lnSpc>
+      <a:lvl6pPr marL="1371600" indent="-182880" algn="l" defTabSz="914400" rtl="0" eaLnBrk="1" latinLnBrk="0" hangingPunct="1">
         <a:spcBef>
-          <a:spcPts val="500"/>
+          <a:spcPct val="20000"/>
         </a:spcBef>
-        <a:buFont typeface="Arial" panose="020B0604020202020204" pitchFamily="34" charset="0"/>
-        <a:buChar char="•"/>
-        <a:defRPr sz="1800" kern="1200">
+        <a:buClr>
+          <a:schemeClr val="tx2"/>
+        </a:buClr>
+        <a:buFont typeface="Wingdings" pitchFamily="2" charset="2"/>
+        <a:buChar char="§"/>
+        <a:defRPr sz="1400" kern="1200">
           <a:solidFill>
             <a:schemeClr val="tx1"/>
           </a:solidFill>
@@ -4130,16 +4335,16 @@
           <a:cs typeface="+mn-cs"/>
         </a:defRPr>
       </a:lvl6pPr>
-      <a:lvl7pPr marL="2971800" indent="-228600" algn="l" defTabSz="914400" rtl="0" eaLnBrk="1" latinLnBrk="0" hangingPunct="1">
-        <a:lnSpc>
-          <a:spcPct val="90000"/>
-        </a:lnSpc>
+      <a:lvl7pPr marL="1600200" indent="-182880" algn="l" defTabSz="914400" rtl="0" eaLnBrk="1" latinLnBrk="0" hangingPunct="1">
         <a:spcBef>
-          <a:spcPts val="500"/>
+          <a:spcPct val="20000"/>
         </a:spcBef>
-        <a:buFont typeface="Arial" panose="020B0604020202020204" pitchFamily="34" charset="0"/>
-        <a:buChar char="•"/>
-        <a:defRPr sz="1800" kern="1200">
+        <a:buClr>
+          <a:schemeClr val="tx2"/>
+        </a:buClr>
+        <a:buFont typeface="Wingdings" pitchFamily="2" charset="2"/>
+        <a:buChar char="§"/>
+        <a:defRPr sz="1400" kern="1200">
           <a:solidFill>
             <a:schemeClr val="tx1"/>
           </a:solidFill>
@@ -4148,16 +4353,16 @@
           <a:cs typeface="+mn-cs"/>
         </a:defRPr>
       </a:lvl7pPr>
-      <a:lvl8pPr marL="3429000" indent="-228600" algn="l" defTabSz="914400" rtl="0" eaLnBrk="1" latinLnBrk="0" hangingPunct="1">
-        <a:lnSpc>
-          <a:spcPct val="90000"/>
-        </a:lnSpc>
+      <a:lvl8pPr marL="1828800" indent="-182880" algn="l" defTabSz="914400" rtl="0" eaLnBrk="1" latinLnBrk="0" hangingPunct="1">
         <a:spcBef>
-          <a:spcPts val="500"/>
+          <a:spcPct val="20000"/>
         </a:spcBef>
-        <a:buFont typeface="Arial" panose="020B0604020202020204" pitchFamily="34" charset="0"/>
-        <a:buChar char="•"/>
-        <a:defRPr sz="1800" kern="1200">
+        <a:buClr>
+          <a:schemeClr val="tx2"/>
+        </a:buClr>
+        <a:buFont typeface="Wingdings" pitchFamily="2" charset="2"/>
+        <a:buChar char="§"/>
+        <a:defRPr sz="1400" kern="1200">
           <a:solidFill>
             <a:schemeClr val="tx1"/>
           </a:solidFill>
@@ -4166,16 +4371,16 @@
           <a:cs typeface="+mn-cs"/>
         </a:defRPr>
       </a:lvl8pPr>
-      <a:lvl9pPr marL="3886200" indent="-228600" algn="l" defTabSz="914400" rtl="0" eaLnBrk="1" latinLnBrk="0" hangingPunct="1">
-        <a:lnSpc>
-          <a:spcPct val="90000"/>
-        </a:lnSpc>
+      <a:lvl9pPr marL="2057400" indent="-182880" algn="l" defTabSz="914400" rtl="0" eaLnBrk="1" latinLnBrk="0" hangingPunct="1">
         <a:spcBef>
-          <a:spcPts val="500"/>
+          <a:spcPct val="20000"/>
         </a:spcBef>
-        <a:buFont typeface="Arial" panose="020B0604020202020204" pitchFamily="34" charset="0"/>
-        <a:buChar char="•"/>
-        <a:defRPr sz="1800" kern="1200">
+        <a:buClr>
+          <a:schemeClr val="tx2"/>
+        </a:buClr>
+        <a:buFont typeface="Wingdings" pitchFamily="2" charset="2"/>
+        <a:buChar char="§"/>
+        <a:defRPr sz="1400" kern="1200">
           <a:solidFill>
             <a:schemeClr val="tx1"/>
           </a:solidFill>
@@ -4311,21 +4516,163 @@
             <p:ph type="ctrTitle"/>
           </p:nvPr>
         </p:nvSpPr>
-        <p:spPr/>
+        <p:spPr>
+          <a:xfrm>
+            <a:off x="1200327" y="1084778"/>
+            <a:ext cx="9753600" cy="2595025"/>
+          </a:xfrm>
+        </p:spPr>
         <p:txBody>
           <a:bodyPr/>
           <a:lstStyle/>
           <a:p>
             <a:r>
-              <a:rPr lang="de-DE"/>
+              <a:rPr lang="de-DE" dirty="0"/>
               <a:t>Planning presentation</a:t>
             </a:r>
           </a:p>
         </p:txBody>
       </p:sp>
-      <p:sp>
-        <p:nvSpPr>
-          <p:cNvPr id="3" name="Sous-titre 2"/>
+      <p:pic>
+        <p:nvPicPr>
+          <p:cNvPr id="6" name="Image 3" descr="Insa-rennes-logo.svg.png"/>
+          <p:cNvPicPr>
+            <a:picLocks noChangeAspect="1"/>
+          </p:cNvPicPr>
+          <p:nvPr/>
+        </p:nvPicPr>
+        <p:blipFill>
+          <a:blip r:embed="rId3"/>
+          <a:stretch>
+            <a:fillRect/>
+          </a:stretch>
+        </p:blipFill>
+        <p:spPr>
+          <a:xfrm>
+            <a:off x="6821966" y="365625"/>
+            <a:ext cx="4496539" cy="1332514"/>
+          </a:xfrm>
+          <a:prstGeom prst="rect">
+            <a:avLst/>
+          </a:prstGeom>
+        </p:spPr>
+      </p:pic>
+      <p:sp>
+        <p:nvSpPr>
+          <p:cNvPr id="8" name="Titre 1"/>
+          <p:cNvSpPr txBox="1">
+            <a:spLocks/>
+          </p:cNvSpPr>
+          <p:nvPr/>
+        </p:nvSpPr>
+        <p:spPr>
+          <a:xfrm>
+            <a:off x="171450" y="300362"/>
+            <a:ext cx="10782300" cy="1088384"/>
+          </a:xfrm>
+          <a:prstGeom prst="rect">
+            <a:avLst/>
+          </a:prstGeom>
+        </p:spPr>
+        <p:txBody>
+          <a:bodyPr vert="horz" lIns="91440" tIns="45720" rIns="91440" bIns="45720" rtlCol="0" anchor="b">
+            <a:normAutofit/>
+          </a:bodyPr>
+          <a:lstStyle>
+            <a:lvl1pPr algn="l" defTabSz="914400" rtl="0" eaLnBrk="1" latinLnBrk="0" hangingPunct="1">
+              <a:spcBef>
+                <a:spcPct val="0"/>
+              </a:spcBef>
+              <a:buNone/>
+              <a:defRPr sz="4800" kern="1200">
+                <a:solidFill>
+                  <a:schemeClr val="tx2"/>
+                </a:solidFill>
+                <a:latin typeface="+mj-lt"/>
+                <a:ea typeface="+mj-ea"/>
+                <a:cs typeface="+mj-cs"/>
+              </a:defRPr>
+            </a:lvl1pPr>
+            <a:lvl2pPr eaLnBrk="1" hangingPunct="1">
+              <a:defRPr>
+                <a:solidFill>
+                  <a:schemeClr val="tx2"/>
+                </a:solidFill>
+              </a:defRPr>
+            </a:lvl2pPr>
+            <a:lvl3pPr eaLnBrk="1" hangingPunct="1">
+              <a:defRPr>
+                <a:solidFill>
+                  <a:schemeClr val="tx2"/>
+                </a:solidFill>
+              </a:defRPr>
+            </a:lvl3pPr>
+            <a:lvl4pPr eaLnBrk="1" hangingPunct="1">
+              <a:defRPr>
+                <a:solidFill>
+                  <a:schemeClr val="tx2"/>
+                </a:solidFill>
+              </a:defRPr>
+            </a:lvl4pPr>
+            <a:lvl5pPr eaLnBrk="1" hangingPunct="1">
+              <a:defRPr>
+                <a:solidFill>
+                  <a:schemeClr val="tx2"/>
+                </a:solidFill>
+              </a:defRPr>
+            </a:lvl5pPr>
+            <a:lvl6pPr eaLnBrk="1" hangingPunct="1">
+              <a:defRPr>
+                <a:solidFill>
+                  <a:schemeClr val="tx2"/>
+                </a:solidFill>
+              </a:defRPr>
+            </a:lvl6pPr>
+            <a:lvl7pPr eaLnBrk="1" hangingPunct="1">
+              <a:defRPr>
+                <a:solidFill>
+                  <a:schemeClr val="tx2"/>
+                </a:solidFill>
+              </a:defRPr>
+            </a:lvl7pPr>
+            <a:lvl8pPr eaLnBrk="1" hangingPunct="1">
+              <a:defRPr>
+                <a:solidFill>
+                  <a:schemeClr val="tx2"/>
+                </a:solidFill>
+              </a:defRPr>
+            </a:lvl8pPr>
+            <a:lvl9pPr eaLnBrk="1" hangingPunct="1">
+              <a:defRPr>
+                <a:solidFill>
+                  <a:schemeClr val="tx2"/>
+                </a:solidFill>
+              </a:defRPr>
+            </a:lvl9pPr>
+          </a:lstStyle>
+          <a:p>
+            <a:r>
+              <a:rPr lang="en-US" sz="3200" dirty="0" smtClean="0"/>
+              <a:t>Fast and furious Game Playing :</a:t>
+            </a:r>
+            <a:br>
+              <a:rPr lang="en-US" sz="3200" dirty="0" smtClean="0"/>
+            </a:br>
+            <a:r>
+              <a:rPr lang="en-US" sz="3200" dirty="0" err="1" smtClean="0"/>
+              <a:t>MonteCarlo</a:t>
+            </a:r>
+            <a:r>
+              <a:rPr lang="en-US" sz="3200" dirty="0" smtClean="0"/>
+              <a:t> drift</a:t>
+            </a:r>
+            <a:endParaRPr lang="fr-FR" sz="3200" dirty="0"/>
+          </a:p>
+        </p:txBody>
+      </p:sp>
+      <p:sp>
+        <p:nvSpPr>
+          <p:cNvPr id="9" name="Sous-titre 2"/>
           <p:cNvSpPr>
             <a:spLocks noGrp="1"/>
           </p:cNvSpPr>
@@ -4333,15 +4680,439 @@
             <p:ph type="subTitle" idx="1"/>
           </p:nvPr>
         </p:nvSpPr>
-        <p:spPr/>
-        <p:txBody>
-          <a:bodyPr/>
-          <a:lstStyle/>
-          <a:p>
-            <a:endParaRPr lang="de-DE"/>
-          </a:p>
-        </p:txBody>
-      </p:sp>
+        <p:spPr>
+          <a:xfrm>
+            <a:off x="1617169" y="3811644"/>
+            <a:ext cx="2933700" cy="2629831"/>
+          </a:xfrm>
+        </p:spPr>
+        <p:txBody>
+          <a:bodyPr>
+            <a:normAutofit/>
+          </a:bodyPr>
+          <a:lstStyle/>
+          <a:p>
+            <a:pPr algn="ctr"/>
+            <a:r>
+              <a:rPr lang="fr-FR" u="sng" dirty="0" err="1" smtClean="0">
+                <a:latin typeface="Calibri" charset="0"/>
+              </a:rPr>
+              <a:t>Students</a:t>
+            </a:r>
+            <a:r>
+              <a:rPr lang="fr-FR" u="sng" dirty="0" smtClean="0">
+                <a:latin typeface="Calibri" charset="0"/>
+              </a:rPr>
+              <a:t> :</a:t>
+            </a:r>
+          </a:p>
+          <a:p>
+            <a:pPr algn="ctr"/>
+            <a:r>
+              <a:rPr lang="fr-FR" dirty="0" err="1" smtClean="0">
+                <a:latin typeface="Calibri" charset="0"/>
+              </a:rPr>
+              <a:t>Prateek</a:t>
+            </a:r>
+            <a:r>
+              <a:rPr lang="fr-FR" dirty="0" smtClean="0">
+                <a:latin typeface="Calibri" charset="0"/>
+              </a:rPr>
+              <a:t> </a:t>
+            </a:r>
+            <a:r>
+              <a:rPr lang="fr-FR" dirty="0" err="1" smtClean="0">
+                <a:latin typeface="Calibri" charset="0"/>
+              </a:rPr>
+              <a:t>Bhatnagar</a:t>
+            </a:r>
+            <a:r>
+              <a:rPr lang="fr-FR" dirty="0" smtClean="0">
+                <a:latin typeface="Calibri" charset="0"/>
+              </a:rPr>
+              <a:t/>
+            </a:r>
+            <a:br>
+              <a:rPr lang="fr-FR" dirty="0" smtClean="0">
+                <a:latin typeface="Calibri" charset="0"/>
+              </a:rPr>
+            </a:br>
+            <a:r>
+              <a:rPr lang="fr-FR" dirty="0" smtClean="0">
+                <a:latin typeface="Calibri" charset="0"/>
+              </a:rPr>
+              <a:t>Baptiste Bignon</a:t>
+            </a:r>
+            <a:br>
+              <a:rPr lang="fr-FR" dirty="0" smtClean="0">
+                <a:latin typeface="Calibri" charset="0"/>
+              </a:rPr>
+            </a:br>
+            <a:r>
+              <a:rPr lang="fr-FR" dirty="0" err="1" smtClean="0">
+                <a:latin typeface="Calibri" charset="0"/>
+              </a:rPr>
+              <a:t>Mikaïl</a:t>
+            </a:r>
+            <a:r>
+              <a:rPr lang="fr-FR" dirty="0" smtClean="0">
+                <a:latin typeface="Calibri" charset="0"/>
+              </a:rPr>
+              <a:t> </a:t>
+            </a:r>
+            <a:r>
+              <a:rPr lang="fr-FR" dirty="0" err="1" smtClean="0">
+                <a:latin typeface="Calibri" charset="0"/>
+              </a:rPr>
+              <a:t>Demirdelen</a:t>
+            </a:r>
+            <a:r>
+              <a:rPr lang="fr-FR" dirty="0" smtClean="0">
+                <a:latin typeface="Calibri" charset="0"/>
+              </a:rPr>
+              <a:t/>
+            </a:r>
+            <a:br>
+              <a:rPr lang="fr-FR" dirty="0" smtClean="0">
+                <a:latin typeface="Calibri" charset="0"/>
+              </a:rPr>
+            </a:br>
+            <a:r>
+              <a:rPr lang="fr-FR" dirty="0" smtClean="0">
+                <a:latin typeface="Calibri" charset="0"/>
+              </a:rPr>
+              <a:t>Gabriel </a:t>
+            </a:r>
+            <a:r>
+              <a:rPr lang="fr-FR" dirty="0" err="1" smtClean="0">
+                <a:latin typeface="Calibri" charset="0"/>
+              </a:rPr>
+              <a:t>Prevosto</a:t>
+            </a:r>
+            <a:r>
+              <a:rPr lang="fr-FR" dirty="0" smtClean="0">
+                <a:latin typeface="Calibri" charset="0"/>
+              </a:rPr>
+              <a:t/>
+            </a:r>
+            <a:br>
+              <a:rPr lang="fr-FR" dirty="0" smtClean="0">
+                <a:latin typeface="Calibri" charset="0"/>
+              </a:rPr>
+            </a:br>
+            <a:r>
+              <a:rPr lang="fr-FR" dirty="0" smtClean="0">
+                <a:latin typeface="Calibri" charset="0"/>
+              </a:rPr>
+              <a:t>Dan </a:t>
+            </a:r>
+            <a:r>
+              <a:rPr lang="fr-FR" dirty="0" err="1" smtClean="0">
+                <a:latin typeface="Calibri" charset="0"/>
+              </a:rPr>
+              <a:t>Seeruttun</a:t>
+            </a:r>
+            <a:r>
+              <a:rPr lang="fr-FR" dirty="0" smtClean="0">
+                <a:latin typeface="Calibri" charset="0"/>
+              </a:rPr>
+              <a:t>--Marie</a:t>
+            </a:r>
+            <a:br>
+              <a:rPr lang="fr-FR" dirty="0" smtClean="0">
+                <a:latin typeface="Calibri" charset="0"/>
+              </a:rPr>
+            </a:br>
+            <a:r>
+              <a:rPr lang="fr-FR" dirty="0" smtClean="0">
+                <a:latin typeface="Calibri" charset="0"/>
+              </a:rPr>
+              <a:t>Benoît Viguier </a:t>
+            </a:r>
+            <a:endParaRPr lang="fr-FR" dirty="0">
+              <a:latin typeface="Calibri" charset="0"/>
+            </a:endParaRPr>
+          </a:p>
+        </p:txBody>
+      </p:sp>
+      <p:sp>
+        <p:nvSpPr>
+          <p:cNvPr id="10" name="Sous-titre 2"/>
+          <p:cNvSpPr txBox="1">
+            <a:spLocks/>
+          </p:cNvSpPr>
+          <p:nvPr/>
+        </p:nvSpPr>
+        <p:spPr>
+          <a:xfrm>
+            <a:off x="7724847" y="3811644"/>
+            <a:ext cx="2933700" cy="2906548"/>
+          </a:xfrm>
+          <a:prstGeom prst="rect">
+            <a:avLst/>
+          </a:prstGeom>
+        </p:spPr>
+        <p:txBody>
+          <a:bodyPr vert="horz" lIns="91440" tIns="45720" rIns="91440" bIns="45720" rtlCol="0">
+            <a:normAutofit/>
+          </a:bodyPr>
+          <a:lstStyle>
+            <a:lvl1pPr marL="0" indent="0" algn="ctr" defTabSz="914400" rtl="0" eaLnBrk="1" latinLnBrk="0" hangingPunct="1">
+              <a:lnSpc>
+                <a:spcPct val="90000"/>
+              </a:lnSpc>
+              <a:spcBef>
+                <a:spcPts val="1000"/>
+              </a:spcBef>
+              <a:buFont typeface="Arial" panose="020B0604020202020204" pitchFamily="34" charset="0"/>
+              <a:buNone/>
+              <a:defRPr sz="2400" kern="1200">
+                <a:solidFill>
+                  <a:schemeClr val="tx1"/>
+                </a:solidFill>
+                <a:latin typeface="+mn-lt"/>
+                <a:ea typeface="+mn-ea"/>
+                <a:cs typeface="+mn-cs"/>
+              </a:defRPr>
+            </a:lvl1pPr>
+            <a:lvl2pPr marL="457200" indent="0" algn="ctr" defTabSz="914400" rtl="0" eaLnBrk="1" latinLnBrk="0" hangingPunct="1">
+              <a:lnSpc>
+                <a:spcPct val="90000"/>
+              </a:lnSpc>
+              <a:spcBef>
+                <a:spcPts val="500"/>
+              </a:spcBef>
+              <a:buFont typeface="Arial" panose="020B0604020202020204" pitchFamily="34" charset="0"/>
+              <a:buNone/>
+              <a:defRPr sz="2000" kern="1200">
+                <a:solidFill>
+                  <a:schemeClr val="tx1"/>
+                </a:solidFill>
+                <a:latin typeface="+mn-lt"/>
+                <a:ea typeface="+mn-ea"/>
+                <a:cs typeface="+mn-cs"/>
+              </a:defRPr>
+            </a:lvl2pPr>
+            <a:lvl3pPr marL="914400" indent="0" algn="ctr" defTabSz="914400" rtl="0" eaLnBrk="1" latinLnBrk="0" hangingPunct="1">
+              <a:lnSpc>
+                <a:spcPct val="90000"/>
+              </a:lnSpc>
+              <a:spcBef>
+                <a:spcPts val="500"/>
+              </a:spcBef>
+              <a:buFont typeface="Arial" panose="020B0604020202020204" pitchFamily="34" charset="0"/>
+              <a:buNone/>
+              <a:defRPr sz="1800" kern="1200">
+                <a:solidFill>
+                  <a:schemeClr val="tx1"/>
+                </a:solidFill>
+                <a:latin typeface="+mn-lt"/>
+                <a:ea typeface="+mn-ea"/>
+                <a:cs typeface="+mn-cs"/>
+              </a:defRPr>
+            </a:lvl3pPr>
+            <a:lvl4pPr marL="1371600" indent="0" algn="ctr" defTabSz="914400" rtl="0" eaLnBrk="1" latinLnBrk="0" hangingPunct="1">
+              <a:lnSpc>
+                <a:spcPct val="90000"/>
+              </a:lnSpc>
+              <a:spcBef>
+                <a:spcPts val="500"/>
+              </a:spcBef>
+              <a:buFont typeface="Arial" panose="020B0604020202020204" pitchFamily="34" charset="0"/>
+              <a:buNone/>
+              <a:defRPr sz="1600" kern="1200">
+                <a:solidFill>
+                  <a:schemeClr val="tx1"/>
+                </a:solidFill>
+                <a:latin typeface="+mn-lt"/>
+                <a:ea typeface="+mn-ea"/>
+                <a:cs typeface="+mn-cs"/>
+              </a:defRPr>
+            </a:lvl4pPr>
+            <a:lvl5pPr marL="1828800" indent="0" algn="ctr" defTabSz="914400" rtl="0" eaLnBrk="1" latinLnBrk="0" hangingPunct="1">
+              <a:lnSpc>
+                <a:spcPct val="90000"/>
+              </a:lnSpc>
+              <a:spcBef>
+                <a:spcPts val="500"/>
+              </a:spcBef>
+              <a:buFont typeface="Arial" panose="020B0604020202020204" pitchFamily="34" charset="0"/>
+              <a:buNone/>
+              <a:defRPr sz="1600" kern="1200">
+                <a:solidFill>
+                  <a:schemeClr val="tx1"/>
+                </a:solidFill>
+                <a:latin typeface="+mn-lt"/>
+                <a:ea typeface="+mn-ea"/>
+                <a:cs typeface="+mn-cs"/>
+              </a:defRPr>
+            </a:lvl5pPr>
+            <a:lvl6pPr marL="2286000" indent="0" algn="ctr" defTabSz="914400" rtl="0" eaLnBrk="1" latinLnBrk="0" hangingPunct="1">
+              <a:lnSpc>
+                <a:spcPct val="90000"/>
+              </a:lnSpc>
+              <a:spcBef>
+                <a:spcPts val="500"/>
+              </a:spcBef>
+              <a:buFont typeface="Arial" panose="020B0604020202020204" pitchFamily="34" charset="0"/>
+              <a:buNone/>
+              <a:defRPr sz="1600" kern="1200">
+                <a:solidFill>
+                  <a:schemeClr val="tx1"/>
+                </a:solidFill>
+                <a:latin typeface="+mn-lt"/>
+                <a:ea typeface="+mn-ea"/>
+                <a:cs typeface="+mn-cs"/>
+              </a:defRPr>
+            </a:lvl6pPr>
+            <a:lvl7pPr marL="2743200" indent="0" algn="ctr" defTabSz="914400" rtl="0" eaLnBrk="1" latinLnBrk="0" hangingPunct="1">
+              <a:lnSpc>
+                <a:spcPct val="90000"/>
+              </a:lnSpc>
+              <a:spcBef>
+                <a:spcPts val="500"/>
+              </a:spcBef>
+              <a:buFont typeface="Arial" panose="020B0604020202020204" pitchFamily="34" charset="0"/>
+              <a:buNone/>
+              <a:defRPr sz="1600" kern="1200">
+                <a:solidFill>
+                  <a:schemeClr val="tx1"/>
+                </a:solidFill>
+                <a:latin typeface="+mn-lt"/>
+                <a:ea typeface="+mn-ea"/>
+                <a:cs typeface="+mn-cs"/>
+              </a:defRPr>
+            </a:lvl7pPr>
+            <a:lvl8pPr marL="3200400" indent="0" algn="ctr" defTabSz="914400" rtl="0" eaLnBrk="1" latinLnBrk="0" hangingPunct="1">
+              <a:lnSpc>
+                <a:spcPct val="90000"/>
+              </a:lnSpc>
+              <a:spcBef>
+                <a:spcPts val="500"/>
+              </a:spcBef>
+              <a:buFont typeface="Arial" panose="020B0604020202020204" pitchFamily="34" charset="0"/>
+              <a:buNone/>
+              <a:defRPr sz="1600" kern="1200">
+                <a:solidFill>
+                  <a:schemeClr val="tx1"/>
+                </a:solidFill>
+                <a:latin typeface="+mn-lt"/>
+                <a:ea typeface="+mn-ea"/>
+                <a:cs typeface="+mn-cs"/>
+              </a:defRPr>
+            </a:lvl8pPr>
+            <a:lvl9pPr marL="3657600" indent="0" algn="ctr" defTabSz="914400" rtl="0" eaLnBrk="1" latinLnBrk="0" hangingPunct="1">
+              <a:lnSpc>
+                <a:spcPct val="90000"/>
+              </a:lnSpc>
+              <a:spcBef>
+                <a:spcPts val="500"/>
+              </a:spcBef>
+              <a:buFont typeface="Arial" panose="020B0604020202020204" pitchFamily="34" charset="0"/>
+              <a:buNone/>
+              <a:defRPr sz="1600" kern="1200">
+                <a:solidFill>
+                  <a:schemeClr val="tx1"/>
+                </a:solidFill>
+                <a:latin typeface="+mn-lt"/>
+                <a:ea typeface="+mn-ea"/>
+                <a:cs typeface="+mn-cs"/>
+              </a:defRPr>
+            </a:lvl9pPr>
+          </a:lstStyle>
+          <a:p>
+            <a:r>
+              <a:rPr lang="fr-FR" u="sng" dirty="0" err="1" smtClean="0">
+                <a:latin typeface="Calibri" charset="0"/>
+              </a:rPr>
+              <a:t>Supervisors</a:t>
+            </a:r>
+            <a:r>
+              <a:rPr lang="fr-FR" u="sng" dirty="0" smtClean="0">
+                <a:latin typeface="Calibri" charset="0"/>
+              </a:rPr>
+              <a:t> :</a:t>
+            </a:r>
+            <a:endParaRPr lang="fr-FR" u="sng" dirty="0">
+              <a:latin typeface="Calibri" charset="0"/>
+            </a:endParaRPr>
+          </a:p>
+          <a:p>
+            <a:r>
+              <a:rPr lang="fr-FR" dirty="0" err="1">
+                <a:latin typeface="Calibri" charset="0"/>
+              </a:rPr>
+              <a:t>Nikolaos</a:t>
+            </a:r>
+            <a:r>
+              <a:rPr lang="fr-FR" dirty="0">
+                <a:latin typeface="Calibri" charset="0"/>
+              </a:rPr>
+              <a:t> </a:t>
+            </a:r>
+            <a:r>
+              <a:rPr lang="fr-FR" dirty="0" err="1">
+                <a:latin typeface="Calibri" charset="0"/>
+              </a:rPr>
+              <a:t>Parlavantzas</a:t>
+            </a:r>
+            <a:r>
+              <a:rPr lang="fr-FR" dirty="0">
+                <a:latin typeface="Calibri" charset="0"/>
+              </a:rPr>
+              <a:t> Christian Raymond</a:t>
+            </a:r>
+          </a:p>
+          <a:p>
+            <a:endParaRPr lang="fr-FR" dirty="0">
+              <a:latin typeface="Calibri" charset="0"/>
+            </a:endParaRPr>
+          </a:p>
+          <a:p>
+            <a:endParaRPr lang="fr-FR" dirty="0">
+              <a:latin typeface="Calibri" charset="0"/>
+            </a:endParaRPr>
+          </a:p>
+          <a:p>
+            <a:r>
+              <a:rPr lang="fr-FR" dirty="0" err="1">
+                <a:latin typeface="Calibri" charset="0"/>
+              </a:rPr>
+              <a:t>Year</a:t>
+            </a:r>
+            <a:r>
+              <a:rPr lang="fr-FR" dirty="0">
+                <a:latin typeface="Calibri" charset="0"/>
+              </a:rPr>
+              <a:t> 2014-2015</a:t>
+            </a:r>
+          </a:p>
+        </p:txBody>
+      </p:sp>
+      <p:pic>
+        <p:nvPicPr>
+          <p:cNvPr id="11" name="Image 5" descr="1411179916-1030186520.jpg"/>
+          <p:cNvPicPr>
+            <a:picLocks noChangeAspect="1"/>
+          </p:cNvPicPr>
+          <p:nvPr/>
+        </p:nvPicPr>
+        <p:blipFill>
+          <a:blip r:embed="rId4"/>
+          <a:stretch>
+            <a:fillRect/>
+          </a:stretch>
+        </p:blipFill>
+        <p:spPr>
+          <a:xfrm>
+            <a:off x="4550869" y="3811644"/>
+            <a:ext cx="3052517" cy="2478844"/>
+          </a:xfrm>
+          <a:prstGeom prst="rect">
+            <a:avLst/>
+          </a:prstGeom>
+        </p:spPr>
+      </p:pic>
     </p:spTree>
     <p:extLst>
       <p:ext uri="{BB962C8B-B14F-4D97-AF65-F5344CB8AC3E}">
@@ -4355,6 +5126,13 @@
   <p:transition spd="slow">
     <p:push dir="u"/>
   </p:transition>
+  <p:timing>
+    <p:tnLst>
+      <p:par>
+        <p:cTn id="1" dur="indefinite" restart="never" nodeType="tmRoot"/>
+      </p:par>
+    </p:tnLst>
+  </p:timing>
 </p:sld>
 </file>
 
@@ -4391,15 +5169,15 @@
           <a:lstStyle/>
           <a:p>
             <a:r>
-              <a:rPr lang="fr-FR"/>
-              <a:t>Tasks planning</a:t>
+              <a:rPr lang="fr-FR" dirty="0"/>
+              <a:t>Important dates</a:t>
             </a:r>
           </a:p>
         </p:txBody>
       </p:sp>
       <p:pic>
         <p:nvPicPr>
-          <p:cNvPr id="5" name="Espace réservé du contenu 4"/>
+          <p:cNvPr id="3" name="Espace réservé du contenu 2" descr="DatesChronology.png"/>
           <p:cNvPicPr>
             <a:picLocks noGrp="1" noChangeAspect="1"/>
           </p:cNvPicPr>
@@ -4407,23 +5185,74 @@
             <p:ph idx="1"/>
           </p:nvPr>
         </p:nvPicPr>
-        <p:blipFill>
-          <a:blip r:embed="rId3"/>
-          <a:stretch>
-            <a:fillRect/>
-          </a:stretch>
+        <p:blipFill rotWithShape="1">
+          <a:blip r:embed="rId3">
+            <a:extLst>
+              <a:ext uri="{28A0092B-C50C-407E-A947-70E740481C1C}">
+                <a14:useLocalDpi xmlns:a14="http://schemas.microsoft.com/office/drawing/2010/main" val="0"/>
+              </a:ext>
+            </a:extLst>
+          </a:blip>
+          <a:srcRect l="5711" t="17201" r="46346" b="19708"/>
+          <a:stretch/>
         </p:blipFill>
         <p:spPr>
           <a:xfrm>
-            <a:off x="13786" y="2632545"/>
-            <a:ext cx="12163927" cy="2410943"/>
+            <a:off x="2088000" y="1692000"/>
+            <a:ext cx="10044000" cy="1728000"/>
           </a:xfrm>
         </p:spPr>
       </p:pic>
+      <p:pic>
+        <p:nvPicPr>
+          <p:cNvPr id="5" name="Espace réservé du contenu 2" descr="DatesChronology.png"/>
+          <p:cNvPicPr>
+            <a:picLocks noChangeAspect="1"/>
+          </p:cNvPicPr>
+          <p:nvPr/>
+        </p:nvPicPr>
+        <p:blipFill rotWithShape="1">
+          <a:blip r:embed="rId4"/>
+          <a:srcRect l="48384" r="-1321"/>
+          <a:stretch/>
+        </p:blipFill>
+        <p:spPr>
+          <a:xfrm>
+            <a:off x="36000" y="3667135"/>
+            <a:ext cx="11088000" cy="2741755"/>
+          </a:xfrm>
+          <a:prstGeom prst="rect">
+            <a:avLst/>
+          </a:prstGeom>
+        </p:spPr>
+      </p:pic>
+      <p:sp>
+        <p:nvSpPr>
+          <p:cNvPr id="4" name="Slide Number Placeholder 3"/>
+          <p:cNvSpPr>
+            <a:spLocks noGrp="1"/>
+          </p:cNvSpPr>
+          <p:nvPr>
+            <p:ph type="sldNum" sz="quarter" idx="12"/>
+          </p:nvPr>
+        </p:nvSpPr>
+        <p:spPr/>
+        <p:txBody>
+          <a:bodyPr/>
+          <a:lstStyle/>
+          <a:p>
+            <a:fld id="{27C6CCC6-2BE5-4E42-96A4-D1E8E81A3D8E}" type="slidenum">
+              <a:rPr lang="de-DE" smtClean="0"/>
+              <a:t>10</a:t>
+            </a:fld>
+            <a:endParaRPr lang="de-DE"/>
+          </a:p>
+        </p:txBody>
+      </p:sp>
     </p:spTree>
     <p:extLst>
       <p:ext uri="{BB962C8B-B14F-4D97-AF65-F5344CB8AC3E}">
-        <p14:creationId xmlns:p14="http://schemas.microsoft.com/office/powerpoint/2010/main" val="2380993638"/>
+        <p14:creationId xmlns:p14="http://schemas.microsoft.com/office/powerpoint/2010/main" val="2704138539"/>
       </p:ext>
     </p:extLst>
   </p:cSld>
@@ -4433,6 +5262,13 @@
   <p:transition spd="slow">
     <p:push dir="u"/>
   </p:transition>
+  <p:timing>
+    <p:tnLst>
+      <p:par>
+        <p:cTn id="1" dur="indefinite" restart="never" nodeType="tmRoot"/>
+      </p:par>
+    </p:tnLst>
+  </p:timing>
 </p:sld>
 </file>
 
@@ -4470,6 +5306,113 @@
           <a:p>
             <a:r>
               <a:rPr lang="fr-FR"/>
+              <a:t>Tasks planning</a:t>
+            </a:r>
+          </a:p>
+        </p:txBody>
+      </p:sp>
+      <p:pic>
+        <p:nvPicPr>
+          <p:cNvPr id="5" name="Espace réservé du contenu 4"/>
+          <p:cNvPicPr>
+            <a:picLocks noGrp="1" noChangeAspect="1"/>
+          </p:cNvPicPr>
+          <p:nvPr>
+            <p:ph idx="1"/>
+          </p:nvPr>
+        </p:nvPicPr>
+        <p:blipFill rotWithShape="1">
+          <a:blip r:embed="rId3"/>
+          <a:srcRect l="774" r="11916"/>
+          <a:stretch/>
+        </p:blipFill>
+        <p:spPr>
+          <a:xfrm>
+            <a:off x="107999" y="2632545"/>
+            <a:ext cx="11802037" cy="2679288"/>
+          </a:xfrm>
+        </p:spPr>
+      </p:pic>
+      <p:sp>
+        <p:nvSpPr>
+          <p:cNvPr id="3" name="Slide Number Placeholder 2"/>
+          <p:cNvSpPr>
+            <a:spLocks noGrp="1"/>
+          </p:cNvSpPr>
+          <p:nvPr>
+            <p:ph type="sldNum" sz="quarter" idx="12"/>
+          </p:nvPr>
+        </p:nvSpPr>
+        <p:spPr/>
+        <p:txBody>
+          <a:bodyPr/>
+          <a:lstStyle/>
+          <a:p>
+            <a:fld id="{27C6CCC6-2BE5-4E42-96A4-D1E8E81A3D8E}" type="slidenum">
+              <a:rPr lang="de-DE" smtClean="0"/>
+              <a:t>11</a:t>
+            </a:fld>
+            <a:endParaRPr lang="de-DE"/>
+          </a:p>
+        </p:txBody>
+      </p:sp>
+    </p:spTree>
+    <p:extLst>
+      <p:ext uri="{BB962C8B-B14F-4D97-AF65-F5344CB8AC3E}">
+        <p14:creationId xmlns:p14="http://schemas.microsoft.com/office/powerpoint/2010/main" val="2380993638"/>
+      </p:ext>
+    </p:extLst>
+  </p:cSld>
+  <p:clrMapOvr>
+    <a:masterClrMapping/>
+  </p:clrMapOvr>
+  <p:transition spd="slow">
+    <p:push dir="u"/>
+  </p:transition>
+  <p:timing>
+    <p:tnLst>
+      <p:par>
+        <p:cTn id="1" dur="indefinite" restart="never" nodeType="tmRoot"/>
+      </p:par>
+    </p:tnLst>
+  </p:timing>
+</p:sld>
+</file>
+
+<file path=ppt/slides/slide12.xml><?xml version="1.0" encoding="utf-8"?>
+<p:sld xmlns:a="http://schemas.openxmlformats.org/drawingml/2006/main" xmlns:r="http://schemas.openxmlformats.org/officeDocument/2006/relationships" xmlns:p="http://schemas.openxmlformats.org/presentationml/2006/main">
+  <p:cSld>
+    <p:spTree>
+      <p:nvGrpSpPr>
+        <p:cNvPr id="1" name=""/>
+        <p:cNvGrpSpPr/>
+        <p:nvPr/>
+      </p:nvGrpSpPr>
+      <p:grpSpPr>
+        <a:xfrm>
+          <a:off x="0" y="0"/>
+          <a:ext cx="0" cy="0"/>
+          <a:chOff x="0" y="0"/>
+          <a:chExt cx="0" cy="0"/>
+        </a:xfrm>
+      </p:grpSpPr>
+      <p:sp>
+        <p:nvSpPr>
+          <p:cNvPr id="2" name="Titre 1"/>
+          <p:cNvSpPr>
+            <a:spLocks noGrp="1"/>
+          </p:cNvSpPr>
+          <p:nvPr>
+            <p:ph type="title"/>
+          </p:nvPr>
+        </p:nvSpPr>
+        <p:spPr/>
+        <p:txBody>
+          <a:bodyPr/>
+          <a:lstStyle/>
+          <a:p>
+            <a:r>
+              <a:rPr lang="fr-FR"/>
               <a:t>Conclusion</a:t>
             </a:r>
           </a:p>
@@ -4544,6 +5487,29 @@
           </a:p>
           <a:p>
             <a:endParaRPr lang="fr-FR" i="1" u="sng"/>
+          </a:p>
+        </p:txBody>
+      </p:sp>
+      <p:sp>
+        <p:nvSpPr>
+          <p:cNvPr id="4" name="Slide Number Placeholder 3"/>
+          <p:cNvSpPr>
+            <a:spLocks noGrp="1"/>
+          </p:cNvSpPr>
+          <p:nvPr>
+            <p:ph type="sldNum" sz="quarter" idx="12"/>
+          </p:nvPr>
+        </p:nvSpPr>
+        <p:spPr/>
+        <p:txBody>
+          <a:bodyPr/>
+          <a:lstStyle/>
+          <a:p>
+            <a:fld id="{27C6CCC6-2BE5-4E42-96A4-D1E8E81A3D8E}" type="slidenum">
+              <a:rPr lang="de-DE" smtClean="0"/>
+              <a:t>12</a:t>
+            </a:fld>
+            <a:endParaRPr lang="de-DE"/>
           </a:p>
         </p:txBody>
       </p:sp>
@@ -4560,6 +5526,13 @@
   <p:transition spd="slow">
     <p:push dir="u"/>
   </p:transition>
+  <p:timing>
+    <p:tnLst>
+      <p:par>
+        <p:cTn id="1" dur="indefinite" restart="never" nodeType="tmRoot"/>
+      </p:par>
+    </p:tnLst>
+  </p:timing>
 </p:sld>
 </file>
 
@@ -4596,7 +5569,7 @@
           <a:lstStyle/>
           <a:p>
             <a:r>
-              <a:rPr lang="fr-FR"/>
+              <a:rPr lang="fr-FR" dirty="0"/>
               <a:t>Introduction</a:t>
             </a:r>
           </a:p>
@@ -4616,6 +5589,7 @@
           <a:prstGeom prst="rect">
             <a:avLst/>
           </a:prstGeom>
+          <a:noFill/>
         </p:spPr>
         <p:style>
           <a:lnRef idx="2">
@@ -4639,7 +5613,7 @@
           <a:p>
             <a:pPr algn="ctr"/>
             <a:r>
-              <a:rPr lang="fr-FR" sz="4400" i="1">
+              <a:rPr lang="fr-FR" sz="4400" i="1" dirty="0">
                 <a:latin typeface="Comic Sans MS"/>
               </a:rPr>
               <a:t>ARIMAA</a:t>
@@ -4813,6 +5787,29 @@
               <a:t>Optimization by parallelization </a:t>
             </a:r>
             <a:endParaRPr lang="fr-FR"/>
+          </a:p>
+        </p:txBody>
+      </p:sp>
+      <p:sp>
+        <p:nvSpPr>
+          <p:cNvPr id="3" name="Slide Number Placeholder 2"/>
+          <p:cNvSpPr>
+            <a:spLocks noGrp="1"/>
+          </p:cNvSpPr>
+          <p:nvPr>
+            <p:ph type="sldNum" sz="quarter" idx="12"/>
+          </p:nvPr>
+        </p:nvSpPr>
+        <p:spPr/>
+        <p:txBody>
+          <a:bodyPr/>
+          <a:lstStyle/>
+          <a:p>
+            <a:fld id="{27C6CCC6-2BE5-4E42-96A4-D1E8E81A3D8E}" type="slidenum">
+              <a:rPr lang="de-DE" smtClean="0"/>
+              <a:t>2</a:t>
+            </a:fld>
+            <a:endParaRPr lang="de-DE"/>
           </a:p>
         </p:txBody>
       </p:sp>
@@ -4829,6 +5826,13 @@
   <p:transition spd="slow">
     <p:push dir="u"/>
   </p:transition>
+  <p:timing>
+    <p:tnLst>
+      <p:par>
+        <p:cTn id="1" dur="indefinite" restart="never" nodeType="tmRoot"/>
+      </p:par>
+    </p:tnLst>
+  </p:timing>
 </p:sld>
 </file>
 
@@ -4861,18 +5865,32 @@
         </p:nvSpPr>
         <p:spPr>
           <a:xfrm>
-            <a:off x="838200" y="365125"/>
-            <a:ext cx="10515600" cy="934794"/>
+            <a:off x="997225" y="901558"/>
+            <a:ext cx="10515600" cy="916885"/>
           </a:xfrm>
         </p:spPr>
         <p:txBody>
-          <a:bodyPr/>
-          <a:lstStyle/>
-          <a:p>
-            <a:r>
-              <a:rPr lang="en-US" b="1"/>
-              <a:t>Development Methodology</a:t>
-            </a:r>
+          <a:bodyPr>
+            <a:normAutofit fontScale="90000"/>
+          </a:bodyPr>
+          <a:lstStyle/>
+          <a:p>
+            <a:pPr marL="0" indent="0">
+              <a:lnSpc>
+                <a:spcPct val="150000"/>
+              </a:lnSpc>
+            </a:pPr>
+            <a:r>
+              <a:rPr lang="en-US" dirty="0">
+                <a:solidFill>
+                  <a:srgbClr val="FF3300"/>
+                </a:solidFill>
+              </a:rPr>
+              <a:t>Agile Methodology:</a:t>
+            </a:r>
+            <a:endParaRPr lang="en-US" dirty="0">
+              <a:latin typeface="Calibri" charset="0"/>
+            </a:endParaRPr>
           </a:p>
         </p:txBody>
       </p:sp>
@@ -4888,55 +5906,56 @@
         </p:nvSpPr>
         <p:spPr>
           <a:xfrm>
-            <a:off x="816495" y="1359806"/>
-            <a:ext cx="10515600" cy="4781184"/>
+            <a:off x="689295" y="3186097"/>
+            <a:ext cx="5188791" cy="1870932"/>
           </a:xfrm>
         </p:spPr>
         <p:txBody>
-          <a:bodyPr/>
-          <a:lstStyle/>
-          <a:p>
-            <a:pPr marL="0" indent="0">
+          <a:bodyPr>
+            <a:normAutofit/>
+          </a:bodyPr>
+          <a:lstStyle/>
+          <a:p>
+            <a:r>
+              <a:rPr lang="en-US" sz="2400" dirty="0" smtClean="0"/>
+              <a:t>Iterative </a:t>
+            </a:r>
+            <a:r>
+              <a:rPr lang="en-US" sz="2400" dirty="0"/>
+              <a:t>software development </a:t>
+            </a:r>
+            <a:r>
+              <a:rPr lang="en-US" sz="2400" dirty="0" smtClean="0"/>
+              <a:t/>
+            </a:r>
+            <a:br>
+              <a:rPr lang="en-US" sz="2400" dirty="0" smtClean="0"/>
+            </a:br>
+            <a:r>
+              <a:rPr lang="en-US" sz="2400" dirty="0" smtClean="0"/>
+              <a:t>methodology </a:t>
+            </a:r>
+            <a:r>
+              <a:rPr lang="en-US" sz="2400" dirty="0"/>
+              <a:t>for building and </a:t>
+            </a:r>
+            <a:r>
+              <a:rPr lang="en-US" sz="2400" dirty="0" smtClean="0"/>
+              <a:t>testing </a:t>
+            </a:r>
+            <a:r>
+              <a:rPr lang="en-US" sz="2400" dirty="0"/>
+              <a:t>the software incrementally.</a:t>
+            </a:r>
+          </a:p>
+          <a:p>
+            <a:pPr marL="45720" indent="0" algn="just">
+              <a:lnSpc>
+                <a:spcPct val="150000"/>
+              </a:lnSpc>
               <a:buNone/>
             </a:pPr>
-            <a:r>
-              <a:rPr lang="en-US" sz="3200" b="1"/>
-              <a:t>Agile Methodology</a:t>
-            </a:r>
-            <a:r>
-              <a:rPr lang="en-US"/>
-              <a:t>:</a:t>
-            </a:r>
-          </a:p>
-          <a:p>
-            <a:endParaRPr lang="en-US"/>
-          </a:p>
-          <a:p>
-            <a:pPr marL="0" indent="0">
-              <a:buNone/>
-            </a:pPr>
-            <a:r>
-              <a:rPr lang="en-US"/>
-              <a:t>Iterative software development</a:t>
-            </a:r>
-          </a:p>
-          <a:p>
-            <a:pPr marL="0" indent="0">
-              <a:buNone/>
-            </a:pPr>
-            <a:r>
-              <a:rPr lang="en-US"/>
-              <a:t>methodology for building and </a:t>
-            </a:r>
-          </a:p>
-          <a:p>
-            <a:pPr marL="0" indent="0">
-              <a:buNone/>
-            </a:pPr>
-            <a:r>
-              <a:rPr lang="en-US"/>
-              <a:t>testing the software incrementally.</a:t>
-            </a:r>
+            <a:endParaRPr lang="en-US" dirty="0"/>
           </a:p>
         </p:txBody>
       </p:sp>
@@ -4956,18 +5975,208 @@
         </p:blipFill>
         <p:spPr>
           <a:xfrm>
-            <a:off x="5816057" y="1707891"/>
-            <a:ext cx="5692775" cy="4252912"/>
+            <a:off x="4786686" y="2093014"/>
+            <a:ext cx="6599017" cy="4387297"/>
           </a:xfrm>
           <a:prstGeom prst="rect">
             <a:avLst/>
           </a:prstGeom>
         </p:spPr>
       </p:pic>
+      <p:sp>
+        <p:nvSpPr>
+          <p:cNvPr id="6" name="Titre 1"/>
+          <p:cNvSpPr txBox="1">
+            <a:spLocks/>
+          </p:cNvSpPr>
+          <p:nvPr/>
+        </p:nvSpPr>
+        <p:spPr>
+          <a:xfrm>
+            <a:off x="531976" y="340254"/>
+            <a:ext cx="10692221" cy="876623"/>
+          </a:xfrm>
+          <a:prstGeom prst="rect">
+            <a:avLst/>
+          </a:prstGeom>
+        </p:spPr>
+        <p:txBody>
+          <a:bodyPr vert="horz" lIns="91440" tIns="45720" rIns="91440" bIns="45720" rtlCol="0" anchor="ctr">
+            <a:normAutofit/>
+          </a:bodyPr>
+          <a:lstStyle>
+            <a:lvl1pPr algn="l" defTabSz="914400" rtl="0" eaLnBrk="1" latinLnBrk="0" hangingPunct="1">
+              <a:lnSpc>
+                <a:spcPct val="90000"/>
+              </a:lnSpc>
+              <a:spcBef>
+                <a:spcPct val="0"/>
+              </a:spcBef>
+              <a:buNone/>
+              <a:defRPr sz="4400" kern="1200">
+                <a:solidFill>
+                  <a:schemeClr val="tx1"/>
+                </a:solidFill>
+                <a:latin typeface="+mj-lt"/>
+                <a:ea typeface="+mj-ea"/>
+                <a:cs typeface="+mj-cs"/>
+              </a:defRPr>
+            </a:lvl1pPr>
+          </a:lstStyle>
+          <a:p>
+            <a:endParaRPr lang="fr-FR" sz="4000" b="1" dirty="0">
+              <a:solidFill>
+                <a:srgbClr val="FF0000"/>
+              </a:solidFill>
+            </a:endParaRPr>
+          </a:p>
+        </p:txBody>
+      </p:sp>
+      <p:sp>
+        <p:nvSpPr>
+          <p:cNvPr id="5" name="Slide Number Placeholder 4"/>
+          <p:cNvSpPr>
+            <a:spLocks noGrp="1"/>
+          </p:cNvSpPr>
+          <p:nvPr>
+            <p:ph type="sldNum" sz="quarter" idx="12"/>
+          </p:nvPr>
+        </p:nvSpPr>
+        <p:spPr/>
+        <p:txBody>
+          <a:bodyPr/>
+          <a:lstStyle/>
+          <a:p>
+            <a:fld id="{789A2A0C-D44F-4523-8D1A-D12B62504EB2}" type="slidenum">
+              <a:rPr lang="fr-FR" smtClean="0"/>
+              <a:t>3</a:t>
+            </a:fld>
+            <a:endParaRPr lang="fr-FR"/>
+          </a:p>
+        </p:txBody>
+      </p:sp>
+      <p:sp>
+        <p:nvSpPr>
+          <p:cNvPr id="7" name="Titre 1"/>
+          <p:cNvSpPr txBox="1">
+            <a:spLocks/>
+          </p:cNvSpPr>
+          <p:nvPr/>
+        </p:nvSpPr>
+        <p:spPr>
+          <a:xfrm>
+            <a:off x="615043" y="0"/>
+            <a:ext cx="9753600" cy="1154097"/>
+          </a:xfrm>
+          <a:prstGeom prst="rect">
+            <a:avLst/>
+          </a:prstGeom>
+        </p:spPr>
+        <p:txBody>
+          <a:bodyPr vert="horz" lIns="91440" tIns="45720" rIns="91440" bIns="45720" rtlCol="0" anchor="b">
+            <a:normAutofit/>
+          </a:bodyPr>
+          <a:lstStyle>
+            <a:lvl1pPr algn="l" defTabSz="914400" rtl="0" eaLnBrk="1" latinLnBrk="0" hangingPunct="1">
+              <a:spcBef>
+                <a:spcPct val="0"/>
+              </a:spcBef>
+              <a:buNone/>
+              <a:defRPr sz="4000" kern="1200">
+                <a:solidFill>
+                  <a:schemeClr val="tx2"/>
+                </a:solidFill>
+                <a:latin typeface="+mj-lt"/>
+                <a:ea typeface="+mj-ea"/>
+                <a:cs typeface="+mj-cs"/>
+              </a:defRPr>
+            </a:lvl1pPr>
+            <a:lvl2pPr eaLnBrk="1" hangingPunct="1">
+              <a:defRPr>
+                <a:solidFill>
+                  <a:schemeClr val="tx2"/>
+                </a:solidFill>
+              </a:defRPr>
+            </a:lvl2pPr>
+            <a:lvl3pPr eaLnBrk="1" hangingPunct="1">
+              <a:defRPr>
+                <a:solidFill>
+                  <a:schemeClr val="tx2"/>
+                </a:solidFill>
+              </a:defRPr>
+            </a:lvl3pPr>
+            <a:lvl4pPr eaLnBrk="1" hangingPunct="1">
+              <a:defRPr>
+                <a:solidFill>
+                  <a:schemeClr val="tx2"/>
+                </a:solidFill>
+              </a:defRPr>
+            </a:lvl4pPr>
+            <a:lvl5pPr eaLnBrk="1" hangingPunct="1">
+              <a:defRPr>
+                <a:solidFill>
+                  <a:schemeClr val="tx2"/>
+                </a:solidFill>
+              </a:defRPr>
+            </a:lvl5pPr>
+            <a:lvl6pPr eaLnBrk="1" hangingPunct="1">
+              <a:defRPr>
+                <a:solidFill>
+                  <a:schemeClr val="tx2"/>
+                </a:solidFill>
+              </a:defRPr>
+            </a:lvl6pPr>
+            <a:lvl7pPr eaLnBrk="1" hangingPunct="1">
+              <a:defRPr>
+                <a:solidFill>
+                  <a:schemeClr val="tx2"/>
+                </a:solidFill>
+              </a:defRPr>
+            </a:lvl7pPr>
+            <a:lvl8pPr eaLnBrk="1" hangingPunct="1">
+              <a:defRPr>
+                <a:solidFill>
+                  <a:schemeClr val="tx2"/>
+                </a:solidFill>
+              </a:defRPr>
+            </a:lvl8pPr>
+            <a:lvl9pPr eaLnBrk="1" hangingPunct="1">
+              <a:defRPr>
+                <a:solidFill>
+                  <a:schemeClr val="tx2"/>
+                </a:solidFill>
+              </a:defRPr>
+            </a:lvl9pPr>
+          </a:lstStyle>
+          <a:p>
+            <a:r>
+              <a:rPr lang="en-US" dirty="0">
+                <a:solidFill>
+                  <a:srgbClr val="FF0000"/>
+                </a:solidFill>
+              </a:rPr>
+              <a:t>Development </a:t>
+            </a:r>
+            <a:r>
+              <a:rPr lang="en-US" dirty="0" smtClean="0">
+                <a:solidFill>
+                  <a:srgbClr val="FF0000"/>
+                </a:solidFill>
+              </a:rPr>
+              <a:t>Methodologies</a:t>
+            </a:r>
+            <a:endParaRPr lang="fr-FR" dirty="0">
+              <a:solidFill>
+                <a:srgbClr val="FF0000"/>
+              </a:solidFill>
+            </a:endParaRPr>
+          </a:p>
+        </p:txBody>
+      </p:sp>
     </p:spTree>
     <p:extLst>
       <p:ext uri="{BB962C8B-B14F-4D97-AF65-F5344CB8AC3E}">
-        <p14:creationId xmlns:p14="http://schemas.microsoft.com/office/powerpoint/2010/main" val="2435568108"/>
+        <p14:creationId xmlns:p14="http://schemas.microsoft.com/office/powerpoint/2010/main" val="1581777552"/>
       </p:ext>
     </p:extLst>
   </p:cSld>
@@ -4975,8 +6184,15 @@
     <a:masterClrMapping/>
   </p:clrMapOvr>
   <p:transition spd="slow">
-    <p:push dir="u"/>
+    <p:push/>
   </p:transition>
+  <p:timing>
+    <p:tnLst>
+      <p:par>
+        <p:cTn id="1" dur="indefinite" restart="never" nodeType="tmRoot"/>
+      </p:par>
+    </p:tnLst>
+  </p:timing>
 </p:sld>
 </file>
 
@@ -4999,7 +6215,7 @@
       </p:grpSpPr>
       <p:sp>
         <p:nvSpPr>
-          <p:cNvPr id="4" name="Title 3"/>
+          <p:cNvPr id="2" name="Title 1"/>
           <p:cNvSpPr>
             <a:spLocks noGrp="1"/>
           </p:cNvSpPr>
@@ -5009,8 +6225,8 @@
         </p:nvSpPr>
         <p:spPr>
           <a:xfrm>
-            <a:off x="838200" y="365125"/>
-            <a:ext cx="10515600" cy="713398"/>
+            <a:off x="1013129" y="842204"/>
+            <a:ext cx="10515600" cy="960036"/>
           </a:xfrm>
         </p:spPr>
         <p:txBody>
@@ -5020,15 +6236,20 @@
           <a:lstStyle/>
           <a:p>
             <a:r>
-              <a:rPr lang="en-US" b="1"/>
-              <a:t>Key Areas:</a:t>
-            </a:r>
-          </a:p>
-        </p:txBody>
-      </p:sp>
-      <p:sp>
-        <p:nvSpPr>
-          <p:cNvPr id="5" name="Content Placeholder 4"/>
+              <a:rPr lang="en-US" sz="3600" dirty="0"/>
+              <a:t>Key </a:t>
+            </a:r>
+            <a:r>
+              <a:rPr lang="en-US" sz="3600" dirty="0" smtClean="0"/>
+              <a:t>Areas :</a:t>
+            </a:r>
+            <a:endParaRPr lang="en-US" sz="3600" dirty="0"/>
+          </a:p>
+        </p:txBody>
+      </p:sp>
+      <p:sp>
+        <p:nvSpPr>
+          <p:cNvPr id="3" name="Content Placeholder 2"/>
           <p:cNvSpPr>
             <a:spLocks noGrp="1"/>
           </p:cNvSpPr>
@@ -5038,64 +6259,167 @@
         </p:nvSpPr>
         <p:spPr>
           <a:xfrm>
-            <a:off x="838200" y="1317991"/>
-            <a:ext cx="10515600" cy="4858972"/>
+            <a:off x="838423" y="2417195"/>
+            <a:ext cx="3845341" cy="1192697"/>
           </a:xfrm>
         </p:spPr>
         <p:txBody>
+          <a:bodyPr>
+            <a:normAutofit/>
+          </a:bodyPr>
+          <a:lstStyle/>
+          <a:p>
+            <a:r>
+              <a:rPr lang="en-US" dirty="0" smtClean="0">
+                <a:latin typeface="Calibri" charset="0"/>
+              </a:rPr>
+              <a:t>Regular </a:t>
+            </a:r>
+            <a:r>
+              <a:rPr lang="en-US" dirty="0">
+                <a:latin typeface="Calibri" charset="0"/>
+              </a:rPr>
+              <a:t>meetings </a:t>
+            </a:r>
+          </a:p>
+          <a:p>
+            <a:r>
+              <a:rPr lang="en-US" dirty="0">
+                <a:latin typeface="Calibri" charset="0"/>
+              </a:rPr>
+              <a:t>"To Do" list </a:t>
+            </a:r>
+          </a:p>
+          <a:p>
+            <a:r>
+              <a:rPr lang="en-US" dirty="0">
+                <a:latin typeface="Calibri" charset="0"/>
+              </a:rPr>
+              <a:t>Estimation of time and resources </a:t>
+            </a:r>
+          </a:p>
+          <a:p>
+            <a:pPr marL="45720" indent="0">
+              <a:buNone/>
+            </a:pPr>
+            <a:endParaRPr lang="en-US" dirty="0"/>
+          </a:p>
+        </p:txBody>
+      </p:sp>
+      <p:sp>
+        <p:nvSpPr>
+          <p:cNvPr id="4" name="Titre 1"/>
+          <p:cNvSpPr txBox="1">
+            <a:spLocks/>
+          </p:cNvSpPr>
+          <p:nvPr/>
+        </p:nvSpPr>
+        <p:spPr>
+          <a:xfrm>
+            <a:off x="531976" y="340254"/>
+            <a:ext cx="10692221" cy="876623"/>
+          </a:xfrm>
+          <a:prstGeom prst="rect">
+            <a:avLst/>
+          </a:prstGeom>
+        </p:spPr>
+        <p:txBody>
+          <a:bodyPr vert="horz" lIns="91440" tIns="45720" rIns="91440" bIns="45720" rtlCol="0" anchor="ctr">
+            <a:normAutofit/>
+          </a:bodyPr>
+          <a:lstStyle>
+            <a:lvl1pPr algn="l" defTabSz="914400" rtl="0" eaLnBrk="1" latinLnBrk="0" hangingPunct="1">
+              <a:lnSpc>
+                <a:spcPct val="90000"/>
+              </a:lnSpc>
+              <a:spcBef>
+                <a:spcPct val="0"/>
+              </a:spcBef>
+              <a:buNone/>
+              <a:defRPr sz="4400" kern="1200">
+                <a:solidFill>
+                  <a:schemeClr val="tx1"/>
+                </a:solidFill>
+                <a:latin typeface="+mj-lt"/>
+                <a:ea typeface="+mj-ea"/>
+                <a:cs typeface="+mj-cs"/>
+              </a:defRPr>
+            </a:lvl1pPr>
+          </a:lstStyle>
+          <a:p>
+            <a:r>
+              <a:rPr lang="en-US" sz="4000" b="1" dirty="0">
+                <a:solidFill>
+                  <a:srgbClr val="FF0000"/>
+                </a:solidFill>
+              </a:rPr>
+              <a:t>Development Methodologies</a:t>
+            </a:r>
+            <a:endParaRPr lang="fr-FR" sz="4000" b="1" dirty="0">
+              <a:solidFill>
+                <a:srgbClr val="FF0000"/>
+              </a:solidFill>
+            </a:endParaRPr>
+          </a:p>
+        </p:txBody>
+      </p:sp>
+      <p:sp>
+        <p:nvSpPr>
+          <p:cNvPr id="5" name="Slide Number Placeholder 4"/>
+          <p:cNvSpPr>
+            <a:spLocks noGrp="1"/>
+          </p:cNvSpPr>
+          <p:nvPr>
+            <p:ph type="sldNum" sz="quarter" idx="12"/>
+          </p:nvPr>
+        </p:nvSpPr>
+        <p:spPr/>
+        <p:txBody>
           <a:bodyPr/>
           <a:lstStyle/>
           <a:p>
-            <a:r>
-              <a:rPr lang="en-US"/>
-              <a:t>Regular meetings</a:t>
-            </a:r>
-          </a:p>
-          <a:p>
-            <a:r>
-              <a:rPr lang="en-US"/>
-              <a:t>"To Do" list</a:t>
-            </a:r>
-          </a:p>
-          <a:p>
-            <a:r>
-              <a:rPr lang="en-US"/>
-              <a:t>Estimation of time and resources</a:t>
-            </a:r>
-          </a:p>
-          <a:p>
-            <a:r>
-              <a:rPr lang="en-US"/>
-              <a:t>Prioritization of tasks</a:t>
-            </a:r>
-          </a:p>
-          <a:p>
-            <a:r>
-              <a:rPr lang="en-US"/>
-              <a:t>Development using top to bottom approach</a:t>
-            </a:r>
-          </a:p>
-          <a:p>
-            <a:r>
-              <a:rPr lang="en-US"/>
-              <a:t>Feedback from the end user or the team</a:t>
-            </a:r>
-          </a:p>
-          <a:p>
-            <a:r>
-              <a:rPr lang="en-US"/>
-              <a:t>Iteration</a:t>
-            </a:r>
-          </a:p>
-          <a:p>
-            <a:endParaRPr lang="en-US"/>
-          </a:p>
-        </p:txBody>
-      </p:sp>
+            <a:fld id="{789A2A0C-D44F-4523-8D1A-D12B62504EB2}" type="slidenum">
+              <a:rPr lang="fr-FR" smtClean="0"/>
+              <a:t>4</a:t>
+            </a:fld>
+            <a:endParaRPr lang="fr-FR"/>
+          </a:p>
+        </p:txBody>
+      </p:sp>
+      <p:pic>
+        <p:nvPicPr>
+          <p:cNvPr id="6" name="Picture 5"/>
+          <p:cNvPicPr>
+            <a:picLocks noChangeAspect="1"/>
+          </p:cNvPicPr>
+          <p:nvPr/>
+        </p:nvPicPr>
+        <p:blipFill>
+          <a:blip r:embed="rId3">
+            <a:extLst>
+              <a:ext uri="{28A0092B-C50C-407E-A947-70E740481C1C}">
+                <a14:useLocalDpi xmlns:a14="http://schemas.microsoft.com/office/drawing/2010/main" val="0"/>
+              </a:ext>
+            </a:extLst>
+          </a:blip>
+          <a:stretch>
+            <a:fillRect/>
+          </a:stretch>
+        </p:blipFill>
+        <p:spPr>
+          <a:xfrm>
+            <a:off x="4683764" y="1216877"/>
+            <a:ext cx="7370635" cy="5394959"/>
+          </a:xfrm>
+          <a:prstGeom prst="rect">
+            <a:avLst/>
+          </a:prstGeom>
+        </p:spPr>
+      </p:pic>
     </p:spTree>
     <p:extLst>
       <p:ext uri="{BB962C8B-B14F-4D97-AF65-F5344CB8AC3E}">
-        <p14:creationId xmlns:p14="http://schemas.microsoft.com/office/powerpoint/2010/main" val="2594339610"/>
+        <p14:creationId xmlns:p14="http://schemas.microsoft.com/office/powerpoint/2010/main" val="61768163"/>
       </p:ext>
     </p:extLst>
   </p:cSld>
@@ -5103,8 +6427,15 @@
     <a:masterClrMapping/>
   </p:clrMapOvr>
   <p:transition spd="slow">
-    <p:push dir="u"/>
+    <p:push/>
   </p:transition>
+  <p:timing>
+    <p:tnLst>
+      <p:par>
+        <p:cTn id="1" dur="indefinite" restart="never" nodeType="tmRoot"/>
+      </p:par>
+    </p:tnLst>
+  </p:timing>
 </p:sld>
 </file>
 
@@ -5127,7 +6458,7 @@
       </p:grpSpPr>
       <p:sp>
         <p:nvSpPr>
-          <p:cNvPr id="2" name="Titre 1"/>
+          <p:cNvPr id="2" name="Title 1"/>
           <p:cNvSpPr>
             <a:spLocks noGrp="1"/>
           </p:cNvSpPr>
@@ -5137,35 +6468,8 @@
         </p:nvSpPr>
         <p:spPr>
           <a:xfrm>
-            <a:off x="697132" y="496218"/>
-            <a:ext cx="10515600" cy="1325563"/>
-          </a:xfrm>
-        </p:spPr>
-        <p:txBody>
-          <a:bodyPr/>
-          <a:lstStyle/>
-          <a:p>
-            <a:r>
-              <a:rPr lang="fr-FR" sz="4000" b="1"/>
-              <a:t>Planning Poker Estimation Technique</a:t>
-            </a:r>
-          </a:p>
-        </p:txBody>
-      </p:sp>
-      <p:sp>
-        <p:nvSpPr>
-          <p:cNvPr id="3" name="Espace réservé du contenu 2"/>
-          <p:cNvSpPr>
-            <a:spLocks noGrp="1"/>
-          </p:cNvSpPr>
-          <p:nvPr>
-            <p:ph idx="1"/>
-          </p:nvPr>
-        </p:nvSpPr>
-        <p:spPr>
-          <a:xfrm>
-            <a:off x="929195" y="1728299"/>
-            <a:ext cx="8312150" cy="693524"/>
+            <a:off x="1011683" y="728156"/>
+            <a:ext cx="10515600" cy="977442"/>
           </a:xfrm>
         </p:spPr>
         <p:txBody>
@@ -5174,149 +6478,124 @@
           </a:bodyPr>
           <a:lstStyle/>
           <a:p>
-            <a:pPr marL="0" indent="0">
-              <a:buNone/>
-            </a:pPr>
-            <a:r>
-              <a:rPr lang="fr-FR"/>
-              <a:t> Method for workloads</a:t>
-            </a:r>
-          </a:p>
-          <a:p>
-            <a:pPr lvl="1"/>
-            <a:endParaRPr lang="fr-FR"/>
-          </a:p>
-        </p:txBody>
-      </p:sp>
-      <p:sp>
-        <p:nvSpPr>
-          <p:cNvPr id="4" name="ZoneTexte 3"/>
-          <p:cNvSpPr txBox="1"/>
-          <p:nvPr/>
+            <a:r>
+              <a:rPr lang="en-US" sz="3600" dirty="0">
+                <a:cs typeface="Times New Roman" charset="0"/>
+              </a:rPr>
+              <a:t>Planning Poker Estimation Technique</a:t>
+            </a:r>
+            <a:r>
+              <a:rPr lang="en-US" sz="3600" dirty="0">
+                <a:cs typeface="Times New Roman"/>
+              </a:rPr>
+              <a:t> </a:t>
+            </a:r>
+          </a:p>
+        </p:txBody>
+      </p:sp>
+      <p:sp>
+        <p:nvSpPr>
+          <p:cNvPr id="3" name="Content Placeholder 2"/>
+          <p:cNvSpPr>
+            <a:spLocks noGrp="1"/>
+          </p:cNvSpPr>
+          <p:nvPr>
+            <p:ph idx="1"/>
+          </p:nvPr>
         </p:nvSpPr>
         <p:spPr>
           <a:xfrm>
-            <a:off x="1409710" y="2602183"/>
-            <a:ext cx="3436131" cy="2277547"/>
+            <a:off x="725436" y="1929683"/>
+            <a:ext cx="10515600" cy="5082329"/>
           </a:xfrm>
-          <a:prstGeom prst="rect">
-            <a:avLst/>
-          </a:prstGeom>
         </p:spPr>
         <p:txBody>
-          <a:bodyPr rtlCol="0">
-            <a:spAutoFit/>
-          </a:bodyPr>
-          <a:lstStyle/>
-          <a:p>
-            <a:pPr marL="285750" indent="-285750">
-              <a:buFont typeface="Arial" panose="020B0604020202020204" pitchFamily="34" charset="0"/>
-              <a:buChar char="•"/>
+          <a:bodyPr/>
+          <a:lstStyle/>
+          <a:p>
+            <a:pPr marL="0" indent="0">
+              <a:buNone/>
             </a:pPr>
             <a:r>
-              <a:rPr lang="en-US" sz="2800">
-                <a:latin typeface="Calibri" charset="0"/>
+              <a:rPr lang="en-US" dirty="0">
+                <a:solidFill>
+                  <a:srgbClr val="1F3864"/>
+                </a:solidFill>
               </a:rPr>
-              <a:t>The method: </a:t>
-            </a:r>
-          </a:p>
-          <a:p>
-            <a:pPr marL="742950" lvl="1" indent="-285750">
-              <a:buFont typeface="Arial" panose="020B0604020202020204" pitchFamily="34" charset="0"/>
-              <a:buChar char="•"/>
+              <a:t> Method for workloads</a:t>
+            </a:r>
+          </a:p>
+          <a:p>
+            <a:pPr marL="0" indent="0">
+              <a:buNone/>
             </a:pPr>
             <a:r>
-              <a:rPr lang="en-US" sz="2400">
-                <a:latin typeface="Calibri" charset="0"/>
-              </a:rPr>
-              <a:t>Guess workloads individually </a:t>
-            </a:r>
-          </a:p>
-          <a:p>
-            <a:pPr marL="742950" lvl="1" indent="-285750">
-              <a:buFont typeface="Arial" panose="020B0604020202020204" pitchFamily="34" charset="0"/>
-              <a:buChar char="•"/>
+              <a:rPr lang="en-US" b="1" dirty="0"/>
+              <a:t> The method</a:t>
+            </a:r>
+            <a:r>
+              <a:rPr lang="en-US" dirty="0"/>
+              <a:t>:  </a:t>
+            </a:r>
+          </a:p>
+          <a:p>
+            <a:r>
+              <a:rPr lang="en-US" dirty="0"/>
+              <a:t>Guess workloads individually  </a:t>
+            </a:r>
+          </a:p>
+          <a:p>
+            <a:r>
+              <a:rPr lang="en-US" dirty="0"/>
+              <a:t>No influence on the others </a:t>
+            </a:r>
+          </a:p>
+          <a:p>
+            <a:pPr marL="0" indent="0">
+              <a:buNone/>
             </a:pPr>
             <a:r>
-              <a:rPr lang="en-US" sz="2400">
-                <a:latin typeface="Calibri" charset="0"/>
-              </a:rPr>
-              <a:t>No influence on the others </a:t>
-            </a:r>
-            <a:endParaRPr lang="fr-FR" sz="2400">
-              <a:latin typeface="Calibri" charset="0"/>
-            </a:endParaRPr>
-          </a:p>
-          <a:p>
-            <a:pPr algn="ctr"/>
-            <a:endParaRPr lang="fr-FR"/>
-          </a:p>
-        </p:txBody>
-      </p:sp>
-      <p:sp>
-        <p:nvSpPr>
-          <p:cNvPr id="5" name="ZoneTexte 4"/>
-          <p:cNvSpPr txBox="1"/>
-          <p:nvPr/>
-        </p:nvSpPr>
-        <p:spPr>
-          <a:xfrm>
-            <a:off x="6880225" y="2673350"/>
-            <a:ext cx="4884738" cy="1631216"/>
-          </a:xfrm>
-          <a:prstGeom prst="rect">
-            <a:avLst/>
-          </a:prstGeom>
-        </p:spPr>
-        <p:txBody>
-          <a:bodyPr wrap="square" rtlCol="0">
-            <a:spAutoFit/>
-          </a:bodyPr>
-          <a:lstStyle/>
-          <a:p>
-            <a:pPr marL="285750" indent="-285750">
-              <a:buFont typeface="Arial" panose="020B0604020202020204" pitchFamily="34" charset="0"/>
-              <a:buChar char="•"/>
+              <a:rPr lang="en-US" dirty="0"/>
+              <a:t> </a:t>
+            </a:r>
+          </a:p>
+          <a:p>
+            <a:pPr marL="0" indent="0">
+              <a:buNone/>
             </a:pPr>
             <a:r>
-              <a:rPr lang="fr-FR" sz="2800"/>
-              <a:t>The treatment of solutions</a:t>
-            </a:r>
-            <a:r>
-              <a:rPr lang="fr-FR"/>
-              <a:t>:</a:t>
-            </a:r>
-          </a:p>
-          <a:p>
-            <a:pPr marL="742950" lvl="1" indent="-285750">
-              <a:buFont typeface="Arial" panose="020B0604020202020204" pitchFamily="34" charset="0"/>
-              <a:buChar char="•"/>
-            </a:pPr>
-            <a:r>
-              <a:rPr lang="fr-FR" sz="2400"/>
-              <a:t>Eliminate singular guesses</a:t>
-            </a:r>
-          </a:p>
-          <a:p>
-            <a:pPr marL="742950" lvl="1" indent="-285750">
-              <a:buFont typeface="Arial" panose="020B0604020202020204" pitchFamily="34" charset="0"/>
-              <a:buChar char="•"/>
-            </a:pPr>
-            <a:r>
-              <a:rPr lang="fr-FR" sz="2400"/>
-              <a:t>Discuss </a:t>
-            </a:r>
-            <a:r>
-              <a:rPr lang="en-US" sz="2400"/>
-              <a:t>together what will be the workload then</a:t>
-            </a:r>
-            <a:endParaRPr lang="fr-FR" sz="2400"/>
+              <a:rPr lang="en-US" dirty="0"/>
+              <a:t> </a:t>
+            </a:r>
+            <a:r>
+              <a:rPr lang="en-US" b="1" dirty="0"/>
+              <a:t>The treatment of solutions:</a:t>
+            </a:r>
+            <a:r>
+              <a:rPr lang="en-US" dirty="0"/>
+              <a:t> </a:t>
+            </a:r>
+          </a:p>
+          <a:p>
+            <a:r>
+              <a:rPr lang="en-US" dirty="0"/>
+              <a:t>Eliminate singular guesses </a:t>
+            </a:r>
+          </a:p>
+          <a:p>
+            <a:r>
+              <a:rPr lang="en-US" dirty="0"/>
+              <a:t>Discuss together what will be the workload then </a:t>
+            </a:r>
+          </a:p>
+          <a:p>
+            <a:endParaRPr lang="en-US" dirty="0"/>
           </a:p>
         </p:txBody>
       </p:sp>
       <p:pic>
         <p:nvPicPr>
-          <p:cNvPr id="8" name="Image 7" descr="poker-wallpaper-AA-and-chips.jpg"/>
+          <p:cNvPr id="5" name="Picture 4" descr="poker-wallpaper-AA-and-chips.jpg"/>
           <p:cNvPicPr>
             <a:picLocks noChangeAspect="1"/>
           </p:cNvPicPr>
@@ -5330,42 +6609,550 @@
         </p:blipFill>
         <p:spPr>
           <a:xfrm>
-            <a:off x="8627904" y="329588"/>
-            <a:ext cx="3243262" cy="2170270"/>
+            <a:off x="7975158" y="1808740"/>
+            <a:ext cx="3011436" cy="2015711"/>
           </a:xfrm>
           <a:prstGeom prst="rect">
             <a:avLst/>
           </a:prstGeom>
         </p:spPr>
       </p:pic>
-      <p:pic>
-        <p:nvPicPr>
-          <p:cNvPr id="9" name="Image 8" descr="Pokerme.png"/>
-          <p:cNvPicPr>
-            <a:picLocks noChangeAspect="1"/>
-          </p:cNvPicPr>
+      <p:sp>
+        <p:nvSpPr>
+          <p:cNvPr id="6" name="Titre 1"/>
+          <p:cNvSpPr txBox="1">
+            <a:spLocks/>
+          </p:cNvSpPr>
           <p:nvPr/>
-        </p:nvPicPr>
-        <p:blipFill>
-          <a:blip r:embed="rId4"/>
-          <a:stretch>
-            <a:fillRect/>
-          </a:stretch>
-        </p:blipFill>
+        </p:nvSpPr>
         <p:spPr>
           <a:xfrm>
-            <a:off x="993972" y="5201044"/>
-            <a:ext cx="9984172" cy="736746"/>
+            <a:off x="531976" y="340254"/>
+            <a:ext cx="10692221" cy="876623"/>
           </a:xfrm>
           <a:prstGeom prst="rect">
             <a:avLst/>
           </a:prstGeom>
         </p:spPr>
-      </p:pic>
+        <p:txBody>
+          <a:bodyPr vert="horz" lIns="91440" tIns="45720" rIns="91440" bIns="45720" rtlCol="0" anchor="ctr">
+            <a:normAutofit/>
+          </a:bodyPr>
+          <a:lstStyle>
+            <a:lvl1pPr algn="l" defTabSz="914400" rtl="0" eaLnBrk="1" latinLnBrk="0" hangingPunct="1">
+              <a:lnSpc>
+                <a:spcPct val="90000"/>
+              </a:lnSpc>
+              <a:spcBef>
+                <a:spcPct val="0"/>
+              </a:spcBef>
+              <a:buNone/>
+              <a:defRPr sz="4400" kern="1200">
+                <a:solidFill>
+                  <a:schemeClr val="tx1"/>
+                </a:solidFill>
+                <a:latin typeface="+mj-lt"/>
+                <a:ea typeface="+mj-ea"/>
+                <a:cs typeface="+mj-cs"/>
+              </a:defRPr>
+            </a:lvl1pPr>
+          </a:lstStyle>
+          <a:p>
+            <a:r>
+              <a:rPr lang="en-US" sz="4000" b="1" dirty="0">
+                <a:solidFill>
+                  <a:srgbClr val="FF0000"/>
+                </a:solidFill>
+              </a:rPr>
+              <a:t>Development Methodologies</a:t>
+            </a:r>
+            <a:endParaRPr lang="fr-FR" sz="4000" b="1" dirty="0">
+              <a:solidFill>
+                <a:srgbClr val="FF0000"/>
+              </a:solidFill>
+            </a:endParaRPr>
+          </a:p>
+        </p:txBody>
+      </p:sp>
+      <p:sp>
+        <p:nvSpPr>
+          <p:cNvPr id="7" name="Slide Number Placeholder 6"/>
+          <p:cNvSpPr>
+            <a:spLocks noGrp="1"/>
+          </p:cNvSpPr>
+          <p:nvPr>
+            <p:ph type="sldNum" sz="quarter" idx="12"/>
+          </p:nvPr>
+        </p:nvSpPr>
+        <p:spPr/>
+        <p:txBody>
+          <a:bodyPr/>
+          <a:lstStyle/>
+          <a:p>
+            <a:fld id="{789A2A0C-D44F-4523-8D1A-D12B62504EB2}" type="slidenum">
+              <a:rPr lang="fr-FR" smtClean="0"/>
+              <a:t>5</a:t>
+            </a:fld>
+            <a:endParaRPr lang="fr-FR"/>
+          </a:p>
+        </p:txBody>
+      </p:sp>
+      <p:graphicFrame>
+        <p:nvGraphicFramePr>
+          <p:cNvPr id="8" name="Table 7"/>
+          <p:cNvGraphicFramePr>
+            <a:graphicFrameLocks noGrp="1"/>
+          </p:cNvGraphicFramePr>
+          <p:nvPr>
+            <p:extLst>
+              <p:ext uri="{D42A27DB-BD31-4B8C-83A1-F6EECF244321}">
+                <p14:modId xmlns:p14="http://schemas.microsoft.com/office/powerpoint/2010/main" val="1935905492"/>
+              </p:ext>
+            </p:extLst>
+          </p:nvPr>
+        </p:nvGraphicFramePr>
+        <p:xfrm>
+          <a:off x="531976" y="5295568"/>
+          <a:ext cx="11061032" cy="911839"/>
+        </p:xfrm>
+        <a:graphic>
+          <a:graphicData uri="http://schemas.openxmlformats.org/drawingml/2006/table">
+            <a:tbl>
+              <a:tblPr firstRow="1" bandRow="1">
+                <a:tableStyleId>{72833802-FEF1-4C79-8D5D-14CF1EAF98D9}</a:tableStyleId>
+              </a:tblPr>
+              <a:tblGrid>
+                <a:gridCol w="2664448"/>
+                <a:gridCol w="1025719"/>
+                <a:gridCol w="914400"/>
+                <a:gridCol w="925949"/>
+                <a:gridCol w="1382629"/>
+                <a:gridCol w="1382629"/>
+                <a:gridCol w="769474"/>
+                <a:gridCol w="1995784"/>
+              </a:tblGrid>
+              <a:tr h="421420">
+                <a:tc>
+                  <a:txBody>
+                    <a:bodyPr/>
+                    <a:lstStyle/>
+                    <a:p>
+                      <a:pPr algn="ctr"/>
+                      <a:endParaRPr lang="en-US" sz="1800" dirty="0" smtClean="0"/>
+                    </a:p>
+                  </a:txBody>
+                  <a:tcPr>
+                    <a:solidFill>
+                      <a:schemeClr val="accent2">
+                        <a:alpha val="27000"/>
+                      </a:schemeClr>
+                    </a:solidFill>
+                  </a:tcPr>
+                </a:tc>
+                <a:tc>
+                  <a:txBody>
+                    <a:bodyPr/>
+                    <a:lstStyle/>
+                    <a:p>
+                      <a:pPr marL="0" marR="0" indent="0" algn="ctr" defTabSz="914400" rtl="0" eaLnBrk="1" fontAlgn="auto" latinLnBrk="0" hangingPunct="1">
+                        <a:lnSpc>
+                          <a:spcPct val="100000"/>
+                        </a:lnSpc>
+                        <a:spcBef>
+                          <a:spcPts val="0"/>
+                        </a:spcBef>
+                        <a:spcAft>
+                          <a:spcPts val="0"/>
+                        </a:spcAft>
+                        <a:buClrTx/>
+                        <a:buSzTx/>
+                        <a:buFontTx/>
+                        <a:buNone/>
+                        <a:tabLst/>
+                        <a:defRPr/>
+                      </a:pPr>
+                      <a:r>
+                        <a:rPr lang="fr-FR" sz="1800" dirty="0" smtClean="0">
+                          <a:solidFill>
+                            <a:srgbClr val="000000"/>
+                          </a:solidFill>
+                          <a:latin typeface="Calibri" charset="0"/>
+                        </a:rPr>
+                        <a:t>Gabriel</a:t>
+                      </a:r>
+                    </a:p>
+                  </a:txBody>
+                  <a:tcPr>
+                    <a:solidFill>
+                      <a:schemeClr val="accent2">
+                        <a:alpha val="27000"/>
+                      </a:schemeClr>
+                    </a:solidFill>
+                  </a:tcPr>
+                </a:tc>
+                <a:tc>
+                  <a:txBody>
+                    <a:bodyPr/>
+                    <a:lstStyle/>
+                    <a:p>
+                      <a:pPr marL="0" marR="0" indent="0" algn="ctr" defTabSz="914400" rtl="0" eaLnBrk="1" fontAlgn="auto" latinLnBrk="0" hangingPunct="1">
+                        <a:lnSpc>
+                          <a:spcPct val="100000"/>
+                        </a:lnSpc>
+                        <a:spcBef>
+                          <a:spcPts val="0"/>
+                        </a:spcBef>
+                        <a:spcAft>
+                          <a:spcPts val="0"/>
+                        </a:spcAft>
+                        <a:buClrTx/>
+                        <a:buSzTx/>
+                        <a:buFontTx/>
+                        <a:buNone/>
+                        <a:tabLst/>
+                        <a:defRPr/>
+                      </a:pPr>
+                      <a:r>
+                        <a:rPr lang="fr-FR" sz="1800" dirty="0" err="1" smtClean="0">
+                          <a:solidFill>
+                            <a:srgbClr val="000000"/>
+                          </a:solidFill>
+                          <a:latin typeface="Calibri" charset="0"/>
+                        </a:rPr>
+                        <a:t>Prateek</a:t>
+                      </a:r>
+                      <a:endParaRPr lang="fr-FR" sz="1800" dirty="0" smtClean="0">
+                        <a:solidFill>
+                          <a:srgbClr val="000000"/>
+                        </a:solidFill>
+                        <a:latin typeface="Calibri" charset="0"/>
+                      </a:endParaRPr>
+                    </a:p>
+                  </a:txBody>
+                  <a:tcPr>
+                    <a:solidFill>
+                      <a:schemeClr val="accent2">
+                        <a:alpha val="27000"/>
+                      </a:schemeClr>
+                    </a:solidFill>
+                  </a:tcPr>
+                </a:tc>
+                <a:tc>
+                  <a:txBody>
+                    <a:bodyPr/>
+                    <a:lstStyle/>
+                    <a:p>
+                      <a:pPr marL="0" marR="0" indent="0" algn="ctr" defTabSz="914400" rtl="0" eaLnBrk="1" fontAlgn="auto" latinLnBrk="0" hangingPunct="1">
+                        <a:lnSpc>
+                          <a:spcPct val="100000"/>
+                        </a:lnSpc>
+                        <a:spcBef>
+                          <a:spcPts val="0"/>
+                        </a:spcBef>
+                        <a:spcAft>
+                          <a:spcPts val="0"/>
+                        </a:spcAft>
+                        <a:buClrTx/>
+                        <a:buSzTx/>
+                        <a:buFontTx/>
+                        <a:buNone/>
+                        <a:tabLst/>
+                        <a:defRPr/>
+                      </a:pPr>
+                      <a:r>
+                        <a:rPr lang="fr-FR" sz="1800" dirty="0" err="1" smtClean="0">
+                          <a:solidFill>
+                            <a:srgbClr val="000000"/>
+                          </a:solidFill>
+                          <a:latin typeface="Calibri" charset="0"/>
+                        </a:rPr>
+                        <a:t>Mikaïl</a:t>
+                      </a:r>
+                      <a:endParaRPr lang="fr-FR" sz="1800" dirty="0" smtClean="0">
+                        <a:solidFill>
+                          <a:srgbClr val="000000"/>
+                        </a:solidFill>
+                        <a:latin typeface="Calibri" charset="0"/>
+                      </a:endParaRPr>
+                    </a:p>
+                  </a:txBody>
+                  <a:tcPr>
+                    <a:solidFill>
+                      <a:schemeClr val="accent2">
+                        <a:alpha val="27000"/>
+                      </a:schemeClr>
+                    </a:solidFill>
+                  </a:tcPr>
+                </a:tc>
+                <a:tc>
+                  <a:txBody>
+                    <a:bodyPr/>
+                    <a:lstStyle/>
+                    <a:p>
+                      <a:pPr marL="0" marR="0" indent="0" algn="ctr" defTabSz="914400" rtl="0" eaLnBrk="1" fontAlgn="auto" latinLnBrk="0" hangingPunct="1">
+                        <a:lnSpc>
+                          <a:spcPct val="100000"/>
+                        </a:lnSpc>
+                        <a:spcBef>
+                          <a:spcPts val="0"/>
+                        </a:spcBef>
+                        <a:spcAft>
+                          <a:spcPts val="0"/>
+                        </a:spcAft>
+                        <a:buClrTx/>
+                        <a:buSzTx/>
+                        <a:buFontTx/>
+                        <a:buNone/>
+                        <a:tabLst/>
+                        <a:defRPr/>
+                      </a:pPr>
+                      <a:r>
+                        <a:rPr lang="en-US" sz="1800" dirty="0" smtClean="0"/>
+                        <a:t>Baptiste</a:t>
+                      </a:r>
+                      <a:endParaRPr lang="fr-FR" sz="1800" dirty="0" smtClean="0">
+                        <a:solidFill>
+                          <a:srgbClr val="000000"/>
+                        </a:solidFill>
+                        <a:latin typeface="Calibri" charset="0"/>
+                      </a:endParaRPr>
+                    </a:p>
+                  </a:txBody>
+                  <a:tcPr>
+                    <a:solidFill>
+                      <a:schemeClr val="accent2">
+                        <a:alpha val="27000"/>
+                      </a:schemeClr>
+                    </a:solidFill>
+                  </a:tcPr>
+                </a:tc>
+                <a:tc>
+                  <a:txBody>
+                    <a:bodyPr/>
+                    <a:lstStyle/>
+                    <a:p>
+                      <a:pPr marL="0" marR="0" indent="0" algn="ctr" defTabSz="914400" rtl="0" eaLnBrk="1" fontAlgn="auto" latinLnBrk="0" hangingPunct="1">
+                        <a:lnSpc>
+                          <a:spcPct val="100000"/>
+                        </a:lnSpc>
+                        <a:spcBef>
+                          <a:spcPts val="0"/>
+                        </a:spcBef>
+                        <a:spcAft>
+                          <a:spcPts val="0"/>
+                        </a:spcAft>
+                        <a:buClrTx/>
+                        <a:buSzTx/>
+                        <a:buFontTx/>
+                        <a:buNone/>
+                        <a:tabLst/>
+                        <a:defRPr/>
+                      </a:pPr>
+                      <a:r>
+                        <a:rPr lang="en-US" sz="1800" dirty="0" err="1" smtClean="0"/>
+                        <a:t>Beno</a:t>
+                      </a:r>
+                      <a:r>
+                        <a:rPr lang="fr-FR" sz="1800" dirty="0" smtClean="0"/>
+                        <a:t>î</a:t>
+                      </a:r>
+                      <a:r>
+                        <a:rPr lang="en-US" sz="1800" dirty="0" smtClean="0"/>
+                        <a:t>t</a:t>
+                      </a:r>
+                      <a:endParaRPr lang="en-US" sz="1800" dirty="0" smtClean="0">
+                        <a:latin typeface="Calibri" charset="0"/>
+                      </a:endParaRPr>
+                    </a:p>
+                  </a:txBody>
+                  <a:tcPr>
+                    <a:solidFill>
+                      <a:schemeClr val="accent2">
+                        <a:alpha val="27000"/>
+                      </a:schemeClr>
+                    </a:solidFill>
+                  </a:tcPr>
+                </a:tc>
+                <a:tc>
+                  <a:txBody>
+                    <a:bodyPr/>
+                    <a:lstStyle/>
+                    <a:p>
+                      <a:pPr algn="ctr"/>
+                      <a:r>
+                        <a:rPr lang="en-US" sz="1800" dirty="0" smtClean="0">
+                          <a:latin typeface="Calibri" charset="0"/>
+                        </a:rPr>
+                        <a:t>Dan</a:t>
+                      </a:r>
+                    </a:p>
+                  </a:txBody>
+                  <a:tcPr>
+                    <a:solidFill>
+                      <a:schemeClr val="accent2">
+                        <a:alpha val="27000"/>
+                      </a:schemeClr>
+                    </a:solidFill>
+                  </a:tcPr>
+                </a:tc>
+                <a:tc>
+                  <a:txBody>
+                    <a:bodyPr/>
+                    <a:lstStyle/>
+                    <a:p>
+                      <a:pPr algn="ctr"/>
+                      <a:r>
+                        <a:rPr lang="en-US" sz="1800" dirty="0" smtClean="0"/>
+                        <a:t>Final Workload</a:t>
+                      </a:r>
+                      <a:endParaRPr lang="en-US" sz="1800" dirty="0" smtClean="0">
+                        <a:latin typeface="Calibri" charset="0"/>
+                      </a:endParaRPr>
+                    </a:p>
+                  </a:txBody>
+                  <a:tcPr>
+                    <a:solidFill>
+                      <a:schemeClr val="accent2">
+                        <a:alpha val="27000"/>
+                      </a:schemeClr>
+                    </a:solidFill>
+                  </a:tcPr>
+                </a:tc>
+              </a:tr>
+              <a:tr h="490419">
+                <a:tc>
+                  <a:txBody>
+                    <a:bodyPr/>
+                    <a:lstStyle/>
+                    <a:p>
+                      <a:pPr algn="ctr"/>
+                      <a:r>
+                        <a:rPr lang="en-US" dirty="0" smtClean="0"/>
+                        <a:t>MCTS general</a:t>
+                      </a:r>
+                      <a:r>
+                        <a:rPr lang="en-US" baseline="0" dirty="0" smtClean="0"/>
+                        <a:t> algorithm</a:t>
+                      </a:r>
+                      <a:endParaRPr lang="en-US" dirty="0"/>
+                    </a:p>
+                  </a:txBody>
+                  <a:tcPr/>
+                </a:tc>
+                <a:tc>
+                  <a:txBody>
+                    <a:bodyPr/>
+                    <a:lstStyle/>
+                    <a:p>
+                      <a:pPr algn="ctr"/>
+                      <a:r>
+                        <a:rPr lang="en-US" dirty="0" smtClean="0"/>
+                        <a:t>7,5</a:t>
+                      </a:r>
+                      <a:endParaRPr lang="en-US" dirty="0"/>
+                    </a:p>
+                  </a:txBody>
+                  <a:tcPr/>
+                </a:tc>
+                <a:tc>
+                  <a:txBody>
+                    <a:bodyPr/>
+                    <a:lstStyle/>
+                    <a:p>
+                      <a:pPr algn="ctr"/>
+                      <a:r>
+                        <a:rPr lang="en-US" dirty="0" smtClean="0"/>
+                        <a:t>50</a:t>
+                      </a:r>
+                      <a:endParaRPr lang="en-US" dirty="0"/>
+                    </a:p>
+                  </a:txBody>
+                  <a:tcPr/>
+                </a:tc>
+                <a:tc>
+                  <a:txBody>
+                    <a:bodyPr/>
+                    <a:lstStyle/>
+                    <a:p>
+                      <a:pPr algn="ctr"/>
+                      <a:r>
+                        <a:rPr lang="en-US" dirty="0" smtClean="0"/>
+                        <a:t>5</a:t>
+                      </a:r>
+                      <a:endParaRPr lang="en-US" dirty="0"/>
+                    </a:p>
+                  </a:txBody>
+                  <a:tcPr/>
+                </a:tc>
+                <a:tc>
+                  <a:txBody>
+                    <a:bodyPr/>
+                    <a:lstStyle/>
+                    <a:p>
+                      <a:pPr algn="ctr"/>
+                      <a:r>
+                        <a:rPr lang="en-US" dirty="0" smtClean="0"/>
+                        <a:t>25</a:t>
+                      </a:r>
+                      <a:endParaRPr lang="en-US" dirty="0"/>
+                    </a:p>
+                  </a:txBody>
+                  <a:tcPr/>
+                </a:tc>
+                <a:tc>
+                  <a:txBody>
+                    <a:bodyPr/>
+                    <a:lstStyle/>
+                    <a:p>
+                      <a:pPr algn="ctr"/>
+                      <a:r>
+                        <a:rPr lang="en-US" dirty="0" smtClean="0"/>
+                        <a:t>30</a:t>
+                      </a:r>
+                      <a:endParaRPr lang="en-US" dirty="0"/>
+                    </a:p>
+                  </a:txBody>
+                  <a:tcPr/>
+                </a:tc>
+                <a:tc>
+                  <a:txBody>
+                    <a:bodyPr/>
+                    <a:lstStyle/>
+                    <a:p>
+                      <a:pPr algn="ctr"/>
+                      <a:r>
+                        <a:rPr lang="en-US" dirty="0" smtClean="0"/>
+                        <a:t>3</a:t>
+                      </a:r>
+                      <a:endParaRPr lang="en-US" dirty="0"/>
+                    </a:p>
+                  </a:txBody>
+                  <a:tcPr/>
+                </a:tc>
+                <a:tc>
+                  <a:txBody>
+                    <a:bodyPr/>
+                    <a:lstStyle/>
+                    <a:p>
+                      <a:pPr algn="ctr"/>
+                      <a:r>
+                        <a:rPr lang="en-US" dirty="0" smtClean="0"/>
+                        <a:t>25</a:t>
+                      </a:r>
+                      <a:endParaRPr lang="en-US" dirty="0"/>
+                    </a:p>
+                  </a:txBody>
+                  <a:tcPr/>
+                </a:tc>
+              </a:tr>
+            </a:tbl>
+          </a:graphicData>
+        </a:graphic>
+      </p:graphicFrame>
     </p:spTree>
     <p:extLst>
       <p:ext uri="{BB962C8B-B14F-4D97-AF65-F5344CB8AC3E}">
-        <p14:creationId xmlns:p14="http://schemas.microsoft.com/office/powerpoint/2010/main" val="2707935953"/>
+        <p14:creationId xmlns:p14="http://schemas.microsoft.com/office/powerpoint/2010/main" val="2014252627"/>
       </p:ext>
     </p:extLst>
   </p:cSld>
@@ -5373,8 +7160,15 @@
     <a:masterClrMapping/>
   </p:clrMapOvr>
   <p:transition spd="slow">
-    <p:push dir="u"/>
+    <p:push/>
   </p:transition>
+  <p:timing>
+    <p:tnLst>
+      <p:par>
+        <p:cTn id="1" dur="indefinite" restart="never" nodeType="tmRoot"/>
+      </p:par>
+    </p:tnLst>
+  </p:timing>
 </p:sld>
 </file>
 
@@ -5395,14 +7189,123 @@
           <a:chExt cx="0" cy="0"/>
         </a:xfrm>
       </p:grpSpPr>
-      <p:sp>
-        <p:nvSpPr>
-          <p:cNvPr id="2" name="Titre 1"/>
-          <p:cNvSpPr>
-            <a:spLocks noGrp="1"/>
-          </p:cNvSpPr>
-          <p:nvPr>
-            <p:ph type="title"/>
+      <p:pic>
+        <p:nvPicPr>
+          <p:cNvPr id="8" name="Picture 7"/>
+          <p:cNvPicPr>
+            <a:picLocks noChangeAspect="1"/>
+          </p:cNvPicPr>
+          <p:nvPr/>
+        </p:nvPicPr>
+        <p:blipFill>
+          <a:blip r:embed="rId2">
+            <a:extLst>
+              <a:ext uri="{28A0092B-C50C-407E-A947-70E740481C1C}">
+                <a14:useLocalDpi xmlns:a14="http://schemas.microsoft.com/office/drawing/2010/main" val="0"/>
+              </a:ext>
+            </a:extLst>
+          </a:blip>
+          <a:stretch>
+            <a:fillRect/>
+          </a:stretch>
+        </p:blipFill>
+        <p:spPr>
+          <a:xfrm>
+            <a:off x="4683764" y="1216877"/>
+            <a:ext cx="7370635" cy="5394959"/>
+          </a:xfrm>
+          <a:prstGeom prst="rect">
+            <a:avLst/>
+          </a:prstGeom>
+        </p:spPr>
+      </p:pic>
+      <p:sp>
+        <p:nvSpPr>
+          <p:cNvPr id="3" name="Content Placeholder 2"/>
+          <p:cNvSpPr>
+            <a:spLocks noGrp="1"/>
+          </p:cNvSpPr>
+          <p:nvPr>
+            <p:ph idx="1"/>
+          </p:nvPr>
+        </p:nvSpPr>
+        <p:spPr>
+          <a:xfrm>
+            <a:off x="830034" y="3522431"/>
+            <a:ext cx="3853730" cy="2282021"/>
+          </a:xfrm>
+        </p:spPr>
+        <p:txBody>
+          <a:bodyPr>
+            <a:normAutofit/>
+          </a:bodyPr>
+          <a:lstStyle/>
+          <a:p>
+            <a:r>
+              <a:rPr lang="en-US" dirty="0" smtClean="0">
+                <a:latin typeface="Calibri" charset="0"/>
+              </a:rPr>
+              <a:t>Prioritization </a:t>
+            </a:r>
+            <a:r>
+              <a:rPr lang="en-US" dirty="0">
+                <a:latin typeface="Calibri" charset="0"/>
+              </a:rPr>
+              <a:t>of tasks </a:t>
+            </a:r>
+          </a:p>
+          <a:p>
+            <a:r>
+              <a:rPr lang="en-US" dirty="0">
+                <a:latin typeface="Calibri" charset="0"/>
+              </a:rPr>
+              <a:t>Development using top to </a:t>
+            </a:r>
+            <a:r>
+              <a:rPr lang="en-US" dirty="0" smtClean="0">
+                <a:latin typeface="Calibri" charset="0"/>
+              </a:rPr>
+              <a:t>bottom </a:t>
+            </a:r>
+            <a:r>
+              <a:rPr lang="en-US" dirty="0">
+                <a:latin typeface="Calibri" charset="0"/>
+              </a:rPr>
+              <a:t>approach </a:t>
+            </a:r>
+          </a:p>
+          <a:p>
+            <a:r>
+              <a:rPr lang="en-US" dirty="0">
+                <a:latin typeface="Calibri" charset="0"/>
+              </a:rPr>
+              <a:t>Feedback from the end user or the team </a:t>
+            </a:r>
+          </a:p>
+          <a:p>
+            <a:r>
+              <a:rPr lang="en-US" dirty="0">
+                <a:latin typeface="Calibri" charset="0"/>
+              </a:rPr>
+              <a:t>Iterations </a:t>
+            </a:r>
+          </a:p>
+          <a:p>
+            <a:pPr marL="45720" indent="0">
+              <a:buNone/>
+            </a:pPr>
+            <a:endParaRPr lang="en-US" dirty="0"/>
+          </a:p>
+        </p:txBody>
+      </p:sp>
+      <p:sp>
+        <p:nvSpPr>
+          <p:cNvPr id="4" name="Slide Number Placeholder 3"/>
+          <p:cNvSpPr>
+            <a:spLocks noGrp="1"/>
+          </p:cNvSpPr>
+          <p:nvPr>
+            <p:ph type="sldNum" sz="quarter" idx="12"/>
           </p:nvPr>
         </p:nvSpPr>
         <p:spPr/>
@@ -5410,109 +7313,396 @@
           <a:bodyPr/>
           <a:lstStyle/>
           <a:p>
-            <a:r>
-              <a:rPr lang="fr-FR"/>
-              <a:t>Environment</a:t>
-            </a:r>
-          </a:p>
-        </p:txBody>
-      </p:sp>
-      <p:sp>
-        <p:nvSpPr>
-          <p:cNvPr id="4" name="Espace réservé du contenu 3"/>
-          <p:cNvSpPr>
-            <a:spLocks noGrp="1"/>
-          </p:cNvSpPr>
-          <p:nvPr>
-            <p:ph sz="half" idx="1"/>
-          </p:nvPr>
-        </p:nvSpPr>
-        <p:spPr/>
-        <p:txBody>
-          <a:bodyPr/>
-          <a:lstStyle/>
-          <a:p>
-            <a:pPr marL="0" indent="0">
+            <a:fld id="{789A2A0C-D44F-4523-8D1A-D12B62504EB2}" type="slidenum">
+              <a:rPr lang="fr-FR" smtClean="0"/>
+              <a:pPr/>
+              <a:t>6</a:t>
+            </a:fld>
+            <a:endParaRPr lang="fr-FR" dirty="0"/>
+          </a:p>
+        </p:txBody>
+      </p:sp>
+      <p:sp>
+        <p:nvSpPr>
+          <p:cNvPr id="5" name="Title 1"/>
+          <p:cNvSpPr txBox="1">
+            <a:spLocks/>
+          </p:cNvSpPr>
+          <p:nvPr/>
+        </p:nvSpPr>
+        <p:spPr>
+          <a:xfrm>
+            <a:off x="1013129" y="842204"/>
+            <a:ext cx="10515600" cy="960036"/>
+          </a:xfrm>
+          <a:prstGeom prst="rect">
+            <a:avLst/>
+          </a:prstGeom>
+        </p:spPr>
+        <p:txBody>
+          <a:bodyPr vert="horz" lIns="91440" tIns="45720" rIns="91440" bIns="45720" rtlCol="0" anchor="b">
+            <a:normAutofit/>
+          </a:bodyPr>
+          <a:lstStyle>
+            <a:lvl1pPr algn="l" defTabSz="914400" rtl="0" eaLnBrk="1" latinLnBrk="0" hangingPunct="1">
+              <a:spcBef>
+                <a:spcPct val="0"/>
+              </a:spcBef>
+              <a:buNone/>
+              <a:defRPr sz="4000" kern="1200">
+                <a:solidFill>
+                  <a:schemeClr val="tx2"/>
+                </a:solidFill>
+                <a:latin typeface="+mj-lt"/>
+                <a:ea typeface="+mj-ea"/>
+                <a:cs typeface="+mj-cs"/>
+              </a:defRPr>
+            </a:lvl1pPr>
+            <a:lvl2pPr eaLnBrk="1" hangingPunct="1">
+              <a:defRPr>
+                <a:solidFill>
+                  <a:schemeClr val="tx2"/>
+                </a:solidFill>
+              </a:defRPr>
+            </a:lvl2pPr>
+            <a:lvl3pPr eaLnBrk="1" hangingPunct="1">
+              <a:defRPr>
+                <a:solidFill>
+                  <a:schemeClr val="tx2"/>
+                </a:solidFill>
+              </a:defRPr>
+            </a:lvl3pPr>
+            <a:lvl4pPr eaLnBrk="1" hangingPunct="1">
+              <a:defRPr>
+                <a:solidFill>
+                  <a:schemeClr val="tx2"/>
+                </a:solidFill>
+              </a:defRPr>
+            </a:lvl4pPr>
+            <a:lvl5pPr eaLnBrk="1" hangingPunct="1">
+              <a:defRPr>
+                <a:solidFill>
+                  <a:schemeClr val="tx2"/>
+                </a:solidFill>
+              </a:defRPr>
+            </a:lvl5pPr>
+            <a:lvl6pPr eaLnBrk="1" hangingPunct="1">
+              <a:defRPr>
+                <a:solidFill>
+                  <a:schemeClr val="tx2"/>
+                </a:solidFill>
+              </a:defRPr>
+            </a:lvl6pPr>
+            <a:lvl7pPr eaLnBrk="1" hangingPunct="1">
+              <a:defRPr>
+                <a:solidFill>
+                  <a:schemeClr val="tx2"/>
+                </a:solidFill>
+              </a:defRPr>
+            </a:lvl7pPr>
+            <a:lvl8pPr eaLnBrk="1" hangingPunct="1">
+              <a:defRPr>
+                <a:solidFill>
+                  <a:schemeClr val="tx2"/>
+                </a:solidFill>
+              </a:defRPr>
+            </a:lvl8pPr>
+            <a:lvl9pPr eaLnBrk="1" hangingPunct="1">
+              <a:defRPr>
+                <a:solidFill>
+                  <a:schemeClr val="tx2"/>
+                </a:solidFill>
+              </a:defRPr>
+            </a:lvl9pPr>
+          </a:lstStyle>
+          <a:p>
+            <a:r>
+              <a:rPr lang="en-US" sz="3600" smtClean="0"/>
+              <a:t>Key Areas :</a:t>
+            </a:r>
+            <a:endParaRPr lang="en-US" sz="3600" dirty="0"/>
+          </a:p>
+        </p:txBody>
+      </p:sp>
+      <p:sp>
+        <p:nvSpPr>
+          <p:cNvPr id="6" name="Titre 1"/>
+          <p:cNvSpPr txBox="1">
+            <a:spLocks/>
+          </p:cNvSpPr>
+          <p:nvPr/>
+        </p:nvSpPr>
+        <p:spPr>
+          <a:xfrm>
+            <a:off x="531976" y="340254"/>
+            <a:ext cx="10692221" cy="876623"/>
+          </a:xfrm>
+          <a:prstGeom prst="rect">
+            <a:avLst/>
+          </a:prstGeom>
+        </p:spPr>
+        <p:txBody>
+          <a:bodyPr vert="horz" lIns="91440" tIns="45720" rIns="91440" bIns="45720" rtlCol="0" anchor="ctr">
+            <a:normAutofit/>
+          </a:bodyPr>
+          <a:lstStyle>
+            <a:lvl1pPr algn="l" defTabSz="914400" rtl="0" eaLnBrk="1" latinLnBrk="0" hangingPunct="1">
+              <a:lnSpc>
+                <a:spcPct val="90000"/>
+              </a:lnSpc>
+              <a:spcBef>
+                <a:spcPct val="0"/>
+              </a:spcBef>
+              <a:buNone/>
+              <a:defRPr sz="4400" kern="1200">
+                <a:solidFill>
+                  <a:schemeClr val="tx1"/>
+                </a:solidFill>
+                <a:latin typeface="+mj-lt"/>
+                <a:ea typeface="+mj-ea"/>
+                <a:cs typeface="+mj-cs"/>
+              </a:defRPr>
+            </a:lvl1pPr>
+          </a:lstStyle>
+          <a:p>
+            <a:r>
+              <a:rPr lang="en-US" sz="4000" b="1" dirty="0">
+                <a:solidFill>
+                  <a:srgbClr val="FF0000"/>
+                </a:solidFill>
+              </a:rPr>
+              <a:t>Development Methodologies</a:t>
+            </a:r>
+            <a:endParaRPr lang="fr-FR" sz="4000" b="1" dirty="0">
+              <a:solidFill>
+                <a:srgbClr val="FF0000"/>
+              </a:solidFill>
+            </a:endParaRPr>
+          </a:p>
+        </p:txBody>
+      </p:sp>
+      <p:sp>
+        <p:nvSpPr>
+          <p:cNvPr id="7" name="Content Placeholder 2"/>
+          <p:cNvSpPr txBox="1">
+            <a:spLocks/>
+          </p:cNvSpPr>
+          <p:nvPr/>
+        </p:nvSpPr>
+        <p:spPr>
+          <a:xfrm>
+            <a:off x="838423" y="2417195"/>
+            <a:ext cx="3845341" cy="1192697"/>
+          </a:xfrm>
+          <a:prstGeom prst="rect">
+            <a:avLst/>
+          </a:prstGeom>
+        </p:spPr>
+        <p:txBody>
+          <a:bodyPr vert="horz" lIns="91440" tIns="45720" rIns="91440" bIns="45720" rtlCol="0">
+            <a:normAutofit/>
+          </a:bodyPr>
+          <a:lstStyle>
+            <a:lvl1pPr marL="228600" indent="-182880" algn="l" defTabSz="914400" rtl="0" eaLnBrk="1" latinLnBrk="0" hangingPunct="1">
+              <a:spcBef>
+                <a:spcPct val="20000"/>
+              </a:spcBef>
+              <a:buClr>
+                <a:schemeClr val="tx2"/>
+              </a:buClr>
+              <a:buFont typeface="Wingdings" charset="2"/>
+              <a:buChar char="§"/>
+              <a:defRPr sz="2000" kern="1200">
+                <a:solidFill>
+                  <a:schemeClr val="tx1"/>
+                </a:solidFill>
+                <a:latin typeface="+mn-lt"/>
+                <a:ea typeface="+mn-ea"/>
+                <a:cs typeface="+mn-cs"/>
+              </a:defRPr>
+            </a:lvl1pPr>
+            <a:lvl2pPr marL="502920" indent="-182880" algn="l" defTabSz="914400" rtl="0" eaLnBrk="1" latinLnBrk="0" hangingPunct="1">
+              <a:spcBef>
+                <a:spcPct val="20000"/>
+              </a:spcBef>
+              <a:buClr>
+                <a:schemeClr val="tx2"/>
+              </a:buClr>
+              <a:buFont typeface="Wingdings" charset="2"/>
+              <a:buChar char="§"/>
+              <a:defRPr sz="1800" kern="1200">
+                <a:solidFill>
+                  <a:schemeClr val="tx1"/>
+                </a:solidFill>
+                <a:latin typeface="+mn-lt"/>
+                <a:ea typeface="+mn-ea"/>
+                <a:cs typeface="+mn-cs"/>
+              </a:defRPr>
+            </a:lvl2pPr>
+            <a:lvl3pPr marL="685800" indent="-182880" algn="l" defTabSz="914400" rtl="0" eaLnBrk="1" latinLnBrk="0" hangingPunct="1">
+              <a:spcBef>
+                <a:spcPct val="20000"/>
+              </a:spcBef>
+              <a:buClr>
+                <a:schemeClr val="tx2"/>
+              </a:buClr>
+              <a:buFont typeface="Wingdings" charset="2"/>
+              <a:buChar char="§"/>
+              <a:defRPr sz="1600" kern="1200">
+                <a:solidFill>
+                  <a:schemeClr val="tx1"/>
+                </a:solidFill>
+                <a:latin typeface="+mn-lt"/>
+                <a:ea typeface="+mn-ea"/>
+                <a:cs typeface="+mn-cs"/>
+              </a:defRPr>
+            </a:lvl3pPr>
+            <a:lvl4pPr marL="914400" indent="-182880" algn="l" defTabSz="914400" rtl="0" eaLnBrk="1" latinLnBrk="0" hangingPunct="1">
+              <a:spcBef>
+                <a:spcPct val="20000"/>
+              </a:spcBef>
+              <a:buClr>
+                <a:schemeClr val="tx2"/>
+              </a:buClr>
+              <a:buFont typeface="Wingdings" charset="2"/>
+              <a:buChar char="§"/>
+              <a:defRPr sz="1400" kern="1200">
+                <a:solidFill>
+                  <a:schemeClr val="tx1"/>
+                </a:solidFill>
+                <a:latin typeface="+mn-lt"/>
+                <a:ea typeface="+mn-ea"/>
+                <a:cs typeface="+mn-cs"/>
+              </a:defRPr>
+            </a:lvl4pPr>
+            <a:lvl5pPr marL="1143000" indent="-182880" algn="l" defTabSz="914400" rtl="0" eaLnBrk="1" latinLnBrk="0" hangingPunct="1">
+              <a:spcBef>
+                <a:spcPct val="20000"/>
+              </a:spcBef>
+              <a:buClr>
+                <a:schemeClr val="tx2"/>
+              </a:buClr>
+              <a:buFont typeface="Wingdings" charset="2"/>
+              <a:buChar char="§"/>
+              <a:defRPr sz="1400" kern="1200">
+                <a:solidFill>
+                  <a:schemeClr val="tx1"/>
+                </a:solidFill>
+                <a:latin typeface="+mn-lt"/>
+                <a:ea typeface="+mn-ea"/>
+                <a:cs typeface="+mn-cs"/>
+              </a:defRPr>
+            </a:lvl5pPr>
+            <a:lvl6pPr marL="1371600" indent="-182880" algn="l" defTabSz="914400" rtl="0" eaLnBrk="1" latinLnBrk="0" hangingPunct="1">
+              <a:spcBef>
+                <a:spcPct val="20000"/>
+              </a:spcBef>
+              <a:buClr>
+                <a:schemeClr val="tx2"/>
+              </a:buClr>
+              <a:buFont typeface="Wingdings" pitchFamily="2" charset="2"/>
+              <a:buChar char="§"/>
+              <a:defRPr sz="1400" kern="1200">
+                <a:solidFill>
+                  <a:schemeClr val="tx1"/>
+                </a:solidFill>
+                <a:latin typeface="+mn-lt"/>
+                <a:ea typeface="+mn-ea"/>
+                <a:cs typeface="+mn-cs"/>
+              </a:defRPr>
+            </a:lvl6pPr>
+            <a:lvl7pPr marL="1600200" indent="-182880" algn="l" defTabSz="914400" rtl="0" eaLnBrk="1" latinLnBrk="0" hangingPunct="1">
+              <a:spcBef>
+                <a:spcPct val="20000"/>
+              </a:spcBef>
+              <a:buClr>
+                <a:schemeClr val="tx2"/>
+              </a:buClr>
+              <a:buFont typeface="Wingdings" pitchFamily="2" charset="2"/>
+              <a:buChar char="§"/>
+              <a:defRPr sz="1400" kern="1200">
+                <a:solidFill>
+                  <a:schemeClr val="tx1"/>
+                </a:solidFill>
+                <a:latin typeface="+mn-lt"/>
+                <a:ea typeface="+mn-ea"/>
+                <a:cs typeface="+mn-cs"/>
+              </a:defRPr>
+            </a:lvl7pPr>
+            <a:lvl8pPr marL="1828800" indent="-182880" algn="l" defTabSz="914400" rtl="0" eaLnBrk="1" latinLnBrk="0" hangingPunct="1">
+              <a:spcBef>
+                <a:spcPct val="20000"/>
+              </a:spcBef>
+              <a:buClr>
+                <a:schemeClr val="tx2"/>
+              </a:buClr>
+              <a:buFont typeface="Wingdings" pitchFamily="2" charset="2"/>
+              <a:buChar char="§"/>
+              <a:defRPr sz="1400" kern="1200">
+                <a:solidFill>
+                  <a:schemeClr val="tx1"/>
+                </a:solidFill>
+                <a:latin typeface="+mn-lt"/>
+                <a:ea typeface="+mn-ea"/>
+                <a:cs typeface="+mn-cs"/>
+              </a:defRPr>
+            </a:lvl8pPr>
+            <a:lvl9pPr marL="2057400" indent="-182880" algn="l" defTabSz="914400" rtl="0" eaLnBrk="1" latinLnBrk="0" hangingPunct="1">
+              <a:spcBef>
+                <a:spcPct val="20000"/>
+              </a:spcBef>
+              <a:buClr>
+                <a:schemeClr val="tx2"/>
+              </a:buClr>
+              <a:buFont typeface="Wingdings" pitchFamily="2" charset="2"/>
+              <a:buChar char="§"/>
+              <a:defRPr sz="1400" kern="1200">
+                <a:solidFill>
+                  <a:schemeClr val="tx1"/>
+                </a:solidFill>
+                <a:latin typeface="+mn-lt"/>
+                <a:ea typeface="+mn-ea"/>
+                <a:cs typeface="+mn-cs"/>
+              </a:defRPr>
+            </a:lvl9pPr>
+          </a:lstStyle>
+          <a:p>
+            <a:r>
+              <a:rPr lang="en-US" smtClean="0">
+                <a:latin typeface="Calibri" charset="0"/>
+              </a:rPr>
+              <a:t>Regular meetings </a:t>
+            </a:r>
+          </a:p>
+          <a:p>
+            <a:r>
+              <a:rPr lang="en-US" smtClean="0">
+                <a:latin typeface="Calibri" charset="0"/>
+              </a:rPr>
+              <a:t>"To Do" list </a:t>
+            </a:r>
+          </a:p>
+          <a:p>
+            <a:r>
+              <a:rPr lang="en-US" smtClean="0">
+                <a:latin typeface="Calibri" charset="0"/>
+              </a:rPr>
+              <a:t>Estimation of time and resources </a:t>
+            </a:r>
+          </a:p>
+          <a:p>
+            <a:pPr marL="45720" indent="0">
+              <a:buFont typeface="Wingdings" charset="2"/>
               <a:buNone/>
             </a:pPr>
-            <a:r>
-              <a:rPr lang="en-US" b="1"/>
-              <a:t>Human resources:</a:t>
-            </a:r>
-          </a:p>
-          <a:p>
-            <a:endParaRPr lang="en-US"/>
-          </a:p>
-          <a:p>
-            <a:r>
-              <a:rPr lang="en-US"/>
-              <a:t>Team of 6 until January</a:t>
-            </a:r>
-          </a:p>
-          <a:p>
-            <a:endParaRPr lang="en-US"/>
-          </a:p>
-          <a:p>
-            <a:r>
-              <a:rPr lang="en-US"/>
-              <a:t>Team of 3 after January</a:t>
-            </a:r>
-            <a:endParaRPr lang="fr-FR"/>
-          </a:p>
-        </p:txBody>
-      </p:sp>
-      <p:sp>
-        <p:nvSpPr>
-          <p:cNvPr id="5" name="Espace réservé du contenu 4"/>
-          <p:cNvSpPr>
-            <a:spLocks noGrp="1"/>
-          </p:cNvSpPr>
-          <p:nvPr>
-            <p:ph sz="half" idx="2"/>
-          </p:nvPr>
-        </p:nvSpPr>
-        <p:spPr/>
-        <p:txBody>
-          <a:bodyPr/>
-          <a:lstStyle/>
-          <a:p>
-            <a:pPr marL="0" indent="0">
-              <a:buNone/>
-            </a:pPr>
-            <a:r>
-              <a:rPr lang="en-US" b="1"/>
-              <a:t>Technological resources:</a:t>
-            </a:r>
-          </a:p>
-          <a:p>
-            <a:endParaRPr lang="en-US"/>
-          </a:p>
-          <a:p>
-            <a:r>
-              <a:rPr lang="en-US"/>
-              <a:t>Computers from INSA's computer science department</a:t>
-            </a:r>
-          </a:p>
-          <a:p>
-            <a:endParaRPr lang="en-US"/>
-          </a:p>
-          <a:p>
-            <a:r>
-              <a:rPr lang="en-US" i="1"/>
-              <a:t>Grid'5000</a:t>
-            </a:r>
-            <a:r>
-              <a:rPr lang="en-US"/>
-              <a:t>, a set of clusters of multi-core machines</a:t>
-            </a:r>
-            <a:endParaRPr lang="fr-FR"/>
+            <a:endParaRPr lang="en-US" dirty="0"/>
           </a:p>
         </p:txBody>
       </p:sp>
     </p:spTree>
     <p:extLst>
       <p:ext uri="{BB962C8B-B14F-4D97-AF65-F5344CB8AC3E}">
-        <p14:creationId xmlns:p14="http://schemas.microsoft.com/office/powerpoint/2010/main" val="3055379221"/>
+        <p14:creationId xmlns:p14="http://schemas.microsoft.com/office/powerpoint/2010/main" val="1017086748"/>
       </p:ext>
     </p:extLst>
   </p:cSld>
@@ -5520,8 +7710,447 @@
     <a:masterClrMapping/>
   </p:clrMapOvr>
   <p:transition spd="slow">
-    <p:push dir="u"/>
+    <p:push/>
   </p:transition>
+  <p:timing>
+    <p:tnLst>
+      <p:par>
+        <p:cTn id="1" dur="indefinite" restart="never" nodeType="tmRoot">
+          <p:childTnLst>
+            <p:seq concurrent="1" nextAc="seek">
+              <p:cTn id="2" dur="indefinite" nodeType="mainSeq">
+                <p:childTnLst>
+                  <p:par>
+                    <p:cTn id="3" fill="hold">
+                      <p:stCondLst>
+                        <p:cond delay="indefinite"/>
+                      </p:stCondLst>
+                      <p:childTnLst>
+                        <p:par>
+                          <p:cTn id="4" fill="hold">
+                            <p:stCondLst>
+                              <p:cond delay="0"/>
+                            </p:stCondLst>
+                            <p:childTnLst>
+                              <p:par>
+                                <p:cTn id="5" presetID="42" presetClass="entr" presetSubtype="0" fill="hold" grpId="0" nodeType="clickEffect">
+                                  <p:stCondLst>
+                                    <p:cond delay="0"/>
+                                  </p:stCondLst>
+                                  <p:childTnLst>
+                                    <p:set>
+                                      <p:cBhvr>
+                                        <p:cTn id="6" dur="1" fill="hold">
+                                          <p:stCondLst>
+                                            <p:cond delay="0"/>
+                                          </p:stCondLst>
+                                        </p:cTn>
+                                        <p:tgtEl>
+                                          <p:spTgt spid="3">
+                                            <p:txEl>
+                                              <p:pRg st="0" end="0"/>
+                                            </p:txEl>
+                                          </p:spTgt>
+                                        </p:tgtEl>
+                                        <p:attrNameLst>
+                                          <p:attrName>style.visibility</p:attrName>
+                                        </p:attrNameLst>
+                                      </p:cBhvr>
+                                      <p:to>
+                                        <p:strVal val="visible"/>
+                                      </p:to>
+                                    </p:set>
+                                    <p:animEffect transition="in" filter="fade">
+                                      <p:cBhvr>
+                                        <p:cTn id="7" dur="1000"/>
+                                        <p:tgtEl>
+                                          <p:spTgt spid="3">
+                                            <p:txEl>
+                                              <p:pRg st="0" end="0"/>
+                                            </p:txEl>
+                                          </p:spTgt>
+                                        </p:tgtEl>
+                                      </p:cBhvr>
+                                    </p:animEffect>
+                                    <p:anim calcmode="lin" valueType="num">
+                                      <p:cBhvr>
+                                        <p:cTn id="8" dur="1000" fill="hold"/>
+                                        <p:tgtEl>
+                                          <p:spTgt spid="3">
+                                            <p:txEl>
+                                              <p:pRg st="0" end="0"/>
+                                            </p:txEl>
+                                          </p:spTgt>
+                                        </p:tgtEl>
+                                        <p:attrNameLst>
+                                          <p:attrName>ppt_x</p:attrName>
+                                        </p:attrNameLst>
+                                      </p:cBhvr>
+                                      <p:tavLst>
+                                        <p:tav tm="0">
+                                          <p:val>
+                                            <p:strVal val="#ppt_x"/>
+                                          </p:val>
+                                        </p:tav>
+                                        <p:tav tm="100000">
+                                          <p:val>
+                                            <p:strVal val="#ppt_x"/>
+                                          </p:val>
+                                        </p:tav>
+                                      </p:tavLst>
+                                    </p:anim>
+                                    <p:anim calcmode="lin" valueType="num">
+                                      <p:cBhvr>
+                                        <p:cTn id="9" dur="1000" fill="hold"/>
+                                        <p:tgtEl>
+                                          <p:spTgt spid="3">
+                                            <p:txEl>
+                                              <p:pRg st="0" end="0"/>
+                                            </p:txEl>
+                                          </p:spTgt>
+                                        </p:tgtEl>
+                                        <p:attrNameLst>
+                                          <p:attrName>ppt_y</p:attrName>
+                                        </p:attrNameLst>
+                                      </p:cBhvr>
+                                      <p:tavLst>
+                                        <p:tav tm="0">
+                                          <p:val>
+                                            <p:strVal val="#ppt_y+.1"/>
+                                          </p:val>
+                                        </p:tav>
+                                        <p:tav tm="100000">
+                                          <p:val>
+                                            <p:strVal val="#ppt_y"/>
+                                          </p:val>
+                                        </p:tav>
+                                      </p:tavLst>
+                                    </p:anim>
+                                  </p:childTnLst>
+                                </p:cTn>
+                              </p:par>
+                              <p:par>
+                                <p:cTn id="10" presetID="42" presetClass="entr" presetSubtype="0" fill="hold" grpId="0" nodeType="withEffect">
+                                  <p:stCondLst>
+                                    <p:cond delay="0"/>
+                                  </p:stCondLst>
+                                  <p:childTnLst>
+                                    <p:set>
+                                      <p:cBhvr>
+                                        <p:cTn id="11" dur="1" fill="hold">
+                                          <p:stCondLst>
+                                            <p:cond delay="0"/>
+                                          </p:stCondLst>
+                                        </p:cTn>
+                                        <p:tgtEl>
+                                          <p:spTgt spid="3">
+                                            <p:txEl>
+                                              <p:pRg st="1" end="1"/>
+                                            </p:txEl>
+                                          </p:spTgt>
+                                        </p:tgtEl>
+                                        <p:attrNameLst>
+                                          <p:attrName>style.visibility</p:attrName>
+                                        </p:attrNameLst>
+                                      </p:cBhvr>
+                                      <p:to>
+                                        <p:strVal val="visible"/>
+                                      </p:to>
+                                    </p:set>
+                                    <p:animEffect transition="in" filter="fade">
+                                      <p:cBhvr>
+                                        <p:cTn id="12" dur="1000"/>
+                                        <p:tgtEl>
+                                          <p:spTgt spid="3">
+                                            <p:txEl>
+                                              <p:pRg st="1" end="1"/>
+                                            </p:txEl>
+                                          </p:spTgt>
+                                        </p:tgtEl>
+                                      </p:cBhvr>
+                                    </p:animEffect>
+                                    <p:anim calcmode="lin" valueType="num">
+                                      <p:cBhvr>
+                                        <p:cTn id="13" dur="1000" fill="hold"/>
+                                        <p:tgtEl>
+                                          <p:spTgt spid="3">
+                                            <p:txEl>
+                                              <p:pRg st="1" end="1"/>
+                                            </p:txEl>
+                                          </p:spTgt>
+                                        </p:tgtEl>
+                                        <p:attrNameLst>
+                                          <p:attrName>ppt_x</p:attrName>
+                                        </p:attrNameLst>
+                                      </p:cBhvr>
+                                      <p:tavLst>
+                                        <p:tav tm="0">
+                                          <p:val>
+                                            <p:strVal val="#ppt_x"/>
+                                          </p:val>
+                                        </p:tav>
+                                        <p:tav tm="100000">
+                                          <p:val>
+                                            <p:strVal val="#ppt_x"/>
+                                          </p:val>
+                                        </p:tav>
+                                      </p:tavLst>
+                                    </p:anim>
+                                    <p:anim calcmode="lin" valueType="num">
+                                      <p:cBhvr>
+                                        <p:cTn id="14" dur="1000" fill="hold"/>
+                                        <p:tgtEl>
+                                          <p:spTgt spid="3">
+                                            <p:txEl>
+                                              <p:pRg st="1" end="1"/>
+                                            </p:txEl>
+                                          </p:spTgt>
+                                        </p:tgtEl>
+                                        <p:attrNameLst>
+                                          <p:attrName>ppt_y</p:attrName>
+                                        </p:attrNameLst>
+                                      </p:cBhvr>
+                                      <p:tavLst>
+                                        <p:tav tm="0">
+                                          <p:val>
+                                            <p:strVal val="#ppt_y+.1"/>
+                                          </p:val>
+                                        </p:tav>
+                                        <p:tav tm="100000">
+                                          <p:val>
+                                            <p:strVal val="#ppt_y"/>
+                                          </p:val>
+                                        </p:tav>
+                                      </p:tavLst>
+                                    </p:anim>
+                                  </p:childTnLst>
+                                </p:cTn>
+                              </p:par>
+                              <p:par>
+                                <p:cTn id="15" presetID="42" presetClass="entr" presetSubtype="0" fill="hold" grpId="0" nodeType="withEffect">
+                                  <p:stCondLst>
+                                    <p:cond delay="0"/>
+                                  </p:stCondLst>
+                                  <p:childTnLst>
+                                    <p:set>
+                                      <p:cBhvr>
+                                        <p:cTn id="16" dur="1" fill="hold">
+                                          <p:stCondLst>
+                                            <p:cond delay="0"/>
+                                          </p:stCondLst>
+                                        </p:cTn>
+                                        <p:tgtEl>
+                                          <p:spTgt spid="3">
+                                            <p:txEl>
+                                              <p:pRg st="2" end="2"/>
+                                            </p:txEl>
+                                          </p:spTgt>
+                                        </p:tgtEl>
+                                        <p:attrNameLst>
+                                          <p:attrName>style.visibility</p:attrName>
+                                        </p:attrNameLst>
+                                      </p:cBhvr>
+                                      <p:to>
+                                        <p:strVal val="visible"/>
+                                      </p:to>
+                                    </p:set>
+                                    <p:animEffect transition="in" filter="fade">
+                                      <p:cBhvr>
+                                        <p:cTn id="17" dur="1000"/>
+                                        <p:tgtEl>
+                                          <p:spTgt spid="3">
+                                            <p:txEl>
+                                              <p:pRg st="2" end="2"/>
+                                            </p:txEl>
+                                          </p:spTgt>
+                                        </p:tgtEl>
+                                      </p:cBhvr>
+                                    </p:animEffect>
+                                    <p:anim calcmode="lin" valueType="num">
+                                      <p:cBhvr>
+                                        <p:cTn id="18" dur="1000" fill="hold"/>
+                                        <p:tgtEl>
+                                          <p:spTgt spid="3">
+                                            <p:txEl>
+                                              <p:pRg st="2" end="2"/>
+                                            </p:txEl>
+                                          </p:spTgt>
+                                        </p:tgtEl>
+                                        <p:attrNameLst>
+                                          <p:attrName>ppt_x</p:attrName>
+                                        </p:attrNameLst>
+                                      </p:cBhvr>
+                                      <p:tavLst>
+                                        <p:tav tm="0">
+                                          <p:val>
+                                            <p:strVal val="#ppt_x"/>
+                                          </p:val>
+                                        </p:tav>
+                                        <p:tav tm="100000">
+                                          <p:val>
+                                            <p:strVal val="#ppt_x"/>
+                                          </p:val>
+                                        </p:tav>
+                                      </p:tavLst>
+                                    </p:anim>
+                                    <p:anim calcmode="lin" valueType="num">
+                                      <p:cBhvr>
+                                        <p:cTn id="19" dur="1000" fill="hold"/>
+                                        <p:tgtEl>
+                                          <p:spTgt spid="3">
+                                            <p:txEl>
+                                              <p:pRg st="2" end="2"/>
+                                            </p:txEl>
+                                          </p:spTgt>
+                                        </p:tgtEl>
+                                        <p:attrNameLst>
+                                          <p:attrName>ppt_y</p:attrName>
+                                        </p:attrNameLst>
+                                      </p:cBhvr>
+                                      <p:tavLst>
+                                        <p:tav tm="0">
+                                          <p:val>
+                                            <p:strVal val="#ppt_y+.1"/>
+                                          </p:val>
+                                        </p:tav>
+                                        <p:tav tm="100000">
+                                          <p:val>
+                                            <p:strVal val="#ppt_y"/>
+                                          </p:val>
+                                        </p:tav>
+                                      </p:tavLst>
+                                    </p:anim>
+                                  </p:childTnLst>
+                                </p:cTn>
+                              </p:par>
+                              <p:par>
+                                <p:cTn id="20" presetID="42" presetClass="entr" presetSubtype="0" fill="hold" grpId="0" nodeType="withEffect">
+                                  <p:stCondLst>
+                                    <p:cond delay="0"/>
+                                  </p:stCondLst>
+                                  <p:childTnLst>
+                                    <p:set>
+                                      <p:cBhvr>
+                                        <p:cTn id="21" dur="1" fill="hold">
+                                          <p:stCondLst>
+                                            <p:cond delay="0"/>
+                                          </p:stCondLst>
+                                        </p:cTn>
+                                        <p:tgtEl>
+                                          <p:spTgt spid="3">
+                                            <p:txEl>
+                                              <p:pRg st="3" end="3"/>
+                                            </p:txEl>
+                                          </p:spTgt>
+                                        </p:tgtEl>
+                                        <p:attrNameLst>
+                                          <p:attrName>style.visibility</p:attrName>
+                                        </p:attrNameLst>
+                                      </p:cBhvr>
+                                      <p:to>
+                                        <p:strVal val="visible"/>
+                                      </p:to>
+                                    </p:set>
+                                    <p:animEffect transition="in" filter="fade">
+                                      <p:cBhvr>
+                                        <p:cTn id="22" dur="1000"/>
+                                        <p:tgtEl>
+                                          <p:spTgt spid="3">
+                                            <p:txEl>
+                                              <p:pRg st="3" end="3"/>
+                                            </p:txEl>
+                                          </p:spTgt>
+                                        </p:tgtEl>
+                                      </p:cBhvr>
+                                    </p:animEffect>
+                                    <p:anim calcmode="lin" valueType="num">
+                                      <p:cBhvr>
+                                        <p:cTn id="23" dur="1000" fill="hold"/>
+                                        <p:tgtEl>
+                                          <p:spTgt spid="3">
+                                            <p:txEl>
+                                              <p:pRg st="3" end="3"/>
+                                            </p:txEl>
+                                          </p:spTgt>
+                                        </p:tgtEl>
+                                        <p:attrNameLst>
+                                          <p:attrName>ppt_x</p:attrName>
+                                        </p:attrNameLst>
+                                      </p:cBhvr>
+                                      <p:tavLst>
+                                        <p:tav tm="0">
+                                          <p:val>
+                                            <p:strVal val="#ppt_x"/>
+                                          </p:val>
+                                        </p:tav>
+                                        <p:tav tm="100000">
+                                          <p:val>
+                                            <p:strVal val="#ppt_x"/>
+                                          </p:val>
+                                        </p:tav>
+                                      </p:tavLst>
+                                    </p:anim>
+                                    <p:anim calcmode="lin" valueType="num">
+                                      <p:cBhvr>
+                                        <p:cTn id="24" dur="1000" fill="hold"/>
+                                        <p:tgtEl>
+                                          <p:spTgt spid="3">
+                                            <p:txEl>
+                                              <p:pRg st="3" end="3"/>
+                                            </p:txEl>
+                                          </p:spTgt>
+                                        </p:tgtEl>
+                                        <p:attrNameLst>
+                                          <p:attrName>ppt_y</p:attrName>
+                                        </p:attrNameLst>
+                                      </p:cBhvr>
+                                      <p:tavLst>
+                                        <p:tav tm="0">
+                                          <p:val>
+                                            <p:strVal val="#ppt_y+.1"/>
+                                          </p:val>
+                                        </p:tav>
+                                        <p:tav tm="100000">
+                                          <p:val>
+                                            <p:strVal val="#ppt_y"/>
+                                          </p:val>
+                                        </p:tav>
+                                      </p:tavLst>
+                                    </p:anim>
+                                  </p:childTnLst>
+                                </p:cTn>
+                              </p:par>
+                            </p:childTnLst>
+                          </p:cTn>
+                        </p:par>
+                      </p:childTnLst>
+                    </p:cTn>
+                  </p:par>
+                </p:childTnLst>
+              </p:cTn>
+              <p:prevCondLst>
+                <p:cond evt="onPrev" delay="0">
+                  <p:tgtEl>
+                    <p:sldTgt/>
+                  </p:tgtEl>
+                </p:cond>
+              </p:prevCondLst>
+              <p:nextCondLst>
+                <p:cond evt="onNext" delay="0">
+                  <p:tgtEl>
+                    <p:sldTgt/>
+                  </p:tgtEl>
+                </p:cond>
+              </p:nextCondLst>
+            </p:seq>
+          </p:childTnLst>
+        </p:cTn>
+      </p:par>
+    </p:tnLst>
+    <p:bldLst>
+      <p:bldP spid="3" grpId="0" build="p"/>
+    </p:bldLst>
+  </p:timing>
 </p:sld>
 </file>
 
@@ -5559,6 +8188,183 @@
           <a:p>
             <a:r>
               <a:rPr lang="fr-FR"/>
+              <a:t>Environment</a:t>
+            </a:r>
+          </a:p>
+        </p:txBody>
+      </p:sp>
+      <p:sp>
+        <p:nvSpPr>
+          <p:cNvPr id="4" name="Espace réservé du contenu 3"/>
+          <p:cNvSpPr>
+            <a:spLocks noGrp="1"/>
+          </p:cNvSpPr>
+          <p:nvPr>
+            <p:ph sz="quarter" idx="13"/>
+          </p:nvPr>
+        </p:nvSpPr>
+        <p:spPr/>
+        <p:txBody>
+          <a:bodyPr/>
+          <a:lstStyle/>
+          <a:p>
+            <a:pPr marL="0" indent="0">
+              <a:buNone/>
+            </a:pPr>
+            <a:r>
+              <a:rPr lang="en-US" b="1"/>
+              <a:t>Human resources:</a:t>
+            </a:r>
+          </a:p>
+          <a:p>
+            <a:endParaRPr lang="en-US"/>
+          </a:p>
+          <a:p>
+            <a:r>
+              <a:rPr lang="en-US"/>
+              <a:t>Team of 6 until January</a:t>
+            </a:r>
+          </a:p>
+          <a:p>
+            <a:endParaRPr lang="en-US"/>
+          </a:p>
+          <a:p>
+            <a:r>
+              <a:rPr lang="en-US"/>
+              <a:t>Team of 3 after January</a:t>
+            </a:r>
+            <a:endParaRPr lang="fr-FR"/>
+          </a:p>
+        </p:txBody>
+      </p:sp>
+      <p:sp>
+        <p:nvSpPr>
+          <p:cNvPr id="5" name="Espace réservé du contenu 4"/>
+          <p:cNvSpPr>
+            <a:spLocks noGrp="1"/>
+          </p:cNvSpPr>
+          <p:nvPr>
+            <p:ph sz="quarter" idx="14"/>
+          </p:nvPr>
+        </p:nvSpPr>
+        <p:spPr/>
+        <p:txBody>
+          <a:bodyPr/>
+          <a:lstStyle/>
+          <a:p>
+            <a:pPr marL="0" indent="0">
+              <a:buNone/>
+            </a:pPr>
+            <a:r>
+              <a:rPr lang="en-US" b="1"/>
+              <a:t>Technological resources:</a:t>
+            </a:r>
+          </a:p>
+          <a:p>
+            <a:endParaRPr lang="en-US"/>
+          </a:p>
+          <a:p>
+            <a:r>
+              <a:rPr lang="en-US"/>
+              <a:t>Computers from INSA's computer science department</a:t>
+            </a:r>
+          </a:p>
+          <a:p>
+            <a:endParaRPr lang="en-US"/>
+          </a:p>
+          <a:p>
+            <a:r>
+              <a:rPr lang="en-US" i="1"/>
+              <a:t>Grid'5000</a:t>
+            </a:r>
+            <a:r>
+              <a:rPr lang="en-US"/>
+              <a:t>, a set of clusters of multi-core machines</a:t>
+            </a:r>
+            <a:endParaRPr lang="fr-FR"/>
+          </a:p>
+        </p:txBody>
+      </p:sp>
+      <p:sp>
+        <p:nvSpPr>
+          <p:cNvPr id="3" name="Slide Number Placeholder 2"/>
+          <p:cNvSpPr>
+            <a:spLocks noGrp="1"/>
+          </p:cNvSpPr>
+          <p:nvPr>
+            <p:ph type="sldNum" sz="quarter" idx="12"/>
+          </p:nvPr>
+        </p:nvSpPr>
+        <p:spPr/>
+        <p:txBody>
+          <a:bodyPr/>
+          <a:lstStyle/>
+          <a:p>
+            <a:fld id="{27C6CCC6-2BE5-4E42-96A4-D1E8E81A3D8E}" type="slidenum">
+              <a:rPr lang="de-DE" smtClean="0"/>
+              <a:t>7</a:t>
+            </a:fld>
+            <a:endParaRPr lang="de-DE"/>
+          </a:p>
+        </p:txBody>
+      </p:sp>
+    </p:spTree>
+    <p:extLst>
+      <p:ext uri="{BB962C8B-B14F-4D97-AF65-F5344CB8AC3E}">
+        <p14:creationId xmlns:p14="http://schemas.microsoft.com/office/powerpoint/2010/main" val="3055379221"/>
+      </p:ext>
+    </p:extLst>
+  </p:cSld>
+  <p:clrMapOvr>
+    <a:masterClrMapping/>
+  </p:clrMapOvr>
+  <p:transition spd="slow">
+    <p:push dir="u"/>
+  </p:transition>
+  <p:timing>
+    <p:tnLst>
+      <p:par>
+        <p:cTn id="1" dur="indefinite" restart="never" nodeType="tmRoot"/>
+      </p:par>
+    </p:tnLst>
+  </p:timing>
+</p:sld>
+</file>
+
+<file path=ppt/slides/slide8.xml><?xml version="1.0" encoding="utf-8"?>
+<p:sld xmlns:a="http://schemas.openxmlformats.org/drawingml/2006/main" xmlns:r="http://schemas.openxmlformats.org/officeDocument/2006/relationships" xmlns:p="http://schemas.openxmlformats.org/presentationml/2006/main">
+  <p:cSld>
+    <p:spTree>
+      <p:nvGrpSpPr>
+        <p:cNvPr id="1" name=""/>
+        <p:cNvGrpSpPr/>
+        <p:nvPr/>
+      </p:nvGrpSpPr>
+      <p:grpSpPr>
+        <a:xfrm>
+          <a:off x="0" y="0"/>
+          <a:ext cx="0" cy="0"/>
+          <a:chOff x="0" y="0"/>
+          <a:chExt cx="0" cy="0"/>
+        </a:xfrm>
+      </p:grpSpPr>
+      <p:sp>
+        <p:nvSpPr>
+          <p:cNvPr id="2" name="Titre 1"/>
+          <p:cNvSpPr>
+            <a:spLocks noGrp="1"/>
+          </p:cNvSpPr>
+          <p:nvPr>
+            <p:ph type="title"/>
+          </p:nvPr>
+        </p:nvSpPr>
+        <p:spPr/>
+        <p:txBody>
+          <a:bodyPr/>
+          <a:lstStyle/>
+          <a:p>
+            <a:r>
+              <a:rPr lang="fr-FR"/>
               <a:t>Risks analysis</a:t>
             </a:r>
           </a:p>
@@ -5931,6 +8737,29 @@
               </a:rPr>
               <a:t>=&gt; none</a:t>
             </a:r>
+          </a:p>
+        </p:txBody>
+      </p:sp>
+      <p:sp>
+        <p:nvSpPr>
+          <p:cNvPr id="5" name="Slide Number Placeholder 4"/>
+          <p:cNvSpPr>
+            <a:spLocks noGrp="1"/>
+          </p:cNvSpPr>
+          <p:nvPr>
+            <p:ph type="sldNum" sz="quarter" idx="12"/>
+          </p:nvPr>
+        </p:nvSpPr>
+        <p:spPr/>
+        <p:txBody>
+          <a:bodyPr/>
+          <a:lstStyle/>
+          <a:p>
+            <a:fld id="{27C6CCC6-2BE5-4E42-96A4-D1E8E81A3D8E}" type="slidenum">
+              <a:rPr lang="de-DE" smtClean="0"/>
+              <a:t>8</a:t>
+            </a:fld>
+            <a:endParaRPr lang="de-DE"/>
           </a:p>
         </p:txBody>
       </p:sp>
@@ -6074,7 +8903,7 @@
 </p:sld>
 </file>
 
-<file path=ppt/slides/slide8.xml><?xml version="1.0" encoding="utf-8"?>
+<file path=ppt/slides/slide9.xml><?xml version="1.0" encoding="utf-8"?>
 <p:sld xmlns:a="http://schemas.openxmlformats.org/drawingml/2006/main" xmlns:r="http://schemas.openxmlformats.org/officeDocument/2006/relationships" xmlns:p="http://schemas.openxmlformats.org/presentationml/2006/main">
   <p:cSld>
     <p:spTree>
@@ -6137,7 +8966,7 @@
               <a:buNone/>
             </a:pPr>
             <a:r>
-              <a:rPr lang="en-US">
+              <a:rPr lang="en-US" dirty="0">
                 <a:solidFill>
                   <a:srgbClr val="000000"/>
                 </a:solidFill>
@@ -6151,7 +8980,7 @@
               <a:buNone/>
             </a:pPr>
             <a:r>
-              <a:rPr lang="en-US">
+              <a:rPr lang="en-US" dirty="0">
                 <a:solidFill>
                   <a:srgbClr val="000000"/>
                 </a:solidFill>
@@ -6159,7 +8988,7 @@
               </a:rPr>
               <a:t>5) Technical</a:t>
             </a:r>
-            <a:endParaRPr lang="fr-FR">
+            <a:endParaRPr lang="fr-FR" dirty="0">
               <a:solidFill>
                 <a:srgbClr val="000000"/>
               </a:solidFill>
@@ -6358,11 +9187,10 @@
               <a:buFont typeface="Arial" panose="020B0604020202020204" pitchFamily="34" charset="0"/>
               <a:buNone/>
             </a:pPr>
-            <a:endParaRPr lang="en-US">
+            <a:endParaRPr lang="en-US" sz="2400" dirty="0">
               <a:solidFill>
                 <a:srgbClr val="000000"/>
               </a:solidFill>
-              <a:latin typeface="Calibri"/>
             </a:endParaRPr>
           </a:p>
           <a:p>
@@ -6371,11 +9199,10 @@
               <a:buNone/>
             </a:pPr>
             <a:r>
-              <a:rPr lang="en-US">
+              <a:rPr lang="en-US" sz="2400" dirty="0">
                 <a:solidFill>
                   <a:srgbClr val="000000"/>
                 </a:solidFill>
-                <a:latin typeface="Calibri"/>
               </a:rPr>
               <a:t>=&gt; Unexpected bugs can occur during the development</a:t>
             </a:r>
@@ -6385,11 +9212,10 @@
               <a:buFont typeface="Arial" panose="020B0604020202020204" pitchFamily="34" charset="0"/>
               <a:buNone/>
             </a:pPr>
-            <a:endParaRPr lang="en-US">
+            <a:endParaRPr lang="en-US" sz="2400" dirty="0">
               <a:solidFill>
                 <a:srgbClr val="000000"/>
               </a:solidFill>
-              <a:latin typeface="Calibri"/>
             </a:endParaRPr>
           </a:p>
           <a:p>
@@ -6398,30 +9224,43 @@
               <a:buNone/>
             </a:pPr>
             <a:r>
-              <a:rPr lang="en-US">
+              <a:rPr lang="en-US" sz="2400" dirty="0">
                 <a:solidFill>
                   <a:srgbClr val="000000"/>
                 </a:solidFill>
-                <a:latin typeface="Calibri"/>
               </a:rPr>
               <a:t>=&gt; interoperability problems</a:t>
             </a:r>
             <a:br>
-              <a:rPr lang="en-US">
+              <a:rPr lang="en-US" sz="2400" dirty="0">
                 <a:solidFill>
                   <a:srgbClr val="000000"/>
                 </a:solidFill>
-                <a:latin typeface="Calibri"/>
               </a:rPr>
             </a:br>
             <a:r>
-              <a:rPr lang="en-US">
+              <a:rPr lang="en-US" sz="2400" dirty="0">
                 <a:solidFill>
                   <a:srgbClr val="000000"/>
                 </a:solidFill>
-                <a:latin typeface="Calibri" charset="0"/>
               </a:rPr>
-              <a:t>       (Grid'5000 = linux, we currently use Windows)</a:t>
+              <a:t>       (Grid'5000 = </a:t>
+            </a:r>
+            <a:r>
+              <a:rPr lang="en-US" sz="2400" dirty="0" err="1">
+                <a:solidFill>
+                  <a:srgbClr val="000000"/>
+                </a:solidFill>
+              </a:rPr>
+              <a:t>linux</a:t>
+            </a:r>
+            <a:r>
+              <a:rPr lang="en-US" sz="2400" dirty="0">
+                <a:solidFill>
+                  <a:srgbClr val="000000"/>
+                </a:solidFill>
+              </a:rPr>
+              <a:t>, we currently use Windows)</a:t>
             </a:r>
           </a:p>
           <a:p>
@@ -6429,11 +9268,10 @@
               <a:buFont typeface="Arial" panose="020B0604020202020204" pitchFamily="34" charset="0"/>
               <a:buNone/>
             </a:pPr>
-            <a:endParaRPr lang="en-US">
+            <a:endParaRPr lang="en-US" sz="2400" dirty="0">
               <a:solidFill>
                 <a:srgbClr val="000000"/>
               </a:solidFill>
-              <a:latin typeface="Calibri" charset="0"/>
             </a:endParaRPr>
           </a:p>
           <a:p>
@@ -6441,11 +9279,10 @@
               <a:buFont typeface="Arial" panose="020B0604020202020204" pitchFamily="34" charset="0"/>
               <a:buNone/>
             </a:pPr>
-            <a:endParaRPr lang="en-US">
+            <a:endParaRPr lang="en-US" sz="2400" dirty="0">
               <a:solidFill>
                 <a:srgbClr val="000000"/>
               </a:solidFill>
-              <a:latin typeface="Calibri" charset="0"/>
             </a:endParaRPr>
           </a:p>
         </p:txBody>
@@ -6459,7 +9296,7 @@
         <p:spPr>
           <a:xfrm>
             <a:off x="2505085" y="3181360"/>
-            <a:ext cx="7038975" cy="523220"/>
+            <a:ext cx="7038975" cy="461665"/>
           </a:xfrm>
           <a:prstGeom prst="rect">
             <a:avLst/>
@@ -6472,10 +9309,10 @@
           <a:lstStyle/>
           <a:p>
             <a:r>
-              <a:rPr lang="en-US" sz="2800"/>
+              <a:rPr lang="en-US" sz="2400" dirty="0"/>
               <a:t>Solution : dedicate enough time to fix them.</a:t>
             </a:r>
-            <a:endParaRPr lang="fr-FR" sz="2800"/>
+            <a:endParaRPr lang="fr-FR" sz="2400" dirty="0"/>
           </a:p>
         </p:txBody>
       </p:sp>
@@ -6488,7 +9325,7 @@
         <p:spPr>
           <a:xfrm>
             <a:off x="2533660" y="4591060"/>
-            <a:ext cx="9229725" cy="523220"/>
+            <a:ext cx="9229725" cy="461665"/>
           </a:xfrm>
           <a:prstGeom prst="rect">
             <a:avLst/>
@@ -6501,16 +9338,33 @@
           <a:lstStyle/>
           <a:p>
             <a:r>
-              <a:rPr lang="en-US" sz="2800">
-                <a:latin typeface="Calibri" charset="0"/>
-              </a:rPr>
-              <a:t>Solution : r</a:t>
-            </a:r>
-            <a:r>
-              <a:rPr lang="en-US" sz="2800"/>
-              <a:t>egular tests at the computer science department</a:t>
-            </a:r>
-            <a:endParaRPr lang="fr-FR" sz="2800"/>
+              <a:rPr lang="en-US" sz="2400" dirty="0"/>
+              <a:t>Solution : regular tests at the computer science department</a:t>
+            </a:r>
+            <a:endParaRPr lang="fr-FR" sz="2400" dirty="0"/>
+          </a:p>
+        </p:txBody>
+      </p:sp>
+      <p:sp>
+        <p:nvSpPr>
+          <p:cNvPr id="7" name="Slide Number Placeholder 6"/>
+          <p:cNvSpPr>
+            <a:spLocks noGrp="1"/>
+          </p:cNvSpPr>
+          <p:nvPr>
+            <p:ph type="sldNum" sz="quarter" idx="12"/>
+          </p:nvPr>
+        </p:nvSpPr>
+        <p:spPr/>
+        <p:txBody>
+          <a:bodyPr/>
+          <a:lstStyle/>
+          <a:p>
+            <a:fld id="{27C6CCC6-2BE5-4E42-96A4-D1E8E81A3D8E}" type="slidenum">
+              <a:rPr lang="de-DE" smtClean="0"/>
+              <a:t>9</a:t>
+            </a:fld>
+            <a:endParaRPr lang="de-DE"/>
           </a:p>
         </p:txBody>
       </p:sp>
@@ -6838,171 +9692,63 @@
 </p:sld>
 </file>
 
-<file path=ppt/slides/slide9.xml><?xml version="1.0" encoding="utf-8"?>
-<p:sld xmlns:a="http://schemas.openxmlformats.org/drawingml/2006/main" xmlns:r="http://schemas.openxmlformats.org/officeDocument/2006/relationships" xmlns:p="http://schemas.openxmlformats.org/presentationml/2006/main">
-  <p:cSld>
-    <p:spTree>
-      <p:nvGrpSpPr>
-        <p:cNvPr id="1" name=""/>
-        <p:cNvGrpSpPr/>
-        <p:nvPr/>
-      </p:nvGrpSpPr>
-      <p:grpSpPr>
-        <a:xfrm>
-          <a:off x="0" y="0"/>
-          <a:ext cx="0" cy="0"/>
-          <a:chOff x="0" y="0"/>
-          <a:chExt cx="0" cy="0"/>
-        </a:xfrm>
-      </p:grpSpPr>
-      <p:sp>
-        <p:nvSpPr>
-          <p:cNvPr id="2" name="Titre 1"/>
-          <p:cNvSpPr>
-            <a:spLocks noGrp="1"/>
-          </p:cNvSpPr>
-          <p:nvPr>
-            <p:ph type="title"/>
-          </p:nvPr>
-        </p:nvSpPr>
-        <p:spPr/>
-        <p:txBody>
-          <a:bodyPr/>
-          <a:lstStyle/>
-          <a:p>
-            <a:r>
-              <a:rPr lang="fr-FR"/>
-              <a:t>Important dates</a:t>
-            </a:r>
-          </a:p>
-        </p:txBody>
-      </p:sp>
-      <p:pic>
-        <p:nvPicPr>
-          <p:cNvPr id="3" name="Espace réservé du contenu 2" descr="DatesChronology.png"/>
-          <p:cNvPicPr>
-            <a:picLocks noGrp="1" noChangeAspect="1"/>
-          </p:cNvPicPr>
-          <p:nvPr>
-            <p:ph idx="1"/>
-          </p:nvPr>
-        </p:nvPicPr>
-        <p:blipFill>
-          <a:blip r:embed="rId3">
-            <a:extLst>
-              <a:ext uri="{28A0092B-C50C-407E-A947-70E740481C1C}">
-                <a14:useLocalDpi xmlns:a14="http://schemas.microsoft.com/office/drawing/2010/main" val="0"/>
-              </a:ext>
-            </a:extLst>
-          </a:blip>
-          <a:stretch>
-            <a:fillRect/>
-          </a:stretch>
-        </p:blipFill>
-        <p:spPr>
-          <a:xfrm>
-            <a:off x="892068" y="1221031"/>
-            <a:ext cx="20947036" cy="2738905"/>
-          </a:xfrm>
-        </p:spPr>
-      </p:pic>
-      <p:pic>
-        <p:nvPicPr>
-          <p:cNvPr id="5" name="Espace réservé du contenu 2" descr="DatesChronology.png"/>
-          <p:cNvPicPr>
-            <a:picLocks noChangeAspect="1"/>
-          </p:cNvPicPr>
-          <p:nvPr/>
-        </p:nvPicPr>
-        <p:blipFill>
-          <a:blip r:embed="rId4"/>
-          <a:stretch>
-            <a:fillRect/>
-          </a:stretch>
-        </p:blipFill>
-        <p:spPr>
-          <a:xfrm>
-            <a:off x="-10086965" y="3667135"/>
-            <a:ext cx="20947036" cy="2741755"/>
-          </a:xfrm>
-          <a:prstGeom prst="rect">
-            <a:avLst/>
-          </a:prstGeom>
-        </p:spPr>
-      </p:pic>
-    </p:spTree>
-    <p:extLst>
-      <p:ext uri="{BB962C8B-B14F-4D97-AF65-F5344CB8AC3E}">
-        <p14:creationId xmlns:p14="http://schemas.microsoft.com/office/powerpoint/2010/main" val="2704138539"/>
-      </p:ext>
-    </p:extLst>
-  </p:cSld>
-  <p:clrMapOvr>
-    <a:masterClrMapping/>
-  </p:clrMapOvr>
-  <p:transition spd="slow">
-    <p:push dir="u"/>
-  </p:transition>
-</p:sld>
-</file>
-
 <file path=ppt/theme/theme1.xml><?xml version="1.0" encoding="utf-8"?>
-<a:theme xmlns:a="http://schemas.openxmlformats.org/drawingml/2006/main" name="Thème Office">
+<a:theme xmlns:a="http://schemas.openxmlformats.org/drawingml/2006/main" name="Perspective">
   <a:themeElements>
-    <a:clrScheme name="Thème Office">
+    <a:clrScheme name="Custom 1">
       <a:dk1>
-        <a:sysClr val="windowText" lastClr="000000"/>
+        <a:srgbClr val="000000"/>
       </a:dk1>
       <a:lt1>
-        <a:sysClr val="window" lastClr="FFFFFF"/>
+        <a:srgbClr val="000000"/>
       </a:lt1>
       <a:dk2>
-        <a:srgbClr val="44546A"/>
+        <a:srgbClr val="FFFFFF"/>
       </a:dk2>
       <a:lt2>
-        <a:srgbClr val="E7E6E6"/>
+        <a:srgbClr val="FF3300"/>
       </a:lt2>
       <a:accent1>
-        <a:srgbClr val="5B9BD5"/>
+        <a:srgbClr val="838D9B"/>
       </a:accent1>
       <a:accent2>
-        <a:srgbClr val="ED7D31"/>
+        <a:srgbClr val="FF3300"/>
       </a:accent2>
       <a:accent3>
-        <a:srgbClr val="A5A5A5"/>
+        <a:srgbClr val="80716A"/>
       </a:accent3>
       <a:accent4>
-        <a:srgbClr val="FFC000"/>
+        <a:srgbClr val="94147C"/>
       </a:accent4>
       <a:accent5>
-        <a:srgbClr val="4472C4"/>
+        <a:srgbClr val="5D5AD2"/>
       </a:accent5>
       <a:accent6>
-        <a:srgbClr val="70AD47"/>
+        <a:srgbClr val="6F6C7D"/>
       </a:accent6>
       <a:hlink>
-        <a:srgbClr val="0563C1"/>
+        <a:srgbClr val="6187E3"/>
       </a:hlink>
       <a:folHlink>
-        <a:srgbClr val="954F72"/>
+        <a:srgbClr val="7B8EB8"/>
       </a:folHlink>
     </a:clrScheme>
-    <a:fontScheme name="Thème Office">
+    <a:fontScheme name="Office Classic 2">
       <a:majorFont>
-        <a:latin typeface="Calibri Light" panose="020F0302020204030204"/>
+        <a:latin typeface="Arial"/>
         <a:ea typeface=""/>
         <a:cs typeface=""/>
         <a:font script="Jpan" typeface="ＭＳ Ｐゴシック"/>
-        <a:font script="Hang" typeface="맑은 고딕"/>
-        <a:font script="Hans" typeface="宋体"/>
-        <a:font script="Hant" typeface="新細明體"/>
-        <a:font script="Arab" typeface="Times New Roman"/>
-        <a:font script="Hebr" typeface="Times New Roman"/>
-        <a:font script="Thai" typeface="Angsana New"/>
+        <a:font script="Hang" typeface="돋움"/>
+        <a:font script="Hans" typeface="方正舒体"/>
+        <a:font script="Hant" typeface="微軟正黑體"/>
+        <a:font script="Arab" typeface="Arial"/>
+        <a:font script="Hebr" typeface="Arial"/>
+        <a:font script="Thai" typeface="Cordia New"/>
         <a:font script="Ethi" typeface="Nyala"/>
         <a:font script="Beng" typeface="Vrinda"/>
         <a:font script="Gujr" typeface="Shruti"/>
-        <a:font script="Khmr" typeface="MoolBoran"/>
+        <a:font script="Khmr" typeface="DaunPenh"/>
         <a:font script="Knda" typeface="Tunga"/>
         <a:font script="Guru" typeface="Raavi"/>
         <a:font script="Cans" typeface="Euphemia"/>
@@ -7019,18 +9765,18 @@
         <a:font script="Laoo" typeface="DokChampa"/>
         <a:font script="Sinh" typeface="Iskoola Pota"/>
         <a:font script="Mong" typeface="Mongolian Baiti"/>
-        <a:font script="Viet" typeface="Times New Roman"/>
+        <a:font script="Viet" typeface="Arial"/>
         <a:font script="Uigh" typeface="Microsoft Uighur"/>
         <a:font script="Geor" typeface="Sylfaen"/>
       </a:majorFont>
       <a:minorFont>
-        <a:latin typeface="Calibri" panose="020F0502020204030204"/>
+        <a:latin typeface="Arial"/>
         <a:ea typeface=""/>
         <a:cs typeface=""/>
         <a:font script="Jpan" typeface="ＭＳ Ｐゴシック"/>
-        <a:font script="Hang" typeface="맑은 고딕"/>
-        <a:font script="Hans" typeface="宋体"/>
-        <a:font script="Hant" typeface="新細明體"/>
+        <a:font script="Hang" typeface="돋움"/>
+        <a:font script="Hans" typeface="方正舒体"/>
+        <a:font script="Hant" typeface="微軟正黑體"/>
         <a:font script="Arab" typeface="Arial"/>
         <a:font script="Hebr" typeface="Arial"/>
         <a:font script="Thai" typeface="Cordia New"/>
@@ -7059,7 +9805,7 @@
         <a:font script="Geor" typeface="Sylfaen"/>
       </a:minorFont>
     </a:fontScheme>
-    <a:fmtScheme name="Thème Office">
+    <a:fmtScheme name="Perspective">
       <a:fillStyleLst>
         <a:solidFill>
           <a:schemeClr val="phClr"/>
@@ -7068,142 +9814,171 @@
           <a:gsLst>
             <a:gs pos="0">
               <a:schemeClr val="phClr">
-                <a:lumMod val="110000"/>
-                <a:satMod val="105000"/>
-                <a:tint val="67000"/>
+                <a:tint val="50000"/>
+                <a:alpha val="100000"/>
+                <a:satMod val="160000"/>
+                <a:lumMod val="105000"/>
               </a:schemeClr>
             </a:gs>
-            <a:gs pos="50000">
+            <a:gs pos="41000">
               <a:schemeClr val="phClr">
-                <a:lumMod val="105000"/>
-                <a:satMod val="103000"/>
-                <a:tint val="73000"/>
+                <a:tint val="57000"/>
+                <a:satMod val="180000"/>
+                <a:lumMod val="99000"/>
               </a:schemeClr>
             </a:gs>
             <a:gs pos="100000">
               <a:schemeClr val="phClr">
-                <a:lumMod val="105000"/>
-                <a:satMod val="109000"/>
-                <a:tint val="81000"/>
+                <a:tint val="80000"/>
+                <a:satMod val="200000"/>
+                <a:lumMod val="104000"/>
               </a:schemeClr>
             </a:gs>
           </a:gsLst>
-          <a:lin ang="5400000" scaled="0"/>
+          <a:lin ang="5400000" scaled="1"/>
         </a:gradFill>
         <a:gradFill rotWithShape="1">
           <a:gsLst>
             <a:gs pos="0">
               <a:schemeClr val="phClr">
-                <a:satMod val="103000"/>
-                <a:lumMod val="102000"/>
-                <a:tint val="94000"/>
+                <a:tint val="96000"/>
+                <a:satMod val="130000"/>
+                <a:lumMod val="114000"/>
               </a:schemeClr>
             </a:gs>
-            <a:gs pos="50000">
+            <a:gs pos="60000">
               <a:schemeClr val="phClr">
-                <a:satMod val="110000"/>
-                <a:lumMod val="100000"/>
-                <a:shade val="100000"/>
+                <a:tint val="100000"/>
+                <a:satMod val="106000"/>
+                <a:lumMod val="110000"/>
               </a:schemeClr>
             </a:gs>
             <a:gs pos="100000">
-              <a:schemeClr val="phClr">
-                <a:lumMod val="99000"/>
-                <a:satMod val="120000"/>
-                <a:shade val="78000"/>
-              </a:schemeClr>
+              <a:schemeClr val="phClr"/>
             </a:gs>
           </a:gsLst>
           <a:lin ang="5400000" scaled="0"/>
         </a:gradFill>
       </a:fillStyleLst>
       <a:lnStyleLst>
-        <a:ln w="6350" cap="flat" cmpd="sng" algn="ctr">
-          <a:solidFill>
-            <a:schemeClr val="phClr"/>
-          </a:solidFill>
-          <a:prstDash val="solid"/>
-          <a:miter lim="800000"/>
-        </a:ln>
         <a:ln w="12700" cap="flat" cmpd="sng" algn="ctr">
           <a:solidFill>
             <a:schemeClr val="phClr"/>
           </a:solidFill>
           <a:prstDash val="solid"/>
-          <a:miter lim="800000"/>
         </a:ln>
         <a:ln w="19050" cap="flat" cmpd="sng" algn="ctr">
           <a:solidFill>
             <a:schemeClr val="phClr"/>
           </a:solidFill>
           <a:prstDash val="solid"/>
-          <a:miter lim="800000"/>
+        </a:ln>
+        <a:ln w="28575" cap="flat" cmpd="sng" algn="ctr">
+          <a:solidFill>
+            <a:schemeClr val="phClr"/>
+          </a:solidFill>
+          <a:prstDash val="solid"/>
         </a:ln>
       </a:lnStyleLst>
       <a:effectStyleLst>
         <a:effectStyle>
-          <a:effectLst/>
-        </a:effectStyle>
-        <a:effectStyle>
-          <a:effectLst/>
+          <a:effectLst>
+            <a:outerShdw blurRad="50800" dist="38100" dir="5400000" rotWithShape="0">
+              <a:srgbClr val="000000">
+                <a:alpha val="28000"/>
+              </a:srgbClr>
+            </a:outerShdw>
+          </a:effectLst>
         </a:effectStyle>
         <a:effectStyle>
           <a:effectLst>
-            <a:outerShdw blurRad="57150" dist="19050" dir="5400000" algn="ctr" rotWithShape="0">
+            <a:outerShdw blurRad="47625" dist="38100" dir="5400000" sy="98000" rotWithShape="0">
               <a:srgbClr val="000000">
-                <a:alpha val="63000"/>
+                <a:alpha val="48000"/>
               </a:srgbClr>
             </a:outerShdw>
           </a:effectLst>
+          <a:scene3d>
+            <a:camera prst="orthographicFront">
+              <a:rot lat="0" lon="0" rev="0"/>
+            </a:camera>
+            <a:lightRig rig="twoPt" dir="br">
+              <a:rot lat="0" lon="0" rev="8700000"/>
+            </a:lightRig>
+          </a:scene3d>
+          <a:sp3d prstMaterial="matte">
+            <a:bevelT w="25400" h="53975"/>
+          </a:sp3d>
+        </a:effectStyle>
+        <a:effectStyle>
+          <a:effectLst>
+            <a:reflection blurRad="12700" stA="24000" endPos="28000" dist="50800" dir="5400000" sy="-100000" rotWithShape="0"/>
+          </a:effectLst>
+          <a:scene3d>
+            <a:camera prst="orthographicFront">
+              <a:rot lat="0" lon="0" rev="0"/>
+            </a:camera>
+            <a:lightRig rig="threePt" dir="t">
+              <a:rot lat="0" lon="0" rev="4800000"/>
+            </a:lightRig>
+          </a:scene3d>
+          <a:sp3d>
+            <a:bevelT w="69850" h="31750"/>
+          </a:sp3d>
         </a:effectStyle>
       </a:effectStyleLst>
       <a:bgFillStyleLst>
         <a:solidFill>
           <a:schemeClr val="phClr"/>
         </a:solidFill>
-        <a:solidFill>
-          <a:schemeClr val="phClr">
-            <a:tint val="95000"/>
-            <a:satMod val="170000"/>
-          </a:schemeClr>
-        </a:solidFill>
         <a:gradFill rotWithShape="1">
           <a:gsLst>
             <a:gs pos="0">
               <a:schemeClr val="phClr">
-                <a:tint val="93000"/>
-                <a:satMod val="150000"/>
-                <a:shade val="98000"/>
-                <a:lumMod val="102000"/>
+                <a:tint val="100000"/>
+                <a:shade val="80000"/>
+                <a:satMod val="100000"/>
+                <a:lumMod val="100000"/>
               </a:schemeClr>
             </a:gs>
-            <a:gs pos="50000">
+            <a:gs pos="65000">
               <a:schemeClr val="phClr">
-                <a:tint val="98000"/>
-                <a:satMod val="130000"/>
-                <a:shade val="90000"/>
-                <a:lumMod val="103000"/>
+                <a:tint val="100000"/>
+                <a:shade val="95000"/>
+                <a:satMod val="100000"/>
+                <a:lumMod val="100000"/>
               </a:schemeClr>
             </a:gs>
             <a:gs pos="100000">
               <a:schemeClr val="phClr">
-                <a:shade val="63000"/>
-                <a:satMod val="120000"/>
+                <a:tint val="88000"/>
+                <a:shade val="100000"/>
+                <a:satMod val="400000"/>
+                <a:lumMod val="100000"/>
               </a:schemeClr>
             </a:gs>
           </a:gsLst>
           <a:lin ang="5400000" scaled="0"/>
         </a:gradFill>
+        <a:blipFill rotWithShape="1">
+          <a:blip xmlns:r="http://schemas.openxmlformats.org/officeDocument/2006/relationships" r:embed="rId1">
+            <a:duotone>
+              <a:schemeClr val="phClr">
+                <a:tint val="95000"/>
+                <a:satMod val="90000"/>
+              </a:schemeClr>
+              <a:schemeClr val="phClr">
+                <a:shade val="92000"/>
+              </a:schemeClr>
+            </a:duotone>
+          </a:blip>
+          <a:tile tx="0" ty="0" sx="100000" sy="100000" flip="none" algn="tl"/>
+        </a:blipFill>
       </a:bgFillStyleLst>
     </a:fmtScheme>
   </a:themeElements>
   <a:objectDefaults/>
   <a:extraClrSchemeLst/>
-  <a:extLst>
-    <a:ext uri="{05A4C25C-085E-4340-85A3-A5531E510DB2}">
-      <thm15:themeFamily xmlns:thm15="http://schemas.microsoft.com/office/thememl/2012/main" name="Office Theme" id="{62F939B6-93AF-4DB8-9C6B-D6C7DFDC589F}" vid="{4A3C46E8-61CC-4603-A589-7422A47A8E4A}"/>
-    </a:ext>
-  </a:extLst>
 </a:theme>
 </file>
 
@@ -7462,7 +10237,7 @@
   <a:extraClrSchemeLst/>
   <a:extLst>
     <a:ext uri="{05A4C25C-085E-4340-85A3-A5531E510DB2}">
-      <thm15:themeFamily xmlns:thm15="http://schemas.microsoft.com/office/thememl/2012/main" name="Office Theme" id="{62F939B6-93AF-4DB8-9C6B-D6C7DFDC589F}" vid="{4A3C46E8-61CC-4603-A589-7422A47A8E4A}"/>
+      <thm15:themeFamily xmlns:thm15="http://schemas.microsoft.com/office/thememl/2012/main" xmlns="" name="Office Theme" id="{62F939B6-93AF-4DB8-9C6B-D6C7DFDC589F}" vid="{4A3C46E8-61CC-4603-A589-7422A47A8E4A}"/>
     </a:ext>
   </a:extLst>
 </a:theme>

--- a/Docs/Reports/Planning Presentation/V2Planning.pptx
+++ b/Docs/Reports/Planning Presentation/V2Planning.pptx
@@ -5,7 +5,7 @@
     <p:sldMasterId id="2147483690" r:id="rId1"/>
   </p:sldMasterIdLst>
   <p:notesMasterIdLst>
-    <p:notesMasterId r:id="rId14"/>
+    <p:notesMasterId r:id="rId13"/>
   </p:notesMasterIdLst>
   <p:sldIdLst>
     <p:sldId id="256" r:id="rId2"/>
@@ -16,10 +16,9 @@
     <p:sldId id="272" r:id="rId7"/>
     <p:sldId id="259" r:id="rId8"/>
     <p:sldId id="262" r:id="rId9"/>
-    <p:sldId id="265" r:id="rId10"/>
-    <p:sldId id="263" r:id="rId11"/>
-    <p:sldId id="260" r:id="rId12"/>
-    <p:sldId id="261" r:id="rId13"/>
+    <p:sldId id="263" r:id="rId10"/>
+    <p:sldId id="260" r:id="rId11"/>
+    <p:sldId id="261" r:id="rId12"/>
   </p:sldIdLst>
   <p:sldSz cx="12192000" cy="6858000"/>
   <p:notesSz cx="6858000" cy="9144000"/>
@@ -120,7 +119,7 @@
   </p:defaultTextStyle>
   <p:extLst>
     <p:ext uri="{EFAFB233-063F-42B5-8137-9DF3F51BA10A}">
-      <p15:sldGuideLst xmlns:p15="http://schemas.microsoft.com/office/powerpoint/2012/main" xmlns=""/>
+      <p15:sldGuideLst xmlns="" xmlns:p15="http://schemas.microsoft.com/office/powerpoint/2012/main"/>
     </p:ext>
   </p:extLst>
 </p:presentation>
@@ -633,90 +632,6 @@
     </p:spTree>
     <p:extLst>
       <p:ext uri="{BB962C8B-B14F-4D97-AF65-F5344CB8AC3E}">
-        <p14:creationId xmlns:p14="http://schemas.microsoft.com/office/powerpoint/2010/main" val="3748168410"/>
-      </p:ext>
-    </p:extLst>
-  </p:cSld>
-  <p:clrMapOvr>
-    <a:masterClrMapping/>
-  </p:clrMapOvr>
-</p:notes>
-</file>
-
-<file path=ppt/notesSlides/notesSlide11.xml><?xml version="1.0" encoding="utf-8"?>
-<p:notes xmlns:a="http://schemas.openxmlformats.org/drawingml/2006/main" xmlns:r="http://schemas.openxmlformats.org/officeDocument/2006/relationships" xmlns:p="http://schemas.openxmlformats.org/presentationml/2006/main">
-  <p:cSld>
-    <p:spTree>
-      <p:nvGrpSpPr>
-        <p:cNvPr id="1" name=""/>
-        <p:cNvGrpSpPr/>
-        <p:nvPr/>
-      </p:nvGrpSpPr>
-      <p:grpSpPr>
-        <a:xfrm>
-          <a:off x="0" y="0"/>
-          <a:ext cx="0" cy="0"/>
-          <a:chOff x="0" y="0"/>
-          <a:chExt cx="0" cy="0"/>
-        </a:xfrm>
-      </p:grpSpPr>
-      <p:sp>
-        <p:nvSpPr>
-          <p:cNvPr id="2" name="Espace réservé de l'image des diapositives 1"/>
-          <p:cNvSpPr>
-            <a:spLocks noGrp="1" noRot="1" noChangeAspect="1"/>
-          </p:cNvSpPr>
-          <p:nvPr>
-            <p:ph type="sldImg"/>
-          </p:nvPr>
-        </p:nvSpPr>
-        <p:spPr/>
-      </p:sp>
-      <p:sp>
-        <p:nvSpPr>
-          <p:cNvPr id="3" name="Espace réservé des notes 2"/>
-          <p:cNvSpPr>
-            <a:spLocks noGrp="1"/>
-          </p:cNvSpPr>
-          <p:nvPr>
-            <p:ph type="body" idx="1"/>
-          </p:nvPr>
-        </p:nvSpPr>
-        <p:spPr/>
-        <p:txBody>
-          <a:bodyPr/>
-          <a:lstStyle/>
-          <a:p>
-            <a:endParaRPr lang="fr-FR"/>
-          </a:p>
-        </p:txBody>
-      </p:sp>
-      <p:sp>
-        <p:nvSpPr>
-          <p:cNvPr id="4" name="Espace réservé du numéro de diapositive 3"/>
-          <p:cNvSpPr>
-            <a:spLocks noGrp="1"/>
-          </p:cNvSpPr>
-          <p:nvPr>
-            <p:ph type="sldNum" sz="quarter" idx="10"/>
-          </p:nvPr>
-        </p:nvSpPr>
-        <p:spPr/>
-        <p:txBody>
-          <a:bodyPr/>
-          <a:lstStyle/>
-          <a:p>
-            <a:fld id="{F5AE91CA-69E1-4F73-A570-C18A4465CE0F}" type="slidenum">
-              <a:rPr lang="fr-FR"/>
-              <a:t>12</a:t>
-            </a:fld>
-            <a:endParaRPr lang="fr-FR"/>
-          </a:p>
-        </p:txBody>
-      </p:sp>
-    </p:spTree>
-    <p:extLst>
-      <p:ext uri="{BB962C8B-B14F-4D97-AF65-F5344CB8AC3E}">
         <p14:creationId xmlns:p14="http://schemas.microsoft.com/office/powerpoint/2010/main" val="4056118811"/>
       </p:ext>
     </p:extLst>
@@ -1305,7 +1220,7 @@
     </p:spTree>
     <p:extLst>
       <p:ext uri="{BB962C8B-B14F-4D97-AF65-F5344CB8AC3E}">
-        <p14:creationId xmlns:p14="http://schemas.microsoft.com/office/powerpoint/2010/main" val="3115056537"/>
+        <p14:creationId xmlns:p14="http://schemas.microsoft.com/office/powerpoint/2010/main" val="984219930"/>
       </p:ext>
     </p:extLst>
   </p:cSld>
@@ -1389,7 +1304,7 @@
     </p:spTree>
     <p:extLst>
       <p:ext uri="{BB962C8B-B14F-4D97-AF65-F5344CB8AC3E}">
-        <p14:creationId xmlns:p14="http://schemas.microsoft.com/office/powerpoint/2010/main" val="984219930"/>
+        <p14:creationId xmlns:p14="http://schemas.microsoft.com/office/powerpoint/2010/main" val="3748168410"/>
       </p:ext>
     </p:extLst>
   </p:cSld>
@@ -2038,13 +1953,21 @@
         </p:spPr>
         <p:txBody>
           <a:bodyPr/>
-          <a:lstStyle/>
-          <a:p>
-            <a:r>
-              <a:rPr lang="en-US" smtClean="0"/>
+          <a:lstStyle>
+            <a:lvl1pPr>
+              <a:defRPr>
+                <a:solidFill>
+                  <a:srgbClr val="FF3300"/>
+                </a:solidFill>
+              </a:defRPr>
+            </a:lvl1pPr>
+          </a:lstStyle>
+          <a:p>
+            <a:r>
+              <a:rPr lang="en-US" dirty="0" smtClean="0"/>
               <a:t>Click to edit Master title style</a:t>
             </a:r>
-            <a:endParaRPr lang="en-US"/>
+            <a:endParaRPr lang="en-US" dirty="0"/>
           </a:p>
         </p:txBody>
       </p:sp>
@@ -5169,90 +5092,102 @@
           <a:lstStyle/>
           <a:p>
             <a:r>
-              <a:rPr lang="fr-FR" dirty="0"/>
-              <a:t>Important dates</a:t>
+              <a:rPr lang="fr-FR" b="1" dirty="0" smtClean="0"/>
+              <a:t>5. </a:t>
+            </a:r>
+            <a:r>
+              <a:rPr lang="fr-FR" b="1" dirty="0" err="1" smtClean="0"/>
+              <a:t>Tasks</a:t>
+            </a:r>
+            <a:r>
+              <a:rPr lang="fr-FR" b="1" dirty="0" smtClean="0"/>
+              <a:t> </a:t>
+            </a:r>
+            <a:r>
+              <a:rPr lang="fr-FR" b="1" dirty="0"/>
+              <a:t>planning</a:t>
+            </a:r>
+          </a:p>
+        </p:txBody>
+      </p:sp>
+      <p:sp>
+        <p:nvSpPr>
+          <p:cNvPr id="3" name="Slide Number Placeholder 2"/>
+          <p:cNvSpPr>
+            <a:spLocks noGrp="1"/>
+          </p:cNvSpPr>
+          <p:nvPr>
+            <p:ph type="sldNum" sz="quarter" idx="12"/>
+          </p:nvPr>
+        </p:nvSpPr>
+        <p:spPr/>
+        <p:txBody>
+          <a:bodyPr/>
+          <a:lstStyle/>
+          <a:p>
+            <a:fld id="{27C6CCC6-2BE5-4E42-96A4-D1E8E81A3D8E}" type="slidenum">
+              <a:rPr lang="de-DE" smtClean="0"/>
+              <a:t>10</a:t>
+            </a:fld>
+            <a:endParaRPr lang="de-DE"/>
+          </a:p>
+        </p:txBody>
+      </p:sp>
+      <p:sp>
+        <p:nvSpPr>
+          <p:cNvPr id="8" name="Rectangle 7"/>
+          <p:cNvSpPr/>
+          <p:nvPr/>
+        </p:nvSpPr>
+        <p:spPr>
+          <a:xfrm>
+            <a:off x="5971607" y="3244334"/>
+            <a:ext cx="248786" cy="369332"/>
+          </a:xfrm>
+          <a:prstGeom prst="rect">
+            <a:avLst/>
+          </a:prstGeom>
+        </p:spPr>
+        <p:txBody>
+          <a:bodyPr wrap="none">
+            <a:spAutoFit/>
+          </a:bodyPr>
+          <a:lstStyle/>
+          <a:p>
+            <a:r>
+              <a:rPr lang="en-US" dirty="0"/>
+              <a:t> </a:t>
             </a:r>
           </a:p>
         </p:txBody>
       </p:sp>
       <p:pic>
         <p:nvPicPr>
-          <p:cNvPr id="3" name="Espace réservé du contenu 2" descr="DatesChronology.png"/>
+          <p:cNvPr id="9" name="Espace réservé du contenu 3"/>
           <p:cNvPicPr>
             <a:picLocks noGrp="1" noChangeAspect="1"/>
           </p:cNvPicPr>
-          <p:nvPr>
-            <p:ph idx="1"/>
-          </p:nvPr>
+          <p:nvPr/>
         </p:nvPicPr>
         <p:blipFill rotWithShape="1">
-          <a:blip r:embed="rId3">
-            <a:extLst>
-              <a:ext uri="{28A0092B-C50C-407E-A947-70E740481C1C}">
-                <a14:useLocalDpi xmlns:a14="http://schemas.microsoft.com/office/drawing/2010/main" val="0"/>
-              </a:ext>
-            </a:extLst>
-          </a:blip>
-          <a:srcRect l="5711" t="17201" r="46346" b="19708"/>
+          <a:blip r:embed="rId3"/>
+          <a:srcRect r="9520"/>
           <a:stretch/>
         </p:blipFill>
         <p:spPr>
           <a:xfrm>
-            <a:off x="2088000" y="1692000"/>
-            <a:ext cx="10044000" cy="1728000"/>
-          </a:xfrm>
-        </p:spPr>
-      </p:pic>
-      <p:pic>
-        <p:nvPicPr>
-          <p:cNvPr id="5" name="Espace réservé du contenu 2" descr="DatesChronology.png"/>
-          <p:cNvPicPr>
-            <a:picLocks noChangeAspect="1"/>
-          </p:cNvPicPr>
-          <p:nvPr/>
-        </p:nvPicPr>
-        <p:blipFill rotWithShape="1">
-          <a:blip r:embed="rId4"/>
-          <a:srcRect l="48384" r="-1321"/>
-          <a:stretch/>
-        </p:blipFill>
-        <p:spPr>
-          <a:xfrm>
-            <a:off x="36000" y="3667135"/>
-            <a:ext cx="11088000" cy="2741755"/>
+            <a:off x="155225" y="1684230"/>
+            <a:ext cx="11881550" cy="4370690"/>
           </a:xfrm>
           <a:prstGeom prst="rect">
             <a:avLst/>
           </a:prstGeom>
         </p:spPr>
       </p:pic>
-      <p:sp>
-        <p:nvSpPr>
-          <p:cNvPr id="4" name="Slide Number Placeholder 3"/>
-          <p:cNvSpPr>
-            <a:spLocks noGrp="1"/>
-          </p:cNvSpPr>
-          <p:nvPr>
-            <p:ph type="sldNum" sz="quarter" idx="12"/>
-          </p:nvPr>
-        </p:nvSpPr>
-        <p:spPr/>
-        <p:txBody>
-          <a:bodyPr/>
-          <a:lstStyle/>
-          <a:p>
-            <a:fld id="{27C6CCC6-2BE5-4E42-96A4-D1E8E81A3D8E}" type="slidenum">
-              <a:rPr lang="de-DE" smtClean="0"/>
-              <a:t>10</a:t>
-            </a:fld>
-            <a:endParaRPr lang="de-DE"/>
-          </a:p>
-        </p:txBody>
-      </p:sp>
     </p:spTree>
     <p:extLst>
       <p:ext uri="{BB962C8B-B14F-4D97-AF65-F5344CB8AC3E}">
-        <p14:creationId xmlns:p14="http://schemas.microsoft.com/office/powerpoint/2010/main" val="2704138539"/>
+        <p14:creationId xmlns:p14="http://schemas.microsoft.com/office/powerpoint/2010/main" val="2380993638"/>
       </p:ext>
     </p:extLst>
   </p:cSld>
@@ -5306,36 +5241,183 @@
           <a:p>
             <a:r>
               <a:rPr lang="fr-FR"/>
-              <a:t>Tasks planning</a:t>
-            </a:r>
-          </a:p>
-        </p:txBody>
-      </p:sp>
-      <p:pic>
-        <p:nvPicPr>
-          <p:cNvPr id="5" name="Espace réservé du contenu 4"/>
-          <p:cNvPicPr>
-            <a:picLocks noGrp="1" noChangeAspect="1"/>
-          </p:cNvPicPr>
+              <a:t>Conclusion</a:t>
+            </a:r>
+          </a:p>
+        </p:txBody>
+      </p:sp>
+      <p:sp>
+        <p:nvSpPr>
+          <p:cNvPr id="3" name="Espace réservé du contenu 2"/>
+          <p:cNvSpPr>
+            <a:spLocks noGrp="1"/>
+          </p:cNvSpPr>
           <p:nvPr>
             <p:ph idx="1"/>
           </p:nvPr>
-        </p:nvPicPr>
-        <p:blipFill rotWithShape="1">
-          <a:blip r:embed="rId3"/>
-          <a:srcRect l="774" r="11916"/>
-          <a:stretch/>
-        </p:blipFill>
-        <p:spPr>
-          <a:xfrm>
-            <a:off x="107999" y="2632545"/>
-            <a:ext cx="11802037" cy="2679288"/>
-          </a:xfrm>
-        </p:spPr>
-      </p:pic>
-      <p:sp>
-        <p:nvSpPr>
-          <p:cNvPr id="3" name="Slide Number Placeholder 2"/>
+        </p:nvSpPr>
+        <p:spPr/>
+        <p:txBody>
+          <a:bodyPr>
+            <a:normAutofit/>
+          </a:bodyPr>
+          <a:lstStyle/>
+          <a:p>
+            <a:r>
+              <a:rPr lang="fr-FR" sz="2400" dirty="0"/>
+              <a:t>Agile </a:t>
+            </a:r>
+            <a:r>
+              <a:rPr lang="fr-FR" sz="2400" dirty="0" err="1"/>
+              <a:t>methodology</a:t>
+            </a:r>
+            <a:r>
+              <a:rPr lang="fr-FR" sz="2400" dirty="0"/>
+              <a:t> </a:t>
+            </a:r>
+            <a:r>
+              <a:rPr lang="fr-FR" sz="2400" dirty="0" err="1"/>
+              <a:t>along</a:t>
+            </a:r>
+            <a:r>
+              <a:rPr lang="fr-FR" sz="2400" dirty="0"/>
+              <a:t> </a:t>
+            </a:r>
+            <a:r>
+              <a:rPr lang="fr-FR" sz="2400" dirty="0" err="1"/>
+              <a:t>our</a:t>
+            </a:r>
+            <a:r>
+              <a:rPr lang="fr-FR" sz="2400" dirty="0"/>
+              <a:t> </a:t>
+            </a:r>
+            <a:r>
+              <a:rPr lang="fr-FR" sz="2400" dirty="0" err="1"/>
+              <a:t>project</a:t>
+            </a:r>
+            <a:endParaRPr lang="fr-FR" sz="2400" dirty="0"/>
+          </a:p>
+          <a:p>
+            <a:r>
+              <a:rPr lang="fr-FR" sz="2400" dirty="0"/>
+              <a:t>Poker </a:t>
+            </a:r>
+            <a:r>
+              <a:rPr lang="fr-FR" sz="2400" dirty="0" err="1"/>
+              <a:t>method</a:t>
+            </a:r>
+            <a:r>
+              <a:rPr lang="fr-FR" sz="2400" dirty="0"/>
+              <a:t> to </a:t>
+            </a:r>
+            <a:r>
+              <a:rPr lang="en-US" sz="2400" dirty="0"/>
+              <a:t>get a better estimation of the </a:t>
+            </a:r>
+            <a:r>
+              <a:rPr lang="fr-FR" sz="2400" dirty="0" err="1"/>
+              <a:t>workload</a:t>
+            </a:r>
+            <a:endParaRPr lang="fr-FR" sz="2400" dirty="0"/>
+          </a:p>
+          <a:p>
+            <a:r>
+              <a:rPr lang="fr-FR" sz="2400" dirty="0" err="1"/>
+              <a:t>Analysis</a:t>
+            </a:r>
+            <a:r>
+              <a:rPr lang="fr-FR" sz="2400" dirty="0"/>
+              <a:t> of </a:t>
+            </a:r>
+            <a:r>
+              <a:rPr lang="fr-FR" sz="2400" dirty="0" err="1"/>
+              <a:t>Environment</a:t>
+            </a:r>
+            <a:endParaRPr lang="fr-FR" sz="2400" dirty="0"/>
+          </a:p>
+          <a:p>
+            <a:pPr lvl="1">
+              <a:buFont typeface="Arial" panose="020B0604020202020204" pitchFamily="34" charset="0"/>
+              <a:buChar char="•"/>
+            </a:pPr>
+            <a:r>
+              <a:rPr lang="fr-FR" sz="2000" dirty="0" err="1"/>
+              <a:t>Internal</a:t>
+            </a:r>
+            <a:r>
+              <a:rPr lang="fr-FR" sz="2000" dirty="0"/>
+              <a:t> and </a:t>
+            </a:r>
+            <a:r>
+              <a:rPr lang="fr-FR" sz="2000" dirty="0" err="1"/>
+              <a:t>external</a:t>
+            </a:r>
+            <a:r>
+              <a:rPr lang="fr-FR" sz="2000" dirty="0"/>
+              <a:t> </a:t>
+            </a:r>
+            <a:r>
+              <a:rPr lang="fr-FR" sz="2000" dirty="0" err="1"/>
+              <a:t>resources</a:t>
+            </a:r>
+            <a:endParaRPr lang="fr-FR" sz="2000" dirty="0"/>
+          </a:p>
+          <a:p>
+            <a:pPr lvl="1">
+              <a:buFont typeface="Arial" panose="020B0604020202020204" pitchFamily="34" charset="0"/>
+              <a:buChar char="•"/>
+            </a:pPr>
+            <a:r>
+              <a:rPr lang="fr-FR" sz="2000" dirty="0"/>
+              <a:t>Dates</a:t>
+            </a:r>
+          </a:p>
+          <a:p>
+            <a:pPr lvl="1">
+              <a:buFont typeface="Arial" panose="020B0604020202020204" pitchFamily="34" charset="0"/>
+              <a:buChar char="•"/>
+            </a:pPr>
+            <a:r>
+              <a:rPr lang="fr-FR" sz="2000" dirty="0" err="1"/>
+              <a:t>Risks</a:t>
+            </a:r>
+            <a:endParaRPr lang="fr-FR" sz="2000" dirty="0"/>
+          </a:p>
+          <a:p>
+            <a:r>
+              <a:rPr lang="fr-FR" sz="2400" dirty="0"/>
+              <a:t>Schedule </a:t>
+            </a:r>
+            <a:r>
+              <a:rPr lang="fr-FR" sz="2400" dirty="0" err="1"/>
+              <a:t>based</a:t>
+            </a:r>
+            <a:r>
+              <a:rPr lang="fr-FR" sz="2400" dirty="0"/>
+              <a:t> on the </a:t>
+            </a:r>
+            <a:r>
+              <a:rPr lang="fr-FR" sz="2400" dirty="0" err="1"/>
+              <a:t>aforementioned</a:t>
+            </a:r>
+            <a:r>
+              <a:rPr lang="fr-FR" sz="2400" dirty="0"/>
+              <a:t> </a:t>
+            </a:r>
+            <a:r>
+              <a:rPr lang="fr-FR" sz="2400" dirty="0" err="1"/>
+              <a:t>results</a:t>
+            </a:r>
+            <a:endParaRPr lang="fr-FR" sz="2400" dirty="0"/>
+          </a:p>
+          <a:p>
+            <a:endParaRPr lang="fr-FR" sz="2400" i="1" u="sng" dirty="0"/>
+          </a:p>
+        </p:txBody>
+      </p:sp>
+      <p:sp>
+        <p:nvSpPr>
+          <p:cNvPr id="4" name="Slide Number Placeholder 3"/>
           <p:cNvSpPr>
             <a:spLocks noGrp="1"/>
           </p:cNvSpPr>
@@ -5351,163 +5433,6 @@
             <a:fld id="{27C6CCC6-2BE5-4E42-96A4-D1E8E81A3D8E}" type="slidenum">
               <a:rPr lang="de-DE" smtClean="0"/>
               <a:t>11</a:t>
-            </a:fld>
-            <a:endParaRPr lang="de-DE"/>
-          </a:p>
-        </p:txBody>
-      </p:sp>
-    </p:spTree>
-    <p:extLst>
-      <p:ext uri="{BB962C8B-B14F-4D97-AF65-F5344CB8AC3E}">
-        <p14:creationId xmlns:p14="http://schemas.microsoft.com/office/powerpoint/2010/main" val="2380993638"/>
-      </p:ext>
-    </p:extLst>
-  </p:cSld>
-  <p:clrMapOvr>
-    <a:masterClrMapping/>
-  </p:clrMapOvr>
-  <p:transition spd="slow">
-    <p:push dir="u"/>
-  </p:transition>
-  <p:timing>
-    <p:tnLst>
-      <p:par>
-        <p:cTn id="1" dur="indefinite" restart="never" nodeType="tmRoot"/>
-      </p:par>
-    </p:tnLst>
-  </p:timing>
-</p:sld>
-</file>
-
-<file path=ppt/slides/slide12.xml><?xml version="1.0" encoding="utf-8"?>
-<p:sld xmlns:a="http://schemas.openxmlformats.org/drawingml/2006/main" xmlns:r="http://schemas.openxmlformats.org/officeDocument/2006/relationships" xmlns:p="http://schemas.openxmlformats.org/presentationml/2006/main">
-  <p:cSld>
-    <p:spTree>
-      <p:nvGrpSpPr>
-        <p:cNvPr id="1" name=""/>
-        <p:cNvGrpSpPr/>
-        <p:nvPr/>
-      </p:nvGrpSpPr>
-      <p:grpSpPr>
-        <a:xfrm>
-          <a:off x="0" y="0"/>
-          <a:ext cx="0" cy="0"/>
-          <a:chOff x="0" y="0"/>
-          <a:chExt cx="0" cy="0"/>
-        </a:xfrm>
-      </p:grpSpPr>
-      <p:sp>
-        <p:nvSpPr>
-          <p:cNvPr id="2" name="Titre 1"/>
-          <p:cNvSpPr>
-            <a:spLocks noGrp="1"/>
-          </p:cNvSpPr>
-          <p:nvPr>
-            <p:ph type="title"/>
-          </p:nvPr>
-        </p:nvSpPr>
-        <p:spPr/>
-        <p:txBody>
-          <a:bodyPr/>
-          <a:lstStyle/>
-          <a:p>
-            <a:r>
-              <a:rPr lang="fr-FR"/>
-              <a:t>Conclusion</a:t>
-            </a:r>
-          </a:p>
-        </p:txBody>
-      </p:sp>
-      <p:sp>
-        <p:nvSpPr>
-          <p:cNvPr id="3" name="Espace réservé du contenu 2"/>
-          <p:cNvSpPr>
-            <a:spLocks noGrp="1"/>
-          </p:cNvSpPr>
-          <p:nvPr>
-            <p:ph idx="1"/>
-          </p:nvPr>
-        </p:nvSpPr>
-        <p:spPr/>
-        <p:txBody>
-          <a:bodyPr/>
-          <a:lstStyle/>
-          <a:p>
-            <a:r>
-              <a:rPr lang="fr-FR"/>
-              <a:t>Agile methodology along our project</a:t>
-            </a:r>
-          </a:p>
-          <a:p>
-            <a:r>
-              <a:rPr lang="fr-FR"/>
-              <a:t>Poker method to </a:t>
-            </a:r>
-            <a:r>
-              <a:rPr lang="en-US"/>
-              <a:t>get a better estimation of the </a:t>
-            </a:r>
-            <a:r>
-              <a:rPr lang="fr-FR"/>
-              <a:t>workload</a:t>
-            </a:r>
-          </a:p>
-          <a:p>
-            <a:r>
-              <a:rPr lang="fr-FR"/>
-              <a:t>Analysis of Environment</a:t>
-            </a:r>
-          </a:p>
-          <a:p>
-            <a:pPr lvl="1"/>
-            <a:r>
-              <a:rPr lang="fr-FR"/>
-              <a:t>Internal and external resources</a:t>
-            </a:r>
-          </a:p>
-          <a:p>
-            <a:pPr lvl="1"/>
-            <a:r>
-              <a:rPr lang="fr-FR"/>
-              <a:t>Dates</a:t>
-            </a:r>
-          </a:p>
-          <a:p>
-            <a:pPr lvl="1"/>
-            <a:r>
-              <a:rPr lang="fr-FR"/>
-              <a:t>Risks</a:t>
-            </a:r>
-          </a:p>
-          <a:p>
-            <a:r>
-              <a:rPr lang="fr-FR"/>
-              <a:t>Schedule based on the aforementioned results</a:t>
-            </a:r>
-          </a:p>
-          <a:p>
-            <a:endParaRPr lang="fr-FR" i="1" u="sng"/>
-          </a:p>
-        </p:txBody>
-      </p:sp>
-      <p:sp>
-        <p:nvSpPr>
-          <p:cNvPr id="4" name="Slide Number Placeholder 3"/>
-          <p:cNvSpPr>
-            <a:spLocks noGrp="1"/>
-          </p:cNvSpPr>
-          <p:nvPr>
-            <p:ph type="sldNum" sz="quarter" idx="12"/>
-          </p:nvPr>
-        </p:nvSpPr>
-        <p:spPr/>
-        <p:txBody>
-          <a:bodyPr/>
-          <a:lstStyle/>
-          <a:p>
-            <a:fld id="{27C6CCC6-2BE5-4E42-96A4-D1E8E81A3D8E}" type="slidenum">
-              <a:rPr lang="de-DE" smtClean="0"/>
-              <a:t>12</a:t>
             </a:fld>
             <a:endParaRPr lang="de-DE"/>
           </a:p>
@@ -5553,240 +5478,49 @@
           <a:chExt cx="0" cy="0"/>
         </a:xfrm>
       </p:grpSpPr>
-      <p:sp>
-        <p:nvSpPr>
-          <p:cNvPr id="2" name="Titre 1"/>
-          <p:cNvSpPr>
-            <a:spLocks noGrp="1"/>
-          </p:cNvSpPr>
-          <p:nvPr>
-            <p:ph type="title"/>
-          </p:nvPr>
-        </p:nvSpPr>
-        <p:spPr/>
-        <p:txBody>
-          <a:bodyPr/>
-          <a:lstStyle/>
-          <a:p>
-            <a:r>
-              <a:rPr lang="fr-FR" dirty="0"/>
-              <a:t>Introduction</a:t>
-            </a:r>
-          </a:p>
-        </p:txBody>
-      </p:sp>
-      <p:sp>
-        <p:nvSpPr>
-          <p:cNvPr id="4" name="ZoneTexte 3"/>
-          <p:cNvSpPr txBox="1"/>
+      <p:pic>
+        <p:nvPicPr>
+          <p:cNvPr id="12" name="Image 3" descr="Arimaa.jpg"/>
+          <p:cNvPicPr>
+            <a:picLocks noChangeAspect="1"/>
+          </p:cNvPicPr>
           <p:nvPr/>
-        </p:nvSpPr>
+        </p:nvPicPr>
+        <p:blipFill>
+          <a:blip r:embed="rId3"/>
+          <a:stretch>
+            <a:fillRect/>
+          </a:stretch>
+        </p:blipFill>
         <p:spPr>
           <a:xfrm>
-            <a:off x="1814189" y="2652506"/>
-            <a:ext cx="2743200" cy="769441"/>
-          </a:xfrm>
-          <a:prstGeom prst="rect">
-            <a:avLst/>
-          </a:prstGeom>
-          <a:noFill/>
-        </p:spPr>
-        <p:style>
-          <a:lnRef idx="2">
-            <a:schemeClr val="accent5"/>
-          </a:lnRef>
-          <a:fillRef idx="1">
-            <a:schemeClr val="lt1"/>
-          </a:fillRef>
-          <a:effectRef idx="0">
-            <a:schemeClr val="accent5"/>
-          </a:effectRef>
-          <a:fontRef idx="minor">
-            <a:schemeClr val="dk1"/>
-          </a:fontRef>
-        </p:style>
-        <p:txBody>
-          <a:bodyPr rtlCol="0">
-            <a:spAutoFit/>
-          </a:bodyPr>
-          <a:lstStyle/>
-          <a:p>
-            <a:pPr algn="ctr"/>
-            <a:r>
-              <a:rPr lang="fr-FR" sz="4400" i="1" dirty="0">
-                <a:latin typeface="Comic Sans MS"/>
-              </a:rPr>
-              <a:t>ARIMAA</a:t>
-            </a:r>
-          </a:p>
-        </p:txBody>
-      </p:sp>
-      <p:sp>
-        <p:nvSpPr>
-          <p:cNvPr id="6" name="ZoneTexte 5"/>
-          <p:cNvSpPr txBox="1"/>
-          <p:nvPr/>
-        </p:nvSpPr>
-        <p:spPr>
-          <a:xfrm>
-            <a:off x="5272976" y="2504941"/>
-            <a:ext cx="5876199" cy="1231106"/>
+            <a:off x="6460434" y="1794733"/>
+            <a:ext cx="4638788" cy="4013543"/>
           </a:xfrm>
           <a:prstGeom prst="rect">
             <a:avLst/>
           </a:prstGeom>
         </p:spPr>
-        <p:txBody>
-          <a:bodyPr rtlCol="0">
-            <a:spAutoFit/>
-          </a:bodyPr>
+      </p:pic>
+      <p:sp>
+        <p:nvSpPr>
+          <p:cNvPr id="2" name="Titre 1"/>
+          <p:cNvSpPr>
+            <a:spLocks noGrp="1"/>
+          </p:cNvSpPr>
+          <p:nvPr>
+            <p:ph type="title"/>
+          </p:nvPr>
+        </p:nvSpPr>
+        <p:spPr/>
+        <p:txBody>
+          <a:bodyPr/>
           <a:lstStyle/>
           <a:p>
-            <a:pPr marL="285750" indent="-285750">
-              <a:buFont typeface="Arial" panose="020B0604020202020204" pitchFamily="34" charset="0"/>
-              <a:buChar char="•"/>
-            </a:pPr>
-            <a:r>
-              <a:rPr lang="en-US" sz="2800"/>
-              <a:t>Game not solved</a:t>
-            </a:r>
-          </a:p>
-          <a:p>
-            <a:pPr marL="285750" indent="-285750">
-              <a:buFont typeface="Arial" panose="020B0604020202020204" pitchFamily="34" charset="0"/>
-              <a:buChar char="•"/>
-            </a:pPr>
-            <a:endParaRPr lang="en-US"/>
-          </a:p>
-          <a:p>
-            <a:pPr marL="285750" indent="-285750">
-              <a:buFont typeface="Arial" panose="020B0604020202020204" pitchFamily="34" charset="0"/>
-              <a:buChar char="•"/>
-            </a:pPr>
-            <a:r>
-              <a:rPr lang="en-US" sz="2800"/>
-              <a:t>Made to be difficult for computers</a:t>
-            </a:r>
-            <a:endParaRPr lang="fr-FR" sz="2800">
-              <a:solidFill>
-                <a:srgbClr val="000000"/>
-              </a:solidFill>
-              <a:latin typeface="Calibri"/>
-            </a:endParaRPr>
-          </a:p>
-        </p:txBody>
-      </p:sp>
-      <p:sp>
-        <p:nvSpPr>
-          <p:cNvPr id="8" name="ZoneTexte 7"/>
-          <p:cNvSpPr txBox="1"/>
-          <p:nvPr/>
-        </p:nvSpPr>
-        <p:spPr>
-          <a:xfrm>
-            <a:off x="742950" y="1636713"/>
-            <a:ext cx="7721069" cy="523220"/>
-          </a:xfrm>
-          <a:prstGeom prst="rect">
-            <a:avLst/>
-          </a:prstGeom>
-        </p:spPr>
-        <p:txBody>
-          <a:bodyPr rtlCol="0">
-            <a:spAutoFit/>
-          </a:bodyPr>
-          <a:lstStyle/>
-          <a:p>
-            <a:pPr marL="285750" indent="-285750">
-              <a:buFont typeface="Arial" panose="020B0604020202020204" pitchFamily="34" charset="0"/>
-              <a:buChar char="•"/>
-            </a:pPr>
-            <a:r>
-              <a:rPr lang="fr-FR" sz="2800"/>
-              <a:t>Create an Artificial Intelligence</a:t>
-            </a:r>
-          </a:p>
-        </p:txBody>
-      </p:sp>
-      <p:sp>
-        <p:nvSpPr>
-          <p:cNvPr id="9" name="ZoneTexte 8"/>
-          <p:cNvSpPr txBox="1"/>
-          <p:nvPr/>
-        </p:nvSpPr>
-        <p:spPr>
-          <a:xfrm>
-            <a:off x="-100627" y="3881901"/>
-            <a:ext cx="4444270" cy="523220"/>
-          </a:xfrm>
-          <a:prstGeom prst="rect">
-            <a:avLst/>
-          </a:prstGeom>
-        </p:spPr>
-        <p:txBody>
-          <a:bodyPr rtlCol="0">
-            <a:spAutoFit/>
-          </a:bodyPr>
-          <a:lstStyle/>
-          <a:p>
-            <a:pPr marL="285750" indent="-285750" algn="ctr">
-              <a:buFont typeface="Arial" panose="020B0604020202020204" pitchFamily="34" charset="0"/>
-              <a:buChar char="•"/>
-            </a:pPr>
-            <a:r>
-              <a:rPr lang="fr-FR" sz="2800">
-                <a:solidFill>
-                  <a:srgbClr val="000000"/>
-                </a:solidFill>
-                <a:latin typeface="Calibri"/>
-                <a:cs typeface="Helvetica" charset="0"/>
-              </a:rPr>
-              <a:t>MCTS </a:t>
-            </a:r>
-            <a:r>
-              <a:rPr lang="fr-FR" sz="2800"/>
-              <a:t>Algorithm</a:t>
-            </a:r>
-            <a:endParaRPr lang="fr-FR"/>
-          </a:p>
-        </p:txBody>
-      </p:sp>
-      <p:sp>
-        <p:nvSpPr>
-          <p:cNvPr id="10" name="ZoneTexte 9"/>
-          <p:cNvSpPr txBox="1"/>
-          <p:nvPr/>
-        </p:nvSpPr>
-        <p:spPr>
-          <a:xfrm>
-            <a:off x="330694" y="4802052"/>
-            <a:ext cx="5608285" cy="523875"/>
-          </a:xfrm>
-          <a:prstGeom prst="rect">
-            <a:avLst/>
-          </a:prstGeom>
-        </p:spPr>
-        <p:txBody>
-          <a:bodyPr rtlCol="0">
-            <a:spAutoFit/>
-          </a:bodyPr>
-          <a:lstStyle/>
-          <a:p>
-            <a:pPr marL="285750" indent="-285750" algn="ctr">
-              <a:buFont typeface="Arial" panose="020B0604020202020204" pitchFamily="34" charset="0"/>
-              <a:buChar char="•"/>
-            </a:pPr>
-            <a:r>
-              <a:rPr lang="fr-FR" sz="2800">
-                <a:solidFill>
-                  <a:srgbClr val="000000"/>
-                </a:solidFill>
-                <a:latin typeface="Calibri"/>
-                <a:cs typeface="Helvetica" charset="0"/>
-              </a:rPr>
-              <a:t>Optimization by parallelization </a:t>
-            </a:r>
-            <a:endParaRPr lang="fr-FR"/>
+            <a:r>
+              <a:rPr lang="fr-FR" b="1" dirty="0"/>
+              <a:t>Introduction</a:t>
+            </a:r>
           </a:p>
         </p:txBody>
       </p:sp>
@@ -5810,6 +5544,169 @@
               <a:t>2</a:t>
             </a:fld>
             <a:endParaRPr lang="de-DE"/>
+          </a:p>
+        </p:txBody>
+      </p:sp>
+      <p:sp>
+        <p:nvSpPr>
+          <p:cNvPr id="11" name="Espace réservé du contenu 2"/>
+          <p:cNvSpPr>
+            <a:spLocks noGrp="1"/>
+          </p:cNvSpPr>
+          <p:nvPr>
+            <p:ph idx="1"/>
+          </p:nvPr>
+        </p:nvSpPr>
+        <p:spPr>
+          <a:xfrm>
+            <a:off x="631466" y="2110618"/>
+            <a:ext cx="6093529" cy="2571446"/>
+          </a:xfrm>
+        </p:spPr>
+        <p:txBody>
+          <a:bodyPr>
+            <a:noAutofit/>
+          </a:bodyPr>
+          <a:lstStyle/>
+          <a:p>
+            <a:r>
+              <a:rPr lang="fr-FR" sz="2400" dirty="0" err="1"/>
+              <a:t>Implementation</a:t>
+            </a:r>
+            <a:r>
+              <a:rPr lang="fr-FR" sz="2400" dirty="0"/>
+              <a:t> of an </a:t>
+            </a:r>
+            <a:r>
+              <a:rPr lang="fr-FR" sz="2400" dirty="0" err="1"/>
+              <a:t>artificial</a:t>
+            </a:r>
+            <a:r>
+              <a:rPr lang="fr-FR" sz="2400" dirty="0"/>
+              <a:t> intelligence for </a:t>
+            </a:r>
+            <a:r>
+              <a:rPr lang="fr-FR" sz="2400" dirty="0" err="1" smtClean="0"/>
+              <a:t>Arimaa</a:t>
+            </a:r>
+            <a:r>
+              <a:rPr lang="fr-FR" sz="2400" dirty="0" smtClean="0"/>
+              <a:t>.</a:t>
+            </a:r>
+          </a:p>
+          <a:p>
+            <a:pPr lvl="1">
+              <a:buFont typeface="Arial" panose="020B0604020202020204" pitchFamily="34" charset="0"/>
+              <a:buChar char="•"/>
+            </a:pPr>
+            <a:r>
+              <a:rPr lang="fr-FR" sz="2000" dirty="0" smtClean="0"/>
+              <a:t>Use of the </a:t>
+            </a:r>
+            <a:r>
+              <a:rPr lang="fr-FR" sz="2000" dirty="0"/>
+              <a:t>Monte </a:t>
+            </a:r>
+            <a:r>
+              <a:rPr lang="fr-FR" sz="2000" dirty="0" smtClean="0"/>
+              <a:t>Carlo </a:t>
+            </a:r>
+            <a:r>
+              <a:rPr lang="fr-FR" sz="2000" dirty="0" err="1"/>
+              <a:t>Tree</a:t>
+            </a:r>
+            <a:r>
+              <a:rPr lang="fr-FR" sz="2000" dirty="0"/>
+              <a:t> </a:t>
+            </a:r>
+            <a:r>
+              <a:rPr lang="fr-FR" sz="2000" dirty="0" err="1"/>
+              <a:t>Search</a:t>
+            </a:r>
+            <a:r>
+              <a:rPr lang="fr-FR" sz="2000" dirty="0"/>
+              <a:t> </a:t>
+            </a:r>
+            <a:r>
+              <a:rPr lang="fr-FR" sz="2000" dirty="0" err="1"/>
+              <a:t>algorithm</a:t>
+            </a:r>
+            <a:endParaRPr lang="fr-FR" sz="2000" dirty="0"/>
+          </a:p>
+          <a:p>
+            <a:pPr lvl="1">
+              <a:buFont typeface="Arial" panose="020B0604020202020204" pitchFamily="34" charset="0"/>
+              <a:buChar char="•"/>
+            </a:pPr>
+            <a:r>
+              <a:rPr lang="fr-FR" sz="2000" dirty="0"/>
+              <a:t>Exploitation of </a:t>
+            </a:r>
+            <a:r>
+              <a:rPr lang="en-US" sz="2000" dirty="0"/>
+              <a:t>parallelization on a set of clusters of </a:t>
+            </a:r>
+            <a:r>
+              <a:rPr lang="fr-FR" sz="2000" dirty="0"/>
+              <a:t>multi-</a:t>
+            </a:r>
+            <a:r>
+              <a:rPr lang="fr-FR" sz="2000" dirty="0" err="1"/>
+              <a:t>core</a:t>
+            </a:r>
+            <a:r>
+              <a:rPr lang="fr-FR" sz="2000" dirty="0"/>
+              <a:t> </a:t>
+            </a:r>
+            <a:r>
+              <a:rPr lang="fr-FR" sz="2000" dirty="0" smtClean="0"/>
+              <a:t>machines</a:t>
+            </a:r>
+          </a:p>
+          <a:p>
+            <a:pPr marL="320040" lvl="1" indent="0">
+              <a:buNone/>
+            </a:pPr>
+            <a:endParaRPr lang="fr-FR" sz="2000" dirty="0"/>
+          </a:p>
+          <a:p>
+            <a:r>
+              <a:rPr lang="fr-FR" sz="2400" dirty="0" err="1"/>
+              <a:t>Creation</a:t>
+            </a:r>
+            <a:r>
+              <a:rPr lang="fr-FR" sz="2400" dirty="0"/>
+              <a:t> of </a:t>
+            </a:r>
+            <a:r>
+              <a:rPr lang="fr-FR" sz="2400" dirty="0" smtClean="0"/>
+              <a:t>an </a:t>
+            </a:r>
+            <a:r>
+              <a:rPr lang="fr-FR" sz="2400" dirty="0"/>
+              <a:t>user interface to test the </a:t>
+            </a:r>
+            <a:r>
+              <a:rPr lang="fr-FR" sz="2400" dirty="0" err="1"/>
+              <a:t>algorithm</a:t>
+            </a:r>
+            <a:r>
+              <a:rPr lang="fr-FR" sz="2400" dirty="0"/>
+              <a:t> </a:t>
+            </a:r>
+            <a:r>
+              <a:rPr lang="fr-FR" sz="2400" dirty="0" err="1"/>
+              <a:t>against</a:t>
+            </a:r>
+            <a:r>
+              <a:rPr lang="fr-FR" sz="2400" dirty="0"/>
+              <a:t> </a:t>
+            </a:r>
+            <a:r>
+              <a:rPr lang="fr-FR" sz="2400" dirty="0" err="1"/>
+              <a:t>humans</a:t>
+            </a:r>
+            <a:endParaRPr lang="fr-FR" sz="2400" dirty="0"/>
           </a:p>
         </p:txBody>
       </p:sp>
@@ -6150,22 +6047,22 @@
           </a:lstStyle>
           <a:p>
             <a:r>
-              <a:rPr lang="en-US" dirty="0">
+              <a:rPr lang="en-US" b="1" dirty="0" smtClean="0">
                 <a:solidFill>
                   <a:srgbClr val="FF0000"/>
                 </a:solidFill>
               </a:rPr>
-              <a:t>Development </a:t>
-            </a:r>
-            <a:r>
-              <a:rPr lang="en-US" dirty="0" smtClean="0">
+              <a:t>1. Development </a:t>
+            </a:r>
+            <a:r>
+              <a:rPr lang="en-US" b="1" dirty="0" smtClean="0">
                 <a:solidFill>
                   <a:srgbClr val="FF0000"/>
                 </a:solidFill>
               </a:rPr>
               <a:t>Methodologies</a:t>
             </a:r>
-            <a:endParaRPr lang="fr-FR" dirty="0">
+            <a:endParaRPr lang="fr-FR" b="1" dirty="0">
               <a:solidFill>
                 <a:srgbClr val="FF0000"/>
               </a:solidFill>
@@ -6184,7 +6081,7 @@
     <a:masterClrMapping/>
   </p:clrMapOvr>
   <p:transition spd="slow">
-    <p:push/>
+    <p:push dir="u"/>
   </p:transition>
   <p:timing>
     <p:tnLst>
@@ -6303,63 +6200,6 @@
               <a:buNone/>
             </a:pPr>
             <a:endParaRPr lang="en-US" dirty="0"/>
-          </a:p>
-        </p:txBody>
-      </p:sp>
-      <p:sp>
-        <p:nvSpPr>
-          <p:cNvPr id="4" name="Titre 1"/>
-          <p:cNvSpPr txBox="1">
-            <a:spLocks/>
-          </p:cNvSpPr>
-          <p:nvPr/>
-        </p:nvSpPr>
-        <p:spPr>
-          <a:xfrm>
-            <a:off x="531976" y="340254"/>
-            <a:ext cx="10692221" cy="876623"/>
-          </a:xfrm>
-          <a:prstGeom prst="rect">
-            <a:avLst/>
-          </a:prstGeom>
-        </p:spPr>
-        <p:txBody>
-          <a:bodyPr vert="horz" lIns="91440" tIns="45720" rIns="91440" bIns="45720" rtlCol="0" anchor="ctr">
-            <a:normAutofit/>
-          </a:bodyPr>
-          <a:lstStyle>
-            <a:lvl1pPr algn="l" defTabSz="914400" rtl="0" eaLnBrk="1" latinLnBrk="0" hangingPunct="1">
-              <a:lnSpc>
-                <a:spcPct val="90000"/>
-              </a:lnSpc>
-              <a:spcBef>
-                <a:spcPct val="0"/>
-              </a:spcBef>
-              <a:buNone/>
-              <a:defRPr sz="4400" kern="1200">
-                <a:solidFill>
-                  <a:schemeClr val="tx1"/>
-                </a:solidFill>
-                <a:latin typeface="+mj-lt"/>
-                <a:ea typeface="+mj-ea"/>
-                <a:cs typeface="+mj-cs"/>
-              </a:defRPr>
-            </a:lvl1pPr>
-          </a:lstStyle>
-          <a:p>
-            <a:r>
-              <a:rPr lang="en-US" sz="4000" b="1" dirty="0">
-                <a:solidFill>
-                  <a:srgbClr val="FF0000"/>
-                </a:solidFill>
-              </a:rPr>
-              <a:t>Development Methodologies</a:t>
-            </a:r>
-            <a:endParaRPr lang="fr-FR" sz="4000" b="1" dirty="0">
-              <a:solidFill>
-                <a:srgbClr val="FF0000"/>
-              </a:solidFill>
-            </a:endParaRPr>
           </a:p>
         </p:txBody>
       </p:sp>
@@ -6416,6 +6256,124 @@
           </a:prstGeom>
         </p:spPr>
       </p:pic>
+      <p:sp>
+        <p:nvSpPr>
+          <p:cNvPr id="7" name="Titre 1"/>
+          <p:cNvSpPr txBox="1">
+            <a:spLocks/>
+          </p:cNvSpPr>
+          <p:nvPr/>
+        </p:nvSpPr>
+        <p:spPr>
+          <a:xfrm>
+            <a:off x="615043" y="0"/>
+            <a:ext cx="9753600" cy="1154097"/>
+          </a:xfrm>
+          <a:prstGeom prst="rect">
+            <a:avLst/>
+          </a:prstGeom>
+        </p:spPr>
+        <p:txBody>
+          <a:bodyPr vert="horz" lIns="91440" tIns="45720" rIns="91440" bIns="45720" rtlCol="0" anchor="b">
+            <a:normAutofit/>
+          </a:bodyPr>
+          <a:lstStyle>
+            <a:lvl1pPr algn="l" defTabSz="914400" rtl="0" eaLnBrk="1" latinLnBrk="0" hangingPunct="1">
+              <a:spcBef>
+                <a:spcPct val="0"/>
+              </a:spcBef>
+              <a:buNone/>
+              <a:defRPr sz="4000" kern="1200">
+                <a:solidFill>
+                  <a:schemeClr val="tx2"/>
+                </a:solidFill>
+                <a:latin typeface="+mj-lt"/>
+                <a:ea typeface="+mj-ea"/>
+                <a:cs typeface="+mj-cs"/>
+              </a:defRPr>
+            </a:lvl1pPr>
+            <a:lvl2pPr eaLnBrk="1" hangingPunct="1">
+              <a:defRPr>
+                <a:solidFill>
+                  <a:schemeClr val="tx2"/>
+                </a:solidFill>
+              </a:defRPr>
+            </a:lvl2pPr>
+            <a:lvl3pPr eaLnBrk="1" hangingPunct="1">
+              <a:defRPr>
+                <a:solidFill>
+                  <a:schemeClr val="tx2"/>
+                </a:solidFill>
+              </a:defRPr>
+            </a:lvl3pPr>
+            <a:lvl4pPr eaLnBrk="1" hangingPunct="1">
+              <a:defRPr>
+                <a:solidFill>
+                  <a:schemeClr val="tx2"/>
+                </a:solidFill>
+              </a:defRPr>
+            </a:lvl4pPr>
+            <a:lvl5pPr eaLnBrk="1" hangingPunct="1">
+              <a:defRPr>
+                <a:solidFill>
+                  <a:schemeClr val="tx2"/>
+                </a:solidFill>
+              </a:defRPr>
+            </a:lvl5pPr>
+            <a:lvl6pPr eaLnBrk="1" hangingPunct="1">
+              <a:defRPr>
+                <a:solidFill>
+                  <a:schemeClr val="tx2"/>
+                </a:solidFill>
+              </a:defRPr>
+            </a:lvl6pPr>
+            <a:lvl7pPr eaLnBrk="1" hangingPunct="1">
+              <a:defRPr>
+                <a:solidFill>
+                  <a:schemeClr val="tx2"/>
+                </a:solidFill>
+              </a:defRPr>
+            </a:lvl7pPr>
+            <a:lvl8pPr eaLnBrk="1" hangingPunct="1">
+              <a:defRPr>
+                <a:solidFill>
+                  <a:schemeClr val="tx2"/>
+                </a:solidFill>
+              </a:defRPr>
+            </a:lvl8pPr>
+            <a:lvl9pPr eaLnBrk="1" hangingPunct="1">
+              <a:defRPr>
+                <a:solidFill>
+                  <a:schemeClr val="tx2"/>
+                </a:solidFill>
+              </a:defRPr>
+            </a:lvl9pPr>
+          </a:lstStyle>
+          <a:p>
+            <a:r>
+              <a:rPr lang="en-US" b="1" dirty="0" smtClean="0">
+                <a:solidFill>
+                  <a:srgbClr val="FF0000"/>
+                </a:solidFill>
+              </a:rPr>
+              <a:t>1. Development </a:t>
+            </a:r>
+            <a:r>
+              <a:rPr lang="en-US" b="1" dirty="0" smtClean="0">
+                <a:solidFill>
+                  <a:srgbClr val="FF0000"/>
+                </a:solidFill>
+              </a:rPr>
+              <a:t>Methodologies</a:t>
+            </a:r>
+            <a:endParaRPr lang="fr-FR" b="1" dirty="0">
+              <a:solidFill>
+                <a:srgbClr val="FF0000"/>
+              </a:solidFill>
+            </a:endParaRPr>
+          </a:p>
+        </p:txBody>
+      </p:sp>
     </p:spTree>
     <p:extLst>
       <p:ext uri="{BB962C8B-B14F-4D97-AF65-F5344CB8AC3E}">
@@ -6617,63 +6575,6 @@
           </a:prstGeom>
         </p:spPr>
       </p:pic>
-      <p:sp>
-        <p:nvSpPr>
-          <p:cNvPr id="6" name="Titre 1"/>
-          <p:cNvSpPr txBox="1">
-            <a:spLocks/>
-          </p:cNvSpPr>
-          <p:nvPr/>
-        </p:nvSpPr>
-        <p:spPr>
-          <a:xfrm>
-            <a:off x="531976" y="340254"/>
-            <a:ext cx="10692221" cy="876623"/>
-          </a:xfrm>
-          <a:prstGeom prst="rect">
-            <a:avLst/>
-          </a:prstGeom>
-        </p:spPr>
-        <p:txBody>
-          <a:bodyPr vert="horz" lIns="91440" tIns="45720" rIns="91440" bIns="45720" rtlCol="0" anchor="ctr">
-            <a:normAutofit/>
-          </a:bodyPr>
-          <a:lstStyle>
-            <a:lvl1pPr algn="l" defTabSz="914400" rtl="0" eaLnBrk="1" latinLnBrk="0" hangingPunct="1">
-              <a:lnSpc>
-                <a:spcPct val="90000"/>
-              </a:lnSpc>
-              <a:spcBef>
-                <a:spcPct val="0"/>
-              </a:spcBef>
-              <a:buNone/>
-              <a:defRPr sz="4400" kern="1200">
-                <a:solidFill>
-                  <a:schemeClr val="tx1"/>
-                </a:solidFill>
-                <a:latin typeface="+mj-lt"/>
-                <a:ea typeface="+mj-ea"/>
-                <a:cs typeface="+mj-cs"/>
-              </a:defRPr>
-            </a:lvl1pPr>
-          </a:lstStyle>
-          <a:p>
-            <a:r>
-              <a:rPr lang="en-US" sz="4000" b="1" dirty="0">
-                <a:solidFill>
-                  <a:srgbClr val="FF0000"/>
-                </a:solidFill>
-              </a:rPr>
-              <a:t>Development Methodologies</a:t>
-            </a:r>
-            <a:endParaRPr lang="fr-FR" sz="4000" b="1" dirty="0">
-              <a:solidFill>
-                <a:srgbClr val="FF0000"/>
-              </a:solidFill>
-            </a:endParaRPr>
-          </a:p>
-        </p:txBody>
-      </p:sp>
       <p:sp>
         <p:nvSpPr>
           <p:cNvPr id="7" name="Slide Number Placeholder 6"/>
@@ -7149,6 +7050,124 @@
           </a:graphicData>
         </a:graphic>
       </p:graphicFrame>
+      <p:sp>
+        <p:nvSpPr>
+          <p:cNvPr id="9" name="Titre 1"/>
+          <p:cNvSpPr txBox="1">
+            <a:spLocks/>
+          </p:cNvSpPr>
+          <p:nvPr/>
+        </p:nvSpPr>
+        <p:spPr>
+          <a:xfrm>
+            <a:off x="615043" y="0"/>
+            <a:ext cx="9753600" cy="1154097"/>
+          </a:xfrm>
+          <a:prstGeom prst="rect">
+            <a:avLst/>
+          </a:prstGeom>
+        </p:spPr>
+        <p:txBody>
+          <a:bodyPr vert="horz" lIns="91440" tIns="45720" rIns="91440" bIns="45720" rtlCol="0" anchor="b">
+            <a:normAutofit/>
+          </a:bodyPr>
+          <a:lstStyle>
+            <a:lvl1pPr algn="l" defTabSz="914400" rtl="0" eaLnBrk="1" latinLnBrk="0" hangingPunct="1">
+              <a:spcBef>
+                <a:spcPct val="0"/>
+              </a:spcBef>
+              <a:buNone/>
+              <a:defRPr sz="4000" kern="1200">
+                <a:solidFill>
+                  <a:schemeClr val="tx2"/>
+                </a:solidFill>
+                <a:latin typeface="+mj-lt"/>
+                <a:ea typeface="+mj-ea"/>
+                <a:cs typeface="+mj-cs"/>
+              </a:defRPr>
+            </a:lvl1pPr>
+            <a:lvl2pPr eaLnBrk="1" hangingPunct="1">
+              <a:defRPr>
+                <a:solidFill>
+                  <a:schemeClr val="tx2"/>
+                </a:solidFill>
+              </a:defRPr>
+            </a:lvl2pPr>
+            <a:lvl3pPr eaLnBrk="1" hangingPunct="1">
+              <a:defRPr>
+                <a:solidFill>
+                  <a:schemeClr val="tx2"/>
+                </a:solidFill>
+              </a:defRPr>
+            </a:lvl3pPr>
+            <a:lvl4pPr eaLnBrk="1" hangingPunct="1">
+              <a:defRPr>
+                <a:solidFill>
+                  <a:schemeClr val="tx2"/>
+                </a:solidFill>
+              </a:defRPr>
+            </a:lvl4pPr>
+            <a:lvl5pPr eaLnBrk="1" hangingPunct="1">
+              <a:defRPr>
+                <a:solidFill>
+                  <a:schemeClr val="tx2"/>
+                </a:solidFill>
+              </a:defRPr>
+            </a:lvl5pPr>
+            <a:lvl6pPr eaLnBrk="1" hangingPunct="1">
+              <a:defRPr>
+                <a:solidFill>
+                  <a:schemeClr val="tx2"/>
+                </a:solidFill>
+              </a:defRPr>
+            </a:lvl6pPr>
+            <a:lvl7pPr eaLnBrk="1" hangingPunct="1">
+              <a:defRPr>
+                <a:solidFill>
+                  <a:schemeClr val="tx2"/>
+                </a:solidFill>
+              </a:defRPr>
+            </a:lvl7pPr>
+            <a:lvl8pPr eaLnBrk="1" hangingPunct="1">
+              <a:defRPr>
+                <a:solidFill>
+                  <a:schemeClr val="tx2"/>
+                </a:solidFill>
+              </a:defRPr>
+            </a:lvl8pPr>
+            <a:lvl9pPr eaLnBrk="1" hangingPunct="1">
+              <a:defRPr>
+                <a:solidFill>
+                  <a:schemeClr val="tx2"/>
+                </a:solidFill>
+              </a:defRPr>
+            </a:lvl9pPr>
+          </a:lstStyle>
+          <a:p>
+            <a:r>
+              <a:rPr lang="en-US" b="1" dirty="0" smtClean="0">
+                <a:solidFill>
+                  <a:srgbClr val="FF0000"/>
+                </a:solidFill>
+              </a:rPr>
+              <a:t>1. Development </a:t>
+            </a:r>
+            <a:r>
+              <a:rPr lang="en-US" b="1" dirty="0" smtClean="0">
+                <a:solidFill>
+                  <a:srgbClr val="FF0000"/>
+                </a:solidFill>
+              </a:rPr>
+              <a:t>Methodologies</a:t>
+            </a:r>
+            <a:endParaRPr lang="fr-FR" b="1" dirty="0">
+              <a:solidFill>
+                <a:srgbClr val="FF0000"/>
+              </a:solidFill>
+            </a:endParaRPr>
+          </a:p>
+        </p:txBody>
+      </p:sp>
     </p:spTree>
     <p:extLst>
       <p:ext uri="{BB962C8B-B14F-4D97-AF65-F5344CB8AC3E}">
@@ -7426,63 +7445,6 @@
       </p:sp>
       <p:sp>
         <p:nvSpPr>
-          <p:cNvPr id="6" name="Titre 1"/>
-          <p:cNvSpPr txBox="1">
-            <a:spLocks/>
-          </p:cNvSpPr>
-          <p:nvPr/>
-        </p:nvSpPr>
-        <p:spPr>
-          <a:xfrm>
-            <a:off x="531976" y="340254"/>
-            <a:ext cx="10692221" cy="876623"/>
-          </a:xfrm>
-          <a:prstGeom prst="rect">
-            <a:avLst/>
-          </a:prstGeom>
-        </p:spPr>
-        <p:txBody>
-          <a:bodyPr vert="horz" lIns="91440" tIns="45720" rIns="91440" bIns="45720" rtlCol="0" anchor="ctr">
-            <a:normAutofit/>
-          </a:bodyPr>
-          <a:lstStyle>
-            <a:lvl1pPr algn="l" defTabSz="914400" rtl="0" eaLnBrk="1" latinLnBrk="0" hangingPunct="1">
-              <a:lnSpc>
-                <a:spcPct val="90000"/>
-              </a:lnSpc>
-              <a:spcBef>
-                <a:spcPct val="0"/>
-              </a:spcBef>
-              <a:buNone/>
-              <a:defRPr sz="4400" kern="1200">
-                <a:solidFill>
-                  <a:schemeClr val="tx1"/>
-                </a:solidFill>
-                <a:latin typeface="+mj-lt"/>
-                <a:ea typeface="+mj-ea"/>
-                <a:cs typeface="+mj-cs"/>
-              </a:defRPr>
-            </a:lvl1pPr>
-          </a:lstStyle>
-          <a:p>
-            <a:r>
-              <a:rPr lang="en-US" sz="4000" b="1" dirty="0">
-                <a:solidFill>
-                  <a:srgbClr val="FF0000"/>
-                </a:solidFill>
-              </a:rPr>
-              <a:t>Development Methodologies</a:t>
-            </a:r>
-            <a:endParaRPr lang="fr-FR" sz="4000" b="1" dirty="0">
-              <a:solidFill>
-                <a:srgbClr val="FF0000"/>
-              </a:solidFill>
-            </a:endParaRPr>
-          </a:p>
-        </p:txBody>
-      </p:sp>
-      <p:sp>
-        <p:nvSpPr>
           <p:cNvPr id="7" name="Content Placeholder 2"/>
           <p:cNvSpPr txBox="1">
             <a:spLocks/>
@@ -7696,6 +7658,124 @@
               <a:buNone/>
             </a:pPr>
             <a:endParaRPr lang="en-US" dirty="0"/>
+          </a:p>
+        </p:txBody>
+      </p:sp>
+      <p:sp>
+        <p:nvSpPr>
+          <p:cNvPr id="9" name="Titre 1"/>
+          <p:cNvSpPr txBox="1">
+            <a:spLocks/>
+          </p:cNvSpPr>
+          <p:nvPr/>
+        </p:nvSpPr>
+        <p:spPr>
+          <a:xfrm>
+            <a:off x="615043" y="0"/>
+            <a:ext cx="9753600" cy="1154097"/>
+          </a:xfrm>
+          <a:prstGeom prst="rect">
+            <a:avLst/>
+          </a:prstGeom>
+        </p:spPr>
+        <p:txBody>
+          <a:bodyPr vert="horz" lIns="91440" tIns="45720" rIns="91440" bIns="45720" rtlCol="0" anchor="b">
+            <a:normAutofit/>
+          </a:bodyPr>
+          <a:lstStyle>
+            <a:lvl1pPr algn="l" defTabSz="914400" rtl="0" eaLnBrk="1" latinLnBrk="0" hangingPunct="1">
+              <a:spcBef>
+                <a:spcPct val="0"/>
+              </a:spcBef>
+              <a:buNone/>
+              <a:defRPr sz="4000" kern="1200">
+                <a:solidFill>
+                  <a:schemeClr val="tx2"/>
+                </a:solidFill>
+                <a:latin typeface="+mj-lt"/>
+                <a:ea typeface="+mj-ea"/>
+                <a:cs typeface="+mj-cs"/>
+              </a:defRPr>
+            </a:lvl1pPr>
+            <a:lvl2pPr eaLnBrk="1" hangingPunct="1">
+              <a:defRPr>
+                <a:solidFill>
+                  <a:schemeClr val="tx2"/>
+                </a:solidFill>
+              </a:defRPr>
+            </a:lvl2pPr>
+            <a:lvl3pPr eaLnBrk="1" hangingPunct="1">
+              <a:defRPr>
+                <a:solidFill>
+                  <a:schemeClr val="tx2"/>
+                </a:solidFill>
+              </a:defRPr>
+            </a:lvl3pPr>
+            <a:lvl4pPr eaLnBrk="1" hangingPunct="1">
+              <a:defRPr>
+                <a:solidFill>
+                  <a:schemeClr val="tx2"/>
+                </a:solidFill>
+              </a:defRPr>
+            </a:lvl4pPr>
+            <a:lvl5pPr eaLnBrk="1" hangingPunct="1">
+              <a:defRPr>
+                <a:solidFill>
+                  <a:schemeClr val="tx2"/>
+                </a:solidFill>
+              </a:defRPr>
+            </a:lvl5pPr>
+            <a:lvl6pPr eaLnBrk="1" hangingPunct="1">
+              <a:defRPr>
+                <a:solidFill>
+                  <a:schemeClr val="tx2"/>
+                </a:solidFill>
+              </a:defRPr>
+            </a:lvl6pPr>
+            <a:lvl7pPr eaLnBrk="1" hangingPunct="1">
+              <a:defRPr>
+                <a:solidFill>
+                  <a:schemeClr val="tx2"/>
+                </a:solidFill>
+              </a:defRPr>
+            </a:lvl7pPr>
+            <a:lvl8pPr eaLnBrk="1" hangingPunct="1">
+              <a:defRPr>
+                <a:solidFill>
+                  <a:schemeClr val="tx2"/>
+                </a:solidFill>
+              </a:defRPr>
+            </a:lvl8pPr>
+            <a:lvl9pPr eaLnBrk="1" hangingPunct="1">
+              <a:defRPr>
+                <a:solidFill>
+                  <a:schemeClr val="tx2"/>
+                </a:solidFill>
+              </a:defRPr>
+            </a:lvl9pPr>
+          </a:lstStyle>
+          <a:p>
+            <a:r>
+              <a:rPr lang="en-US" b="1" dirty="0" smtClean="0">
+                <a:solidFill>
+                  <a:srgbClr val="FF0000"/>
+                </a:solidFill>
+              </a:rPr>
+              <a:t>1. Development </a:t>
+            </a:r>
+            <a:r>
+              <a:rPr lang="en-US" b="1" dirty="0" smtClean="0">
+                <a:solidFill>
+                  <a:srgbClr val="FF0000"/>
+                </a:solidFill>
+              </a:rPr>
+              <a:t>Methodologies</a:t>
+            </a:r>
+            <a:endParaRPr lang="fr-FR" b="1" dirty="0">
+              <a:solidFill>
+                <a:srgbClr val="FF0000"/>
+              </a:solidFill>
+            </a:endParaRPr>
           </a:p>
         </p:txBody>
       </p:sp>
@@ -8187,9 +8267,14 @@
           <a:lstStyle/>
           <a:p>
             <a:r>
-              <a:rPr lang="fr-FR"/>
+              <a:rPr lang="fr-FR" b="1" dirty="0" smtClean="0"/>
+              <a:t>2. </a:t>
+            </a:r>
+            <a:r>
+              <a:rPr lang="fr-FR" b="1" dirty="0" err="1" smtClean="0"/>
               <a:t>Environment</a:t>
             </a:r>
+            <a:endParaRPr lang="fr-FR" b="1" dirty="0"/>
           </a:p>
         </p:txBody>
       </p:sp>
@@ -8203,37 +8288,44 @@
             <p:ph sz="quarter" idx="13"/>
           </p:nvPr>
         </p:nvSpPr>
-        <p:spPr/>
-        <p:txBody>
-          <a:bodyPr/>
+        <p:spPr>
+          <a:xfrm>
+            <a:off x="1235529" y="1812472"/>
+            <a:ext cx="4754880" cy="3593592"/>
+          </a:xfrm>
+        </p:spPr>
+        <p:txBody>
+          <a:bodyPr>
+            <a:normAutofit/>
+          </a:bodyPr>
           <a:lstStyle/>
           <a:p>
             <a:pPr marL="0" indent="0">
               <a:buNone/>
             </a:pPr>
             <a:r>
-              <a:rPr lang="en-US" b="1"/>
+              <a:rPr lang="en-US" sz="2400" b="1" dirty="0"/>
               <a:t>Human resources:</a:t>
             </a:r>
           </a:p>
           <a:p>
-            <a:endParaRPr lang="en-US"/>
-          </a:p>
-          <a:p>
-            <a:r>
-              <a:rPr lang="en-US"/>
+            <a:endParaRPr lang="en-US" sz="2400" dirty="0"/>
+          </a:p>
+          <a:p>
+            <a:r>
+              <a:rPr lang="en-US" sz="2400" dirty="0"/>
               <a:t>Team of 6 until January</a:t>
             </a:r>
           </a:p>
           <a:p>
-            <a:endParaRPr lang="en-US"/>
-          </a:p>
-          <a:p>
-            <a:r>
-              <a:rPr lang="en-US"/>
+            <a:endParaRPr lang="en-US" sz="2400" dirty="0"/>
+          </a:p>
+          <a:p>
+            <a:r>
+              <a:rPr lang="en-US" sz="2400" dirty="0"/>
               <a:t>Team of 3 after January</a:t>
             </a:r>
-            <a:endParaRPr lang="fr-FR"/>
+            <a:endParaRPr lang="fr-FR" sz="2400" dirty="0"/>
           </a:p>
         </p:txBody>
       </p:sp>
@@ -8247,41 +8339,48 @@
             <p:ph sz="quarter" idx="14"/>
           </p:nvPr>
         </p:nvSpPr>
-        <p:spPr/>
-        <p:txBody>
-          <a:bodyPr/>
+        <p:spPr>
+          <a:xfrm>
+            <a:off x="6225975" y="1771651"/>
+            <a:ext cx="4754880" cy="3595687"/>
+          </a:xfrm>
+        </p:spPr>
+        <p:txBody>
+          <a:bodyPr>
+            <a:normAutofit/>
+          </a:bodyPr>
           <a:lstStyle/>
           <a:p>
             <a:pPr marL="0" indent="0">
               <a:buNone/>
             </a:pPr>
             <a:r>
-              <a:rPr lang="en-US" b="1"/>
+              <a:rPr lang="en-US" sz="2400" b="1" dirty="0"/>
               <a:t>Technological resources:</a:t>
             </a:r>
           </a:p>
           <a:p>
-            <a:endParaRPr lang="en-US"/>
-          </a:p>
-          <a:p>
-            <a:r>
-              <a:rPr lang="en-US"/>
+            <a:endParaRPr lang="en-US" sz="2400" dirty="0"/>
+          </a:p>
+          <a:p>
+            <a:r>
+              <a:rPr lang="en-US" sz="2400" dirty="0"/>
               <a:t>Computers from INSA's computer science department</a:t>
             </a:r>
           </a:p>
           <a:p>
-            <a:endParaRPr lang="en-US"/>
-          </a:p>
-          <a:p>
-            <a:r>
-              <a:rPr lang="en-US" i="1"/>
+            <a:endParaRPr lang="en-US" sz="2400" dirty="0"/>
+          </a:p>
+          <a:p>
+            <a:r>
+              <a:rPr lang="en-US" sz="2400" i="1" dirty="0"/>
               <a:t>Grid'5000</a:t>
             </a:r>
             <a:r>
-              <a:rPr lang="en-US"/>
+              <a:rPr lang="en-US" sz="2400" dirty="0"/>
               <a:t>, a set of clusters of multi-core machines</a:t>
             </a:r>
-            <a:endParaRPr lang="fr-FR"/>
+            <a:endParaRPr lang="fr-FR" sz="2400" dirty="0"/>
           </a:p>
         </p:txBody>
       </p:sp>
@@ -8364,9 +8463,22 @@
           <a:lstStyle/>
           <a:p>
             <a:r>
-              <a:rPr lang="fr-FR"/>
-              <a:t>Risks analysis</a:t>
-            </a:r>
+              <a:rPr lang="fr-FR" b="1" dirty="0" smtClean="0"/>
+              <a:t>3. </a:t>
+            </a:r>
+            <a:r>
+              <a:rPr lang="fr-FR" b="1" dirty="0" err="1" smtClean="0"/>
+              <a:t>Risks</a:t>
+            </a:r>
+            <a:r>
+              <a:rPr lang="fr-FR" b="1" dirty="0" smtClean="0"/>
+              <a:t> </a:t>
+            </a:r>
+            <a:r>
+              <a:rPr lang="fr-FR" b="1" dirty="0" err="1"/>
+              <a:t>analysis</a:t>
+            </a:r>
+            <a:endParaRPr lang="fr-FR" b="1" dirty="0"/>
           </a:p>
         </p:txBody>
       </p:sp>
@@ -8382,103 +8494,120 @@
         </p:nvSpPr>
         <p:spPr>
           <a:xfrm>
-            <a:off x="838200" y="1825625"/>
-            <a:ext cx="3724275" cy="4351338"/>
+            <a:off x="1013726" y="2588080"/>
+            <a:ext cx="3724275" cy="2411639"/>
           </a:xfrm>
         </p:spPr>
         <p:txBody>
-          <a:bodyPr/>
+          <a:bodyPr>
+            <a:noAutofit/>
+          </a:bodyPr>
           <a:lstStyle/>
           <a:p>
-            <a:pPr marL="0" indent="0">
-              <a:buNone/>
+            <a:pPr marL="457200" indent="-457200">
+              <a:buFont typeface="+mj-lt"/>
+              <a:buAutoNum type="arabicPeriod"/>
             </a:pPr>
             <a:r>
-              <a:rPr lang="en-US">
+              <a:rPr lang="en-US" sz="2400" dirty="0" smtClean="0">
                 <a:solidFill>
                   <a:srgbClr val="000000"/>
                 </a:solidFill>
                 <a:latin typeface="Calibri"/>
               </a:rPr>
-              <a:t>Kinds of risk:</a:t>
-            </a:r>
-          </a:p>
-          <a:p>
-            <a:pPr marL="0" indent="0">
-              <a:buNone/>
-            </a:pPr>
-            <a:r>
-              <a:rPr lang="en-US">
-                <a:solidFill>
-                  <a:srgbClr val="000000"/>
-                </a:solidFill>
-                <a:latin typeface="Calibri"/>
-              </a:rPr>
-              <a:t>1) Resources</a:t>
-            </a:r>
-          </a:p>
-          <a:p>
-            <a:pPr marL="0" indent="0">
-              <a:buNone/>
-            </a:pPr>
-            <a:r>
-              <a:rPr lang="en-US">
-                <a:solidFill>
-                  <a:srgbClr val="000000"/>
-                </a:solidFill>
-                <a:latin typeface="Calibri"/>
-              </a:rPr>
-              <a:t>2) Organisation</a:t>
-            </a:r>
-          </a:p>
-          <a:p>
-            <a:pPr marL="0" indent="0">
-              <a:buNone/>
-            </a:pPr>
-            <a:r>
-              <a:rPr lang="en-US">
-                <a:solidFill>
-                  <a:srgbClr val="000000"/>
-                </a:solidFill>
-                <a:latin typeface="Calibri"/>
-              </a:rPr>
-              <a:t>3) Payments</a:t>
-            </a:r>
-          </a:p>
-          <a:p>
-            <a:pPr marL="0" indent="0">
-              <a:buNone/>
-            </a:pPr>
-            <a:r>
-              <a:rPr lang="en-US">
-                <a:solidFill>
-                  <a:srgbClr val="000000"/>
-                </a:solidFill>
-                <a:latin typeface="Calibri"/>
-              </a:rPr>
-              <a:t>4) Suppliers/Purchases</a:t>
-            </a:r>
-          </a:p>
-          <a:p>
-            <a:pPr marL="0" indent="0">
-              <a:buNone/>
-            </a:pPr>
-            <a:r>
-              <a:rPr lang="en-US">
-                <a:solidFill>
-                  <a:srgbClr val="000000"/>
-                </a:solidFill>
-                <a:latin typeface="Calibri"/>
-              </a:rPr>
-              <a:t>5) Technical</a:t>
-            </a:r>
-            <a:endParaRPr lang="fr-FR">
+              <a:t>Resources</a:t>
+            </a:r>
+            <a:endParaRPr lang="en-US" sz="2400" dirty="0">
               <a:solidFill>
                 <a:srgbClr val="000000"/>
               </a:solidFill>
               <a:latin typeface="Calibri"/>
             </a:endParaRPr>
           </a:p>
+          <a:p>
+            <a:pPr marL="457200" indent="-457200">
+              <a:buFont typeface="+mj-lt"/>
+              <a:buAutoNum type="arabicPeriod"/>
+            </a:pPr>
+            <a:r>
+              <a:rPr lang="en-US" sz="2400" dirty="0" err="1" smtClean="0">
+                <a:solidFill>
+                  <a:srgbClr val="000000"/>
+                </a:solidFill>
+                <a:latin typeface="Calibri"/>
+              </a:rPr>
+              <a:t>Organisation</a:t>
+            </a:r>
+            <a:endParaRPr lang="en-US" sz="2400" dirty="0">
+              <a:solidFill>
+                <a:srgbClr val="000000"/>
+              </a:solidFill>
+              <a:latin typeface="Calibri"/>
+            </a:endParaRPr>
+          </a:p>
+          <a:p>
+            <a:pPr marL="457200" indent="-457200">
+              <a:buFont typeface="+mj-lt"/>
+              <a:buAutoNum type="arabicPeriod"/>
+            </a:pPr>
+            <a:r>
+              <a:rPr lang="en-US" sz="2400" dirty="0" smtClean="0">
+                <a:solidFill>
+                  <a:srgbClr val="000000"/>
+                </a:solidFill>
+                <a:latin typeface="Calibri"/>
+              </a:rPr>
+              <a:t>Payments</a:t>
+            </a:r>
+            <a:endParaRPr lang="en-US" sz="2400" dirty="0">
+              <a:solidFill>
+                <a:srgbClr val="000000"/>
+              </a:solidFill>
+              <a:latin typeface="Calibri"/>
+            </a:endParaRPr>
+          </a:p>
+          <a:p>
+            <a:pPr marL="457200" indent="-457200">
+              <a:buFont typeface="+mj-lt"/>
+              <a:buAutoNum type="arabicPeriod"/>
+            </a:pPr>
+            <a:r>
+              <a:rPr lang="en-US" sz="2400" dirty="0" smtClean="0">
+                <a:solidFill>
+                  <a:srgbClr val="000000"/>
+                </a:solidFill>
+                <a:latin typeface="Calibri"/>
+              </a:rPr>
+              <a:t>Suppliers/Purchases</a:t>
+            </a:r>
+            <a:endParaRPr lang="en-US" sz="2400" dirty="0">
+              <a:solidFill>
+                <a:srgbClr val="000000"/>
+              </a:solidFill>
+              <a:latin typeface="Calibri"/>
+            </a:endParaRPr>
+          </a:p>
+          <a:p>
+            <a:pPr marL="457200" indent="-457200">
+              <a:buFont typeface="+mj-lt"/>
+              <a:buAutoNum type="arabicPeriod"/>
+            </a:pPr>
+            <a:r>
+              <a:rPr lang="en-US" sz="2400" dirty="0" smtClean="0">
+                <a:solidFill>
+                  <a:srgbClr val="000000"/>
+                </a:solidFill>
+                <a:latin typeface="Calibri"/>
+              </a:rPr>
+              <a:t>Technical</a:t>
+            </a:r>
+            <a:endParaRPr lang="fr-FR" sz="2400" dirty="0">
+              <a:solidFill>
+                <a:srgbClr val="000000"/>
+              </a:solidFill>
+              <a:latin typeface="Calibri"/>
+            </a:endParaRPr>
+          </a:p>
         </p:txBody>
       </p:sp>
       <p:sp>
@@ -8491,8 +8620,8 @@
         </p:nvSpPr>
         <p:spPr>
           <a:xfrm>
-            <a:off x="5324475" y="1819275"/>
-            <a:ext cx="6410325" cy="4351338"/>
+            <a:off x="4679492" y="2645230"/>
+            <a:ext cx="3819532" cy="2465614"/>
           </a:xfrm>
           <a:prstGeom prst="rect">
             <a:avLst/>
@@ -8667,11 +8796,23 @@
             </a:lvl9pPr>
           </a:lstStyle>
           <a:p>
-            <a:pPr marL="0" indent="0">
-              <a:buFont typeface="Arial" panose="020B0604020202020204" pitchFamily="34" charset="0"/>
-              <a:buNone/>
+            <a:pPr>
+              <a:buClr>
+                <a:srgbClr val="FF3300"/>
+              </a:buClr>
+              <a:buFont typeface="Wingdings" panose="05000000000000000000" pitchFamily="2" charset="2"/>
+              <a:buChar char="Ø"/>
             </a:pPr>
-            <a:endParaRPr lang="en-US">
+            <a:r>
+              <a:rPr lang="en-US" sz="2400" dirty="0" smtClean="0">
+                <a:solidFill>
+                  <a:srgbClr val="000000"/>
+                </a:solidFill>
+                <a:latin typeface="Calibri"/>
+              </a:rPr>
+              <a:t> Unavoidable</a:t>
+            </a:r>
+            <a:endParaRPr lang="en-US" sz="2400" dirty="0">
               <a:solidFill>
                 <a:srgbClr val="000000"/>
               </a:solidFill>
@@ -8679,64 +8820,85 @@
             </a:endParaRPr>
           </a:p>
           <a:p>
-            <a:pPr marL="0" indent="0">
-              <a:buFont typeface="Arial" panose="020B0604020202020204" pitchFamily="34" charset="0"/>
-              <a:buNone/>
+            <a:pPr>
+              <a:buClr>
+                <a:srgbClr val="FF3300"/>
+              </a:buClr>
+              <a:buFont typeface="Wingdings" panose="05000000000000000000" pitchFamily="2" charset="2"/>
+              <a:buChar char="ü"/>
             </a:pPr>
             <a:r>
-              <a:rPr lang="en-US">
+              <a:rPr lang="en-US" sz="2400" dirty="0" smtClean="0">
                 <a:solidFill>
                   <a:srgbClr val="000000"/>
                 </a:solidFill>
                 <a:latin typeface="Calibri"/>
               </a:rPr>
-              <a:t>=&gt; unavoidable</a:t>
-            </a:r>
-          </a:p>
-          <a:p>
-            <a:pPr marL="0" indent="0">
-              <a:buFont typeface="Arial" panose="020B0604020202020204" pitchFamily="34" charset="0"/>
-              <a:buNone/>
+              <a:t>None</a:t>
+            </a:r>
+            <a:endParaRPr lang="en-US" sz="2400" dirty="0">
+              <a:solidFill>
+                <a:srgbClr val="000000"/>
+              </a:solidFill>
+              <a:latin typeface="Calibri"/>
+            </a:endParaRPr>
+          </a:p>
+          <a:p>
+            <a:pPr>
+              <a:buClr>
+                <a:srgbClr val="FF3300"/>
+              </a:buClr>
+              <a:buFont typeface="Wingdings" panose="05000000000000000000" pitchFamily="2" charset="2"/>
+              <a:buChar char="ü"/>
             </a:pPr>
             <a:r>
-              <a:rPr lang="en-US">
-                <a:solidFill>
-                  <a:srgbClr val="000000"/>
-                </a:solidFill>
-                <a:latin typeface="Calibri"/>
-              </a:rPr>
-              <a:t>=&gt; none</a:t>
-            </a:r>
-          </a:p>
-          <a:p>
-            <a:pPr marL="0" indent="0">
-              <a:buFont typeface="Arial" panose="020B0604020202020204" pitchFamily="34" charset="0"/>
-              <a:buNone/>
-            </a:pPr>
-            <a:r>
-              <a:rPr lang="en-US">
+              <a:rPr lang="en-US" sz="2400" dirty="0" smtClean="0">
                 <a:solidFill>
                   <a:srgbClr val="000000"/>
                 </a:solidFill>
                 <a:latin typeface="Calibri" charset="0"/>
               </a:rPr>
-              <a:t>=&gt; none</a:t>
-            </a:r>
-          </a:p>
-          <a:p>
-            <a:pPr marL="0" indent="0">
-              <a:buFont typeface="Arial" panose="020B0604020202020204" pitchFamily="34" charset="0"/>
-              <a:buNone/>
+              <a:t>None</a:t>
+            </a:r>
+            <a:endParaRPr lang="en-US" sz="2400" dirty="0">
+              <a:solidFill>
+                <a:srgbClr val="000000"/>
+              </a:solidFill>
+              <a:latin typeface="Calibri" charset="0"/>
+            </a:endParaRPr>
+          </a:p>
+          <a:p>
+            <a:pPr>
+              <a:buClr>
+                <a:srgbClr val="FF3300"/>
+              </a:buClr>
+              <a:buFont typeface="Wingdings" panose="05000000000000000000" pitchFamily="2" charset="2"/>
+              <a:buChar char="ü"/>
             </a:pPr>
             <a:r>
-              <a:rPr lang="en-US">
+              <a:rPr lang="en-US" sz="2400" dirty="0">
                 <a:solidFill>
                   <a:srgbClr val="000000"/>
                 </a:solidFill>
                 <a:latin typeface="Calibri" charset="0"/>
               </a:rPr>
-              <a:t>=&gt; none</a:t>
-            </a:r>
+              <a:t>N</a:t>
+            </a:r>
+            <a:r>
+              <a:rPr lang="en-US" sz="2400" dirty="0" smtClean="0">
+                <a:solidFill>
+                  <a:srgbClr val="000000"/>
+                </a:solidFill>
+                <a:latin typeface="Calibri" charset="0"/>
+              </a:rPr>
+              <a:t>one</a:t>
+            </a:r>
+            <a:endParaRPr lang="en-US" sz="2400" dirty="0">
+              <a:solidFill>
+                <a:srgbClr val="000000"/>
+              </a:solidFill>
+              <a:latin typeface="Calibri" charset="0"/>
+            </a:endParaRPr>
           </a:p>
         </p:txBody>
       </p:sp>
@@ -8760,6 +8922,460 @@
               <a:t>8</a:t>
             </a:fld>
             <a:endParaRPr lang="de-DE"/>
+          </a:p>
+        </p:txBody>
+      </p:sp>
+      <p:sp>
+        <p:nvSpPr>
+          <p:cNvPr id="6" name="TextBox 5"/>
+          <p:cNvSpPr txBox="1"/>
+          <p:nvPr/>
+        </p:nvSpPr>
+        <p:spPr>
+          <a:xfrm>
+            <a:off x="1102178" y="1714853"/>
+            <a:ext cx="4335235" cy="523220"/>
+          </a:xfrm>
+          <a:prstGeom prst="rect">
+            <a:avLst/>
+          </a:prstGeom>
+          <a:noFill/>
+        </p:spPr>
+        <p:txBody>
+          <a:bodyPr wrap="square" rtlCol="0">
+            <a:spAutoFit/>
+          </a:bodyPr>
+          <a:lstStyle/>
+          <a:p>
+            <a:r>
+              <a:rPr lang="en-US" sz="2800" dirty="0">
+                <a:solidFill>
+                  <a:srgbClr val="FF3300"/>
+                </a:solidFill>
+              </a:rPr>
+              <a:t>Kinds of </a:t>
+            </a:r>
+            <a:r>
+              <a:rPr lang="en-US" sz="2800" dirty="0" smtClean="0">
+                <a:solidFill>
+                  <a:srgbClr val="FF3300"/>
+                </a:solidFill>
+              </a:rPr>
+              <a:t>risk :</a:t>
+            </a:r>
+            <a:endParaRPr lang="en-US" sz="2800" dirty="0">
+              <a:solidFill>
+                <a:srgbClr val="FF3300"/>
+              </a:solidFill>
+            </a:endParaRPr>
+          </a:p>
+        </p:txBody>
+      </p:sp>
+      <p:sp>
+        <p:nvSpPr>
+          <p:cNvPr id="9" name="Espace réservé du contenu 2"/>
+          <p:cNvSpPr txBox="1">
+            <a:spLocks/>
+          </p:cNvSpPr>
+          <p:nvPr/>
+        </p:nvSpPr>
+        <p:spPr>
+          <a:xfrm>
+            <a:off x="1981200" y="2808513"/>
+            <a:ext cx="9220200" cy="3838349"/>
+          </a:xfrm>
+          <a:prstGeom prst="rect">
+            <a:avLst/>
+          </a:prstGeom>
+        </p:spPr>
+        <p:txBody>
+          <a:bodyPr vert="horz" lIns="91440" tIns="45720" rIns="91440" bIns="45720" rtlCol="0">
+            <a:normAutofit/>
+          </a:bodyPr>
+          <a:lstStyle>
+            <a:lvl1pPr marL="228600" indent="-228600" algn="l" defTabSz="914400" rtl="0" eaLnBrk="1" latinLnBrk="0" hangingPunct="1">
+              <a:lnSpc>
+                <a:spcPct val="90000"/>
+              </a:lnSpc>
+              <a:spcBef>
+                <a:spcPts val="1000"/>
+              </a:spcBef>
+              <a:buFont typeface="Arial" panose="020B0604020202020204" pitchFamily="34" charset="0"/>
+              <a:buChar char="•"/>
+              <a:defRPr sz="2800" kern="1200">
+                <a:solidFill>
+                  <a:schemeClr val="tx1"/>
+                </a:solidFill>
+                <a:latin typeface="+mn-lt"/>
+                <a:ea typeface="+mn-ea"/>
+                <a:cs typeface="+mn-cs"/>
+              </a:defRPr>
+            </a:lvl1pPr>
+            <a:lvl2pPr marL="685800" indent="-228600" algn="l" defTabSz="914400" rtl="0" eaLnBrk="1" latinLnBrk="0" hangingPunct="1">
+              <a:lnSpc>
+                <a:spcPct val="90000"/>
+              </a:lnSpc>
+              <a:spcBef>
+                <a:spcPts val="500"/>
+              </a:spcBef>
+              <a:buFont typeface="Arial" panose="020B0604020202020204" pitchFamily="34" charset="0"/>
+              <a:buChar char="•"/>
+              <a:defRPr sz="2400" kern="1200">
+                <a:solidFill>
+                  <a:schemeClr val="tx1"/>
+                </a:solidFill>
+                <a:latin typeface="+mn-lt"/>
+                <a:ea typeface="+mn-ea"/>
+                <a:cs typeface="+mn-cs"/>
+              </a:defRPr>
+            </a:lvl2pPr>
+            <a:lvl3pPr marL="1143000" indent="-228600" algn="l" defTabSz="914400" rtl="0" eaLnBrk="1" latinLnBrk="0" hangingPunct="1">
+              <a:lnSpc>
+                <a:spcPct val="90000"/>
+              </a:lnSpc>
+              <a:spcBef>
+                <a:spcPts val="500"/>
+              </a:spcBef>
+              <a:buFont typeface="Arial" panose="020B0604020202020204" pitchFamily="34" charset="0"/>
+              <a:buChar char="•"/>
+              <a:defRPr sz="2000" kern="1200">
+                <a:solidFill>
+                  <a:schemeClr val="tx1"/>
+                </a:solidFill>
+                <a:latin typeface="+mn-lt"/>
+                <a:ea typeface="+mn-ea"/>
+                <a:cs typeface="+mn-cs"/>
+              </a:defRPr>
+            </a:lvl3pPr>
+            <a:lvl4pPr marL="1600200" indent="-228600" algn="l" defTabSz="914400" rtl="0" eaLnBrk="1" latinLnBrk="0" hangingPunct="1">
+              <a:lnSpc>
+                <a:spcPct val="90000"/>
+              </a:lnSpc>
+              <a:spcBef>
+                <a:spcPts val="500"/>
+              </a:spcBef>
+              <a:buFont typeface="Arial" panose="020B0604020202020204" pitchFamily="34" charset="0"/>
+              <a:buChar char="•"/>
+              <a:defRPr sz="1800" kern="1200">
+                <a:solidFill>
+                  <a:schemeClr val="tx1"/>
+                </a:solidFill>
+                <a:latin typeface="+mn-lt"/>
+                <a:ea typeface="+mn-ea"/>
+                <a:cs typeface="+mn-cs"/>
+              </a:defRPr>
+            </a:lvl4pPr>
+            <a:lvl5pPr marL="2057400" indent="-228600" algn="l" defTabSz="914400" rtl="0" eaLnBrk="1" latinLnBrk="0" hangingPunct="1">
+              <a:lnSpc>
+                <a:spcPct val="90000"/>
+              </a:lnSpc>
+              <a:spcBef>
+                <a:spcPts val="500"/>
+              </a:spcBef>
+              <a:buFont typeface="Arial" panose="020B0604020202020204" pitchFamily="34" charset="0"/>
+              <a:buChar char="•"/>
+              <a:defRPr sz="1800" kern="1200">
+                <a:solidFill>
+                  <a:schemeClr val="tx1"/>
+                </a:solidFill>
+                <a:latin typeface="+mn-lt"/>
+                <a:ea typeface="+mn-ea"/>
+                <a:cs typeface="+mn-cs"/>
+              </a:defRPr>
+            </a:lvl5pPr>
+            <a:lvl6pPr marL="2514600" indent="-228600" algn="l" defTabSz="914400" rtl="0" eaLnBrk="1" latinLnBrk="0" hangingPunct="1">
+              <a:lnSpc>
+                <a:spcPct val="90000"/>
+              </a:lnSpc>
+              <a:spcBef>
+                <a:spcPts val="500"/>
+              </a:spcBef>
+              <a:buFont typeface="Arial" panose="020B0604020202020204" pitchFamily="34" charset="0"/>
+              <a:buChar char="•"/>
+              <a:defRPr sz="1800" kern="1200">
+                <a:solidFill>
+                  <a:schemeClr val="tx1"/>
+                </a:solidFill>
+                <a:latin typeface="+mn-lt"/>
+                <a:ea typeface="+mn-ea"/>
+                <a:cs typeface="+mn-cs"/>
+              </a:defRPr>
+            </a:lvl6pPr>
+            <a:lvl7pPr marL="2971800" indent="-228600" algn="l" defTabSz="914400" rtl="0" eaLnBrk="1" latinLnBrk="0" hangingPunct="1">
+              <a:lnSpc>
+                <a:spcPct val="90000"/>
+              </a:lnSpc>
+              <a:spcBef>
+                <a:spcPts val="500"/>
+              </a:spcBef>
+              <a:buFont typeface="Arial" panose="020B0604020202020204" pitchFamily="34" charset="0"/>
+              <a:buChar char="•"/>
+              <a:defRPr sz="1800" kern="1200">
+                <a:solidFill>
+                  <a:schemeClr val="tx1"/>
+                </a:solidFill>
+                <a:latin typeface="+mn-lt"/>
+                <a:ea typeface="+mn-ea"/>
+                <a:cs typeface="+mn-cs"/>
+              </a:defRPr>
+            </a:lvl7pPr>
+            <a:lvl8pPr marL="3429000" indent="-228600" algn="l" defTabSz="914400" rtl="0" eaLnBrk="1" latinLnBrk="0" hangingPunct="1">
+              <a:lnSpc>
+                <a:spcPct val="90000"/>
+              </a:lnSpc>
+              <a:spcBef>
+                <a:spcPts val="500"/>
+              </a:spcBef>
+              <a:buFont typeface="Arial" panose="020B0604020202020204" pitchFamily="34" charset="0"/>
+              <a:buChar char="•"/>
+              <a:defRPr sz="1800" kern="1200">
+                <a:solidFill>
+                  <a:schemeClr val="tx1"/>
+                </a:solidFill>
+                <a:latin typeface="+mn-lt"/>
+                <a:ea typeface="+mn-ea"/>
+                <a:cs typeface="+mn-cs"/>
+              </a:defRPr>
+            </a:lvl8pPr>
+            <a:lvl9pPr marL="3886200" indent="-228600" algn="l" defTabSz="914400" rtl="0" eaLnBrk="1" latinLnBrk="0" hangingPunct="1">
+              <a:lnSpc>
+                <a:spcPct val="90000"/>
+              </a:lnSpc>
+              <a:spcBef>
+                <a:spcPts val="500"/>
+              </a:spcBef>
+              <a:buFont typeface="Arial" panose="020B0604020202020204" pitchFamily="34" charset="0"/>
+              <a:buChar char="•"/>
+              <a:defRPr sz="1800" kern="1200">
+                <a:solidFill>
+                  <a:schemeClr val="tx1"/>
+                </a:solidFill>
+                <a:latin typeface="+mn-lt"/>
+                <a:ea typeface="+mn-ea"/>
+                <a:cs typeface="+mn-cs"/>
+              </a:defRPr>
+            </a:lvl9pPr>
+          </a:lstStyle>
+          <a:p>
+            <a:pPr marL="0" indent="0">
+              <a:buFont typeface="Arial" panose="020B0604020202020204" pitchFamily="34" charset="0"/>
+              <a:buNone/>
+            </a:pPr>
+            <a:endParaRPr lang="en-US" sz="2400" dirty="0">
+              <a:solidFill>
+                <a:srgbClr val="000000"/>
+              </a:solidFill>
+            </a:endParaRPr>
+          </a:p>
+          <a:p>
+            <a:pPr>
+              <a:buClr>
+                <a:srgbClr val="FF3300"/>
+              </a:buClr>
+              <a:buFont typeface="Wingdings" panose="05000000000000000000" pitchFamily="2" charset="2"/>
+              <a:buChar char="q"/>
+            </a:pPr>
+            <a:r>
+              <a:rPr lang="en-US" sz="2400" dirty="0" smtClean="0">
+                <a:solidFill>
+                  <a:srgbClr val="000000"/>
+                </a:solidFill>
+              </a:rPr>
+              <a:t> Unexpected </a:t>
+            </a:r>
+            <a:r>
+              <a:rPr lang="en-US" sz="2400" dirty="0">
+                <a:solidFill>
+                  <a:srgbClr val="000000"/>
+                </a:solidFill>
+              </a:rPr>
+              <a:t>bugs can occur during the </a:t>
+            </a:r>
+            <a:r>
+              <a:rPr lang="en-US" sz="2400" dirty="0" smtClean="0">
+                <a:solidFill>
+                  <a:srgbClr val="000000"/>
+                </a:solidFill>
+              </a:rPr>
+              <a:t>development</a:t>
+            </a:r>
+          </a:p>
+          <a:p>
+            <a:pPr>
+              <a:buClr>
+                <a:srgbClr val="FF3300"/>
+              </a:buClr>
+              <a:buFont typeface="Wingdings" panose="05000000000000000000" pitchFamily="2" charset="2"/>
+              <a:buChar char="q"/>
+            </a:pPr>
+            <a:endParaRPr lang="en-US" sz="2400" dirty="0" smtClean="0">
+              <a:solidFill>
+                <a:srgbClr val="000000"/>
+              </a:solidFill>
+            </a:endParaRPr>
+          </a:p>
+          <a:p>
+            <a:pPr>
+              <a:buClr>
+                <a:srgbClr val="FF3300"/>
+              </a:buClr>
+              <a:buFont typeface="Wingdings" panose="05000000000000000000" pitchFamily="2" charset="2"/>
+              <a:buChar char="q"/>
+            </a:pPr>
+            <a:endParaRPr lang="en-US" sz="2400" dirty="0">
+              <a:solidFill>
+                <a:srgbClr val="000000"/>
+              </a:solidFill>
+            </a:endParaRPr>
+          </a:p>
+          <a:p>
+            <a:pPr>
+              <a:buClr>
+                <a:srgbClr val="FF3300"/>
+              </a:buClr>
+              <a:buFont typeface="Wingdings" panose="05000000000000000000" pitchFamily="2" charset="2"/>
+              <a:buChar char="q"/>
+            </a:pPr>
+            <a:r>
+              <a:rPr lang="en-US" sz="2400" dirty="0" smtClean="0">
+                <a:solidFill>
+                  <a:srgbClr val="000000"/>
+                </a:solidFill>
+              </a:rPr>
+              <a:t> Interoperability problem</a:t>
+            </a:r>
+          </a:p>
+          <a:p>
+            <a:pPr marL="457200" lvl="1" indent="0">
+              <a:buClr>
+                <a:srgbClr val="FF3300"/>
+              </a:buClr>
+              <a:buNone/>
+            </a:pPr>
+            <a:r>
+              <a:rPr lang="en-US" sz="2000" dirty="0">
+                <a:solidFill>
+                  <a:srgbClr val="000000"/>
+                </a:solidFill>
+              </a:rPr>
+              <a:t>	</a:t>
+            </a:r>
+            <a:r>
+              <a:rPr lang="en-US" sz="2000" dirty="0" smtClean="0">
+                <a:solidFill>
+                  <a:srgbClr val="000000"/>
+                </a:solidFill>
+              </a:rPr>
+              <a:t>(Grid'5000 </a:t>
+            </a:r>
+            <a:r>
+              <a:rPr lang="en-US" sz="2000" dirty="0">
+                <a:solidFill>
+                  <a:srgbClr val="000000"/>
+                </a:solidFill>
+              </a:rPr>
+              <a:t>= </a:t>
+            </a:r>
+            <a:r>
+              <a:rPr lang="en-US" sz="2000" dirty="0" err="1">
+                <a:solidFill>
+                  <a:srgbClr val="000000"/>
+                </a:solidFill>
+              </a:rPr>
+              <a:t>linux</a:t>
+            </a:r>
+            <a:r>
+              <a:rPr lang="en-US" sz="2000" dirty="0">
+                <a:solidFill>
+                  <a:srgbClr val="000000"/>
+                </a:solidFill>
+              </a:rPr>
+              <a:t>, we currently use Windows)</a:t>
+            </a:r>
+          </a:p>
+          <a:p>
+            <a:pPr marL="0" indent="0">
+              <a:buFont typeface="Arial" panose="020B0604020202020204" pitchFamily="34" charset="0"/>
+              <a:buNone/>
+            </a:pPr>
+            <a:endParaRPr lang="en-US" sz="2400" dirty="0">
+              <a:solidFill>
+                <a:srgbClr val="000000"/>
+              </a:solidFill>
+            </a:endParaRPr>
+          </a:p>
+          <a:p>
+            <a:pPr marL="0" indent="0">
+              <a:buFont typeface="Arial" panose="020B0604020202020204" pitchFamily="34" charset="0"/>
+              <a:buNone/>
+            </a:pPr>
+            <a:endParaRPr lang="en-US" sz="2400" dirty="0">
+              <a:solidFill>
+                <a:srgbClr val="000000"/>
+              </a:solidFill>
+            </a:endParaRPr>
+          </a:p>
+        </p:txBody>
+      </p:sp>
+      <p:sp>
+        <p:nvSpPr>
+          <p:cNvPr id="10" name="ZoneTexte 4"/>
+          <p:cNvSpPr txBox="1"/>
+          <p:nvPr/>
+        </p:nvSpPr>
+        <p:spPr>
+          <a:xfrm>
+            <a:off x="2505084" y="3648478"/>
+            <a:ext cx="7038975" cy="461665"/>
+          </a:xfrm>
+          <a:prstGeom prst="rect">
+            <a:avLst/>
+          </a:prstGeom>
+        </p:spPr>
+        <p:txBody>
+          <a:bodyPr rtlCol="0">
+            <a:spAutoFit/>
+          </a:bodyPr>
+          <a:lstStyle/>
+          <a:p>
+            <a:r>
+              <a:rPr lang="en-US" sz="2400" dirty="0"/>
+              <a:t>Solution : dedicate enough time to fix them.</a:t>
+            </a:r>
+            <a:endParaRPr lang="fr-FR" sz="2400" dirty="0"/>
+          </a:p>
+        </p:txBody>
+      </p:sp>
+      <p:sp>
+        <p:nvSpPr>
+          <p:cNvPr id="11" name="ZoneTexte 5"/>
+          <p:cNvSpPr txBox="1"/>
+          <p:nvPr/>
+        </p:nvSpPr>
+        <p:spPr>
+          <a:xfrm>
+            <a:off x="2505084" y="5478190"/>
+            <a:ext cx="9229725" cy="461665"/>
+          </a:xfrm>
+          <a:prstGeom prst="rect">
+            <a:avLst/>
+          </a:prstGeom>
+        </p:spPr>
+        <p:txBody>
+          <a:bodyPr rtlCol="0">
+            <a:spAutoFit/>
+          </a:bodyPr>
+          <a:lstStyle/>
+          <a:p>
+            <a:r>
+              <a:rPr lang="en-US" sz="2400" dirty="0"/>
+              <a:t>Solution : regular tests at the computer science </a:t>
+            </a:r>
+            <a:r>
+              <a:rPr lang="en-US" sz="2400" dirty="0" smtClean="0"/>
+              <a:t>department.</a:t>
+            </a:r>
+            <a:endParaRPr lang="fr-FR" sz="2400" dirty="0"/>
           </a:p>
         </p:txBody>
       </p:sp>
@@ -8797,7 +9413,7 @@
                             </p:stCondLst>
                             <p:childTnLst>
                               <p:par>
-                                <p:cTn id="5" presetID="2" presetClass="entr" presetSubtype="8" fill="hold" grpId="0" nodeType="clickEffect">
+                                <p:cTn id="5" presetID="42" presetClass="entr" presetSubtype="0" fill="hold" grpId="0" nodeType="clickEffect">
                                   <p:stCondLst>
                                     <p:cond delay="0"/>
                                   </p:stCondLst>
@@ -8820,11 +9436,361 @@
                                         <p:strVal val="visible"/>
                                       </p:to>
                                     </p:set>
+                                    <p:animEffect transition="in" filter="fade">
+                                      <p:cBhvr>
+                                        <p:cTn id="7" dur="1000"/>
+                                        <p:tgtEl>
+                                          <p:spTgt spid="4"/>
+                                        </p:tgtEl>
+                                      </p:cBhvr>
+                                    </p:animEffect>
+                                    <p:anim calcmode="lin" valueType="num">
+                                      <p:cBhvr>
+                                        <p:cTn id="8" dur="1000" fill="hold"/>
+                                        <p:tgtEl>
+                                          <p:spTgt spid="4"/>
+                                        </p:tgtEl>
+                                        <p:attrNameLst>
+                                          <p:attrName>ppt_x</p:attrName>
+                                        </p:attrNameLst>
+                                      </p:cBhvr>
+                                      <p:tavLst>
+                                        <p:tav tm="0">
+                                          <p:val>
+                                            <p:strVal val="#ppt_x"/>
+                                          </p:val>
+                                        </p:tav>
+                                        <p:tav tm="100000">
+                                          <p:val>
+                                            <p:strVal val="#ppt_x"/>
+                                          </p:val>
+                                        </p:tav>
+                                      </p:tavLst>
+                                    </p:anim>
+                                    <p:anim calcmode="lin" valueType="num">
+                                      <p:cBhvr>
+                                        <p:cTn id="9" dur="1000" fill="hold"/>
+                                        <p:tgtEl>
+                                          <p:spTgt spid="4"/>
+                                        </p:tgtEl>
+                                        <p:attrNameLst>
+                                          <p:attrName>ppt_y</p:attrName>
+                                        </p:attrNameLst>
+                                      </p:cBhvr>
+                                      <p:tavLst>
+                                        <p:tav tm="0">
+                                          <p:val>
+                                            <p:strVal val="#ppt_y+.1"/>
+                                          </p:val>
+                                        </p:tav>
+                                        <p:tav tm="100000">
+                                          <p:val>
+                                            <p:strVal val="#ppt_y"/>
+                                          </p:val>
+                                        </p:tav>
+                                      </p:tavLst>
+                                    </p:anim>
+                                  </p:childTnLst>
+                                </p:cTn>
+                              </p:par>
+                            </p:childTnLst>
+                          </p:cTn>
+                        </p:par>
+                      </p:childTnLst>
+                    </p:cTn>
+                  </p:par>
+                  <p:par>
+                    <p:cTn id="10" fill="hold">
+                      <p:stCondLst>
+                        <p:cond delay="indefinite"/>
+                      </p:stCondLst>
+                      <p:childTnLst>
+                        <p:par>
+                          <p:cTn id="11" fill="hold">
+                            <p:stCondLst>
+                              <p:cond delay="0"/>
+                            </p:stCondLst>
+                            <p:childTnLst>
+                              <p:par>
+                                <p:cTn id="12" presetID="22" presetClass="exit" presetSubtype="4" fill="hold" grpId="0" nodeType="clickEffect">
+                                  <p:stCondLst>
+                                    <p:cond delay="0"/>
+                                  </p:stCondLst>
+                                  <p:childTnLst>
+                                    <p:animEffect transition="out" filter="wipe(down)">
+                                      <p:cBhvr>
+                                        <p:cTn id="13" dur="500"/>
+                                        <p:tgtEl>
+                                          <p:spTgt spid="3">
+                                            <p:txEl>
+                                              <p:pRg st="0" end="0"/>
+                                            </p:txEl>
+                                          </p:spTgt>
+                                        </p:tgtEl>
+                                      </p:cBhvr>
+                                    </p:animEffect>
+                                    <p:set>
+                                      <p:cBhvr>
+                                        <p:cTn id="14" dur="1" fill="hold">
+                                          <p:stCondLst>
+                                            <p:cond delay="499"/>
+                                          </p:stCondLst>
+                                        </p:cTn>
+                                        <p:tgtEl>
+                                          <p:spTgt spid="3">
+                                            <p:txEl>
+                                              <p:pRg st="0" end="0"/>
+                                            </p:txEl>
+                                          </p:spTgt>
+                                        </p:tgtEl>
+                                        <p:attrNameLst>
+                                          <p:attrName>style.visibility</p:attrName>
+                                        </p:attrNameLst>
+                                      </p:cBhvr>
+                                      <p:to>
+                                        <p:strVal val="hidden"/>
+                                      </p:to>
+                                    </p:set>
+                                  </p:childTnLst>
+                                </p:cTn>
+                              </p:par>
+                              <p:par>
+                                <p:cTn id="15" presetID="22" presetClass="exit" presetSubtype="4" fill="hold" grpId="0" nodeType="withEffect">
+                                  <p:stCondLst>
+                                    <p:cond delay="0"/>
+                                  </p:stCondLst>
+                                  <p:childTnLst>
+                                    <p:animEffect transition="out" filter="wipe(down)">
+                                      <p:cBhvr>
+                                        <p:cTn id="16" dur="500"/>
+                                        <p:tgtEl>
+                                          <p:spTgt spid="3">
+                                            <p:txEl>
+                                              <p:pRg st="1" end="1"/>
+                                            </p:txEl>
+                                          </p:spTgt>
+                                        </p:tgtEl>
+                                      </p:cBhvr>
+                                    </p:animEffect>
+                                    <p:set>
+                                      <p:cBhvr>
+                                        <p:cTn id="17" dur="1" fill="hold">
+                                          <p:stCondLst>
+                                            <p:cond delay="499"/>
+                                          </p:stCondLst>
+                                        </p:cTn>
+                                        <p:tgtEl>
+                                          <p:spTgt spid="3">
+                                            <p:txEl>
+                                              <p:pRg st="1" end="1"/>
+                                            </p:txEl>
+                                          </p:spTgt>
+                                        </p:tgtEl>
+                                        <p:attrNameLst>
+                                          <p:attrName>style.visibility</p:attrName>
+                                        </p:attrNameLst>
+                                      </p:cBhvr>
+                                      <p:to>
+                                        <p:strVal val="hidden"/>
+                                      </p:to>
+                                    </p:set>
+                                  </p:childTnLst>
+                                </p:cTn>
+                              </p:par>
+                              <p:par>
+                                <p:cTn id="18" presetID="22" presetClass="exit" presetSubtype="4" fill="hold" grpId="0" nodeType="withEffect">
+                                  <p:stCondLst>
+                                    <p:cond delay="0"/>
+                                  </p:stCondLst>
+                                  <p:childTnLst>
+                                    <p:animEffect transition="out" filter="wipe(down)">
+                                      <p:cBhvr>
+                                        <p:cTn id="19" dur="500"/>
+                                        <p:tgtEl>
+                                          <p:spTgt spid="3">
+                                            <p:txEl>
+                                              <p:pRg st="2" end="2"/>
+                                            </p:txEl>
+                                          </p:spTgt>
+                                        </p:tgtEl>
+                                      </p:cBhvr>
+                                    </p:animEffect>
+                                    <p:set>
+                                      <p:cBhvr>
+                                        <p:cTn id="20" dur="1" fill="hold">
+                                          <p:stCondLst>
+                                            <p:cond delay="499"/>
+                                          </p:stCondLst>
+                                        </p:cTn>
+                                        <p:tgtEl>
+                                          <p:spTgt spid="3">
+                                            <p:txEl>
+                                              <p:pRg st="2" end="2"/>
+                                            </p:txEl>
+                                          </p:spTgt>
+                                        </p:tgtEl>
+                                        <p:attrNameLst>
+                                          <p:attrName>style.visibility</p:attrName>
+                                        </p:attrNameLst>
+                                      </p:cBhvr>
+                                      <p:to>
+                                        <p:strVal val="hidden"/>
+                                      </p:to>
+                                    </p:set>
+                                  </p:childTnLst>
+                                </p:cTn>
+                              </p:par>
+                              <p:par>
+                                <p:cTn id="21" presetID="22" presetClass="exit" presetSubtype="4" fill="hold" grpId="0" nodeType="withEffect">
+                                  <p:stCondLst>
+                                    <p:cond delay="0"/>
+                                  </p:stCondLst>
+                                  <p:childTnLst>
+                                    <p:animEffect transition="out" filter="wipe(down)">
+                                      <p:cBhvr>
+                                        <p:cTn id="22" dur="500"/>
+                                        <p:tgtEl>
+                                          <p:spTgt spid="3">
+                                            <p:txEl>
+                                              <p:pRg st="3" end="3"/>
+                                            </p:txEl>
+                                          </p:spTgt>
+                                        </p:tgtEl>
+                                      </p:cBhvr>
+                                    </p:animEffect>
+                                    <p:set>
+                                      <p:cBhvr>
+                                        <p:cTn id="23" dur="1" fill="hold">
+                                          <p:stCondLst>
+                                            <p:cond delay="499"/>
+                                          </p:stCondLst>
+                                        </p:cTn>
+                                        <p:tgtEl>
+                                          <p:spTgt spid="3">
+                                            <p:txEl>
+                                              <p:pRg st="3" end="3"/>
+                                            </p:txEl>
+                                          </p:spTgt>
+                                        </p:tgtEl>
+                                        <p:attrNameLst>
+                                          <p:attrName>style.visibility</p:attrName>
+                                        </p:attrNameLst>
+                                      </p:cBhvr>
+                                      <p:to>
+                                        <p:strVal val="hidden"/>
+                                      </p:to>
+                                    </p:set>
+                                  </p:childTnLst>
+                                </p:cTn>
+                              </p:par>
+                              <p:par>
+                                <p:cTn id="24" presetID="22" presetClass="exit" presetSubtype="4" fill="hold" grpId="1" nodeType="withEffect">
+                                  <p:stCondLst>
+                                    <p:cond delay="0"/>
+                                  </p:stCondLst>
+                                  <p:childTnLst>
+                                    <p:animEffect transition="out" filter="wipe(down)">
+                                      <p:cBhvr>
+                                        <p:cTn id="25" dur="500"/>
+                                        <p:tgtEl>
+                                          <p:spTgt spid="4"/>
+                                        </p:tgtEl>
+                                      </p:cBhvr>
+                                    </p:animEffect>
+                                    <p:set>
+                                      <p:cBhvr>
+                                        <p:cTn id="26" dur="1" fill="hold">
+                                          <p:stCondLst>
+                                            <p:cond delay="499"/>
+                                          </p:stCondLst>
+                                        </p:cTn>
+                                        <p:tgtEl>
+                                          <p:spTgt spid="4"/>
+                                        </p:tgtEl>
+                                        <p:attrNameLst>
+                                          <p:attrName>style.visibility</p:attrName>
+                                        </p:attrNameLst>
+                                      </p:cBhvr>
+                                      <p:to>
+                                        <p:strVal val="hidden"/>
+                                      </p:to>
+                                    </p:set>
+                                  </p:childTnLst>
+                                </p:cTn>
+                              </p:par>
+                              <p:par>
+                                <p:cTn id="27" presetID="42" presetClass="path" presetSubtype="0" accel="50000" decel="50000" fill="hold" nodeType="withEffect">
+                                  <p:stCondLst>
+                                    <p:cond delay="100"/>
+                                  </p:stCondLst>
+                                  <p:childTnLst>
+                                    <p:animMotion origin="layout" path="M -4.16667E-6 -3.64562E-6 L 0.00157 -0.26 " pathEditMode="relative" rAng="0" ptsTypes="AA">
+                                      <p:cBhvr>
+                                        <p:cTn id="28" dur="1000" fill="hold"/>
+                                        <p:tgtEl>
+                                          <p:spTgt spid="3">
+                                            <p:txEl>
+                                              <p:pRg st="4" end="4"/>
+                                            </p:txEl>
+                                          </p:spTgt>
+                                        </p:tgtEl>
+                                        <p:attrNameLst>
+                                          <p:attrName>ppt_x</p:attrName>
+                                          <p:attrName>ppt_y</p:attrName>
+                                        </p:attrNameLst>
+                                      </p:cBhvr>
+                                      <p:rCtr x="78" y="-13000"/>
+                                    </p:animMotion>
+                                  </p:childTnLst>
+                                </p:cTn>
+                              </p:par>
+                            </p:childTnLst>
+                          </p:cTn>
+                        </p:par>
+                      </p:childTnLst>
+                    </p:cTn>
+                  </p:par>
+                  <p:par>
+                    <p:cTn id="29" fill="hold">
+                      <p:stCondLst>
+                        <p:cond delay="indefinite"/>
+                      </p:stCondLst>
+                      <p:childTnLst>
+                        <p:par>
+                          <p:cTn id="30" fill="hold">
+                            <p:stCondLst>
+                              <p:cond delay="0"/>
+                            </p:stCondLst>
+                            <p:childTnLst>
+                              <p:par>
+                                <p:cTn id="31" presetID="2" presetClass="entr" presetSubtype="8" fill="hold" grpId="0" nodeType="clickEffect">
+                                  <p:stCondLst>
+                                    <p:cond delay="0"/>
+                                  </p:stCondLst>
+                                  <p:childTnLst>
+                                    <p:set>
+                                      <p:cBhvr>
+                                        <p:cTn id="32" dur="1" fill="hold">
+                                          <p:stCondLst>
+                                            <p:cond delay="0"/>
+                                          </p:stCondLst>
+                                        </p:cTn>
+                                        <p:tgtEl>
+                                          <p:spTgt spid="9"/>
+                                        </p:tgtEl>
+                                        <p:attrNameLst>
+                                          <p:attrName>style.visibility</p:attrName>
+                                        </p:attrNameLst>
+                                      </p:cBhvr>
+                                      <p:to>
+                                        <p:strVal val="visible"/>
+                                      </p:to>
+                                    </p:set>
                                     <p:anim calcmode="lin" valueType="num">
                                       <p:cBhvr additive="base">
-                                        <p:cTn id="7" dur="500" fill="hold"/>
+                                        <p:cTn id="33" dur="500" fill="hold"/>
                                         <p:tgtEl>
-                                          <p:spTgt spid="4"/>
+                                          <p:spTgt spid="9"/>
                                         </p:tgtEl>
                                         <p:attrNameLst>
                                           <p:attrName>ppt_x</p:attrName>
@@ -8845,9 +9811,191 @@
                                     </p:anim>
                                     <p:anim calcmode="lin" valueType="num">
                                       <p:cBhvr additive="base">
-                                        <p:cTn id="8" dur="500" fill="hold"/>
+                                        <p:cTn id="34" dur="500" fill="hold"/>
                                         <p:tgtEl>
-                                          <p:spTgt spid="4"/>
+                                          <p:spTgt spid="9"/>
+                                        </p:tgtEl>
+                                        <p:attrNameLst>
+                                          <p:attrName>ppt_y</p:attrName>
+                                        </p:attrNameLst>
+                                      </p:cBhvr>
+                                      <p:tavLst>
+                                        <p:tav tm="0">
+                                          <p:val>
+                                            <p:strVal val="#ppt_y"/>
+                                          </p:val>
+                                        </p:tav>
+                                        <p:tav tm="100000">
+                                          <p:val>
+                                            <p:strVal val="#ppt_y"/>
+                                          </p:val>
+                                        </p:tav>
+                                      </p:tavLst>
+                                    </p:anim>
+                                  </p:childTnLst>
+                                </p:cTn>
+                              </p:par>
+                            </p:childTnLst>
+                          </p:cTn>
+                        </p:par>
+                      </p:childTnLst>
+                    </p:cTn>
+                  </p:par>
+                  <p:par>
+                    <p:cTn id="35" fill="hold">
+                      <p:stCondLst>
+                        <p:cond delay="indefinite"/>
+                      </p:stCondLst>
+                      <p:childTnLst>
+                        <p:par>
+                          <p:cTn id="36" fill="hold">
+                            <p:stCondLst>
+                              <p:cond delay="0"/>
+                            </p:stCondLst>
+                            <p:childTnLst>
+                              <p:par>
+                                <p:cTn id="37" presetID="2" presetClass="entr" presetSubtype="8" fill="hold" grpId="0" nodeType="clickEffect">
+                                  <p:stCondLst>
+                                    <p:cond delay="0"/>
+                                  </p:stCondLst>
+                                  <p:childTnLst>
+                                    <p:set>
+                                      <p:cBhvr>
+                                        <p:cTn id="38" dur="1" fill="hold">
+                                          <p:stCondLst>
+                                            <p:cond delay="0"/>
+                                          </p:stCondLst>
+                                        </p:cTn>
+                                        <p:tgtEl>
+                                          <p:spTgt spid="10"/>
+                                        </p:tgtEl>
+                                        <p:attrNameLst>
+                                          <p:attrName>style.visibility</p:attrName>
+                                        </p:attrNameLst>
+                                      </p:cBhvr>
+                                      <p:to>
+                                        <p:strVal val="visible"/>
+                                      </p:to>
+                                    </p:set>
+                                    <p:anim calcmode="lin" valueType="num">
+                                      <p:cBhvr additive="base">
+                                        <p:cTn id="39" dur="500" fill="hold"/>
+                                        <p:tgtEl>
+                                          <p:spTgt spid="10"/>
+                                        </p:tgtEl>
+                                        <p:attrNameLst>
+                                          <p:attrName>ppt_x</p:attrName>
+                                        </p:attrNameLst>
+                                      </p:cBhvr>
+                                      <p:tavLst>
+                                        <p:tav tm="0">
+                                          <p:val>
+                                            <p:strVal val="0-#ppt_w/2"/>
+                                          </p:val>
+                                        </p:tav>
+                                        <p:tav tm="100000">
+                                          <p:val>
+                                            <p:strVal val="#ppt_x"/>
+                                          </p:val>
+                                        </p:tav>
+                                      </p:tavLst>
+                                    </p:anim>
+                                    <p:anim calcmode="lin" valueType="num">
+                                      <p:cBhvr additive="base">
+                                        <p:cTn id="40" dur="500" fill="hold"/>
+                                        <p:tgtEl>
+                                          <p:spTgt spid="10"/>
+                                        </p:tgtEl>
+                                        <p:attrNameLst>
+                                          <p:attrName>ppt_y</p:attrName>
+                                        </p:attrNameLst>
+                                      </p:cBhvr>
+                                      <p:tavLst>
+                                        <p:tav tm="0">
+                                          <p:val>
+                                            <p:strVal val="#ppt_y"/>
+                                          </p:val>
+                                        </p:tav>
+                                        <p:tav tm="100000">
+                                          <p:val>
+                                            <p:strVal val="#ppt_y"/>
+                                          </p:val>
+                                        </p:tav>
+                                      </p:tavLst>
+                                    </p:anim>
+                                  </p:childTnLst>
+                                </p:cTn>
+                              </p:par>
+                            </p:childTnLst>
+                          </p:cTn>
+                        </p:par>
+                      </p:childTnLst>
+                    </p:cTn>
+                  </p:par>
+                  <p:par>
+                    <p:cTn id="41" fill="hold">
+                      <p:stCondLst>
+                        <p:cond delay="indefinite"/>
+                      </p:stCondLst>
+                      <p:childTnLst>
+                        <p:par>
+                          <p:cTn id="42" fill="hold">
+                            <p:stCondLst>
+                              <p:cond delay="0"/>
+                            </p:stCondLst>
+                            <p:childTnLst>
+                              <p:par>
+                                <p:cTn id="43" presetID="2" presetClass="entr" presetSubtype="8" fill="hold" grpId="0" nodeType="clickEffect">
+                                  <p:stCondLst>
+                                    <p:cond delay="0"/>
+                                  </p:stCondLst>
+                                  <p:childTnLst>
+                                    <p:set>
+                                      <p:cBhvr>
+                                        <p:cTn id="44" dur="1" fill="hold">
+                                          <p:stCondLst>
+                                            <p:cond delay="0"/>
+                                          </p:stCondLst>
+                                        </p:cTn>
+                                        <p:tgtEl>
+                                          <p:spTgt spid="11"/>
+                                        </p:tgtEl>
+                                        <p:attrNameLst>
+                                          <p:attrName>style.visibility</p:attrName>
+                                        </p:attrNameLst>
+                                      </p:cBhvr>
+                                      <p:to>
+                                        <p:strVal val="visible"/>
+                                      </p:to>
+                                    </p:set>
+                                    <p:anim calcmode="lin" valueType="num">
+                                      <p:cBhvr additive="base">
+                                        <p:cTn id="45" dur="500" fill="hold"/>
+                                        <p:tgtEl>
+                                          <p:spTgt spid="11"/>
+                                        </p:tgtEl>
+                                        <p:attrNameLst>
+                                          <p:attrName>ppt_x</p:attrName>
+                                        </p:attrNameLst>
+                                      </p:cBhvr>
+                                      <p:tavLst>
+                                        <p:tav tm="0">
+                                          <p:val>
+                                            <p:strVal val="0-#ppt_w/2"/>
+                                          </p:val>
+                                        </p:tav>
+                                        <p:tav tm="100000">
+                                          <p:val>
+                                            <p:strVal val="#ppt_x"/>
+                                          </p:val>
+                                        </p:tav>
+                                      </p:tavLst>
+                                    </p:anim>
+                                    <p:anim calcmode="lin" valueType="num">
+                                      <p:cBhvr additive="base">
+                                        <p:cTn id="46" dur="500" fill="hold"/>
+                                        <p:tgtEl>
+                                          <p:spTgt spid="11"/>
                                         </p:tgtEl>
                                         <p:attrNameLst>
                                           <p:attrName>ppt_y</p:attrName>
@@ -8897,7 +10045,12 @@
       </p:par>
     </p:tnLst>
     <p:bldLst>
+      <p:bldP spid="3" grpId="0" uiExpand="1" build="p"/>
       <p:bldP spid="4" grpId="0"/>
+      <p:bldP spid="4" grpId="1"/>
+      <p:bldP spid="9" grpId="0"/>
+      <p:bldP spid="10" grpId="0"/>
+      <p:bldP spid="11" grpId="0"/>
     </p:bldLst>
   </p:timing>
 </p:sld>
@@ -8936,418 +10089,70 @@
           <a:lstStyle/>
           <a:p>
             <a:r>
-              <a:rPr lang="fr-FR"/>
-              <a:t>Risks analysis</a:t>
-            </a:r>
-          </a:p>
-        </p:txBody>
-      </p:sp>
-      <p:sp>
-        <p:nvSpPr>
-          <p:cNvPr id="3" name="Espace réservé du contenu 2"/>
-          <p:cNvSpPr>
-            <a:spLocks noGrp="1"/>
-          </p:cNvSpPr>
+              <a:rPr lang="fr-FR" b="1" dirty="0" smtClean="0"/>
+              <a:t>4. Important </a:t>
+            </a:r>
+            <a:r>
+              <a:rPr lang="fr-FR" b="1" dirty="0"/>
+              <a:t>dates</a:t>
+            </a:r>
+          </a:p>
+        </p:txBody>
+      </p:sp>
+      <p:pic>
+        <p:nvPicPr>
+          <p:cNvPr id="3" name="Espace réservé du contenu 2" descr="DatesChronology.png"/>
+          <p:cNvPicPr>
+            <a:picLocks noGrp="1" noChangeAspect="1"/>
+          </p:cNvPicPr>
           <p:nvPr>
             <p:ph idx="1"/>
           </p:nvPr>
-        </p:nvSpPr>
+        </p:nvPicPr>
+        <p:blipFill rotWithShape="1">
+          <a:blip r:embed="rId3">
+            <a:extLst>
+              <a:ext uri="{28A0092B-C50C-407E-A947-70E740481C1C}">
+                <a14:useLocalDpi xmlns:a14="http://schemas.microsoft.com/office/drawing/2010/main" val="0"/>
+              </a:ext>
+            </a:extLst>
+          </a:blip>
+          <a:srcRect l="5711" t="17201" r="46346" b="19708"/>
+          <a:stretch/>
+        </p:blipFill>
         <p:spPr>
           <a:xfrm>
-            <a:off x="838200" y="1825625"/>
-            <a:ext cx="3724275" cy="4351338"/>
+            <a:off x="2088000" y="1692000"/>
+            <a:ext cx="10044000" cy="1728000"/>
           </a:xfrm>
         </p:spPr>
-        <p:txBody>
-          <a:bodyPr/>
-          <a:lstStyle/>
-          <a:p>
-            <a:pPr marL="0" indent="0">
-              <a:buNone/>
-            </a:pPr>
-            <a:r>
-              <a:rPr lang="en-US" dirty="0">
-                <a:solidFill>
-                  <a:srgbClr val="000000"/>
-                </a:solidFill>
-                <a:latin typeface="Calibri"/>
-              </a:rPr>
-              <a:t>Kinds of risk:</a:t>
-            </a:r>
-          </a:p>
-          <a:p>
-            <a:pPr marL="0" indent="0">
-              <a:buNone/>
-            </a:pPr>
-            <a:r>
-              <a:rPr lang="en-US" dirty="0">
-                <a:solidFill>
-                  <a:srgbClr val="000000"/>
-                </a:solidFill>
-                <a:latin typeface="Calibri"/>
-              </a:rPr>
-              <a:t>5) Technical</a:t>
-            </a:r>
-            <a:endParaRPr lang="fr-FR" dirty="0">
-              <a:solidFill>
-                <a:srgbClr val="000000"/>
-              </a:solidFill>
-              <a:latin typeface="Calibri"/>
-            </a:endParaRPr>
-          </a:p>
-        </p:txBody>
-      </p:sp>
-      <p:sp>
-        <p:nvSpPr>
-          <p:cNvPr id="4" name="Espace réservé du contenu 2"/>
-          <p:cNvSpPr txBox="1">
-            <a:spLocks/>
-          </p:cNvSpPr>
+      </p:pic>
+      <p:pic>
+        <p:nvPicPr>
+          <p:cNvPr id="5" name="Espace réservé du contenu 2" descr="DatesChronology.png"/>
+          <p:cNvPicPr>
+            <a:picLocks noChangeAspect="1"/>
+          </p:cNvPicPr>
           <p:nvPr/>
-        </p:nvSpPr>
+        </p:nvPicPr>
+        <p:blipFill rotWithShape="1">
+          <a:blip r:embed="rId4"/>
+          <a:srcRect l="48384" r="-1321"/>
+          <a:stretch/>
+        </p:blipFill>
         <p:spPr>
           <a:xfrm>
-            <a:off x="1981200" y="2295525"/>
-            <a:ext cx="9220200" cy="4351338"/>
+            <a:off x="36000" y="3667135"/>
+            <a:ext cx="11088000" cy="2741755"/>
           </a:xfrm>
           <a:prstGeom prst="rect">
             <a:avLst/>
           </a:prstGeom>
         </p:spPr>
-        <p:txBody>
-          <a:bodyPr vert="horz" lIns="91440" tIns="45720" rIns="91440" bIns="45720" rtlCol="0">
-            <a:normAutofit/>
-          </a:bodyPr>
-          <a:lstStyle>
-            <a:lvl1pPr marL="228600" indent="-228600" algn="l" defTabSz="914400" rtl="0" eaLnBrk="1" latinLnBrk="0" hangingPunct="1">
-              <a:lnSpc>
-                <a:spcPct val="90000"/>
-              </a:lnSpc>
-              <a:spcBef>
-                <a:spcPts val="1000"/>
-              </a:spcBef>
-              <a:buFont typeface="Arial" panose="020B0604020202020204" pitchFamily="34" charset="0"/>
-              <a:buChar char="•"/>
-              <a:defRPr sz="2800" kern="1200">
-                <a:solidFill>
-                  <a:schemeClr val="tx1"/>
-                </a:solidFill>
-                <a:latin typeface="+mn-lt"/>
-                <a:ea typeface="+mn-ea"/>
-                <a:cs typeface="+mn-cs"/>
-              </a:defRPr>
-            </a:lvl1pPr>
-            <a:lvl2pPr marL="685800" indent="-228600" algn="l" defTabSz="914400" rtl="0" eaLnBrk="1" latinLnBrk="0" hangingPunct="1">
-              <a:lnSpc>
-                <a:spcPct val="90000"/>
-              </a:lnSpc>
-              <a:spcBef>
-                <a:spcPts val="500"/>
-              </a:spcBef>
-              <a:buFont typeface="Arial" panose="020B0604020202020204" pitchFamily="34" charset="0"/>
-              <a:buChar char="•"/>
-              <a:defRPr sz="2400" kern="1200">
-                <a:solidFill>
-                  <a:schemeClr val="tx1"/>
-                </a:solidFill>
-                <a:latin typeface="+mn-lt"/>
-                <a:ea typeface="+mn-ea"/>
-                <a:cs typeface="+mn-cs"/>
-              </a:defRPr>
-            </a:lvl2pPr>
-            <a:lvl3pPr marL="1143000" indent="-228600" algn="l" defTabSz="914400" rtl="0" eaLnBrk="1" latinLnBrk="0" hangingPunct="1">
-              <a:lnSpc>
-                <a:spcPct val="90000"/>
-              </a:lnSpc>
-              <a:spcBef>
-                <a:spcPts val="500"/>
-              </a:spcBef>
-              <a:buFont typeface="Arial" panose="020B0604020202020204" pitchFamily="34" charset="0"/>
-              <a:buChar char="•"/>
-              <a:defRPr sz="2000" kern="1200">
-                <a:solidFill>
-                  <a:schemeClr val="tx1"/>
-                </a:solidFill>
-                <a:latin typeface="+mn-lt"/>
-                <a:ea typeface="+mn-ea"/>
-                <a:cs typeface="+mn-cs"/>
-              </a:defRPr>
-            </a:lvl3pPr>
-            <a:lvl4pPr marL="1600200" indent="-228600" algn="l" defTabSz="914400" rtl="0" eaLnBrk="1" latinLnBrk="0" hangingPunct="1">
-              <a:lnSpc>
-                <a:spcPct val="90000"/>
-              </a:lnSpc>
-              <a:spcBef>
-                <a:spcPts val="500"/>
-              </a:spcBef>
-              <a:buFont typeface="Arial" panose="020B0604020202020204" pitchFamily="34" charset="0"/>
-              <a:buChar char="•"/>
-              <a:defRPr sz="1800" kern="1200">
-                <a:solidFill>
-                  <a:schemeClr val="tx1"/>
-                </a:solidFill>
-                <a:latin typeface="+mn-lt"/>
-                <a:ea typeface="+mn-ea"/>
-                <a:cs typeface="+mn-cs"/>
-              </a:defRPr>
-            </a:lvl4pPr>
-            <a:lvl5pPr marL="2057400" indent="-228600" algn="l" defTabSz="914400" rtl="0" eaLnBrk="1" latinLnBrk="0" hangingPunct="1">
-              <a:lnSpc>
-                <a:spcPct val="90000"/>
-              </a:lnSpc>
-              <a:spcBef>
-                <a:spcPts val="500"/>
-              </a:spcBef>
-              <a:buFont typeface="Arial" panose="020B0604020202020204" pitchFamily="34" charset="0"/>
-              <a:buChar char="•"/>
-              <a:defRPr sz="1800" kern="1200">
-                <a:solidFill>
-                  <a:schemeClr val="tx1"/>
-                </a:solidFill>
-                <a:latin typeface="+mn-lt"/>
-                <a:ea typeface="+mn-ea"/>
-                <a:cs typeface="+mn-cs"/>
-              </a:defRPr>
-            </a:lvl5pPr>
-            <a:lvl6pPr marL="2514600" indent="-228600" algn="l" defTabSz="914400" rtl="0" eaLnBrk="1" latinLnBrk="0" hangingPunct="1">
-              <a:lnSpc>
-                <a:spcPct val="90000"/>
-              </a:lnSpc>
-              <a:spcBef>
-                <a:spcPts val="500"/>
-              </a:spcBef>
-              <a:buFont typeface="Arial" panose="020B0604020202020204" pitchFamily="34" charset="0"/>
-              <a:buChar char="•"/>
-              <a:defRPr sz="1800" kern="1200">
-                <a:solidFill>
-                  <a:schemeClr val="tx1"/>
-                </a:solidFill>
-                <a:latin typeface="+mn-lt"/>
-                <a:ea typeface="+mn-ea"/>
-                <a:cs typeface="+mn-cs"/>
-              </a:defRPr>
-            </a:lvl6pPr>
-            <a:lvl7pPr marL="2971800" indent="-228600" algn="l" defTabSz="914400" rtl="0" eaLnBrk="1" latinLnBrk="0" hangingPunct="1">
-              <a:lnSpc>
-                <a:spcPct val="90000"/>
-              </a:lnSpc>
-              <a:spcBef>
-                <a:spcPts val="500"/>
-              </a:spcBef>
-              <a:buFont typeface="Arial" panose="020B0604020202020204" pitchFamily="34" charset="0"/>
-              <a:buChar char="•"/>
-              <a:defRPr sz="1800" kern="1200">
-                <a:solidFill>
-                  <a:schemeClr val="tx1"/>
-                </a:solidFill>
-                <a:latin typeface="+mn-lt"/>
-                <a:ea typeface="+mn-ea"/>
-                <a:cs typeface="+mn-cs"/>
-              </a:defRPr>
-            </a:lvl7pPr>
-            <a:lvl8pPr marL="3429000" indent="-228600" algn="l" defTabSz="914400" rtl="0" eaLnBrk="1" latinLnBrk="0" hangingPunct="1">
-              <a:lnSpc>
-                <a:spcPct val="90000"/>
-              </a:lnSpc>
-              <a:spcBef>
-                <a:spcPts val="500"/>
-              </a:spcBef>
-              <a:buFont typeface="Arial" panose="020B0604020202020204" pitchFamily="34" charset="0"/>
-              <a:buChar char="•"/>
-              <a:defRPr sz="1800" kern="1200">
-                <a:solidFill>
-                  <a:schemeClr val="tx1"/>
-                </a:solidFill>
-                <a:latin typeface="+mn-lt"/>
-                <a:ea typeface="+mn-ea"/>
-                <a:cs typeface="+mn-cs"/>
-              </a:defRPr>
-            </a:lvl8pPr>
-            <a:lvl9pPr marL="3886200" indent="-228600" algn="l" defTabSz="914400" rtl="0" eaLnBrk="1" latinLnBrk="0" hangingPunct="1">
-              <a:lnSpc>
-                <a:spcPct val="90000"/>
-              </a:lnSpc>
-              <a:spcBef>
-                <a:spcPts val="500"/>
-              </a:spcBef>
-              <a:buFont typeface="Arial" panose="020B0604020202020204" pitchFamily="34" charset="0"/>
-              <a:buChar char="•"/>
-              <a:defRPr sz="1800" kern="1200">
-                <a:solidFill>
-                  <a:schemeClr val="tx1"/>
-                </a:solidFill>
-                <a:latin typeface="+mn-lt"/>
-                <a:ea typeface="+mn-ea"/>
-                <a:cs typeface="+mn-cs"/>
-              </a:defRPr>
-            </a:lvl9pPr>
-          </a:lstStyle>
-          <a:p>
-            <a:pPr marL="0" indent="0">
-              <a:buFont typeface="Arial" panose="020B0604020202020204" pitchFamily="34" charset="0"/>
-              <a:buNone/>
-            </a:pPr>
-            <a:endParaRPr lang="en-US" sz="2400" dirty="0">
-              <a:solidFill>
-                <a:srgbClr val="000000"/>
-              </a:solidFill>
-            </a:endParaRPr>
-          </a:p>
-          <a:p>
-            <a:pPr marL="0" indent="0">
-              <a:buFont typeface="Arial" panose="020B0604020202020204" pitchFamily="34" charset="0"/>
-              <a:buNone/>
-            </a:pPr>
-            <a:r>
-              <a:rPr lang="en-US" sz="2400" dirty="0">
-                <a:solidFill>
-                  <a:srgbClr val="000000"/>
-                </a:solidFill>
-              </a:rPr>
-              <a:t>=&gt; Unexpected bugs can occur during the development</a:t>
-            </a:r>
-          </a:p>
-          <a:p>
-            <a:pPr marL="0" indent="0">
-              <a:buFont typeface="Arial" panose="020B0604020202020204" pitchFamily="34" charset="0"/>
-              <a:buNone/>
-            </a:pPr>
-            <a:endParaRPr lang="en-US" sz="2400" dirty="0">
-              <a:solidFill>
-                <a:srgbClr val="000000"/>
-              </a:solidFill>
-            </a:endParaRPr>
-          </a:p>
-          <a:p>
-            <a:pPr marL="0" indent="0">
-              <a:buFont typeface="Arial" panose="020B0604020202020204" pitchFamily="34" charset="0"/>
-              <a:buNone/>
-            </a:pPr>
-            <a:r>
-              <a:rPr lang="en-US" sz="2400" dirty="0">
-                <a:solidFill>
-                  <a:srgbClr val="000000"/>
-                </a:solidFill>
-              </a:rPr>
-              <a:t>=&gt; interoperability problems</a:t>
-            </a:r>
-            <a:br>
-              <a:rPr lang="en-US" sz="2400" dirty="0">
-                <a:solidFill>
-                  <a:srgbClr val="000000"/>
-                </a:solidFill>
-              </a:rPr>
-            </a:br>
-            <a:r>
-              <a:rPr lang="en-US" sz="2400" dirty="0">
-                <a:solidFill>
-                  <a:srgbClr val="000000"/>
-                </a:solidFill>
-              </a:rPr>
-              <a:t>       (Grid'5000 = </a:t>
-            </a:r>
-            <a:r>
-              <a:rPr lang="en-US" sz="2400" dirty="0" err="1">
-                <a:solidFill>
-                  <a:srgbClr val="000000"/>
-                </a:solidFill>
-              </a:rPr>
-              <a:t>linux</a:t>
-            </a:r>
-            <a:r>
-              <a:rPr lang="en-US" sz="2400" dirty="0">
-                <a:solidFill>
-                  <a:srgbClr val="000000"/>
-                </a:solidFill>
-              </a:rPr>
-              <a:t>, we currently use Windows)</a:t>
-            </a:r>
-          </a:p>
-          <a:p>
-            <a:pPr marL="0" indent="0">
-              <a:buFont typeface="Arial" panose="020B0604020202020204" pitchFamily="34" charset="0"/>
-              <a:buNone/>
-            </a:pPr>
-            <a:endParaRPr lang="en-US" sz="2400" dirty="0">
-              <a:solidFill>
-                <a:srgbClr val="000000"/>
-              </a:solidFill>
-            </a:endParaRPr>
-          </a:p>
-          <a:p>
-            <a:pPr marL="0" indent="0">
-              <a:buFont typeface="Arial" panose="020B0604020202020204" pitchFamily="34" charset="0"/>
-              <a:buNone/>
-            </a:pPr>
-            <a:endParaRPr lang="en-US" sz="2400" dirty="0">
-              <a:solidFill>
-                <a:srgbClr val="000000"/>
-              </a:solidFill>
-            </a:endParaRPr>
-          </a:p>
-        </p:txBody>
-      </p:sp>
-      <p:sp>
-        <p:nvSpPr>
-          <p:cNvPr id="5" name="ZoneTexte 4"/>
-          <p:cNvSpPr txBox="1"/>
-          <p:nvPr/>
-        </p:nvSpPr>
-        <p:spPr>
-          <a:xfrm>
-            <a:off x="2505085" y="3181360"/>
-            <a:ext cx="7038975" cy="461665"/>
-          </a:xfrm>
-          <a:prstGeom prst="rect">
-            <a:avLst/>
-          </a:prstGeom>
-        </p:spPr>
-        <p:txBody>
-          <a:bodyPr rtlCol="0">
-            <a:spAutoFit/>
-          </a:bodyPr>
-          <a:lstStyle/>
-          <a:p>
-            <a:r>
-              <a:rPr lang="en-US" sz="2400" dirty="0"/>
-              <a:t>Solution : dedicate enough time to fix them.</a:t>
-            </a:r>
-            <a:endParaRPr lang="fr-FR" sz="2400" dirty="0"/>
-          </a:p>
-        </p:txBody>
-      </p:sp>
-      <p:sp>
-        <p:nvSpPr>
-          <p:cNvPr id="6" name="ZoneTexte 5"/>
-          <p:cNvSpPr txBox="1"/>
-          <p:nvPr/>
-        </p:nvSpPr>
-        <p:spPr>
-          <a:xfrm>
-            <a:off x="2533660" y="4591060"/>
-            <a:ext cx="9229725" cy="461665"/>
-          </a:xfrm>
-          <a:prstGeom prst="rect">
-            <a:avLst/>
-          </a:prstGeom>
-        </p:spPr>
-        <p:txBody>
-          <a:bodyPr rtlCol="0">
-            <a:spAutoFit/>
-          </a:bodyPr>
-          <a:lstStyle/>
-          <a:p>
-            <a:r>
-              <a:rPr lang="en-US" sz="2400" dirty="0"/>
-              <a:t>Solution : regular tests at the computer science department</a:t>
-            </a:r>
-            <a:endParaRPr lang="fr-FR" sz="2400" dirty="0"/>
-          </a:p>
-        </p:txBody>
-      </p:sp>
-      <p:sp>
-        <p:nvSpPr>
-          <p:cNvPr id="7" name="Slide Number Placeholder 6"/>
+      </p:pic>
+      <p:sp>
+        <p:nvSpPr>
+          <p:cNvPr id="4" name="Slide Number Placeholder 3"/>
           <p:cNvSpPr>
             <a:spLocks noGrp="1"/>
           </p:cNvSpPr>
@@ -9371,7 +10176,7 @@
     </p:spTree>
     <p:extLst>
       <p:ext uri="{BB962C8B-B14F-4D97-AF65-F5344CB8AC3E}">
-        <p14:creationId xmlns:p14="http://schemas.microsoft.com/office/powerpoint/2010/main" val="2861530496"/>
+        <p14:creationId xmlns:p14="http://schemas.microsoft.com/office/powerpoint/2010/main" val="2704138539"/>
       </p:ext>
     </p:extLst>
   </p:cSld>
@@ -9379,315 +10184,14 @@
     <a:masterClrMapping/>
   </p:clrMapOvr>
   <p:transition spd="slow">
-    <p:push/>
+    <p:push dir="u"/>
   </p:transition>
   <p:timing>
     <p:tnLst>
       <p:par>
-        <p:cTn id="1" dur="indefinite" restart="never" nodeType="tmRoot">
-          <p:childTnLst>
-            <p:seq concurrent="1" nextAc="seek">
-              <p:cTn id="2" dur="indefinite" nodeType="mainSeq">
-                <p:childTnLst>
-                  <p:par>
-                    <p:cTn id="3" fill="hold">
-                      <p:stCondLst>
-                        <p:cond delay="indefinite"/>
-                      </p:stCondLst>
-                      <p:childTnLst>
-                        <p:par>
-                          <p:cTn id="4" fill="hold">
-                            <p:stCondLst>
-                              <p:cond delay="0"/>
-                            </p:stCondLst>
-                            <p:childTnLst>
-                              <p:par>
-                                <p:cTn id="5" presetID="2" presetClass="entr" presetSubtype="8" fill="hold" grpId="0" nodeType="clickEffect">
-                                  <p:stCondLst>
-                                    <p:cond delay="0"/>
-                                  </p:stCondLst>
-                                  <p:childTnLst>
-                                    <p:set>
-                                      <p:cBhvr>
-                                        <p:cTn id="6" dur="1" fill="hold">
-                                          <p:stCondLst>
-                                            <p:cond delay="0"/>
-                                          </p:stCondLst>
-                                        </p:cTn>
-                                        <p:tgtEl>
-                                          <p:spTgt spid="4"/>
-                                        </p:tgtEl>
-                                        <p:attrNameLst>
-                                          <p:attrName>style.visibility</p:attrName>
-                                        </p:attrNameLst>
-                                      </p:cBhvr>
-                                      <p:to>
-                                        <p:strVal val="visible"/>
-                                      </p:to>
-                                    </p:set>
-                                    <p:anim calcmode="lin" valueType="num">
-                                      <p:cBhvr additive="base">
-                                        <p:cTn id="7" dur="500" fill="hold"/>
-                                        <p:tgtEl>
-                                          <p:spTgt spid="4"/>
-                                        </p:tgtEl>
-                                        <p:attrNameLst>
-                                          <p:attrName>ppt_x</p:attrName>
-                                        </p:attrNameLst>
-                                      </p:cBhvr>
-                                      <p:tavLst>
-                                        <p:tav tm="0">
-                                          <p:val>
-                                            <p:strVal val="0-#ppt_w/2"/>
-                                          </p:val>
-                                        </p:tav>
-                                        <p:tav tm="100000">
-                                          <p:val>
-                                            <p:strVal val="#ppt_x"/>
-                                          </p:val>
-                                        </p:tav>
-                                      </p:tavLst>
-                                    </p:anim>
-                                    <p:anim calcmode="lin" valueType="num">
-                                      <p:cBhvr additive="base">
-                                        <p:cTn id="8" dur="500" fill="hold"/>
-                                        <p:tgtEl>
-                                          <p:spTgt spid="4"/>
-                                        </p:tgtEl>
-                                        <p:attrNameLst>
-                                          <p:attrName>ppt_y</p:attrName>
-                                        </p:attrNameLst>
-                                      </p:cBhvr>
-                                      <p:tavLst>
-                                        <p:tav tm="0">
-                                          <p:val>
-                                            <p:strVal val="#ppt_y"/>
-                                          </p:val>
-                                        </p:tav>
-                                        <p:tav tm="100000">
-                                          <p:val>
-                                            <p:strVal val="#ppt_y"/>
-                                          </p:val>
-                                        </p:tav>
-                                      </p:tavLst>
-                                    </p:anim>
-                                  </p:childTnLst>
-                                </p:cTn>
-                              </p:par>
-                            </p:childTnLst>
-                          </p:cTn>
-                        </p:par>
-                      </p:childTnLst>
-                    </p:cTn>
-                  </p:par>
-                  <p:par>
-                    <p:cTn id="9" fill="hold">
-                      <p:stCondLst>
-                        <p:cond delay="indefinite"/>
-                      </p:stCondLst>
-                      <p:childTnLst>
-                        <p:par>
-                          <p:cTn id="10" fill="hold">
-                            <p:stCondLst>
-                              <p:cond delay="0"/>
-                            </p:stCondLst>
-                            <p:childTnLst>
-                              <p:par>
-                                <p:cTn id="11" presetID="2" presetClass="entr" presetSubtype="8" fill="hold" grpId="0" nodeType="clickEffect">
-                                  <p:stCondLst>
-                                    <p:cond delay="0"/>
-                                  </p:stCondLst>
-                                  <p:childTnLst>
-                                    <p:set>
-                                      <p:cBhvr>
-                                        <p:cTn id="12" dur="1" fill="hold">
-                                          <p:stCondLst>
-                                            <p:cond delay="0"/>
-                                          </p:stCondLst>
-                                        </p:cTn>
-                                        <p:tgtEl>
-                                          <p:spTgt spid="5"/>
-                                        </p:tgtEl>
-                                        <p:attrNameLst>
-                                          <p:attrName>style.visibility</p:attrName>
-                                        </p:attrNameLst>
-                                      </p:cBhvr>
-                                      <p:to>
-                                        <p:strVal val="visible"/>
-                                      </p:to>
-                                    </p:set>
-                                    <p:anim calcmode="lin" valueType="num">
-                                      <p:cBhvr additive="base">
-                                        <p:cTn id="13" dur="500" fill="hold"/>
-                                        <p:tgtEl>
-                                          <p:spTgt spid="5"/>
-                                        </p:tgtEl>
-                                        <p:attrNameLst>
-                                          <p:attrName>ppt_x</p:attrName>
-                                        </p:attrNameLst>
-                                      </p:cBhvr>
-                                      <p:tavLst>
-                                        <p:tav tm="0">
-                                          <p:val>
-                                            <p:strVal val="0-#ppt_w/2"/>
-                                          </p:val>
-                                        </p:tav>
-                                        <p:tav tm="100000">
-                                          <p:val>
-                                            <p:strVal val="#ppt_x"/>
-                                          </p:val>
-                                        </p:tav>
-                                      </p:tavLst>
-                                    </p:anim>
-                                    <p:anim calcmode="lin" valueType="num">
-                                      <p:cBhvr additive="base">
-                                        <p:cTn id="14" dur="500" fill="hold"/>
-                                        <p:tgtEl>
-                                          <p:spTgt spid="5"/>
-                                        </p:tgtEl>
-                                        <p:attrNameLst>
-                                          <p:attrName>ppt_y</p:attrName>
-                                        </p:attrNameLst>
-                                      </p:cBhvr>
-                                      <p:tavLst>
-                                        <p:tav tm="0">
-                                          <p:val>
-                                            <p:strVal val="#ppt_y"/>
-                                          </p:val>
-                                        </p:tav>
-                                        <p:tav tm="100000">
-                                          <p:val>
-                                            <p:strVal val="#ppt_y"/>
-                                          </p:val>
-                                        </p:tav>
-                                      </p:tavLst>
-                                    </p:anim>
-                                  </p:childTnLst>
-                                </p:cTn>
-                              </p:par>
-                            </p:childTnLst>
-                          </p:cTn>
-                        </p:par>
-                      </p:childTnLst>
-                    </p:cTn>
-                  </p:par>
-                  <p:par>
-                    <p:cTn id="15" fill="hold">
-                      <p:stCondLst>
-                        <p:cond delay="indefinite"/>
-                      </p:stCondLst>
-                      <p:childTnLst>
-                        <p:par>
-                          <p:cTn id="16" fill="hold">
-                            <p:stCondLst>
-                              <p:cond delay="0"/>
-                            </p:stCondLst>
-                            <p:childTnLst>
-                              <p:par>
-                                <p:cTn id="17" presetID="2" presetClass="entr" presetSubtype="8" fill="hold" grpId="0" nodeType="clickEffect">
-                                  <p:stCondLst>
-                                    <p:cond delay="0"/>
-                                  </p:stCondLst>
-                                  <p:childTnLst>
-                                    <p:set>
-                                      <p:cBhvr>
-                                        <p:cTn id="18" dur="1" fill="hold">
-                                          <p:stCondLst>
-                                            <p:cond delay="0"/>
-                                          </p:stCondLst>
-                                        </p:cTn>
-                                        <p:tgtEl>
-                                          <p:spTgt spid="6"/>
-                                        </p:tgtEl>
-                                        <p:attrNameLst>
-                                          <p:attrName>style.visibility</p:attrName>
-                                        </p:attrNameLst>
-                                      </p:cBhvr>
-                                      <p:to>
-                                        <p:strVal val="visible"/>
-                                      </p:to>
-                                    </p:set>
-                                    <p:anim calcmode="lin" valueType="num">
-                                      <p:cBhvr additive="base">
-                                        <p:cTn id="19" dur="500" fill="hold"/>
-                                        <p:tgtEl>
-                                          <p:spTgt spid="6"/>
-                                        </p:tgtEl>
-                                        <p:attrNameLst>
-                                          <p:attrName>ppt_x</p:attrName>
-                                        </p:attrNameLst>
-                                      </p:cBhvr>
-                                      <p:tavLst>
-                                        <p:tav tm="0">
-                                          <p:val>
-                                            <p:strVal val="0-#ppt_w/2"/>
-                                          </p:val>
-                                        </p:tav>
-                                        <p:tav tm="100000">
-                                          <p:val>
-                                            <p:strVal val="#ppt_x"/>
-                                          </p:val>
-                                        </p:tav>
-                                      </p:tavLst>
-                                    </p:anim>
-                                    <p:anim calcmode="lin" valueType="num">
-                                      <p:cBhvr additive="base">
-                                        <p:cTn id="20" dur="500" fill="hold"/>
-                                        <p:tgtEl>
-                                          <p:spTgt spid="6"/>
-                                        </p:tgtEl>
-                                        <p:attrNameLst>
-                                          <p:attrName>ppt_y</p:attrName>
-                                        </p:attrNameLst>
-                                      </p:cBhvr>
-                                      <p:tavLst>
-                                        <p:tav tm="0">
-                                          <p:val>
-                                            <p:strVal val="#ppt_y"/>
-                                          </p:val>
-                                        </p:tav>
-                                        <p:tav tm="100000">
-                                          <p:val>
-                                            <p:strVal val="#ppt_y"/>
-                                          </p:val>
-                                        </p:tav>
-                                      </p:tavLst>
-                                    </p:anim>
-                                  </p:childTnLst>
-                                </p:cTn>
-                              </p:par>
-                            </p:childTnLst>
-                          </p:cTn>
-                        </p:par>
-                      </p:childTnLst>
-                    </p:cTn>
-                  </p:par>
-                </p:childTnLst>
-              </p:cTn>
-              <p:prevCondLst>
-                <p:cond evt="onPrev" delay="0">
-                  <p:tgtEl>
-                    <p:sldTgt/>
-                  </p:tgtEl>
-                </p:cond>
-              </p:prevCondLst>
-              <p:nextCondLst>
-                <p:cond evt="onNext" delay="0">
-                  <p:tgtEl>
-                    <p:sldTgt/>
-                  </p:tgtEl>
-                </p:cond>
-              </p:nextCondLst>
-            </p:seq>
-          </p:childTnLst>
-        </p:cTn>
+        <p:cTn id="1" dur="indefinite" restart="never" nodeType="tmRoot"/>
       </p:par>
     </p:tnLst>
-    <p:bldLst>
-      <p:bldP spid="4" grpId="0"/>
-      <p:bldP spid="5" grpId="0"/>
-      <p:bldP spid="6" grpId="0"/>
-    </p:bldLst>
   </p:timing>
 </p:sld>
 </file>
@@ -10237,7 +10741,7 @@
   <a:extraClrSchemeLst/>
   <a:extLst>
     <a:ext uri="{05A4C25C-085E-4340-85A3-A5531E510DB2}">
-      <thm15:themeFamily xmlns:thm15="http://schemas.microsoft.com/office/thememl/2012/main" xmlns="" name="Office Theme" id="{62F939B6-93AF-4DB8-9C6B-D6C7DFDC589F}" vid="{4A3C46E8-61CC-4603-A589-7422A47A8E4A}"/>
+      <thm15:themeFamily xmlns="" xmlns:thm15="http://schemas.microsoft.com/office/thememl/2012/main" name="Office Theme" id="{62F939B6-93AF-4DB8-9C6B-D6C7DFDC589F}" vid="{4A3C46E8-61CC-4603-A589-7422A47A8E4A}"/>
     </a:ext>
   </a:extLst>
 </a:theme>

--- a/Docs/Reports/Planning Presentation/V2Planning.pptx
+++ b/Docs/Reports/Planning Presentation/V2Planning.pptx
@@ -5,20 +5,21 @@
     <p:sldMasterId id="2147483690" r:id="rId1"/>
   </p:sldMasterIdLst>
   <p:notesMasterIdLst>
-    <p:notesMasterId r:id="rId13"/>
+    <p:notesMasterId r:id="rId14"/>
   </p:notesMasterIdLst>
   <p:sldIdLst>
     <p:sldId id="256" r:id="rId2"/>
     <p:sldId id="257" r:id="rId3"/>
-    <p:sldId id="269" r:id="rId4"/>
-    <p:sldId id="270" r:id="rId5"/>
+    <p:sldId id="275" r:id="rId4"/>
+    <p:sldId id="269" r:id="rId5"/>
     <p:sldId id="271" r:id="rId6"/>
-    <p:sldId id="272" r:id="rId7"/>
-    <p:sldId id="259" r:id="rId8"/>
-    <p:sldId id="262" r:id="rId9"/>
-    <p:sldId id="263" r:id="rId10"/>
-    <p:sldId id="260" r:id="rId11"/>
-    <p:sldId id="261" r:id="rId12"/>
+    <p:sldId id="273" r:id="rId7"/>
+    <p:sldId id="274" r:id="rId8"/>
+    <p:sldId id="259" r:id="rId9"/>
+    <p:sldId id="262" r:id="rId10"/>
+    <p:sldId id="263" r:id="rId11"/>
+    <p:sldId id="260" r:id="rId12"/>
+    <p:sldId id="261" r:id="rId13"/>
   </p:sldIdLst>
   <p:sldSz cx="12192000" cy="6858000"/>
   <p:notesSz cx="6858000" cy="9144000"/>
@@ -207,7 +208,7 @@
           <a:p>
             <a:fld id="{4A1BBD13-A8AC-4D0A-A91D-67CAFE177BF9}" type="datetimeFigureOut">
               <a:rPr lang="fr-FR"/>
-              <a:t>18/12/2014</a:t>
+              <a:t>19/12/2014</a:t>
             </a:fld>
             <a:endParaRPr lang="fr-FR"/>
           </a:p>
@@ -623,7 +624,7 @@
           <a:p>
             <a:fld id="{F5AE91CA-69E1-4F73-A570-C18A4465CE0F}" type="slidenum">
               <a:rPr lang="fr-FR"/>
-              <a:t>11</a:t>
+              <a:t>12</a:t>
             </a:fld>
             <a:endParaRPr lang="fr-FR"/>
           </a:p>
@@ -745,7 +746,7 @@
       </p:grpSpPr>
       <p:sp>
         <p:nvSpPr>
-          <p:cNvPr id="2" name="Slide Image Placeholder 1"/>
+          <p:cNvPr id="2" name="Espace réservé de l'image des diapositives 1"/>
           <p:cNvSpPr>
             <a:spLocks noGrp="1" noRot="1" noChangeAspect="1"/>
           </p:cNvSpPr>
@@ -757,7 +758,7 @@
       </p:sp>
       <p:sp>
         <p:nvSpPr>
-          <p:cNvPr id="3" name="Notes Placeholder 2"/>
+          <p:cNvPr id="3" name="Espace réservé des notes 2"/>
           <p:cNvSpPr>
             <a:spLocks noGrp="1"/>
           </p:cNvSpPr>
@@ -770,13 +771,13 @@
           <a:bodyPr/>
           <a:lstStyle/>
           <a:p>
-            <a:endParaRPr lang="en-US"/>
-          </a:p>
-        </p:txBody>
-      </p:sp>
-      <p:sp>
-        <p:nvSpPr>
-          <p:cNvPr id="4" name="Slide Number Placeholder 3"/>
+            <a:endParaRPr lang="fr-FR"/>
+          </a:p>
+        </p:txBody>
+      </p:sp>
+      <p:sp>
+        <p:nvSpPr>
+          <p:cNvPr id="4" name="Espace réservé du numéro de diapositive 3"/>
           <p:cNvSpPr>
             <a:spLocks noGrp="1"/>
           </p:cNvSpPr>
@@ -800,7 +801,7 @@
     </p:spTree>
     <p:extLst>
       <p:ext uri="{BB962C8B-B14F-4D97-AF65-F5344CB8AC3E}">
-        <p14:creationId xmlns:p14="http://schemas.microsoft.com/office/powerpoint/2010/main" val="1544464879"/>
+        <p14:creationId xmlns:p14="http://schemas.microsoft.com/office/powerpoint/2010/main" val="4244089430"/>
       </p:ext>
     </p:extLst>
   </p:cSld>
@@ -884,7 +885,7 @@
     </p:spTree>
     <p:extLst>
       <p:ext uri="{BB962C8B-B14F-4D97-AF65-F5344CB8AC3E}">
-        <p14:creationId xmlns:p14="http://schemas.microsoft.com/office/powerpoint/2010/main" val="1555858289"/>
+        <p14:creationId xmlns:p14="http://schemas.microsoft.com/office/powerpoint/2010/main" val="1544464879"/>
       </p:ext>
     </p:extLst>
   </p:cSld>
@@ -1043,7 +1044,7 @@
           <a:p>
             <a:fld id="{F5AE91CA-69E1-4F73-A570-C18A4465CE0F}" type="slidenum">
               <a:rPr lang="fr-FR"/>
-              <a:t>7</a:t>
+              <a:t>8</a:t>
             </a:fld>
             <a:endParaRPr lang="fr-FR"/>
           </a:p>
@@ -1127,7 +1128,7 @@
           <a:p>
             <a:fld id="{F5AE91CA-69E1-4F73-A570-C18A4465CE0F}" type="slidenum">
               <a:rPr lang="fr-FR"/>
-              <a:t>8</a:t>
+              <a:t>9</a:t>
             </a:fld>
             <a:endParaRPr lang="fr-FR"/>
           </a:p>
@@ -1211,7 +1212,7 @@
           <a:p>
             <a:fld id="{F5AE91CA-69E1-4F73-A570-C18A4465CE0F}" type="slidenum">
               <a:rPr lang="fr-FR"/>
-              <a:t>9</a:t>
+              <a:t>10</a:t>
             </a:fld>
             <a:endParaRPr lang="fr-FR"/>
           </a:p>
@@ -1295,7 +1296,7 @@
           <a:p>
             <a:fld id="{F5AE91CA-69E1-4F73-A570-C18A4465CE0F}" type="slidenum">
               <a:rPr lang="fr-FR"/>
-              <a:t>10</a:t>
+              <a:t>11</a:t>
             </a:fld>
             <a:endParaRPr lang="fr-FR"/>
           </a:p>
@@ -1501,7 +1502,7 @@
           <a:p>
             <a:fld id="{A755EAAE-0C2B-495A-AFE0-8D7D7DA72936}" type="datetime1">
               <a:rPr lang="de-DE" smtClean="0"/>
-              <a:t>18.12.2014</a:t>
+              <a:t>19.12.2014</a:t>
             </a:fld>
             <a:endParaRPr lang="de-DE"/>
           </a:p>
@@ -1687,7 +1688,7 @@
           <a:p>
             <a:fld id="{C0DBF29D-98EE-415E-9E3D-95E6D5F2FB90}" type="datetime1">
               <a:rPr lang="de-DE" smtClean="0"/>
-              <a:t>18.12.2014</a:t>
+              <a:t>19.12.2014</a:t>
             </a:fld>
             <a:endParaRPr lang="de-DE"/>
           </a:p>
@@ -1862,7 +1863,7 @@
           <a:p>
             <a:fld id="{28A79863-F3C7-4033-92FE-57FD67452E0C}" type="datetime1">
               <a:rPr lang="de-DE" smtClean="0"/>
-              <a:t>18.12.2014</a:t>
+              <a:t>19.12.2014</a:t>
             </a:fld>
             <a:endParaRPr lang="de-DE"/>
           </a:p>
@@ -2040,7 +2041,7 @@
           <a:p>
             <a:fld id="{B88F187E-90BF-4F32-A3B9-F24172DFCC31}" type="datetime1">
               <a:rPr lang="de-DE" smtClean="0"/>
-              <a:t>18.12.2014</a:t>
+              <a:t>19.12.2014</a:t>
             </a:fld>
             <a:endParaRPr lang="de-DE"/>
           </a:p>
@@ -2296,7 +2297,7 @@
           <a:p>
             <a:fld id="{138E3AE3-517E-452C-9FE7-5C3834783A81}" type="datetime1">
               <a:rPr lang="de-DE" smtClean="0"/>
-              <a:t>18.12.2014</a:t>
+              <a:t>19.12.2014</a:t>
             </a:fld>
             <a:endParaRPr lang="de-DE"/>
           </a:p>
@@ -2393,7 +2394,7 @@
           <a:p>
             <a:fld id="{9BD123AD-F88A-4333-B4C5-B65B73945430}" type="datetime1">
               <a:rPr lang="de-DE" smtClean="0"/>
-              <a:t>18.12.2014</a:t>
+              <a:t>19.12.2014</a:t>
             </a:fld>
             <a:endParaRPr lang="de-DE"/>
           </a:p>
@@ -2774,7 +2775,7 @@
           <a:p>
             <a:fld id="{8ED2A0AE-A1F7-4D38-941E-3D0B020B73D3}" type="datetime1">
               <a:rPr lang="de-DE" smtClean="0"/>
-              <a:t>18.12.2014</a:t>
+              <a:t>19.12.2014</a:t>
             </a:fld>
             <a:endParaRPr lang="de-DE"/>
           </a:p>
@@ -3029,7 +3030,7 @@
           <a:p>
             <a:fld id="{B1B7D87F-55AD-4852-A953-7E0309DCF63C}" type="datetime1">
               <a:rPr lang="de-DE" smtClean="0"/>
-              <a:t>18.12.2014</a:t>
+              <a:t>19.12.2014</a:t>
             </a:fld>
             <a:endParaRPr lang="de-DE"/>
           </a:p>
@@ -3119,7 +3120,7 @@
           <a:p>
             <a:fld id="{A9BA6EB7-DCCA-43F9-BB48-C308C1C2AE6C}" type="datetime1">
               <a:rPr lang="de-DE" smtClean="0"/>
-              <a:t>18.12.2014</a:t>
+              <a:t>19.12.2014</a:t>
             </a:fld>
             <a:endParaRPr lang="de-DE"/>
           </a:p>
@@ -3393,7 +3394,7 @@
           <a:p>
             <a:fld id="{E2F59C8F-EBFE-45FC-A5C8-0FBD6231A179}" type="datetime1">
               <a:rPr lang="de-DE" smtClean="0"/>
-              <a:t>18.12.2014</a:t>
+              <a:t>19.12.2014</a:t>
             </a:fld>
             <a:endParaRPr lang="de-DE"/>
           </a:p>
@@ -3665,7 +3666,7 @@
           <a:p>
             <a:fld id="{3E849E14-FE53-4173-91CA-FC32495378F6}" type="datetime1">
               <a:rPr lang="de-DE" smtClean="0"/>
-              <a:t>18.12.2014</a:t>
+              <a:t>19.12.2014</a:t>
             </a:fld>
             <a:endParaRPr lang="de-DE"/>
           </a:p>
@@ -3968,7 +3969,7 @@
           <a:p>
             <a:fld id="{8E8659CD-822D-4AC9-A0CC-EF542C7C536C}" type="datetime1">
               <a:rPr lang="de-DE" smtClean="0"/>
-              <a:t>18.12.2014</a:t>
+              <a:t>19.12.2014</a:t>
             </a:fld>
             <a:endParaRPr lang="de-DE"/>
           </a:p>
@@ -5093,26 +5094,69 @@
           <a:p>
             <a:r>
               <a:rPr lang="fr-FR" b="1" dirty="0" smtClean="0"/>
-              <a:t>5. </a:t>
-            </a:r>
-            <a:r>
-              <a:rPr lang="fr-FR" b="1" dirty="0" err="1" smtClean="0"/>
-              <a:t>Tasks</a:t>
-            </a:r>
-            <a:r>
-              <a:rPr lang="fr-FR" b="1" dirty="0" smtClean="0"/>
-              <a:t> </a:t>
+              <a:t>4. Important </a:t>
             </a:r>
             <a:r>
               <a:rPr lang="fr-FR" b="1" dirty="0"/>
-              <a:t>planning</a:t>
-            </a:r>
-          </a:p>
-        </p:txBody>
-      </p:sp>
-      <p:sp>
-        <p:nvSpPr>
-          <p:cNvPr id="3" name="Slide Number Placeholder 2"/>
+              <a:t>dates</a:t>
+            </a:r>
+          </a:p>
+        </p:txBody>
+      </p:sp>
+      <p:pic>
+        <p:nvPicPr>
+          <p:cNvPr id="3" name="Espace réservé du contenu 2" descr="DatesChronology.png"/>
+          <p:cNvPicPr>
+            <a:picLocks noGrp="1" noChangeAspect="1"/>
+          </p:cNvPicPr>
+          <p:nvPr>
+            <p:ph idx="1"/>
+          </p:nvPr>
+        </p:nvPicPr>
+        <p:blipFill rotWithShape="1">
+          <a:blip r:embed="rId3">
+            <a:extLst>
+              <a:ext uri="{28A0092B-C50C-407E-A947-70E740481C1C}">
+                <a14:useLocalDpi xmlns:a14="http://schemas.microsoft.com/office/drawing/2010/main" val="0"/>
+              </a:ext>
+            </a:extLst>
+          </a:blip>
+          <a:srcRect l="5711" t="17201" r="46346" b="19708"/>
+          <a:stretch/>
+        </p:blipFill>
+        <p:spPr>
+          <a:xfrm>
+            <a:off x="2088000" y="1692000"/>
+            <a:ext cx="10044000" cy="1728000"/>
+          </a:xfrm>
+        </p:spPr>
+      </p:pic>
+      <p:pic>
+        <p:nvPicPr>
+          <p:cNvPr id="5" name="Espace réservé du contenu 2" descr="DatesChronology.png"/>
+          <p:cNvPicPr>
+            <a:picLocks noChangeAspect="1"/>
+          </p:cNvPicPr>
+          <p:nvPr/>
+        </p:nvPicPr>
+        <p:blipFill rotWithShape="1">
+          <a:blip r:embed="rId4"/>
+          <a:srcRect l="48384" r="-1321"/>
+          <a:stretch/>
+        </p:blipFill>
+        <p:spPr>
+          <a:xfrm>
+            <a:off x="36000" y="3667135"/>
+            <a:ext cx="11088000" cy="2741755"/>
+          </a:xfrm>
+          <a:prstGeom prst="rect">
+            <a:avLst/>
+          </a:prstGeom>
+        </p:spPr>
+      </p:pic>
+      <p:sp>
+        <p:nvSpPr>
+          <p:cNvPr id="4" name="Slide Number Placeholder 3"/>
           <p:cNvSpPr>
             <a:spLocks noGrp="1"/>
           </p:cNvSpPr>
@@ -5128,6 +5172,103 @@
             <a:fld id="{27C6CCC6-2BE5-4E42-96A4-D1E8E81A3D8E}" type="slidenum">
               <a:rPr lang="de-DE" smtClean="0"/>
               <a:t>10</a:t>
+            </a:fld>
+            <a:endParaRPr lang="de-DE"/>
+          </a:p>
+        </p:txBody>
+      </p:sp>
+    </p:spTree>
+    <p:extLst>
+      <p:ext uri="{BB962C8B-B14F-4D97-AF65-F5344CB8AC3E}">
+        <p14:creationId xmlns:p14="http://schemas.microsoft.com/office/powerpoint/2010/main" val="2704138539"/>
+      </p:ext>
+    </p:extLst>
+  </p:cSld>
+  <p:clrMapOvr>
+    <a:masterClrMapping/>
+  </p:clrMapOvr>
+  <p:transition spd="slow">
+    <p:push dir="u"/>
+  </p:transition>
+  <p:timing>
+    <p:tnLst>
+      <p:par>
+        <p:cTn id="1" dur="indefinite" restart="never" nodeType="tmRoot"/>
+      </p:par>
+    </p:tnLst>
+  </p:timing>
+</p:sld>
+</file>
+
+<file path=ppt/slides/slide11.xml><?xml version="1.0" encoding="utf-8"?>
+<p:sld xmlns:a="http://schemas.openxmlformats.org/drawingml/2006/main" xmlns:r="http://schemas.openxmlformats.org/officeDocument/2006/relationships" xmlns:p="http://schemas.openxmlformats.org/presentationml/2006/main">
+  <p:cSld>
+    <p:spTree>
+      <p:nvGrpSpPr>
+        <p:cNvPr id="1" name=""/>
+        <p:cNvGrpSpPr/>
+        <p:nvPr/>
+      </p:nvGrpSpPr>
+      <p:grpSpPr>
+        <a:xfrm>
+          <a:off x="0" y="0"/>
+          <a:ext cx="0" cy="0"/>
+          <a:chOff x="0" y="0"/>
+          <a:chExt cx="0" cy="0"/>
+        </a:xfrm>
+      </p:grpSpPr>
+      <p:sp>
+        <p:nvSpPr>
+          <p:cNvPr id="2" name="Titre 1"/>
+          <p:cNvSpPr>
+            <a:spLocks noGrp="1"/>
+          </p:cNvSpPr>
+          <p:nvPr>
+            <p:ph type="title"/>
+          </p:nvPr>
+        </p:nvSpPr>
+        <p:spPr/>
+        <p:txBody>
+          <a:bodyPr/>
+          <a:lstStyle/>
+          <a:p>
+            <a:r>
+              <a:rPr lang="fr-FR" b="1" dirty="0" smtClean="0"/>
+              <a:t>5. </a:t>
+            </a:r>
+            <a:r>
+              <a:rPr lang="fr-FR" b="1" dirty="0" err="1" smtClean="0"/>
+              <a:t>Tasks</a:t>
+            </a:r>
+            <a:r>
+              <a:rPr lang="fr-FR" b="1" dirty="0" smtClean="0"/>
+              <a:t> </a:t>
+            </a:r>
+            <a:r>
+              <a:rPr lang="fr-FR" b="1" dirty="0"/>
+              <a:t>planning</a:t>
+            </a:r>
+          </a:p>
+        </p:txBody>
+      </p:sp>
+      <p:sp>
+        <p:nvSpPr>
+          <p:cNvPr id="3" name="Slide Number Placeholder 2"/>
+          <p:cNvSpPr>
+            <a:spLocks noGrp="1"/>
+          </p:cNvSpPr>
+          <p:nvPr>
+            <p:ph type="sldNum" sz="quarter" idx="12"/>
+          </p:nvPr>
+        </p:nvSpPr>
+        <p:spPr/>
+        <p:txBody>
+          <a:bodyPr/>
+          <a:lstStyle/>
+          <a:p>
+            <a:fld id="{27C6CCC6-2BE5-4E42-96A4-D1E8E81A3D8E}" type="slidenum">
+              <a:rPr lang="de-DE" smtClean="0"/>
+              <a:t>11</a:t>
             </a:fld>
             <a:endParaRPr lang="de-DE"/>
           </a:p>
@@ -5207,7 +5348,7 @@
 </p:sld>
 </file>
 
-<file path=ppt/slides/slide11.xml><?xml version="1.0" encoding="utf-8"?>
+<file path=ppt/slides/slide12.xml><?xml version="1.0" encoding="utf-8"?>
 <p:sld xmlns:a="http://schemas.openxmlformats.org/drawingml/2006/main" xmlns:r="http://schemas.openxmlformats.org/officeDocument/2006/relationships" xmlns:p="http://schemas.openxmlformats.org/presentationml/2006/main">
   <p:cSld>
     <p:spTree>
@@ -5432,7 +5573,7 @@
           <a:p>
             <a:fld id="{27C6CCC6-2BE5-4E42-96A4-D1E8E81A3D8E}" type="slidenum">
               <a:rPr lang="de-DE" smtClean="0"/>
-              <a:t>11</a:t>
+              <a:t>12</a:t>
             </a:fld>
             <a:endParaRPr lang="de-DE"/>
           </a:p>
@@ -5752,7 +5893,7 @@
       </p:grpSpPr>
       <p:sp>
         <p:nvSpPr>
-          <p:cNvPr id="2" name="Title 1"/>
+          <p:cNvPr id="2" name="Titre 1"/>
           <p:cNvSpPr>
             <a:spLocks noGrp="1"/>
           </p:cNvSpPr>
@@ -5760,105 +5901,139 @@
             <p:ph type="title"/>
           </p:nvPr>
         </p:nvSpPr>
-        <p:spPr>
-          <a:xfrm>
-            <a:off x="997225" y="901558"/>
-            <a:ext cx="10515600" cy="916885"/>
-          </a:xfrm>
-        </p:spPr>
-        <p:txBody>
-          <a:bodyPr>
-            <a:normAutofit fontScale="90000"/>
-          </a:bodyPr>
+        <p:spPr/>
+        <p:txBody>
+          <a:bodyPr/>
           <a:lstStyle/>
           <a:p>
+            <a:r>
+              <a:rPr lang="fr-FR" sz="5400" b="1" dirty="0">
+                <a:solidFill>
+                  <a:srgbClr val="FF3300"/>
+                </a:solidFill>
+              </a:rPr>
+              <a:t>Contents</a:t>
+            </a:r>
+            <a:endParaRPr lang="fr-FR" b="1" dirty="0">
+              <a:solidFill>
+                <a:srgbClr val="FF3300"/>
+              </a:solidFill>
+            </a:endParaRPr>
+          </a:p>
+        </p:txBody>
+      </p:sp>
+      <p:sp>
+        <p:nvSpPr>
+          <p:cNvPr id="3" name="Espace réservé du contenu 2"/>
+          <p:cNvSpPr>
+            <a:spLocks noGrp="1"/>
+          </p:cNvSpPr>
+          <p:nvPr>
+            <p:ph idx="1"/>
+          </p:nvPr>
+        </p:nvSpPr>
+        <p:spPr/>
+        <p:txBody>
+          <a:bodyPr/>
+          <a:lstStyle/>
+          <a:p>
             <a:pPr marL="0" indent="0">
-              <a:lnSpc>
-                <a:spcPct val="150000"/>
-              </a:lnSpc>
-            </a:pPr>
-            <a:r>
-              <a:rPr lang="en-US" dirty="0">
-                <a:solidFill>
-                  <a:srgbClr val="FF3300"/>
-                </a:solidFill>
-              </a:rPr>
-              <a:t>Agile Methodology:</a:t>
-            </a:r>
-            <a:endParaRPr lang="en-US" dirty="0">
-              <a:latin typeface="Calibri" charset="0"/>
-            </a:endParaRPr>
-          </a:p>
-        </p:txBody>
-      </p:sp>
-      <p:sp>
-        <p:nvSpPr>
-          <p:cNvPr id="3" name="Content Placeholder 2"/>
-          <p:cNvSpPr>
-            <a:spLocks noGrp="1"/>
-          </p:cNvSpPr>
-          <p:nvPr>
-            <p:ph idx="1"/>
-          </p:nvPr>
-        </p:nvSpPr>
-        <p:spPr>
-          <a:xfrm>
-            <a:off x="689295" y="3186097"/>
-            <a:ext cx="5188791" cy="1870932"/>
-          </a:xfrm>
-        </p:spPr>
-        <p:txBody>
-          <a:bodyPr>
-            <a:normAutofit/>
-          </a:bodyPr>
-          <a:lstStyle/>
-          <a:p>
-            <a:r>
-              <a:rPr lang="en-US" sz="2400" dirty="0" smtClean="0"/>
-              <a:t>Iterative </a:t>
-            </a:r>
-            <a:r>
-              <a:rPr lang="en-US" sz="2400" dirty="0"/>
-              <a:t>software development </a:t>
-            </a:r>
-            <a:r>
-              <a:rPr lang="en-US" sz="2400" dirty="0" smtClean="0"/>
-              <a:t/>
-            </a:r>
-            <a:br>
-              <a:rPr lang="en-US" sz="2400" dirty="0" smtClean="0"/>
-            </a:br>
-            <a:r>
-              <a:rPr lang="en-US" sz="2400" dirty="0" smtClean="0"/>
-              <a:t>methodology </a:t>
-            </a:r>
-            <a:r>
-              <a:rPr lang="en-US" sz="2400" dirty="0"/>
-              <a:t>for building and </a:t>
-            </a:r>
-            <a:r>
-              <a:rPr lang="en-US" sz="2400" dirty="0" smtClean="0"/>
-              <a:t>testing </a:t>
-            </a:r>
-            <a:r>
-              <a:rPr lang="en-US" sz="2400" dirty="0"/>
-              <a:t>the software incrementally.</a:t>
-            </a:r>
-          </a:p>
-          <a:p>
-            <a:pPr marL="45720" indent="0" algn="just">
-              <a:lnSpc>
-                <a:spcPct val="150000"/>
-              </a:lnSpc>
               <a:buNone/>
             </a:pPr>
+            <a:r>
+              <a:rPr lang="fr-FR" dirty="0"/>
+              <a:t> Introduction</a:t>
+            </a:r>
+          </a:p>
+          <a:p>
+            <a:pPr marL="514350" indent="-514350">
+              <a:buFont typeface="+mj-lt"/>
+              <a:buAutoNum type="arabicPeriod"/>
+            </a:pPr>
+            <a:r>
+              <a:rPr lang="fr-FR" dirty="0" err="1" smtClean="0"/>
+              <a:t>Development</a:t>
+            </a:r>
+            <a:r>
+              <a:rPr lang="fr-FR" dirty="0" smtClean="0"/>
+              <a:t> </a:t>
+            </a:r>
+            <a:r>
+              <a:rPr lang="fr-FR" dirty="0" err="1" smtClean="0"/>
+              <a:t>Methodologies</a:t>
+            </a:r>
+            <a:endParaRPr lang="fr-FR" dirty="0"/>
+          </a:p>
+          <a:p>
+            <a:pPr marL="514350" indent="-514350">
+              <a:buFont typeface="+mj-lt"/>
+              <a:buAutoNum type="arabicPeriod"/>
+            </a:pPr>
+            <a:r>
+              <a:rPr lang="en-US" dirty="0" smtClean="0"/>
+              <a:t>Environment</a:t>
+            </a:r>
+            <a:endParaRPr lang="fr-FR" dirty="0"/>
+          </a:p>
+          <a:p>
+            <a:pPr marL="514350" indent="-514350">
+              <a:buFont typeface="+mj-lt"/>
+              <a:buAutoNum type="arabicPeriod"/>
+            </a:pPr>
+            <a:r>
+              <a:rPr lang="en-US" dirty="0" smtClean="0"/>
+              <a:t>Risk analysis</a:t>
+            </a:r>
             <a:endParaRPr lang="en-US" dirty="0"/>
+          </a:p>
+          <a:p>
+            <a:pPr marL="514350" indent="-514350">
+              <a:buFont typeface="+mj-lt"/>
+              <a:buAutoNum type="arabicPeriod"/>
+            </a:pPr>
+            <a:r>
+              <a:rPr lang="fr-FR" dirty="0" smtClean="0"/>
+              <a:t>Important dates</a:t>
+            </a:r>
+            <a:endParaRPr lang="fr-FR" b="1" dirty="0">
+              <a:solidFill>
+                <a:srgbClr val="FF3300"/>
+              </a:solidFill>
+            </a:endParaRPr>
+          </a:p>
+          <a:p>
+            <a:pPr marL="514350" indent="-514350">
+              <a:buFont typeface="+mj-lt"/>
+              <a:buAutoNum type="arabicPeriod"/>
+            </a:pPr>
+            <a:r>
+              <a:rPr lang="en-US" dirty="0" smtClean="0">
+                <a:solidFill>
+                  <a:schemeClr val="bg1"/>
+                </a:solidFill>
+              </a:rPr>
+              <a:t>Task planning</a:t>
+            </a:r>
+            <a:endParaRPr lang="fr-FR" dirty="0"/>
+          </a:p>
+          <a:p>
+            <a:pPr marL="0" indent="0">
+              <a:buNone/>
+            </a:pPr>
+            <a:r>
+              <a:rPr lang="fr-FR" dirty="0">
+                <a:solidFill>
+                  <a:srgbClr val="000000"/>
+                </a:solidFill>
+              </a:rPr>
+              <a:t>Conclusion</a:t>
+            </a:r>
           </a:p>
         </p:txBody>
       </p:sp>
       <p:pic>
         <p:nvPicPr>
-          <p:cNvPr id="4" name="Picture 3" descr="KdKKT.png"/>
+          <p:cNvPr id="4" name="Image 3" descr="Arimaa.jpg"/>
           <p:cNvPicPr>
             <a:picLocks noChangeAspect="1"/>
           </p:cNvPicPr>
@@ -5872,8 +6047,8 @@
         </p:blipFill>
         <p:spPr>
           <a:xfrm>
-            <a:off x="4786686" y="2093014"/>
-            <a:ext cx="6599017" cy="4387297"/>
+            <a:off x="6186115" y="2027492"/>
+            <a:ext cx="4638788" cy="4013543"/>
           </a:xfrm>
           <a:prstGeom prst="rect">
             <a:avLst/>
@@ -5882,55 +6057,6 @@
       </p:pic>
       <p:sp>
         <p:nvSpPr>
-          <p:cNvPr id="6" name="Titre 1"/>
-          <p:cNvSpPr txBox="1">
-            <a:spLocks/>
-          </p:cNvSpPr>
-          <p:nvPr/>
-        </p:nvSpPr>
-        <p:spPr>
-          <a:xfrm>
-            <a:off x="531976" y="340254"/>
-            <a:ext cx="10692221" cy="876623"/>
-          </a:xfrm>
-          <a:prstGeom prst="rect">
-            <a:avLst/>
-          </a:prstGeom>
-        </p:spPr>
-        <p:txBody>
-          <a:bodyPr vert="horz" lIns="91440" tIns="45720" rIns="91440" bIns="45720" rtlCol="0" anchor="ctr">
-            <a:normAutofit/>
-          </a:bodyPr>
-          <a:lstStyle>
-            <a:lvl1pPr algn="l" defTabSz="914400" rtl="0" eaLnBrk="1" latinLnBrk="0" hangingPunct="1">
-              <a:lnSpc>
-                <a:spcPct val="90000"/>
-              </a:lnSpc>
-              <a:spcBef>
-                <a:spcPct val="0"/>
-              </a:spcBef>
-              <a:buNone/>
-              <a:defRPr sz="4400" kern="1200">
-                <a:solidFill>
-                  <a:schemeClr val="tx1"/>
-                </a:solidFill>
-                <a:latin typeface="+mj-lt"/>
-                <a:ea typeface="+mj-ea"/>
-                <a:cs typeface="+mj-cs"/>
-              </a:defRPr>
-            </a:lvl1pPr>
-          </a:lstStyle>
-          <a:p>
-            <a:endParaRPr lang="fr-FR" sz="4000" b="1" dirty="0">
-              <a:solidFill>
-                <a:srgbClr val="FF0000"/>
-              </a:solidFill>
-            </a:endParaRPr>
-          </a:p>
-        </p:txBody>
-      </p:sp>
-      <p:sp>
-        <p:nvSpPr>
           <p:cNvPr id="5" name="Slide Number Placeholder 4"/>
           <p:cNvSpPr>
             <a:spLocks noGrp="1"/>
@@ -5952,128 +6078,10 @@
           </a:p>
         </p:txBody>
       </p:sp>
-      <p:sp>
-        <p:nvSpPr>
-          <p:cNvPr id="7" name="Titre 1"/>
-          <p:cNvSpPr txBox="1">
-            <a:spLocks/>
-          </p:cNvSpPr>
-          <p:nvPr/>
-        </p:nvSpPr>
-        <p:spPr>
-          <a:xfrm>
-            <a:off x="615043" y="0"/>
-            <a:ext cx="9753600" cy="1154097"/>
-          </a:xfrm>
-          <a:prstGeom prst="rect">
-            <a:avLst/>
-          </a:prstGeom>
-        </p:spPr>
-        <p:txBody>
-          <a:bodyPr vert="horz" lIns="91440" tIns="45720" rIns="91440" bIns="45720" rtlCol="0" anchor="b">
-            <a:normAutofit/>
-          </a:bodyPr>
-          <a:lstStyle>
-            <a:lvl1pPr algn="l" defTabSz="914400" rtl="0" eaLnBrk="1" latinLnBrk="0" hangingPunct="1">
-              <a:spcBef>
-                <a:spcPct val="0"/>
-              </a:spcBef>
-              <a:buNone/>
-              <a:defRPr sz="4000" kern="1200">
-                <a:solidFill>
-                  <a:schemeClr val="tx2"/>
-                </a:solidFill>
-                <a:latin typeface="+mj-lt"/>
-                <a:ea typeface="+mj-ea"/>
-                <a:cs typeface="+mj-cs"/>
-              </a:defRPr>
-            </a:lvl1pPr>
-            <a:lvl2pPr eaLnBrk="1" hangingPunct="1">
-              <a:defRPr>
-                <a:solidFill>
-                  <a:schemeClr val="tx2"/>
-                </a:solidFill>
-              </a:defRPr>
-            </a:lvl2pPr>
-            <a:lvl3pPr eaLnBrk="1" hangingPunct="1">
-              <a:defRPr>
-                <a:solidFill>
-                  <a:schemeClr val="tx2"/>
-                </a:solidFill>
-              </a:defRPr>
-            </a:lvl3pPr>
-            <a:lvl4pPr eaLnBrk="1" hangingPunct="1">
-              <a:defRPr>
-                <a:solidFill>
-                  <a:schemeClr val="tx2"/>
-                </a:solidFill>
-              </a:defRPr>
-            </a:lvl4pPr>
-            <a:lvl5pPr eaLnBrk="1" hangingPunct="1">
-              <a:defRPr>
-                <a:solidFill>
-                  <a:schemeClr val="tx2"/>
-                </a:solidFill>
-              </a:defRPr>
-            </a:lvl5pPr>
-            <a:lvl6pPr eaLnBrk="1" hangingPunct="1">
-              <a:defRPr>
-                <a:solidFill>
-                  <a:schemeClr val="tx2"/>
-                </a:solidFill>
-              </a:defRPr>
-            </a:lvl6pPr>
-            <a:lvl7pPr eaLnBrk="1" hangingPunct="1">
-              <a:defRPr>
-                <a:solidFill>
-                  <a:schemeClr val="tx2"/>
-                </a:solidFill>
-              </a:defRPr>
-            </a:lvl7pPr>
-            <a:lvl8pPr eaLnBrk="1" hangingPunct="1">
-              <a:defRPr>
-                <a:solidFill>
-                  <a:schemeClr val="tx2"/>
-                </a:solidFill>
-              </a:defRPr>
-            </a:lvl8pPr>
-            <a:lvl9pPr eaLnBrk="1" hangingPunct="1">
-              <a:defRPr>
-                <a:solidFill>
-                  <a:schemeClr val="tx2"/>
-                </a:solidFill>
-              </a:defRPr>
-            </a:lvl9pPr>
-          </a:lstStyle>
-          <a:p>
-            <a:r>
-              <a:rPr lang="en-US" b="1" dirty="0" smtClean="0">
-                <a:solidFill>
-                  <a:srgbClr val="FF0000"/>
-                </a:solidFill>
-              </a:rPr>
-              <a:t>1. Development </a:t>
-            </a:r>
-            <a:r>
-              <a:rPr lang="en-US" b="1" dirty="0" smtClean="0">
-                <a:solidFill>
-                  <a:srgbClr val="FF0000"/>
-                </a:solidFill>
-              </a:rPr>
-              <a:t>Methodologies</a:t>
-            </a:r>
-            <a:endParaRPr lang="fr-FR" b="1" dirty="0">
-              <a:solidFill>
-                <a:srgbClr val="FF0000"/>
-              </a:solidFill>
-            </a:endParaRPr>
-          </a:p>
-        </p:txBody>
-      </p:sp>
     </p:spTree>
     <p:extLst>
       <p:ext uri="{BB962C8B-B14F-4D97-AF65-F5344CB8AC3E}">
-        <p14:creationId xmlns:p14="http://schemas.microsoft.com/office/powerpoint/2010/main" val="1581777552"/>
+        <p14:creationId xmlns:p14="http://schemas.microsoft.com/office/powerpoint/2010/main" val="1700242735"/>
       </p:ext>
     </p:extLst>
   </p:cSld>
@@ -6122,8 +6130,49 @@
         </p:nvSpPr>
         <p:spPr>
           <a:xfrm>
-            <a:off x="1013129" y="842204"/>
-            <a:ext cx="10515600" cy="960036"/>
+            <a:off x="997225" y="901558"/>
+            <a:ext cx="10515600" cy="916885"/>
+          </a:xfrm>
+        </p:spPr>
+        <p:txBody>
+          <a:bodyPr>
+            <a:normAutofit fontScale="90000"/>
+          </a:bodyPr>
+          <a:lstStyle/>
+          <a:p>
+            <a:pPr marL="0" indent="0">
+              <a:lnSpc>
+                <a:spcPct val="150000"/>
+              </a:lnSpc>
+            </a:pPr>
+            <a:r>
+              <a:rPr lang="en-US" dirty="0">
+                <a:solidFill>
+                  <a:srgbClr val="FF3300"/>
+                </a:solidFill>
+              </a:rPr>
+              <a:t>Agile Methodology:</a:t>
+            </a:r>
+            <a:endParaRPr lang="en-US" dirty="0">
+              <a:latin typeface="Calibri" charset="0"/>
+            </a:endParaRPr>
+          </a:p>
+        </p:txBody>
+      </p:sp>
+      <p:sp>
+        <p:nvSpPr>
+          <p:cNvPr id="3" name="Content Placeholder 2"/>
+          <p:cNvSpPr>
+            <a:spLocks noGrp="1"/>
+          </p:cNvSpPr>
+          <p:nvPr>
+            <p:ph idx="1"/>
+          </p:nvPr>
+        </p:nvSpPr>
+        <p:spPr>
+          <a:xfrm>
+            <a:off x="689295" y="3186097"/>
+            <a:ext cx="5188791" cy="1870932"/>
           </a:xfrm>
         </p:spPr>
         <p:txBody>
@@ -6133,129 +6182,144 @@
           <a:lstStyle/>
           <a:p>
             <a:r>
-              <a:rPr lang="en-US" sz="3600" dirty="0"/>
-              <a:t>Key </a:t>
-            </a:r>
-            <a:r>
-              <a:rPr lang="en-US" sz="3600" dirty="0" smtClean="0"/>
-              <a:t>Areas :</a:t>
-            </a:r>
-            <a:endParaRPr lang="en-US" sz="3600" dirty="0"/>
-          </a:p>
-        </p:txBody>
-      </p:sp>
-      <p:sp>
-        <p:nvSpPr>
-          <p:cNvPr id="3" name="Content Placeholder 2"/>
-          <p:cNvSpPr>
-            <a:spLocks noGrp="1"/>
-          </p:cNvSpPr>
-          <p:nvPr>
-            <p:ph idx="1"/>
-          </p:nvPr>
-        </p:nvSpPr>
-        <p:spPr>
-          <a:xfrm>
-            <a:off x="838423" y="2417195"/>
-            <a:ext cx="3845341" cy="1192697"/>
-          </a:xfrm>
-        </p:spPr>
-        <p:txBody>
-          <a:bodyPr>
-            <a:normAutofit/>
-          </a:bodyPr>
-          <a:lstStyle/>
-          <a:p>
-            <a:r>
-              <a:rPr lang="en-US" dirty="0" smtClean="0">
-                <a:latin typeface="Calibri" charset="0"/>
-              </a:rPr>
-              <a:t>Regular </a:t>
-            </a:r>
-            <a:r>
-              <a:rPr lang="en-US" dirty="0">
-                <a:latin typeface="Calibri" charset="0"/>
-              </a:rPr>
-              <a:t>meetings </a:t>
-            </a:r>
-          </a:p>
-          <a:p>
-            <a:r>
-              <a:rPr lang="en-US" dirty="0">
-                <a:latin typeface="Calibri" charset="0"/>
-              </a:rPr>
-              <a:t>"To Do" list </a:t>
-            </a:r>
-          </a:p>
-          <a:p>
-            <a:r>
-              <a:rPr lang="en-US" dirty="0">
-                <a:latin typeface="Calibri" charset="0"/>
-              </a:rPr>
-              <a:t>Estimation of time and resources </a:t>
-            </a:r>
-          </a:p>
-          <a:p>
-            <a:pPr marL="45720" indent="0">
+              <a:rPr lang="en-US" sz="2400" dirty="0" smtClean="0"/>
+              <a:t>Iterative </a:t>
+            </a:r>
+            <a:r>
+              <a:rPr lang="en-US" sz="2400" dirty="0"/>
+              <a:t>software development </a:t>
+            </a:r>
+            <a:r>
+              <a:rPr lang="en-US" sz="2400" dirty="0" smtClean="0"/>
+              <a:t/>
+            </a:r>
+            <a:br>
+              <a:rPr lang="en-US" sz="2400" dirty="0" smtClean="0"/>
+            </a:br>
+            <a:r>
+              <a:rPr lang="en-US" sz="2400" dirty="0" smtClean="0"/>
+              <a:t>methodology </a:t>
+            </a:r>
+            <a:r>
+              <a:rPr lang="en-US" sz="2400" dirty="0"/>
+              <a:t>for building and </a:t>
+            </a:r>
+            <a:r>
+              <a:rPr lang="en-US" sz="2400" dirty="0" smtClean="0"/>
+              <a:t>testing </a:t>
+            </a:r>
+            <a:r>
+              <a:rPr lang="en-US" sz="2400" dirty="0"/>
+              <a:t>the software incrementally.</a:t>
+            </a:r>
+          </a:p>
+          <a:p>
+            <a:pPr marL="45720" indent="0" algn="just">
+              <a:lnSpc>
+                <a:spcPct val="150000"/>
+              </a:lnSpc>
               <a:buNone/>
             </a:pPr>
             <a:endParaRPr lang="en-US" dirty="0"/>
           </a:p>
         </p:txBody>
       </p:sp>
-      <p:sp>
-        <p:nvSpPr>
-          <p:cNvPr id="5" name="Slide Number Placeholder 4"/>
-          <p:cNvSpPr>
-            <a:spLocks noGrp="1"/>
-          </p:cNvSpPr>
-          <p:nvPr>
-            <p:ph type="sldNum" sz="quarter" idx="12"/>
-          </p:nvPr>
-        </p:nvSpPr>
-        <p:spPr/>
-        <p:txBody>
-          <a:bodyPr/>
-          <a:lstStyle/>
-          <a:p>
-            <a:fld id="{789A2A0C-D44F-4523-8D1A-D12B62504EB2}" type="slidenum">
-              <a:rPr lang="fr-FR" smtClean="0"/>
-              <a:t>4</a:t>
-            </a:fld>
-            <a:endParaRPr lang="fr-FR"/>
-          </a:p>
-        </p:txBody>
-      </p:sp>
       <p:pic>
         <p:nvPicPr>
-          <p:cNvPr id="6" name="Picture 5"/>
+          <p:cNvPr id="4" name="Picture 3" descr="KdKKT.png"/>
           <p:cNvPicPr>
             <a:picLocks noChangeAspect="1"/>
           </p:cNvPicPr>
           <p:nvPr/>
         </p:nvPicPr>
         <p:blipFill>
-          <a:blip r:embed="rId3">
-            <a:extLst>
-              <a:ext uri="{28A0092B-C50C-407E-A947-70E740481C1C}">
-                <a14:useLocalDpi xmlns:a14="http://schemas.microsoft.com/office/drawing/2010/main" val="0"/>
-              </a:ext>
-            </a:extLst>
-          </a:blip>
+          <a:blip r:embed="rId3"/>
           <a:stretch>
             <a:fillRect/>
           </a:stretch>
         </p:blipFill>
         <p:spPr>
           <a:xfrm>
-            <a:off x="4683764" y="1216877"/>
-            <a:ext cx="7370635" cy="5394959"/>
+            <a:off x="4786686" y="2093014"/>
+            <a:ext cx="6599017" cy="4387297"/>
           </a:xfrm>
           <a:prstGeom prst="rect">
             <a:avLst/>
           </a:prstGeom>
         </p:spPr>
       </p:pic>
+      <p:sp>
+        <p:nvSpPr>
+          <p:cNvPr id="6" name="Titre 1"/>
+          <p:cNvSpPr txBox="1">
+            <a:spLocks/>
+          </p:cNvSpPr>
+          <p:nvPr/>
+        </p:nvSpPr>
+        <p:spPr>
+          <a:xfrm>
+            <a:off x="531976" y="340254"/>
+            <a:ext cx="10692221" cy="876623"/>
+          </a:xfrm>
+          <a:prstGeom prst="rect">
+            <a:avLst/>
+          </a:prstGeom>
+        </p:spPr>
+        <p:txBody>
+          <a:bodyPr vert="horz" lIns="91440" tIns="45720" rIns="91440" bIns="45720" rtlCol="0" anchor="ctr">
+            <a:normAutofit/>
+          </a:bodyPr>
+          <a:lstStyle>
+            <a:lvl1pPr algn="l" defTabSz="914400" rtl="0" eaLnBrk="1" latinLnBrk="0" hangingPunct="1">
+              <a:lnSpc>
+                <a:spcPct val="90000"/>
+              </a:lnSpc>
+              <a:spcBef>
+                <a:spcPct val="0"/>
+              </a:spcBef>
+              <a:buNone/>
+              <a:defRPr sz="4400" kern="1200">
+                <a:solidFill>
+                  <a:schemeClr val="tx1"/>
+                </a:solidFill>
+                <a:latin typeface="+mj-lt"/>
+                <a:ea typeface="+mj-ea"/>
+                <a:cs typeface="+mj-cs"/>
+              </a:defRPr>
+            </a:lvl1pPr>
+          </a:lstStyle>
+          <a:p>
+            <a:endParaRPr lang="fr-FR" sz="4000" b="1" dirty="0">
+              <a:solidFill>
+                <a:srgbClr val="FF0000"/>
+              </a:solidFill>
+            </a:endParaRPr>
+          </a:p>
+        </p:txBody>
+      </p:sp>
+      <p:sp>
+        <p:nvSpPr>
+          <p:cNvPr id="5" name="Slide Number Placeholder 4"/>
+          <p:cNvSpPr>
+            <a:spLocks noGrp="1"/>
+          </p:cNvSpPr>
+          <p:nvPr>
+            <p:ph type="sldNum" sz="quarter" idx="12"/>
+          </p:nvPr>
+        </p:nvSpPr>
+        <p:spPr/>
+        <p:txBody>
+          <a:bodyPr/>
+          <a:lstStyle/>
+          <a:p>
+            <a:fld id="{789A2A0C-D44F-4523-8D1A-D12B62504EB2}" type="slidenum">
+              <a:rPr lang="fr-FR" smtClean="0"/>
+              <a:t>4</a:t>
+            </a:fld>
+            <a:endParaRPr lang="fr-FR"/>
+          </a:p>
+        </p:txBody>
+      </p:sp>
       <p:sp>
         <p:nvSpPr>
           <p:cNvPr id="7" name="Titre 1"/>
@@ -6356,15 +6420,7 @@
                   <a:srgbClr val="FF0000"/>
                 </a:solidFill>
               </a:rPr>
-              <a:t>1. Development </a:t>
-            </a:r>
-            <a:r>
-              <a:rPr lang="en-US" b="1" dirty="0" smtClean="0">
-                <a:solidFill>
-                  <a:srgbClr val="FF0000"/>
-                </a:solidFill>
-              </a:rPr>
-              <a:t>Methodologies</a:t>
+              <a:t>1. Development Methodologies</a:t>
             </a:r>
             <a:endParaRPr lang="fr-FR" b="1" dirty="0">
               <a:solidFill>
@@ -6377,7 +6433,7 @@
     </p:spTree>
     <p:extLst>
       <p:ext uri="{BB962C8B-B14F-4D97-AF65-F5344CB8AC3E}">
-        <p14:creationId xmlns:p14="http://schemas.microsoft.com/office/powerpoint/2010/main" val="61768163"/>
+        <p14:creationId xmlns:p14="http://schemas.microsoft.com/office/powerpoint/2010/main" val="1581777552"/>
       </p:ext>
     </p:extLst>
   </p:cSld>
@@ -6385,7 +6441,7 @@
     <a:masterClrMapping/>
   </p:clrMapOvr>
   <p:transition spd="slow">
-    <p:push/>
+    <p:push dir="u"/>
   </p:transition>
   <p:timing>
     <p:tnLst>
@@ -7150,15 +7206,7 @@
                   <a:srgbClr val="FF0000"/>
                 </a:solidFill>
               </a:rPr>
-              <a:t>1. Development </a:t>
-            </a:r>
-            <a:r>
-              <a:rPr lang="en-US" b="1" dirty="0" smtClean="0">
-                <a:solidFill>
-                  <a:srgbClr val="FF0000"/>
-                </a:solidFill>
-              </a:rPr>
-              <a:t>Methodologies</a:t>
+              <a:t>1. Development Methodologies</a:t>
             </a:r>
             <a:endParaRPr lang="fr-FR" b="1" dirty="0">
               <a:solidFill>
@@ -7208,115 +7256,6 @@
           <a:chExt cx="0" cy="0"/>
         </a:xfrm>
       </p:grpSpPr>
-      <p:pic>
-        <p:nvPicPr>
-          <p:cNvPr id="8" name="Picture 7"/>
-          <p:cNvPicPr>
-            <a:picLocks noChangeAspect="1"/>
-          </p:cNvPicPr>
-          <p:nvPr/>
-        </p:nvPicPr>
-        <p:blipFill>
-          <a:blip r:embed="rId2">
-            <a:extLst>
-              <a:ext uri="{28A0092B-C50C-407E-A947-70E740481C1C}">
-                <a14:useLocalDpi xmlns:a14="http://schemas.microsoft.com/office/drawing/2010/main" val="0"/>
-              </a:ext>
-            </a:extLst>
-          </a:blip>
-          <a:stretch>
-            <a:fillRect/>
-          </a:stretch>
-        </p:blipFill>
-        <p:spPr>
-          <a:xfrm>
-            <a:off x="4683764" y="1216877"/>
-            <a:ext cx="7370635" cy="5394959"/>
-          </a:xfrm>
-          <a:prstGeom prst="rect">
-            <a:avLst/>
-          </a:prstGeom>
-        </p:spPr>
-      </p:pic>
-      <p:sp>
-        <p:nvSpPr>
-          <p:cNvPr id="3" name="Content Placeholder 2"/>
-          <p:cNvSpPr>
-            <a:spLocks noGrp="1"/>
-          </p:cNvSpPr>
-          <p:nvPr>
-            <p:ph idx="1"/>
-          </p:nvPr>
-        </p:nvSpPr>
-        <p:spPr>
-          <a:xfrm>
-            <a:off x="830034" y="3522431"/>
-            <a:ext cx="3853730" cy="2282021"/>
-          </a:xfrm>
-        </p:spPr>
-        <p:txBody>
-          <a:bodyPr>
-            <a:normAutofit/>
-          </a:bodyPr>
-          <a:lstStyle/>
-          <a:p>
-            <a:r>
-              <a:rPr lang="en-US" dirty="0" smtClean="0">
-                <a:latin typeface="Calibri" charset="0"/>
-              </a:rPr>
-              <a:t>Prioritization </a:t>
-            </a:r>
-            <a:r>
-              <a:rPr lang="en-US" dirty="0">
-                <a:latin typeface="Calibri" charset="0"/>
-              </a:rPr>
-              <a:t>of tasks </a:t>
-            </a:r>
-          </a:p>
-          <a:p>
-            <a:r>
-              <a:rPr lang="en-US" dirty="0">
-                <a:latin typeface="Calibri" charset="0"/>
-              </a:rPr>
-              <a:t>Development using top to </a:t>
-            </a:r>
-            <a:r>
-              <a:rPr lang="en-US" dirty="0" smtClean="0">
-                <a:latin typeface="Calibri" charset="0"/>
-              </a:rPr>
-              <a:t>bottom </a:t>
-            </a:r>
-            <a:r>
-              <a:rPr lang="en-US" dirty="0">
-                <a:latin typeface="Calibri" charset="0"/>
-              </a:rPr>
-              <a:t>approach </a:t>
-            </a:r>
-          </a:p>
-          <a:p>
-            <a:r>
-              <a:rPr lang="en-US" dirty="0">
-                <a:latin typeface="Calibri" charset="0"/>
-              </a:rPr>
-              <a:t>Feedback from the end user or the team </a:t>
-            </a:r>
-          </a:p>
-          <a:p>
-            <a:r>
-              <a:rPr lang="en-US" dirty="0">
-                <a:latin typeface="Calibri" charset="0"/>
-              </a:rPr>
-              <a:t>Iterations </a:t>
-            </a:r>
-          </a:p>
-          <a:p>
-            <a:pPr marL="45720" indent="0">
-              <a:buNone/>
-            </a:pPr>
-            <a:endParaRPr lang="en-US" dirty="0"/>
-          </a:p>
-        </p:txBody>
-      </p:sp>
       <p:sp>
         <p:nvSpPr>
           <p:cNvPr id="4" name="Slide Number Placeholder 3"/>
@@ -7332,18 +7271,724 @@
           <a:bodyPr/>
           <a:lstStyle/>
           <a:p>
-            <a:fld id="{789A2A0C-D44F-4523-8D1A-D12B62504EB2}" type="slidenum">
-              <a:rPr lang="fr-FR" smtClean="0"/>
+            <a:fld id="{27C6CCC6-2BE5-4E42-96A4-D1E8E81A3D8E}" type="slidenum">
+              <a:rPr lang="de-DE" smtClean="0"/>
               <a:pPr/>
               <a:t>6</a:t>
             </a:fld>
-            <a:endParaRPr lang="fr-FR" dirty="0"/>
-          </a:p>
-        </p:txBody>
-      </p:sp>
-      <p:sp>
-        <p:nvSpPr>
-          <p:cNvPr id="5" name="Title 1"/>
+            <a:endParaRPr lang="de-DE" dirty="0"/>
+          </a:p>
+        </p:txBody>
+      </p:sp>
+      <p:grpSp>
+        <p:nvGrpSpPr>
+          <p:cNvPr id="11" name="Group 10"/>
+          <p:cNvGrpSpPr/>
+          <p:nvPr/>
+        </p:nvGrpSpPr>
+        <p:grpSpPr>
+          <a:xfrm>
+            <a:off x="499729" y="1287900"/>
+            <a:ext cx="5254089" cy="5413259"/>
+            <a:chOff x="1904999" y="762000"/>
+            <a:chExt cx="6414408" cy="6530067"/>
+          </a:xfrm>
+        </p:grpSpPr>
+        <p:sp>
+          <p:nvSpPr>
+            <p:cNvPr id="6" name="Circular Arrow 5"/>
+            <p:cNvSpPr/>
+            <p:nvPr/>
+          </p:nvSpPr>
+          <p:spPr>
+            <a:xfrm>
+              <a:off x="2310492" y="1216476"/>
+              <a:ext cx="6008915" cy="4661809"/>
+            </a:xfrm>
+            <a:prstGeom prst="circularArrow">
+              <a:avLst>
+                <a:gd name="adj1" fmla="val 2102"/>
+                <a:gd name="adj2" fmla="val 1129807"/>
+                <a:gd name="adj3" fmla="val 14996318"/>
+                <a:gd name="adj4" fmla="val 10800000"/>
+                <a:gd name="adj5" fmla="val 2537"/>
+              </a:avLst>
+            </a:prstGeom>
+            <a:solidFill>
+              <a:srgbClr val="0070C0"/>
+            </a:solidFill>
+          </p:spPr>
+          <p:style>
+            <a:lnRef idx="2">
+              <a:schemeClr val="accent1">
+                <a:shade val="50000"/>
+              </a:schemeClr>
+            </a:lnRef>
+            <a:fillRef idx="1">
+              <a:schemeClr val="accent1"/>
+            </a:fillRef>
+            <a:effectRef idx="0">
+              <a:schemeClr val="accent1"/>
+            </a:effectRef>
+            <a:fontRef idx="minor">
+              <a:schemeClr val="lt1"/>
+            </a:fontRef>
+          </p:style>
+          <p:txBody>
+            <a:bodyPr rtlCol="0" anchor="ctr"/>
+            <a:lstStyle/>
+            <a:p>
+              <a:pPr algn="ctr"/>
+              <a:endParaRPr lang="en-US">
+                <a:solidFill>
+                  <a:schemeClr val="tx1"/>
+                </a:solidFill>
+              </a:endParaRPr>
+            </a:p>
+          </p:txBody>
+        </p:sp>
+        <p:sp>
+          <p:nvSpPr>
+            <p:cNvPr id="7" name="Circular Arrow 6"/>
+            <p:cNvSpPr/>
+            <p:nvPr/>
+          </p:nvSpPr>
+          <p:spPr>
+            <a:xfrm rot="5400000">
+              <a:off x="2578552" y="1956705"/>
+              <a:ext cx="6008915" cy="4661809"/>
+            </a:xfrm>
+            <a:prstGeom prst="circularArrow">
+              <a:avLst>
+                <a:gd name="adj1" fmla="val 2102"/>
+                <a:gd name="adj2" fmla="val 1129807"/>
+                <a:gd name="adj3" fmla="val 14996318"/>
+                <a:gd name="adj4" fmla="val 10800000"/>
+                <a:gd name="adj5" fmla="val 2537"/>
+              </a:avLst>
+            </a:prstGeom>
+            <a:solidFill>
+              <a:srgbClr val="FF3300"/>
+            </a:solidFill>
+          </p:spPr>
+          <p:style>
+            <a:lnRef idx="2">
+              <a:schemeClr val="accent1">
+                <a:shade val="50000"/>
+              </a:schemeClr>
+            </a:lnRef>
+            <a:fillRef idx="1">
+              <a:schemeClr val="accent1"/>
+            </a:fillRef>
+            <a:effectRef idx="0">
+              <a:schemeClr val="accent1"/>
+            </a:effectRef>
+            <a:fontRef idx="minor">
+              <a:schemeClr val="lt1"/>
+            </a:fontRef>
+          </p:style>
+          <p:txBody>
+            <a:bodyPr rtlCol="0" anchor="ctr"/>
+            <a:lstStyle/>
+            <a:p>
+              <a:pPr algn="ctr"/>
+              <a:endParaRPr lang="en-US">
+                <a:solidFill>
+                  <a:schemeClr val="tx1"/>
+                </a:solidFill>
+              </a:endParaRPr>
+            </a:p>
+          </p:txBody>
+        </p:sp>
+        <p:sp>
+          <p:nvSpPr>
+            <p:cNvPr id="8" name="Circular Arrow 7"/>
+            <p:cNvSpPr/>
+            <p:nvPr/>
+          </p:nvSpPr>
+          <p:spPr>
+            <a:xfrm rot="10800000">
+              <a:off x="1904999" y="2109105"/>
+              <a:ext cx="6008915" cy="4661809"/>
+            </a:xfrm>
+            <a:prstGeom prst="circularArrow">
+              <a:avLst>
+                <a:gd name="adj1" fmla="val 2102"/>
+                <a:gd name="adj2" fmla="val 1129807"/>
+                <a:gd name="adj3" fmla="val 14996318"/>
+                <a:gd name="adj4" fmla="val 10800000"/>
+                <a:gd name="adj5" fmla="val 2537"/>
+              </a:avLst>
+            </a:prstGeom>
+            <a:solidFill>
+              <a:srgbClr val="FFFF00"/>
+            </a:solidFill>
+          </p:spPr>
+          <p:style>
+            <a:lnRef idx="2">
+              <a:schemeClr val="accent1">
+                <a:shade val="50000"/>
+              </a:schemeClr>
+            </a:lnRef>
+            <a:fillRef idx="1">
+              <a:schemeClr val="accent1"/>
+            </a:fillRef>
+            <a:effectRef idx="0">
+              <a:schemeClr val="accent1"/>
+            </a:effectRef>
+            <a:fontRef idx="minor">
+              <a:schemeClr val="lt1"/>
+            </a:fontRef>
+          </p:style>
+          <p:txBody>
+            <a:bodyPr rtlCol="0" anchor="ctr"/>
+            <a:lstStyle/>
+            <a:p>
+              <a:pPr algn="ctr"/>
+              <a:endParaRPr lang="en-US">
+                <a:solidFill>
+                  <a:schemeClr val="tx1"/>
+                </a:solidFill>
+              </a:endParaRPr>
+            </a:p>
+          </p:txBody>
+        </p:sp>
+        <p:sp>
+          <p:nvSpPr>
+            <p:cNvPr id="9" name="Circular Arrow 8"/>
+            <p:cNvSpPr/>
+            <p:nvPr/>
+          </p:nvSpPr>
+          <p:spPr>
+            <a:xfrm rot="16200000">
+              <a:off x="1600199" y="1435553"/>
+              <a:ext cx="6008915" cy="4661809"/>
+            </a:xfrm>
+            <a:prstGeom prst="circularArrow">
+              <a:avLst>
+                <a:gd name="adj1" fmla="val 2102"/>
+                <a:gd name="adj2" fmla="val 1129807"/>
+                <a:gd name="adj3" fmla="val 14996318"/>
+                <a:gd name="adj4" fmla="val 10800000"/>
+                <a:gd name="adj5" fmla="val 2537"/>
+              </a:avLst>
+            </a:prstGeom>
+            <a:solidFill>
+              <a:srgbClr val="00B050"/>
+            </a:solidFill>
+          </p:spPr>
+          <p:style>
+            <a:lnRef idx="2">
+              <a:schemeClr val="accent1">
+                <a:shade val="50000"/>
+              </a:schemeClr>
+            </a:lnRef>
+            <a:fillRef idx="1">
+              <a:schemeClr val="accent1"/>
+            </a:fillRef>
+            <a:effectRef idx="0">
+              <a:schemeClr val="accent1"/>
+            </a:effectRef>
+            <a:fontRef idx="minor">
+              <a:schemeClr val="lt1"/>
+            </a:fontRef>
+          </p:style>
+          <p:txBody>
+            <a:bodyPr rtlCol="0" anchor="ctr"/>
+            <a:lstStyle/>
+            <a:p>
+              <a:pPr algn="ctr"/>
+              <a:endParaRPr lang="en-US">
+                <a:solidFill>
+                  <a:schemeClr val="tx1"/>
+                </a:solidFill>
+              </a:endParaRPr>
+            </a:p>
+          </p:txBody>
+        </p:sp>
+        <p:sp>
+          <p:nvSpPr>
+            <p:cNvPr id="10" name="TextBox 9"/>
+            <p:cNvSpPr txBox="1"/>
+            <p:nvPr/>
+          </p:nvSpPr>
+          <p:spPr>
+            <a:xfrm>
+              <a:off x="2920430" y="2109105"/>
+              <a:ext cx="4547510" cy="3452847"/>
+            </a:xfrm>
+            <a:prstGeom prst="rect">
+              <a:avLst/>
+            </a:prstGeom>
+            <a:noFill/>
+          </p:spPr>
+          <p:txBody>
+            <a:bodyPr wrap="square" rtlCol="0">
+              <a:spAutoFit/>
+            </a:bodyPr>
+            <a:lstStyle/>
+            <a:p>
+              <a:pPr algn="ctr"/>
+              <a:r>
+                <a:rPr lang="en-US" sz="2000" b="1" u="sng" dirty="0" smtClean="0"/>
+                <a:t>Sprint 1</a:t>
+              </a:r>
+            </a:p>
+            <a:p>
+              <a:pPr algn="ctr"/>
+              <a:endParaRPr lang="en-US" sz="2000" b="1" u="sng" dirty="0" smtClean="0"/>
+            </a:p>
+            <a:p>
+              <a:pPr marL="285750" indent="-285750">
+                <a:buClr>
+                  <a:srgbClr val="FF3300"/>
+                </a:buClr>
+                <a:buFont typeface="Wingdings" panose="05000000000000000000" pitchFamily="2" charset="2"/>
+                <a:buChar char="§"/>
+              </a:pPr>
+              <a:r>
+                <a:rPr lang="en-US" sz="2000" dirty="0" smtClean="0"/>
+                <a:t>MCTS without parallelization</a:t>
+              </a:r>
+            </a:p>
+            <a:p>
+              <a:pPr marL="285750" indent="-285750">
+                <a:buClr>
+                  <a:srgbClr val="FF3300"/>
+                </a:buClr>
+                <a:buFont typeface="Wingdings" panose="05000000000000000000" pitchFamily="2" charset="2"/>
+                <a:buChar char="§"/>
+              </a:pPr>
+              <a:endParaRPr lang="en-US" sz="2000" dirty="0" smtClean="0"/>
+            </a:p>
+            <a:p>
+              <a:pPr marL="285750" indent="-285750">
+                <a:buClr>
+                  <a:srgbClr val="FF3300"/>
+                </a:buClr>
+                <a:buFont typeface="Wingdings" panose="05000000000000000000" pitchFamily="2" charset="2"/>
+                <a:buChar char="§"/>
+              </a:pPr>
+              <a:r>
+                <a:rPr lang="en-US" sz="2000" dirty="0" smtClean="0"/>
+                <a:t>G.U.I.</a:t>
+              </a:r>
+            </a:p>
+            <a:p>
+              <a:pPr marL="285750" indent="-285750">
+                <a:buClr>
+                  <a:srgbClr val="FF3300"/>
+                </a:buClr>
+                <a:buFont typeface="Wingdings" panose="05000000000000000000" pitchFamily="2" charset="2"/>
+                <a:buChar char="§"/>
+              </a:pPr>
+              <a:endParaRPr lang="en-US" sz="2000" dirty="0" smtClean="0"/>
+            </a:p>
+            <a:p>
+              <a:pPr marL="285750" indent="-285750">
+                <a:buClr>
+                  <a:srgbClr val="FF3300"/>
+                </a:buClr>
+                <a:buFont typeface="Wingdings" panose="05000000000000000000" pitchFamily="2" charset="2"/>
+                <a:buChar char="§"/>
+              </a:pPr>
+              <a:r>
+                <a:rPr lang="en-US" sz="2000" dirty="0" smtClean="0"/>
+                <a:t>MCTS to Connect4</a:t>
+              </a:r>
+            </a:p>
+            <a:p>
+              <a:pPr marL="285750" indent="-285750">
+                <a:buClr>
+                  <a:srgbClr val="FF3300"/>
+                </a:buClr>
+                <a:buFont typeface="Wingdings" panose="05000000000000000000" pitchFamily="2" charset="2"/>
+                <a:buChar char="§"/>
+              </a:pPr>
+              <a:endParaRPr lang="en-US" sz="2000" dirty="0" smtClean="0"/>
+            </a:p>
+            <a:p>
+              <a:pPr marL="285750" indent="-285750">
+                <a:buClr>
+                  <a:srgbClr val="FF3300"/>
+                </a:buClr>
+                <a:buFont typeface="Wingdings" panose="05000000000000000000" pitchFamily="2" charset="2"/>
+                <a:buChar char="§"/>
+              </a:pPr>
+              <a:r>
+                <a:rPr lang="en-US" sz="2000" dirty="0" smtClean="0"/>
+                <a:t>MCTS to </a:t>
+              </a:r>
+              <a:r>
+                <a:rPr lang="en-US" sz="2000" dirty="0" err="1" smtClean="0"/>
+                <a:t>Arimaa</a:t>
+              </a:r>
+              <a:endParaRPr lang="en-US" sz="2000" dirty="0" smtClean="0"/>
+            </a:p>
+          </p:txBody>
+        </p:sp>
+      </p:grpSp>
+      <p:grpSp>
+        <p:nvGrpSpPr>
+          <p:cNvPr id="36" name="Group 35"/>
+          <p:cNvGrpSpPr/>
+          <p:nvPr/>
+        </p:nvGrpSpPr>
+        <p:grpSpPr>
+          <a:xfrm>
+            <a:off x="5845230" y="1365535"/>
+            <a:ext cx="5254089" cy="5413259"/>
+            <a:chOff x="1904999" y="762000"/>
+            <a:chExt cx="6414408" cy="6530067"/>
+          </a:xfrm>
+        </p:grpSpPr>
+        <p:sp>
+          <p:nvSpPr>
+            <p:cNvPr id="37" name="Circular Arrow 36"/>
+            <p:cNvSpPr/>
+            <p:nvPr/>
+          </p:nvSpPr>
+          <p:spPr>
+            <a:xfrm>
+              <a:off x="2310492" y="1216476"/>
+              <a:ext cx="6008915" cy="4661809"/>
+            </a:xfrm>
+            <a:prstGeom prst="circularArrow">
+              <a:avLst>
+                <a:gd name="adj1" fmla="val 2102"/>
+                <a:gd name="adj2" fmla="val 1129807"/>
+                <a:gd name="adj3" fmla="val 14996318"/>
+                <a:gd name="adj4" fmla="val 10800000"/>
+                <a:gd name="adj5" fmla="val 2537"/>
+              </a:avLst>
+            </a:prstGeom>
+            <a:solidFill>
+              <a:srgbClr val="0070C0"/>
+            </a:solidFill>
+          </p:spPr>
+          <p:style>
+            <a:lnRef idx="2">
+              <a:schemeClr val="accent1">
+                <a:shade val="50000"/>
+              </a:schemeClr>
+            </a:lnRef>
+            <a:fillRef idx="1">
+              <a:schemeClr val="accent1"/>
+            </a:fillRef>
+            <a:effectRef idx="0">
+              <a:schemeClr val="accent1"/>
+            </a:effectRef>
+            <a:fontRef idx="minor">
+              <a:schemeClr val="lt1"/>
+            </a:fontRef>
+          </p:style>
+          <p:txBody>
+            <a:bodyPr rtlCol="0" anchor="ctr"/>
+            <a:lstStyle/>
+            <a:p>
+              <a:pPr algn="ctr"/>
+              <a:endParaRPr lang="en-US">
+                <a:solidFill>
+                  <a:schemeClr val="tx1"/>
+                </a:solidFill>
+              </a:endParaRPr>
+            </a:p>
+          </p:txBody>
+        </p:sp>
+        <p:sp>
+          <p:nvSpPr>
+            <p:cNvPr id="38" name="Circular Arrow 37"/>
+            <p:cNvSpPr/>
+            <p:nvPr/>
+          </p:nvSpPr>
+          <p:spPr>
+            <a:xfrm rot="5400000">
+              <a:off x="2578552" y="1956705"/>
+              <a:ext cx="6008915" cy="4661809"/>
+            </a:xfrm>
+            <a:prstGeom prst="circularArrow">
+              <a:avLst>
+                <a:gd name="adj1" fmla="val 2102"/>
+                <a:gd name="adj2" fmla="val 1129807"/>
+                <a:gd name="adj3" fmla="val 14996318"/>
+                <a:gd name="adj4" fmla="val 10800000"/>
+                <a:gd name="adj5" fmla="val 2537"/>
+              </a:avLst>
+            </a:prstGeom>
+            <a:solidFill>
+              <a:srgbClr val="FF3300"/>
+            </a:solidFill>
+          </p:spPr>
+          <p:style>
+            <a:lnRef idx="2">
+              <a:schemeClr val="accent1">
+                <a:shade val="50000"/>
+              </a:schemeClr>
+            </a:lnRef>
+            <a:fillRef idx="1">
+              <a:schemeClr val="accent1"/>
+            </a:fillRef>
+            <a:effectRef idx="0">
+              <a:schemeClr val="accent1"/>
+            </a:effectRef>
+            <a:fontRef idx="minor">
+              <a:schemeClr val="lt1"/>
+            </a:fontRef>
+          </p:style>
+          <p:txBody>
+            <a:bodyPr rtlCol="0" anchor="ctr"/>
+            <a:lstStyle/>
+            <a:p>
+              <a:pPr algn="ctr"/>
+              <a:endParaRPr lang="en-US">
+                <a:solidFill>
+                  <a:schemeClr val="tx1"/>
+                </a:solidFill>
+              </a:endParaRPr>
+            </a:p>
+          </p:txBody>
+        </p:sp>
+        <p:sp>
+          <p:nvSpPr>
+            <p:cNvPr id="39" name="Circular Arrow 38"/>
+            <p:cNvSpPr/>
+            <p:nvPr/>
+          </p:nvSpPr>
+          <p:spPr>
+            <a:xfrm rot="10800000">
+              <a:off x="1904999" y="2109105"/>
+              <a:ext cx="6008915" cy="4661809"/>
+            </a:xfrm>
+            <a:prstGeom prst="circularArrow">
+              <a:avLst>
+                <a:gd name="adj1" fmla="val 2102"/>
+                <a:gd name="adj2" fmla="val 1129807"/>
+                <a:gd name="adj3" fmla="val 14996318"/>
+                <a:gd name="adj4" fmla="val 10800000"/>
+                <a:gd name="adj5" fmla="val 2537"/>
+              </a:avLst>
+            </a:prstGeom>
+            <a:solidFill>
+              <a:srgbClr val="FFFF00"/>
+            </a:solidFill>
+          </p:spPr>
+          <p:style>
+            <a:lnRef idx="2">
+              <a:schemeClr val="accent1">
+                <a:shade val="50000"/>
+              </a:schemeClr>
+            </a:lnRef>
+            <a:fillRef idx="1">
+              <a:schemeClr val="accent1"/>
+            </a:fillRef>
+            <a:effectRef idx="0">
+              <a:schemeClr val="accent1"/>
+            </a:effectRef>
+            <a:fontRef idx="minor">
+              <a:schemeClr val="lt1"/>
+            </a:fontRef>
+          </p:style>
+          <p:txBody>
+            <a:bodyPr rtlCol="0" anchor="ctr"/>
+            <a:lstStyle/>
+            <a:p>
+              <a:pPr algn="ctr"/>
+              <a:endParaRPr lang="en-US">
+                <a:solidFill>
+                  <a:schemeClr val="tx1"/>
+                </a:solidFill>
+              </a:endParaRPr>
+            </a:p>
+          </p:txBody>
+        </p:sp>
+        <p:sp>
+          <p:nvSpPr>
+            <p:cNvPr id="40" name="Circular Arrow 39"/>
+            <p:cNvSpPr/>
+            <p:nvPr/>
+          </p:nvSpPr>
+          <p:spPr>
+            <a:xfrm rot="16200000">
+              <a:off x="1600199" y="1435553"/>
+              <a:ext cx="6008915" cy="4661809"/>
+            </a:xfrm>
+            <a:prstGeom prst="circularArrow">
+              <a:avLst>
+                <a:gd name="adj1" fmla="val 2102"/>
+                <a:gd name="adj2" fmla="val 1129807"/>
+                <a:gd name="adj3" fmla="val 14996318"/>
+                <a:gd name="adj4" fmla="val 10800000"/>
+                <a:gd name="adj5" fmla="val 2537"/>
+              </a:avLst>
+            </a:prstGeom>
+            <a:solidFill>
+              <a:srgbClr val="00B050"/>
+            </a:solidFill>
+          </p:spPr>
+          <p:style>
+            <a:lnRef idx="2">
+              <a:schemeClr val="accent1">
+                <a:shade val="50000"/>
+              </a:schemeClr>
+            </a:lnRef>
+            <a:fillRef idx="1">
+              <a:schemeClr val="accent1"/>
+            </a:fillRef>
+            <a:effectRef idx="0">
+              <a:schemeClr val="accent1"/>
+            </a:effectRef>
+            <a:fontRef idx="minor">
+              <a:schemeClr val="lt1"/>
+            </a:fontRef>
+          </p:style>
+          <p:txBody>
+            <a:bodyPr rtlCol="0" anchor="ctr"/>
+            <a:lstStyle/>
+            <a:p>
+              <a:pPr algn="ctr"/>
+              <a:endParaRPr lang="en-US">
+                <a:solidFill>
+                  <a:schemeClr val="tx1"/>
+                </a:solidFill>
+              </a:endParaRPr>
+            </a:p>
+          </p:txBody>
+        </p:sp>
+        <p:sp>
+          <p:nvSpPr>
+            <p:cNvPr id="41" name="TextBox 40"/>
+            <p:cNvSpPr txBox="1"/>
+            <p:nvPr/>
+          </p:nvSpPr>
+          <p:spPr>
+            <a:xfrm>
+              <a:off x="2920430" y="2109105"/>
+              <a:ext cx="4760069" cy="3081572"/>
+            </a:xfrm>
+            <a:prstGeom prst="rect">
+              <a:avLst/>
+            </a:prstGeom>
+            <a:noFill/>
+          </p:spPr>
+          <p:txBody>
+            <a:bodyPr wrap="square" rtlCol="0">
+              <a:spAutoFit/>
+            </a:bodyPr>
+            <a:lstStyle/>
+            <a:p>
+              <a:pPr algn="ctr"/>
+              <a:r>
+                <a:rPr lang="en-US" sz="2000" b="1" u="sng" dirty="0" smtClean="0"/>
+                <a:t>Sprint 2</a:t>
+              </a:r>
+            </a:p>
+            <a:p>
+              <a:pPr marL="285750" indent="-285750">
+                <a:buClr>
+                  <a:srgbClr val="FF3300"/>
+                </a:buClr>
+                <a:buFont typeface="Wingdings" panose="05000000000000000000" pitchFamily="2" charset="2"/>
+                <a:buChar char="§"/>
+              </a:pPr>
+              <a:endParaRPr lang="en-US" sz="2000" dirty="0" smtClean="0"/>
+            </a:p>
+            <a:p>
+              <a:pPr marL="285750" indent="-285750">
+                <a:buClr>
+                  <a:srgbClr val="FF3300"/>
+                </a:buClr>
+                <a:buFont typeface="Wingdings" panose="05000000000000000000" pitchFamily="2" charset="2"/>
+                <a:buChar char="§"/>
+              </a:pPr>
+              <a:r>
+                <a:rPr lang="en-US" sz="2000" dirty="0" smtClean="0"/>
+                <a:t>Testing Actor Model</a:t>
+              </a:r>
+            </a:p>
+            <a:p>
+              <a:pPr marL="285750" indent="-285750">
+                <a:buClr>
+                  <a:srgbClr val="FF3300"/>
+                </a:buClr>
+                <a:buFont typeface="Wingdings" panose="05000000000000000000" pitchFamily="2" charset="2"/>
+                <a:buChar char="§"/>
+              </a:pPr>
+              <a:endParaRPr lang="en-US" sz="2000" dirty="0" smtClean="0"/>
+            </a:p>
+            <a:p>
+              <a:pPr marL="285750" indent="-285750">
+                <a:buClr>
+                  <a:srgbClr val="FF3300"/>
+                </a:buClr>
+                <a:buFont typeface="Wingdings" panose="05000000000000000000" pitchFamily="2" charset="2"/>
+                <a:buChar char="§"/>
+              </a:pPr>
+              <a:r>
+                <a:rPr lang="en-US" sz="2000" dirty="0" smtClean="0"/>
+                <a:t>MCTS with parallelization</a:t>
+              </a:r>
+            </a:p>
+            <a:p>
+              <a:pPr marL="800100" lvl="1" indent="-342900">
+                <a:buClr>
+                  <a:srgbClr val="FF3300"/>
+                </a:buClr>
+                <a:buFont typeface="Arial" panose="020B0604020202020204" pitchFamily="34" charset="0"/>
+                <a:buChar char="•"/>
+              </a:pPr>
+              <a:r>
+                <a:rPr lang="en-US" sz="2000" dirty="0" smtClean="0"/>
+                <a:t>Parallelization on CPU</a:t>
+              </a:r>
+            </a:p>
+            <a:p>
+              <a:pPr marL="800100" lvl="1" indent="-342900">
+                <a:buClr>
+                  <a:srgbClr val="FF3300"/>
+                </a:buClr>
+                <a:buFont typeface="Arial" panose="020B0604020202020204" pitchFamily="34" charset="0"/>
+                <a:buChar char="•"/>
+              </a:pPr>
+              <a:r>
+                <a:rPr lang="en-US" sz="2000" dirty="0" smtClean="0"/>
+                <a:t>Parallelization </a:t>
+              </a:r>
+              <a:r>
+                <a:rPr lang="en-US" sz="2000" dirty="0"/>
+                <a:t>on </a:t>
+              </a:r>
+              <a:r>
+                <a:rPr lang="en-US" sz="2000" dirty="0" smtClean="0"/>
+                <a:t>GPU</a:t>
+              </a:r>
+            </a:p>
+            <a:p>
+              <a:pPr marL="800100" lvl="1" indent="-342900">
+                <a:buClr>
+                  <a:srgbClr val="FF3300"/>
+                </a:buClr>
+                <a:buFont typeface="Arial" panose="020B0604020202020204" pitchFamily="34" charset="0"/>
+                <a:buChar char="•"/>
+              </a:pPr>
+              <a:r>
+                <a:rPr lang="en-US" sz="2000" dirty="0" smtClean="0"/>
+                <a:t>Parallelization </a:t>
+              </a:r>
+              <a:r>
+                <a:rPr lang="en-US" sz="2000" dirty="0"/>
+                <a:t>on </a:t>
+              </a:r>
+              <a:r>
+                <a:rPr lang="en-US" sz="2000" dirty="0" smtClean="0"/>
+                <a:t>Cluster</a:t>
+              </a:r>
+            </a:p>
+          </p:txBody>
+        </p:sp>
+      </p:grpSp>
+      <p:sp>
+        <p:nvSpPr>
+          <p:cNvPr id="42" name="Titre 1"/>
           <p:cNvSpPr txBox="1">
             <a:spLocks/>
           </p:cNvSpPr>
@@ -7351,8 +7996,8 @@
         </p:nvSpPr>
         <p:spPr>
           <a:xfrm>
-            <a:off x="1013129" y="842204"/>
-            <a:ext cx="10515600" cy="960036"/>
+            <a:off x="767443" y="152400"/>
+            <a:ext cx="9753600" cy="1154097"/>
           </a:xfrm>
           <a:prstGeom prst="rect">
             <a:avLst/>
@@ -7436,340 +8081,12 @@
           </a:lstStyle>
           <a:p>
             <a:r>
-              <a:rPr lang="en-US" sz="3600" smtClean="0"/>
-              <a:t>Key Areas :</a:t>
-            </a:r>
-            <a:endParaRPr lang="en-US" sz="3600" dirty="0"/>
-          </a:p>
-        </p:txBody>
-      </p:sp>
-      <p:sp>
-        <p:nvSpPr>
-          <p:cNvPr id="7" name="Content Placeholder 2"/>
-          <p:cNvSpPr txBox="1">
-            <a:spLocks/>
-          </p:cNvSpPr>
-          <p:nvPr/>
-        </p:nvSpPr>
-        <p:spPr>
-          <a:xfrm>
-            <a:off x="838423" y="2417195"/>
-            <a:ext cx="3845341" cy="1192697"/>
-          </a:xfrm>
-          <a:prstGeom prst="rect">
-            <a:avLst/>
-          </a:prstGeom>
-        </p:spPr>
-        <p:txBody>
-          <a:bodyPr vert="horz" lIns="91440" tIns="45720" rIns="91440" bIns="45720" rtlCol="0">
-            <a:normAutofit/>
-          </a:bodyPr>
-          <a:lstStyle>
-            <a:lvl1pPr marL="228600" indent="-182880" algn="l" defTabSz="914400" rtl="0" eaLnBrk="1" latinLnBrk="0" hangingPunct="1">
-              <a:spcBef>
-                <a:spcPct val="20000"/>
-              </a:spcBef>
-              <a:buClr>
-                <a:schemeClr val="tx2"/>
-              </a:buClr>
-              <a:buFont typeface="Wingdings" charset="2"/>
-              <a:buChar char="§"/>
-              <a:defRPr sz="2000" kern="1200">
-                <a:solidFill>
-                  <a:schemeClr val="tx1"/>
-                </a:solidFill>
-                <a:latin typeface="+mn-lt"/>
-                <a:ea typeface="+mn-ea"/>
-                <a:cs typeface="+mn-cs"/>
-              </a:defRPr>
-            </a:lvl1pPr>
-            <a:lvl2pPr marL="502920" indent="-182880" algn="l" defTabSz="914400" rtl="0" eaLnBrk="1" latinLnBrk="0" hangingPunct="1">
-              <a:spcBef>
-                <a:spcPct val="20000"/>
-              </a:spcBef>
-              <a:buClr>
-                <a:schemeClr val="tx2"/>
-              </a:buClr>
-              <a:buFont typeface="Wingdings" charset="2"/>
-              <a:buChar char="§"/>
-              <a:defRPr sz="1800" kern="1200">
-                <a:solidFill>
-                  <a:schemeClr val="tx1"/>
-                </a:solidFill>
-                <a:latin typeface="+mn-lt"/>
-                <a:ea typeface="+mn-ea"/>
-                <a:cs typeface="+mn-cs"/>
-              </a:defRPr>
-            </a:lvl2pPr>
-            <a:lvl3pPr marL="685800" indent="-182880" algn="l" defTabSz="914400" rtl="0" eaLnBrk="1" latinLnBrk="0" hangingPunct="1">
-              <a:spcBef>
-                <a:spcPct val="20000"/>
-              </a:spcBef>
-              <a:buClr>
-                <a:schemeClr val="tx2"/>
-              </a:buClr>
-              <a:buFont typeface="Wingdings" charset="2"/>
-              <a:buChar char="§"/>
-              <a:defRPr sz="1600" kern="1200">
-                <a:solidFill>
-                  <a:schemeClr val="tx1"/>
-                </a:solidFill>
-                <a:latin typeface="+mn-lt"/>
-                <a:ea typeface="+mn-ea"/>
-                <a:cs typeface="+mn-cs"/>
-              </a:defRPr>
-            </a:lvl3pPr>
-            <a:lvl4pPr marL="914400" indent="-182880" algn="l" defTabSz="914400" rtl="0" eaLnBrk="1" latinLnBrk="0" hangingPunct="1">
-              <a:spcBef>
-                <a:spcPct val="20000"/>
-              </a:spcBef>
-              <a:buClr>
-                <a:schemeClr val="tx2"/>
-              </a:buClr>
-              <a:buFont typeface="Wingdings" charset="2"/>
-              <a:buChar char="§"/>
-              <a:defRPr sz="1400" kern="1200">
-                <a:solidFill>
-                  <a:schemeClr val="tx1"/>
-                </a:solidFill>
-                <a:latin typeface="+mn-lt"/>
-                <a:ea typeface="+mn-ea"/>
-                <a:cs typeface="+mn-cs"/>
-              </a:defRPr>
-            </a:lvl4pPr>
-            <a:lvl5pPr marL="1143000" indent="-182880" algn="l" defTabSz="914400" rtl="0" eaLnBrk="1" latinLnBrk="0" hangingPunct="1">
-              <a:spcBef>
-                <a:spcPct val="20000"/>
-              </a:spcBef>
-              <a:buClr>
-                <a:schemeClr val="tx2"/>
-              </a:buClr>
-              <a:buFont typeface="Wingdings" charset="2"/>
-              <a:buChar char="§"/>
-              <a:defRPr sz="1400" kern="1200">
-                <a:solidFill>
-                  <a:schemeClr val="tx1"/>
-                </a:solidFill>
-                <a:latin typeface="+mn-lt"/>
-                <a:ea typeface="+mn-ea"/>
-                <a:cs typeface="+mn-cs"/>
-              </a:defRPr>
-            </a:lvl5pPr>
-            <a:lvl6pPr marL="1371600" indent="-182880" algn="l" defTabSz="914400" rtl="0" eaLnBrk="1" latinLnBrk="0" hangingPunct="1">
-              <a:spcBef>
-                <a:spcPct val="20000"/>
-              </a:spcBef>
-              <a:buClr>
-                <a:schemeClr val="tx2"/>
-              </a:buClr>
-              <a:buFont typeface="Wingdings" pitchFamily="2" charset="2"/>
-              <a:buChar char="§"/>
-              <a:defRPr sz="1400" kern="1200">
-                <a:solidFill>
-                  <a:schemeClr val="tx1"/>
-                </a:solidFill>
-                <a:latin typeface="+mn-lt"/>
-                <a:ea typeface="+mn-ea"/>
-                <a:cs typeface="+mn-cs"/>
-              </a:defRPr>
-            </a:lvl6pPr>
-            <a:lvl7pPr marL="1600200" indent="-182880" algn="l" defTabSz="914400" rtl="0" eaLnBrk="1" latinLnBrk="0" hangingPunct="1">
-              <a:spcBef>
-                <a:spcPct val="20000"/>
-              </a:spcBef>
-              <a:buClr>
-                <a:schemeClr val="tx2"/>
-              </a:buClr>
-              <a:buFont typeface="Wingdings" pitchFamily="2" charset="2"/>
-              <a:buChar char="§"/>
-              <a:defRPr sz="1400" kern="1200">
-                <a:solidFill>
-                  <a:schemeClr val="tx1"/>
-                </a:solidFill>
-                <a:latin typeface="+mn-lt"/>
-                <a:ea typeface="+mn-ea"/>
-                <a:cs typeface="+mn-cs"/>
-              </a:defRPr>
-            </a:lvl7pPr>
-            <a:lvl8pPr marL="1828800" indent="-182880" algn="l" defTabSz="914400" rtl="0" eaLnBrk="1" latinLnBrk="0" hangingPunct="1">
-              <a:spcBef>
-                <a:spcPct val="20000"/>
-              </a:spcBef>
-              <a:buClr>
-                <a:schemeClr val="tx2"/>
-              </a:buClr>
-              <a:buFont typeface="Wingdings" pitchFamily="2" charset="2"/>
-              <a:buChar char="§"/>
-              <a:defRPr sz="1400" kern="1200">
-                <a:solidFill>
-                  <a:schemeClr val="tx1"/>
-                </a:solidFill>
-                <a:latin typeface="+mn-lt"/>
-                <a:ea typeface="+mn-ea"/>
-                <a:cs typeface="+mn-cs"/>
-              </a:defRPr>
-            </a:lvl8pPr>
-            <a:lvl9pPr marL="2057400" indent="-182880" algn="l" defTabSz="914400" rtl="0" eaLnBrk="1" latinLnBrk="0" hangingPunct="1">
-              <a:spcBef>
-                <a:spcPct val="20000"/>
-              </a:spcBef>
-              <a:buClr>
-                <a:schemeClr val="tx2"/>
-              </a:buClr>
-              <a:buFont typeface="Wingdings" pitchFamily="2" charset="2"/>
-              <a:buChar char="§"/>
-              <a:defRPr sz="1400" kern="1200">
-                <a:solidFill>
-                  <a:schemeClr val="tx1"/>
-                </a:solidFill>
-                <a:latin typeface="+mn-lt"/>
-                <a:ea typeface="+mn-ea"/>
-                <a:cs typeface="+mn-cs"/>
-              </a:defRPr>
-            </a:lvl9pPr>
-          </a:lstStyle>
-          <a:p>
-            <a:r>
-              <a:rPr lang="en-US" smtClean="0">
-                <a:latin typeface="Calibri" charset="0"/>
+              <a:rPr lang="en-US" b="1" dirty="0" smtClean="0">
+                <a:solidFill>
+                  <a:srgbClr val="FF0000"/>
+                </a:solidFill>
               </a:rPr>
-              <a:t>Regular meetings </a:t>
-            </a:r>
-          </a:p>
-          <a:p>
-            <a:r>
-              <a:rPr lang="en-US" smtClean="0">
-                <a:latin typeface="Calibri" charset="0"/>
-              </a:rPr>
-              <a:t>"To Do" list </a:t>
-            </a:r>
-          </a:p>
-          <a:p>
-            <a:r>
-              <a:rPr lang="en-US" smtClean="0">
-                <a:latin typeface="Calibri" charset="0"/>
-              </a:rPr>
-              <a:t>Estimation of time and resources </a:t>
-            </a:r>
-          </a:p>
-          <a:p>
-            <a:pPr marL="45720" indent="0">
-              <a:buFont typeface="Wingdings" charset="2"/>
-              <a:buNone/>
-            </a:pPr>
-            <a:endParaRPr lang="en-US" dirty="0"/>
-          </a:p>
-        </p:txBody>
-      </p:sp>
-      <p:sp>
-        <p:nvSpPr>
-          <p:cNvPr id="9" name="Titre 1"/>
-          <p:cNvSpPr txBox="1">
-            <a:spLocks/>
-          </p:cNvSpPr>
-          <p:nvPr/>
-        </p:nvSpPr>
-        <p:spPr>
-          <a:xfrm>
-            <a:off x="615043" y="0"/>
-            <a:ext cx="9753600" cy="1154097"/>
-          </a:xfrm>
-          <a:prstGeom prst="rect">
-            <a:avLst/>
-          </a:prstGeom>
-        </p:spPr>
-        <p:txBody>
-          <a:bodyPr vert="horz" lIns="91440" tIns="45720" rIns="91440" bIns="45720" rtlCol="0" anchor="b">
-            <a:normAutofit/>
-          </a:bodyPr>
-          <a:lstStyle>
-            <a:lvl1pPr algn="l" defTabSz="914400" rtl="0" eaLnBrk="1" latinLnBrk="0" hangingPunct="1">
-              <a:spcBef>
-                <a:spcPct val="0"/>
-              </a:spcBef>
-              <a:buNone/>
-              <a:defRPr sz="4000" kern="1200">
-                <a:solidFill>
-                  <a:schemeClr val="tx2"/>
-                </a:solidFill>
-                <a:latin typeface="+mj-lt"/>
-                <a:ea typeface="+mj-ea"/>
-                <a:cs typeface="+mj-cs"/>
-              </a:defRPr>
-            </a:lvl1pPr>
-            <a:lvl2pPr eaLnBrk="1" hangingPunct="1">
-              <a:defRPr>
-                <a:solidFill>
-                  <a:schemeClr val="tx2"/>
-                </a:solidFill>
-              </a:defRPr>
-            </a:lvl2pPr>
-            <a:lvl3pPr eaLnBrk="1" hangingPunct="1">
-              <a:defRPr>
-                <a:solidFill>
-                  <a:schemeClr val="tx2"/>
-                </a:solidFill>
-              </a:defRPr>
-            </a:lvl3pPr>
-            <a:lvl4pPr eaLnBrk="1" hangingPunct="1">
-              <a:defRPr>
-                <a:solidFill>
-                  <a:schemeClr val="tx2"/>
-                </a:solidFill>
-              </a:defRPr>
-            </a:lvl4pPr>
-            <a:lvl5pPr eaLnBrk="1" hangingPunct="1">
-              <a:defRPr>
-                <a:solidFill>
-                  <a:schemeClr val="tx2"/>
-                </a:solidFill>
-              </a:defRPr>
-            </a:lvl5pPr>
-            <a:lvl6pPr eaLnBrk="1" hangingPunct="1">
-              <a:defRPr>
-                <a:solidFill>
-                  <a:schemeClr val="tx2"/>
-                </a:solidFill>
-              </a:defRPr>
-            </a:lvl6pPr>
-            <a:lvl7pPr eaLnBrk="1" hangingPunct="1">
-              <a:defRPr>
-                <a:solidFill>
-                  <a:schemeClr val="tx2"/>
-                </a:solidFill>
-              </a:defRPr>
-            </a:lvl7pPr>
-            <a:lvl8pPr eaLnBrk="1" hangingPunct="1">
-              <a:defRPr>
-                <a:solidFill>
-                  <a:schemeClr val="tx2"/>
-                </a:solidFill>
-              </a:defRPr>
-            </a:lvl8pPr>
-            <a:lvl9pPr eaLnBrk="1" hangingPunct="1">
-              <a:defRPr>
-                <a:solidFill>
-                  <a:schemeClr val="tx2"/>
-                </a:solidFill>
-              </a:defRPr>
-            </a:lvl9pPr>
-          </a:lstStyle>
-          <a:p>
-            <a:r>
-              <a:rPr lang="en-US" b="1" dirty="0" smtClean="0">
-                <a:solidFill>
-                  <a:srgbClr val="FF0000"/>
-                </a:solidFill>
-              </a:rPr>
-              <a:t>1. Development </a:t>
-            </a:r>
-            <a:r>
-              <a:rPr lang="en-US" b="1" dirty="0" smtClean="0">
-                <a:solidFill>
-                  <a:srgbClr val="FF0000"/>
-                </a:solidFill>
-              </a:rPr>
-              <a:t>Methodologies</a:t>
+              <a:t>1. Development Methodologies</a:t>
             </a:r>
             <a:endParaRPr lang="fr-FR" b="1" dirty="0">
               <a:solidFill>
@@ -7782,7 +8099,7 @@
     </p:spTree>
     <p:extLst>
       <p:ext uri="{BB962C8B-B14F-4D97-AF65-F5344CB8AC3E}">
-        <p14:creationId xmlns:p14="http://schemas.microsoft.com/office/powerpoint/2010/main" val="1017086748"/>
+        <p14:creationId xmlns:p14="http://schemas.microsoft.com/office/powerpoint/2010/main" val="3003861806"/>
       </p:ext>
     </p:extLst>
   </p:cSld>
@@ -7795,441 +8112,9 @@
   <p:timing>
     <p:tnLst>
       <p:par>
-        <p:cTn id="1" dur="indefinite" restart="never" nodeType="tmRoot">
-          <p:childTnLst>
-            <p:seq concurrent="1" nextAc="seek">
-              <p:cTn id="2" dur="indefinite" nodeType="mainSeq">
-                <p:childTnLst>
-                  <p:par>
-                    <p:cTn id="3" fill="hold">
-                      <p:stCondLst>
-                        <p:cond delay="indefinite"/>
-                      </p:stCondLst>
-                      <p:childTnLst>
-                        <p:par>
-                          <p:cTn id="4" fill="hold">
-                            <p:stCondLst>
-                              <p:cond delay="0"/>
-                            </p:stCondLst>
-                            <p:childTnLst>
-                              <p:par>
-                                <p:cTn id="5" presetID="42" presetClass="entr" presetSubtype="0" fill="hold" grpId="0" nodeType="clickEffect">
-                                  <p:stCondLst>
-                                    <p:cond delay="0"/>
-                                  </p:stCondLst>
-                                  <p:childTnLst>
-                                    <p:set>
-                                      <p:cBhvr>
-                                        <p:cTn id="6" dur="1" fill="hold">
-                                          <p:stCondLst>
-                                            <p:cond delay="0"/>
-                                          </p:stCondLst>
-                                        </p:cTn>
-                                        <p:tgtEl>
-                                          <p:spTgt spid="3">
-                                            <p:txEl>
-                                              <p:pRg st="0" end="0"/>
-                                            </p:txEl>
-                                          </p:spTgt>
-                                        </p:tgtEl>
-                                        <p:attrNameLst>
-                                          <p:attrName>style.visibility</p:attrName>
-                                        </p:attrNameLst>
-                                      </p:cBhvr>
-                                      <p:to>
-                                        <p:strVal val="visible"/>
-                                      </p:to>
-                                    </p:set>
-                                    <p:animEffect transition="in" filter="fade">
-                                      <p:cBhvr>
-                                        <p:cTn id="7" dur="1000"/>
-                                        <p:tgtEl>
-                                          <p:spTgt spid="3">
-                                            <p:txEl>
-                                              <p:pRg st="0" end="0"/>
-                                            </p:txEl>
-                                          </p:spTgt>
-                                        </p:tgtEl>
-                                      </p:cBhvr>
-                                    </p:animEffect>
-                                    <p:anim calcmode="lin" valueType="num">
-                                      <p:cBhvr>
-                                        <p:cTn id="8" dur="1000" fill="hold"/>
-                                        <p:tgtEl>
-                                          <p:spTgt spid="3">
-                                            <p:txEl>
-                                              <p:pRg st="0" end="0"/>
-                                            </p:txEl>
-                                          </p:spTgt>
-                                        </p:tgtEl>
-                                        <p:attrNameLst>
-                                          <p:attrName>ppt_x</p:attrName>
-                                        </p:attrNameLst>
-                                      </p:cBhvr>
-                                      <p:tavLst>
-                                        <p:tav tm="0">
-                                          <p:val>
-                                            <p:strVal val="#ppt_x"/>
-                                          </p:val>
-                                        </p:tav>
-                                        <p:tav tm="100000">
-                                          <p:val>
-                                            <p:strVal val="#ppt_x"/>
-                                          </p:val>
-                                        </p:tav>
-                                      </p:tavLst>
-                                    </p:anim>
-                                    <p:anim calcmode="lin" valueType="num">
-                                      <p:cBhvr>
-                                        <p:cTn id="9" dur="1000" fill="hold"/>
-                                        <p:tgtEl>
-                                          <p:spTgt spid="3">
-                                            <p:txEl>
-                                              <p:pRg st="0" end="0"/>
-                                            </p:txEl>
-                                          </p:spTgt>
-                                        </p:tgtEl>
-                                        <p:attrNameLst>
-                                          <p:attrName>ppt_y</p:attrName>
-                                        </p:attrNameLst>
-                                      </p:cBhvr>
-                                      <p:tavLst>
-                                        <p:tav tm="0">
-                                          <p:val>
-                                            <p:strVal val="#ppt_y+.1"/>
-                                          </p:val>
-                                        </p:tav>
-                                        <p:tav tm="100000">
-                                          <p:val>
-                                            <p:strVal val="#ppt_y"/>
-                                          </p:val>
-                                        </p:tav>
-                                      </p:tavLst>
-                                    </p:anim>
-                                  </p:childTnLst>
-                                </p:cTn>
-                              </p:par>
-                              <p:par>
-                                <p:cTn id="10" presetID="42" presetClass="entr" presetSubtype="0" fill="hold" grpId="0" nodeType="withEffect">
-                                  <p:stCondLst>
-                                    <p:cond delay="0"/>
-                                  </p:stCondLst>
-                                  <p:childTnLst>
-                                    <p:set>
-                                      <p:cBhvr>
-                                        <p:cTn id="11" dur="1" fill="hold">
-                                          <p:stCondLst>
-                                            <p:cond delay="0"/>
-                                          </p:stCondLst>
-                                        </p:cTn>
-                                        <p:tgtEl>
-                                          <p:spTgt spid="3">
-                                            <p:txEl>
-                                              <p:pRg st="1" end="1"/>
-                                            </p:txEl>
-                                          </p:spTgt>
-                                        </p:tgtEl>
-                                        <p:attrNameLst>
-                                          <p:attrName>style.visibility</p:attrName>
-                                        </p:attrNameLst>
-                                      </p:cBhvr>
-                                      <p:to>
-                                        <p:strVal val="visible"/>
-                                      </p:to>
-                                    </p:set>
-                                    <p:animEffect transition="in" filter="fade">
-                                      <p:cBhvr>
-                                        <p:cTn id="12" dur="1000"/>
-                                        <p:tgtEl>
-                                          <p:spTgt spid="3">
-                                            <p:txEl>
-                                              <p:pRg st="1" end="1"/>
-                                            </p:txEl>
-                                          </p:spTgt>
-                                        </p:tgtEl>
-                                      </p:cBhvr>
-                                    </p:animEffect>
-                                    <p:anim calcmode="lin" valueType="num">
-                                      <p:cBhvr>
-                                        <p:cTn id="13" dur="1000" fill="hold"/>
-                                        <p:tgtEl>
-                                          <p:spTgt spid="3">
-                                            <p:txEl>
-                                              <p:pRg st="1" end="1"/>
-                                            </p:txEl>
-                                          </p:spTgt>
-                                        </p:tgtEl>
-                                        <p:attrNameLst>
-                                          <p:attrName>ppt_x</p:attrName>
-                                        </p:attrNameLst>
-                                      </p:cBhvr>
-                                      <p:tavLst>
-                                        <p:tav tm="0">
-                                          <p:val>
-                                            <p:strVal val="#ppt_x"/>
-                                          </p:val>
-                                        </p:tav>
-                                        <p:tav tm="100000">
-                                          <p:val>
-                                            <p:strVal val="#ppt_x"/>
-                                          </p:val>
-                                        </p:tav>
-                                      </p:tavLst>
-                                    </p:anim>
-                                    <p:anim calcmode="lin" valueType="num">
-                                      <p:cBhvr>
-                                        <p:cTn id="14" dur="1000" fill="hold"/>
-                                        <p:tgtEl>
-                                          <p:spTgt spid="3">
-                                            <p:txEl>
-                                              <p:pRg st="1" end="1"/>
-                                            </p:txEl>
-                                          </p:spTgt>
-                                        </p:tgtEl>
-                                        <p:attrNameLst>
-                                          <p:attrName>ppt_y</p:attrName>
-                                        </p:attrNameLst>
-                                      </p:cBhvr>
-                                      <p:tavLst>
-                                        <p:tav tm="0">
-                                          <p:val>
-                                            <p:strVal val="#ppt_y+.1"/>
-                                          </p:val>
-                                        </p:tav>
-                                        <p:tav tm="100000">
-                                          <p:val>
-                                            <p:strVal val="#ppt_y"/>
-                                          </p:val>
-                                        </p:tav>
-                                      </p:tavLst>
-                                    </p:anim>
-                                  </p:childTnLst>
-                                </p:cTn>
-                              </p:par>
-                              <p:par>
-                                <p:cTn id="15" presetID="42" presetClass="entr" presetSubtype="0" fill="hold" grpId="0" nodeType="withEffect">
-                                  <p:stCondLst>
-                                    <p:cond delay="0"/>
-                                  </p:stCondLst>
-                                  <p:childTnLst>
-                                    <p:set>
-                                      <p:cBhvr>
-                                        <p:cTn id="16" dur="1" fill="hold">
-                                          <p:stCondLst>
-                                            <p:cond delay="0"/>
-                                          </p:stCondLst>
-                                        </p:cTn>
-                                        <p:tgtEl>
-                                          <p:spTgt spid="3">
-                                            <p:txEl>
-                                              <p:pRg st="2" end="2"/>
-                                            </p:txEl>
-                                          </p:spTgt>
-                                        </p:tgtEl>
-                                        <p:attrNameLst>
-                                          <p:attrName>style.visibility</p:attrName>
-                                        </p:attrNameLst>
-                                      </p:cBhvr>
-                                      <p:to>
-                                        <p:strVal val="visible"/>
-                                      </p:to>
-                                    </p:set>
-                                    <p:animEffect transition="in" filter="fade">
-                                      <p:cBhvr>
-                                        <p:cTn id="17" dur="1000"/>
-                                        <p:tgtEl>
-                                          <p:spTgt spid="3">
-                                            <p:txEl>
-                                              <p:pRg st="2" end="2"/>
-                                            </p:txEl>
-                                          </p:spTgt>
-                                        </p:tgtEl>
-                                      </p:cBhvr>
-                                    </p:animEffect>
-                                    <p:anim calcmode="lin" valueType="num">
-                                      <p:cBhvr>
-                                        <p:cTn id="18" dur="1000" fill="hold"/>
-                                        <p:tgtEl>
-                                          <p:spTgt spid="3">
-                                            <p:txEl>
-                                              <p:pRg st="2" end="2"/>
-                                            </p:txEl>
-                                          </p:spTgt>
-                                        </p:tgtEl>
-                                        <p:attrNameLst>
-                                          <p:attrName>ppt_x</p:attrName>
-                                        </p:attrNameLst>
-                                      </p:cBhvr>
-                                      <p:tavLst>
-                                        <p:tav tm="0">
-                                          <p:val>
-                                            <p:strVal val="#ppt_x"/>
-                                          </p:val>
-                                        </p:tav>
-                                        <p:tav tm="100000">
-                                          <p:val>
-                                            <p:strVal val="#ppt_x"/>
-                                          </p:val>
-                                        </p:tav>
-                                      </p:tavLst>
-                                    </p:anim>
-                                    <p:anim calcmode="lin" valueType="num">
-                                      <p:cBhvr>
-                                        <p:cTn id="19" dur="1000" fill="hold"/>
-                                        <p:tgtEl>
-                                          <p:spTgt spid="3">
-                                            <p:txEl>
-                                              <p:pRg st="2" end="2"/>
-                                            </p:txEl>
-                                          </p:spTgt>
-                                        </p:tgtEl>
-                                        <p:attrNameLst>
-                                          <p:attrName>ppt_y</p:attrName>
-                                        </p:attrNameLst>
-                                      </p:cBhvr>
-                                      <p:tavLst>
-                                        <p:tav tm="0">
-                                          <p:val>
-                                            <p:strVal val="#ppt_y+.1"/>
-                                          </p:val>
-                                        </p:tav>
-                                        <p:tav tm="100000">
-                                          <p:val>
-                                            <p:strVal val="#ppt_y"/>
-                                          </p:val>
-                                        </p:tav>
-                                      </p:tavLst>
-                                    </p:anim>
-                                  </p:childTnLst>
-                                </p:cTn>
-                              </p:par>
-                              <p:par>
-                                <p:cTn id="20" presetID="42" presetClass="entr" presetSubtype="0" fill="hold" grpId="0" nodeType="withEffect">
-                                  <p:stCondLst>
-                                    <p:cond delay="0"/>
-                                  </p:stCondLst>
-                                  <p:childTnLst>
-                                    <p:set>
-                                      <p:cBhvr>
-                                        <p:cTn id="21" dur="1" fill="hold">
-                                          <p:stCondLst>
-                                            <p:cond delay="0"/>
-                                          </p:stCondLst>
-                                        </p:cTn>
-                                        <p:tgtEl>
-                                          <p:spTgt spid="3">
-                                            <p:txEl>
-                                              <p:pRg st="3" end="3"/>
-                                            </p:txEl>
-                                          </p:spTgt>
-                                        </p:tgtEl>
-                                        <p:attrNameLst>
-                                          <p:attrName>style.visibility</p:attrName>
-                                        </p:attrNameLst>
-                                      </p:cBhvr>
-                                      <p:to>
-                                        <p:strVal val="visible"/>
-                                      </p:to>
-                                    </p:set>
-                                    <p:animEffect transition="in" filter="fade">
-                                      <p:cBhvr>
-                                        <p:cTn id="22" dur="1000"/>
-                                        <p:tgtEl>
-                                          <p:spTgt spid="3">
-                                            <p:txEl>
-                                              <p:pRg st="3" end="3"/>
-                                            </p:txEl>
-                                          </p:spTgt>
-                                        </p:tgtEl>
-                                      </p:cBhvr>
-                                    </p:animEffect>
-                                    <p:anim calcmode="lin" valueType="num">
-                                      <p:cBhvr>
-                                        <p:cTn id="23" dur="1000" fill="hold"/>
-                                        <p:tgtEl>
-                                          <p:spTgt spid="3">
-                                            <p:txEl>
-                                              <p:pRg st="3" end="3"/>
-                                            </p:txEl>
-                                          </p:spTgt>
-                                        </p:tgtEl>
-                                        <p:attrNameLst>
-                                          <p:attrName>ppt_x</p:attrName>
-                                        </p:attrNameLst>
-                                      </p:cBhvr>
-                                      <p:tavLst>
-                                        <p:tav tm="0">
-                                          <p:val>
-                                            <p:strVal val="#ppt_x"/>
-                                          </p:val>
-                                        </p:tav>
-                                        <p:tav tm="100000">
-                                          <p:val>
-                                            <p:strVal val="#ppt_x"/>
-                                          </p:val>
-                                        </p:tav>
-                                      </p:tavLst>
-                                    </p:anim>
-                                    <p:anim calcmode="lin" valueType="num">
-                                      <p:cBhvr>
-                                        <p:cTn id="24" dur="1000" fill="hold"/>
-                                        <p:tgtEl>
-                                          <p:spTgt spid="3">
-                                            <p:txEl>
-                                              <p:pRg st="3" end="3"/>
-                                            </p:txEl>
-                                          </p:spTgt>
-                                        </p:tgtEl>
-                                        <p:attrNameLst>
-                                          <p:attrName>ppt_y</p:attrName>
-                                        </p:attrNameLst>
-                                      </p:cBhvr>
-                                      <p:tavLst>
-                                        <p:tav tm="0">
-                                          <p:val>
-                                            <p:strVal val="#ppt_y+.1"/>
-                                          </p:val>
-                                        </p:tav>
-                                        <p:tav tm="100000">
-                                          <p:val>
-                                            <p:strVal val="#ppt_y"/>
-                                          </p:val>
-                                        </p:tav>
-                                      </p:tavLst>
-                                    </p:anim>
-                                  </p:childTnLst>
-                                </p:cTn>
-                              </p:par>
-                            </p:childTnLst>
-                          </p:cTn>
-                        </p:par>
-                      </p:childTnLst>
-                    </p:cTn>
-                  </p:par>
-                </p:childTnLst>
-              </p:cTn>
-              <p:prevCondLst>
-                <p:cond evt="onPrev" delay="0">
-                  <p:tgtEl>
-                    <p:sldTgt/>
-                  </p:tgtEl>
-                </p:cond>
-              </p:prevCondLst>
-              <p:nextCondLst>
-                <p:cond evt="onNext" delay="0">
-                  <p:tgtEl>
-                    <p:sldTgt/>
-                  </p:tgtEl>
-                </p:cond>
-              </p:nextCondLst>
-            </p:seq>
-          </p:childTnLst>
-        </p:cTn>
+        <p:cTn id="1" dur="indefinite" restart="never" nodeType="tmRoot"/>
       </p:par>
     </p:tnLst>
-    <p:bldLst>
-      <p:bldP spid="3" grpId="0" build="p"/>
-    </p:bldLst>
   </p:timing>
 </p:sld>
 </file>
@@ -8253,12 +8138,12 @@
       </p:grpSpPr>
       <p:sp>
         <p:nvSpPr>
-          <p:cNvPr id="2" name="Titre 1"/>
-          <p:cNvSpPr>
-            <a:spLocks noGrp="1"/>
-          </p:cNvSpPr>
-          <p:nvPr>
-            <p:ph type="title"/>
+          <p:cNvPr id="4" name="Slide Number Placeholder 3"/>
+          <p:cNvSpPr>
+            <a:spLocks noGrp="1"/>
+          </p:cNvSpPr>
+          <p:nvPr>
+            <p:ph type="sldNum" sz="quarter" idx="12"/>
           </p:nvPr>
         </p:nvSpPr>
         <p:spPr/>
@@ -8266,151 +8151,792 @@
           <a:bodyPr/>
           <a:lstStyle/>
           <a:p>
-            <a:r>
-              <a:rPr lang="fr-FR" b="1" dirty="0" smtClean="0"/>
-              <a:t>2. </a:t>
-            </a:r>
-            <a:r>
-              <a:rPr lang="fr-FR" b="1" dirty="0" err="1" smtClean="0"/>
-              <a:t>Environment</a:t>
-            </a:r>
-            <a:endParaRPr lang="fr-FR" b="1" dirty="0"/>
-          </a:p>
-        </p:txBody>
-      </p:sp>
-      <p:sp>
-        <p:nvSpPr>
-          <p:cNvPr id="4" name="Espace réservé du contenu 3"/>
-          <p:cNvSpPr>
-            <a:spLocks noGrp="1"/>
-          </p:cNvSpPr>
-          <p:nvPr>
-            <p:ph sz="quarter" idx="13"/>
-          </p:nvPr>
+            <a:fld id="{27C6CCC6-2BE5-4E42-96A4-D1E8E81A3D8E}" type="slidenum">
+              <a:rPr lang="de-DE" smtClean="0"/>
+              <a:pPr/>
+              <a:t>7</a:t>
+            </a:fld>
+            <a:endParaRPr lang="de-DE" dirty="0"/>
+          </a:p>
+        </p:txBody>
+      </p:sp>
+      <p:grpSp>
+        <p:nvGrpSpPr>
+          <p:cNvPr id="11" name="Group 10"/>
+          <p:cNvGrpSpPr/>
+          <p:nvPr/>
+        </p:nvGrpSpPr>
+        <p:grpSpPr>
+          <a:xfrm>
+            <a:off x="499729" y="1287900"/>
+            <a:ext cx="5254089" cy="5413259"/>
+            <a:chOff x="1904999" y="762000"/>
+            <a:chExt cx="6414408" cy="6530067"/>
+          </a:xfrm>
+        </p:grpSpPr>
+        <p:sp>
+          <p:nvSpPr>
+            <p:cNvPr id="6" name="Circular Arrow 5"/>
+            <p:cNvSpPr/>
+            <p:nvPr/>
+          </p:nvSpPr>
+          <p:spPr>
+            <a:xfrm>
+              <a:off x="2310492" y="1216476"/>
+              <a:ext cx="6008915" cy="4661809"/>
+            </a:xfrm>
+            <a:prstGeom prst="circularArrow">
+              <a:avLst>
+                <a:gd name="adj1" fmla="val 2102"/>
+                <a:gd name="adj2" fmla="val 1129807"/>
+                <a:gd name="adj3" fmla="val 14996318"/>
+                <a:gd name="adj4" fmla="val 10800000"/>
+                <a:gd name="adj5" fmla="val 2537"/>
+              </a:avLst>
+            </a:prstGeom>
+            <a:solidFill>
+              <a:srgbClr val="0070C0"/>
+            </a:solidFill>
+          </p:spPr>
+          <p:style>
+            <a:lnRef idx="2">
+              <a:schemeClr val="accent1">
+                <a:shade val="50000"/>
+              </a:schemeClr>
+            </a:lnRef>
+            <a:fillRef idx="1">
+              <a:schemeClr val="accent1"/>
+            </a:fillRef>
+            <a:effectRef idx="0">
+              <a:schemeClr val="accent1"/>
+            </a:effectRef>
+            <a:fontRef idx="minor">
+              <a:schemeClr val="lt1"/>
+            </a:fontRef>
+          </p:style>
+          <p:txBody>
+            <a:bodyPr rtlCol="0" anchor="ctr"/>
+            <a:lstStyle/>
+            <a:p>
+              <a:pPr algn="ctr"/>
+              <a:endParaRPr lang="en-US">
+                <a:solidFill>
+                  <a:schemeClr val="tx1"/>
+                </a:solidFill>
+              </a:endParaRPr>
+            </a:p>
+          </p:txBody>
+        </p:sp>
+        <p:sp>
+          <p:nvSpPr>
+            <p:cNvPr id="7" name="Circular Arrow 6"/>
+            <p:cNvSpPr/>
+            <p:nvPr/>
+          </p:nvSpPr>
+          <p:spPr>
+            <a:xfrm rot="5400000">
+              <a:off x="2578552" y="1956705"/>
+              <a:ext cx="6008915" cy="4661809"/>
+            </a:xfrm>
+            <a:prstGeom prst="circularArrow">
+              <a:avLst>
+                <a:gd name="adj1" fmla="val 2102"/>
+                <a:gd name="adj2" fmla="val 1129807"/>
+                <a:gd name="adj3" fmla="val 14996318"/>
+                <a:gd name="adj4" fmla="val 10800000"/>
+                <a:gd name="adj5" fmla="val 2537"/>
+              </a:avLst>
+            </a:prstGeom>
+            <a:solidFill>
+              <a:srgbClr val="FF3300"/>
+            </a:solidFill>
+          </p:spPr>
+          <p:style>
+            <a:lnRef idx="2">
+              <a:schemeClr val="accent1">
+                <a:shade val="50000"/>
+              </a:schemeClr>
+            </a:lnRef>
+            <a:fillRef idx="1">
+              <a:schemeClr val="accent1"/>
+            </a:fillRef>
+            <a:effectRef idx="0">
+              <a:schemeClr val="accent1"/>
+            </a:effectRef>
+            <a:fontRef idx="minor">
+              <a:schemeClr val="lt1"/>
+            </a:fontRef>
+          </p:style>
+          <p:txBody>
+            <a:bodyPr rtlCol="0" anchor="ctr"/>
+            <a:lstStyle/>
+            <a:p>
+              <a:pPr algn="ctr"/>
+              <a:endParaRPr lang="en-US">
+                <a:solidFill>
+                  <a:schemeClr val="tx1"/>
+                </a:solidFill>
+              </a:endParaRPr>
+            </a:p>
+          </p:txBody>
+        </p:sp>
+        <p:sp>
+          <p:nvSpPr>
+            <p:cNvPr id="8" name="Circular Arrow 7"/>
+            <p:cNvSpPr/>
+            <p:nvPr/>
+          </p:nvSpPr>
+          <p:spPr>
+            <a:xfrm rot="10800000">
+              <a:off x="1904999" y="2109105"/>
+              <a:ext cx="6008915" cy="4661809"/>
+            </a:xfrm>
+            <a:prstGeom prst="circularArrow">
+              <a:avLst>
+                <a:gd name="adj1" fmla="val 2102"/>
+                <a:gd name="adj2" fmla="val 1129807"/>
+                <a:gd name="adj3" fmla="val 14996318"/>
+                <a:gd name="adj4" fmla="val 10800000"/>
+                <a:gd name="adj5" fmla="val 2537"/>
+              </a:avLst>
+            </a:prstGeom>
+            <a:solidFill>
+              <a:srgbClr val="FFFF00"/>
+            </a:solidFill>
+          </p:spPr>
+          <p:style>
+            <a:lnRef idx="2">
+              <a:schemeClr val="accent1">
+                <a:shade val="50000"/>
+              </a:schemeClr>
+            </a:lnRef>
+            <a:fillRef idx="1">
+              <a:schemeClr val="accent1"/>
+            </a:fillRef>
+            <a:effectRef idx="0">
+              <a:schemeClr val="accent1"/>
+            </a:effectRef>
+            <a:fontRef idx="minor">
+              <a:schemeClr val="lt1"/>
+            </a:fontRef>
+          </p:style>
+          <p:txBody>
+            <a:bodyPr rtlCol="0" anchor="ctr"/>
+            <a:lstStyle/>
+            <a:p>
+              <a:pPr algn="ctr"/>
+              <a:endParaRPr lang="en-US">
+                <a:solidFill>
+                  <a:schemeClr val="tx1"/>
+                </a:solidFill>
+              </a:endParaRPr>
+            </a:p>
+          </p:txBody>
+        </p:sp>
+        <p:sp>
+          <p:nvSpPr>
+            <p:cNvPr id="9" name="Circular Arrow 8"/>
+            <p:cNvSpPr/>
+            <p:nvPr/>
+          </p:nvSpPr>
+          <p:spPr>
+            <a:xfrm rot="16200000">
+              <a:off x="1600199" y="1435553"/>
+              <a:ext cx="6008915" cy="4661809"/>
+            </a:xfrm>
+            <a:prstGeom prst="circularArrow">
+              <a:avLst>
+                <a:gd name="adj1" fmla="val 2102"/>
+                <a:gd name="adj2" fmla="val 1129807"/>
+                <a:gd name="adj3" fmla="val 14996318"/>
+                <a:gd name="adj4" fmla="val 10800000"/>
+                <a:gd name="adj5" fmla="val 2537"/>
+              </a:avLst>
+            </a:prstGeom>
+            <a:solidFill>
+              <a:srgbClr val="00B050"/>
+            </a:solidFill>
+          </p:spPr>
+          <p:style>
+            <a:lnRef idx="2">
+              <a:schemeClr val="accent1">
+                <a:shade val="50000"/>
+              </a:schemeClr>
+            </a:lnRef>
+            <a:fillRef idx="1">
+              <a:schemeClr val="accent1"/>
+            </a:fillRef>
+            <a:effectRef idx="0">
+              <a:schemeClr val="accent1"/>
+            </a:effectRef>
+            <a:fontRef idx="minor">
+              <a:schemeClr val="lt1"/>
+            </a:fontRef>
+          </p:style>
+          <p:txBody>
+            <a:bodyPr rtlCol="0" anchor="ctr"/>
+            <a:lstStyle/>
+            <a:p>
+              <a:pPr algn="ctr"/>
+              <a:endParaRPr lang="en-US">
+                <a:solidFill>
+                  <a:schemeClr val="tx1"/>
+                </a:solidFill>
+              </a:endParaRPr>
+            </a:p>
+          </p:txBody>
+        </p:sp>
+        <p:sp>
+          <p:nvSpPr>
+            <p:cNvPr id="10" name="TextBox 9"/>
+            <p:cNvSpPr txBox="1"/>
+            <p:nvPr/>
+          </p:nvSpPr>
+          <p:spPr>
+            <a:xfrm>
+              <a:off x="2920430" y="2109105"/>
+              <a:ext cx="4547510" cy="3081572"/>
+            </a:xfrm>
+            <a:prstGeom prst="rect">
+              <a:avLst/>
+            </a:prstGeom>
+            <a:noFill/>
+          </p:spPr>
+          <p:txBody>
+            <a:bodyPr wrap="square" rtlCol="0">
+              <a:spAutoFit/>
+            </a:bodyPr>
+            <a:lstStyle/>
+            <a:p>
+              <a:pPr algn="ctr"/>
+              <a:r>
+                <a:rPr lang="en-US" sz="2000" b="1" u="sng" dirty="0" smtClean="0"/>
+                <a:t>Sprint 3</a:t>
+              </a:r>
+            </a:p>
+            <a:p>
+              <a:pPr algn="ctr"/>
+              <a:endParaRPr lang="en-US" sz="2000" b="1" u="sng" dirty="0" smtClean="0"/>
+            </a:p>
+            <a:p>
+              <a:pPr marL="285750" indent="-285750">
+                <a:buClr>
+                  <a:srgbClr val="FF3300"/>
+                </a:buClr>
+                <a:buFont typeface="Wingdings" panose="05000000000000000000" pitchFamily="2" charset="2"/>
+                <a:buChar char="§"/>
+              </a:pPr>
+              <a:r>
+                <a:rPr lang="en-US" sz="2000" dirty="0" smtClean="0"/>
+                <a:t>MCTS optimization</a:t>
+              </a:r>
+            </a:p>
+            <a:p>
+              <a:pPr marL="800100" lvl="1" indent="-342900">
+                <a:buClr>
+                  <a:srgbClr val="FF3300"/>
+                </a:buClr>
+                <a:buFont typeface="Arial" panose="020B0604020202020204" pitchFamily="34" charset="0"/>
+                <a:buChar char="•"/>
+              </a:pPr>
+              <a:r>
+                <a:rPr lang="en-US" sz="2000" dirty="0" smtClean="0"/>
+                <a:t>Memory Management</a:t>
+              </a:r>
+              <a:endParaRPr lang="en-US" sz="2000" dirty="0"/>
+            </a:p>
+            <a:p>
+              <a:pPr marL="800100" lvl="1" indent="-342900">
+                <a:buClr>
+                  <a:srgbClr val="FF3300"/>
+                </a:buClr>
+                <a:buFont typeface="Arial" panose="020B0604020202020204" pitchFamily="34" charset="0"/>
+                <a:buChar char="•"/>
+              </a:pPr>
+              <a:r>
+                <a:rPr lang="en-US" sz="2000" dirty="0" smtClean="0"/>
+                <a:t>Boost Library</a:t>
+              </a:r>
+            </a:p>
+            <a:p>
+              <a:pPr marL="800100" lvl="1" indent="-342900">
+                <a:buClr>
+                  <a:srgbClr val="FF3300"/>
+                </a:buClr>
+                <a:buFont typeface="Arial" panose="020B0604020202020204" pitchFamily="34" charset="0"/>
+                <a:buChar char="•"/>
+              </a:pPr>
+              <a:r>
+                <a:rPr lang="en-US" sz="2000" dirty="0" smtClean="0"/>
+                <a:t>Initial testing</a:t>
+              </a:r>
+            </a:p>
+            <a:p>
+              <a:pPr marL="285750" indent="-285750">
+                <a:buClr>
+                  <a:srgbClr val="FF3300"/>
+                </a:buClr>
+                <a:buFont typeface="Wingdings" panose="05000000000000000000" pitchFamily="2" charset="2"/>
+                <a:buChar char="§"/>
+              </a:pPr>
+              <a:endParaRPr lang="en-US" sz="2000" dirty="0" smtClean="0"/>
+            </a:p>
+            <a:p>
+              <a:pPr marL="285750" indent="-285750">
+                <a:buClr>
+                  <a:srgbClr val="FF3300"/>
+                </a:buClr>
+                <a:buFont typeface="Wingdings" panose="05000000000000000000" pitchFamily="2" charset="2"/>
+                <a:buChar char="§"/>
+              </a:pPr>
+              <a:r>
+                <a:rPr lang="en-US" sz="2000" dirty="0" smtClean="0"/>
+                <a:t>HTML presentation</a:t>
+              </a:r>
+            </a:p>
+          </p:txBody>
+        </p:sp>
+      </p:grpSp>
+      <p:grpSp>
+        <p:nvGrpSpPr>
+          <p:cNvPr id="36" name="Group 35"/>
+          <p:cNvGrpSpPr/>
+          <p:nvPr/>
+        </p:nvGrpSpPr>
+        <p:grpSpPr>
+          <a:xfrm>
+            <a:off x="5845230" y="1365535"/>
+            <a:ext cx="5254089" cy="5413259"/>
+            <a:chOff x="1904999" y="762000"/>
+            <a:chExt cx="6414408" cy="6530067"/>
+          </a:xfrm>
+        </p:grpSpPr>
+        <p:sp>
+          <p:nvSpPr>
+            <p:cNvPr id="37" name="Circular Arrow 36"/>
+            <p:cNvSpPr/>
+            <p:nvPr/>
+          </p:nvSpPr>
+          <p:spPr>
+            <a:xfrm>
+              <a:off x="2310492" y="1216476"/>
+              <a:ext cx="6008915" cy="4661809"/>
+            </a:xfrm>
+            <a:prstGeom prst="circularArrow">
+              <a:avLst>
+                <a:gd name="adj1" fmla="val 2102"/>
+                <a:gd name="adj2" fmla="val 1129807"/>
+                <a:gd name="adj3" fmla="val 14996318"/>
+                <a:gd name="adj4" fmla="val 10800000"/>
+                <a:gd name="adj5" fmla="val 2537"/>
+              </a:avLst>
+            </a:prstGeom>
+            <a:solidFill>
+              <a:srgbClr val="0070C0"/>
+            </a:solidFill>
+          </p:spPr>
+          <p:style>
+            <a:lnRef idx="2">
+              <a:schemeClr val="accent1">
+                <a:shade val="50000"/>
+              </a:schemeClr>
+            </a:lnRef>
+            <a:fillRef idx="1">
+              <a:schemeClr val="accent1"/>
+            </a:fillRef>
+            <a:effectRef idx="0">
+              <a:schemeClr val="accent1"/>
+            </a:effectRef>
+            <a:fontRef idx="minor">
+              <a:schemeClr val="lt1"/>
+            </a:fontRef>
+          </p:style>
+          <p:txBody>
+            <a:bodyPr rtlCol="0" anchor="ctr"/>
+            <a:lstStyle/>
+            <a:p>
+              <a:pPr algn="ctr"/>
+              <a:endParaRPr lang="en-US">
+                <a:solidFill>
+                  <a:schemeClr val="tx1"/>
+                </a:solidFill>
+              </a:endParaRPr>
+            </a:p>
+          </p:txBody>
+        </p:sp>
+        <p:sp>
+          <p:nvSpPr>
+            <p:cNvPr id="38" name="Circular Arrow 37"/>
+            <p:cNvSpPr/>
+            <p:nvPr/>
+          </p:nvSpPr>
+          <p:spPr>
+            <a:xfrm rot="5400000">
+              <a:off x="2578552" y="1956705"/>
+              <a:ext cx="6008915" cy="4661809"/>
+            </a:xfrm>
+            <a:prstGeom prst="circularArrow">
+              <a:avLst>
+                <a:gd name="adj1" fmla="val 2102"/>
+                <a:gd name="adj2" fmla="val 1129807"/>
+                <a:gd name="adj3" fmla="val 14996318"/>
+                <a:gd name="adj4" fmla="val 10800000"/>
+                <a:gd name="adj5" fmla="val 2537"/>
+              </a:avLst>
+            </a:prstGeom>
+            <a:solidFill>
+              <a:srgbClr val="FF3300"/>
+            </a:solidFill>
+          </p:spPr>
+          <p:style>
+            <a:lnRef idx="2">
+              <a:schemeClr val="accent1">
+                <a:shade val="50000"/>
+              </a:schemeClr>
+            </a:lnRef>
+            <a:fillRef idx="1">
+              <a:schemeClr val="accent1"/>
+            </a:fillRef>
+            <a:effectRef idx="0">
+              <a:schemeClr val="accent1"/>
+            </a:effectRef>
+            <a:fontRef idx="minor">
+              <a:schemeClr val="lt1"/>
+            </a:fontRef>
+          </p:style>
+          <p:txBody>
+            <a:bodyPr rtlCol="0" anchor="ctr"/>
+            <a:lstStyle/>
+            <a:p>
+              <a:pPr algn="ctr"/>
+              <a:endParaRPr lang="en-US">
+                <a:solidFill>
+                  <a:schemeClr val="tx1"/>
+                </a:solidFill>
+              </a:endParaRPr>
+            </a:p>
+          </p:txBody>
+        </p:sp>
+        <p:sp>
+          <p:nvSpPr>
+            <p:cNvPr id="39" name="Circular Arrow 38"/>
+            <p:cNvSpPr/>
+            <p:nvPr/>
+          </p:nvSpPr>
+          <p:spPr>
+            <a:xfrm rot="10800000">
+              <a:off x="1904999" y="2109105"/>
+              <a:ext cx="6008915" cy="4661809"/>
+            </a:xfrm>
+            <a:prstGeom prst="circularArrow">
+              <a:avLst>
+                <a:gd name="adj1" fmla="val 2102"/>
+                <a:gd name="adj2" fmla="val 1129807"/>
+                <a:gd name="adj3" fmla="val 14996318"/>
+                <a:gd name="adj4" fmla="val 10800000"/>
+                <a:gd name="adj5" fmla="val 2537"/>
+              </a:avLst>
+            </a:prstGeom>
+            <a:solidFill>
+              <a:srgbClr val="FFFF00"/>
+            </a:solidFill>
+          </p:spPr>
+          <p:style>
+            <a:lnRef idx="2">
+              <a:schemeClr val="accent1">
+                <a:shade val="50000"/>
+              </a:schemeClr>
+            </a:lnRef>
+            <a:fillRef idx="1">
+              <a:schemeClr val="accent1"/>
+            </a:fillRef>
+            <a:effectRef idx="0">
+              <a:schemeClr val="accent1"/>
+            </a:effectRef>
+            <a:fontRef idx="minor">
+              <a:schemeClr val="lt1"/>
+            </a:fontRef>
+          </p:style>
+          <p:txBody>
+            <a:bodyPr rtlCol="0" anchor="ctr"/>
+            <a:lstStyle/>
+            <a:p>
+              <a:pPr algn="ctr"/>
+              <a:endParaRPr lang="en-US">
+                <a:solidFill>
+                  <a:schemeClr val="tx1"/>
+                </a:solidFill>
+              </a:endParaRPr>
+            </a:p>
+          </p:txBody>
+        </p:sp>
+        <p:sp>
+          <p:nvSpPr>
+            <p:cNvPr id="40" name="Circular Arrow 39"/>
+            <p:cNvSpPr/>
+            <p:nvPr/>
+          </p:nvSpPr>
+          <p:spPr>
+            <a:xfrm rot="16200000">
+              <a:off x="1600199" y="1435553"/>
+              <a:ext cx="6008915" cy="4661809"/>
+            </a:xfrm>
+            <a:prstGeom prst="circularArrow">
+              <a:avLst>
+                <a:gd name="adj1" fmla="val 2102"/>
+                <a:gd name="adj2" fmla="val 1129807"/>
+                <a:gd name="adj3" fmla="val 14996318"/>
+                <a:gd name="adj4" fmla="val 10800000"/>
+                <a:gd name="adj5" fmla="val 2537"/>
+              </a:avLst>
+            </a:prstGeom>
+            <a:solidFill>
+              <a:srgbClr val="00B050"/>
+            </a:solidFill>
+          </p:spPr>
+          <p:style>
+            <a:lnRef idx="2">
+              <a:schemeClr val="accent1">
+                <a:shade val="50000"/>
+              </a:schemeClr>
+            </a:lnRef>
+            <a:fillRef idx="1">
+              <a:schemeClr val="accent1"/>
+            </a:fillRef>
+            <a:effectRef idx="0">
+              <a:schemeClr val="accent1"/>
+            </a:effectRef>
+            <a:fontRef idx="minor">
+              <a:schemeClr val="lt1"/>
+            </a:fontRef>
+          </p:style>
+          <p:txBody>
+            <a:bodyPr rtlCol="0" anchor="ctr"/>
+            <a:lstStyle/>
+            <a:p>
+              <a:pPr algn="ctr"/>
+              <a:endParaRPr lang="en-US">
+                <a:solidFill>
+                  <a:schemeClr val="tx1"/>
+                </a:solidFill>
+              </a:endParaRPr>
+            </a:p>
+          </p:txBody>
+        </p:sp>
+        <p:sp>
+          <p:nvSpPr>
+            <p:cNvPr id="41" name="TextBox 40"/>
+            <p:cNvSpPr txBox="1"/>
+            <p:nvPr/>
+          </p:nvSpPr>
+          <p:spPr>
+            <a:xfrm>
+              <a:off x="2920430" y="2109105"/>
+              <a:ext cx="4760069" cy="2710299"/>
+            </a:xfrm>
+            <a:prstGeom prst="rect">
+              <a:avLst/>
+            </a:prstGeom>
+            <a:noFill/>
+          </p:spPr>
+          <p:txBody>
+            <a:bodyPr wrap="square" rtlCol="0">
+              <a:spAutoFit/>
+            </a:bodyPr>
+            <a:lstStyle/>
+            <a:p>
+              <a:pPr algn="ctr"/>
+              <a:r>
+                <a:rPr lang="en-US" sz="2000" b="1" u="sng" dirty="0" smtClean="0"/>
+                <a:t>Sprint 4</a:t>
+              </a:r>
+            </a:p>
+            <a:p>
+              <a:pPr marL="285750" indent="-285750">
+                <a:buClr>
+                  <a:srgbClr val="FF3300"/>
+                </a:buClr>
+                <a:buFont typeface="Wingdings" panose="05000000000000000000" pitchFamily="2" charset="2"/>
+                <a:buChar char="§"/>
+              </a:pPr>
+              <a:endParaRPr lang="en-US" sz="2000" dirty="0" smtClean="0"/>
+            </a:p>
+            <a:p>
+              <a:pPr marL="285750" indent="-285750">
+                <a:buClr>
+                  <a:srgbClr val="FF3300"/>
+                </a:buClr>
+                <a:buFont typeface="Wingdings" panose="05000000000000000000" pitchFamily="2" charset="2"/>
+                <a:buChar char="§"/>
+              </a:pPr>
+              <a:r>
+                <a:rPr lang="en-US" sz="2000" dirty="0" smtClean="0"/>
+                <a:t>Final testing</a:t>
+              </a:r>
+            </a:p>
+            <a:p>
+              <a:pPr marL="285750" indent="-285750">
+                <a:buClr>
+                  <a:srgbClr val="FF3300"/>
+                </a:buClr>
+                <a:buFont typeface="Wingdings" panose="05000000000000000000" pitchFamily="2" charset="2"/>
+                <a:buChar char="§"/>
+              </a:pPr>
+              <a:endParaRPr lang="en-US" sz="2000" dirty="0" smtClean="0"/>
+            </a:p>
+            <a:p>
+              <a:pPr marL="285750" indent="-285750">
+                <a:buClr>
+                  <a:srgbClr val="FF3300"/>
+                </a:buClr>
+                <a:buFont typeface="Wingdings" panose="05000000000000000000" pitchFamily="2" charset="2"/>
+                <a:buChar char="§"/>
+              </a:pPr>
+              <a:r>
+                <a:rPr lang="en-US" sz="2000" dirty="0" smtClean="0"/>
+                <a:t>Final release (CD)</a:t>
+              </a:r>
+            </a:p>
+            <a:p>
+              <a:pPr marL="285750" indent="-285750">
+                <a:buClr>
+                  <a:srgbClr val="FF3300"/>
+                </a:buClr>
+                <a:buFont typeface="Wingdings" panose="05000000000000000000" pitchFamily="2" charset="2"/>
+                <a:buChar char="§"/>
+              </a:pPr>
+              <a:endParaRPr lang="en-US" sz="2000" dirty="0"/>
+            </a:p>
+            <a:p>
+              <a:pPr marL="285750" indent="-285750">
+                <a:buClr>
+                  <a:srgbClr val="FF3300"/>
+                </a:buClr>
+                <a:buFont typeface="Wingdings" panose="05000000000000000000" pitchFamily="2" charset="2"/>
+                <a:buChar char="§"/>
+              </a:pPr>
+              <a:r>
+                <a:rPr lang="en-US" sz="2000" dirty="0" smtClean="0"/>
+                <a:t>Final reports</a:t>
+              </a:r>
+            </a:p>
+          </p:txBody>
+        </p:sp>
+      </p:grpSp>
+      <p:sp>
+        <p:nvSpPr>
+          <p:cNvPr id="16" name="Titre 1"/>
+          <p:cNvSpPr txBox="1">
+            <a:spLocks/>
+          </p:cNvSpPr>
+          <p:nvPr/>
         </p:nvSpPr>
         <p:spPr>
           <a:xfrm>
-            <a:off x="1235529" y="1812472"/>
-            <a:ext cx="4754880" cy="3593592"/>
+            <a:off x="615043" y="0"/>
+            <a:ext cx="9753600" cy="1154097"/>
           </a:xfrm>
+          <a:prstGeom prst="rect">
+            <a:avLst/>
+          </a:prstGeom>
         </p:spPr>
         <p:txBody>
-          <a:bodyPr>
+          <a:bodyPr vert="horz" lIns="91440" tIns="45720" rIns="91440" bIns="45720" rtlCol="0" anchor="b">
             <a:normAutofit/>
           </a:bodyPr>
-          <a:lstStyle/>
-          <a:p>
-            <a:pPr marL="0" indent="0">
+          <a:lstStyle>
+            <a:lvl1pPr algn="l" defTabSz="914400" rtl="0" eaLnBrk="1" latinLnBrk="0" hangingPunct="1">
+              <a:spcBef>
+                <a:spcPct val="0"/>
+              </a:spcBef>
               <a:buNone/>
-            </a:pPr>
-            <a:r>
-              <a:rPr lang="en-US" sz="2400" b="1" dirty="0"/>
-              <a:t>Human resources:</a:t>
-            </a:r>
-          </a:p>
-          <a:p>
-            <a:endParaRPr lang="en-US" sz="2400" dirty="0"/>
-          </a:p>
-          <a:p>
-            <a:r>
-              <a:rPr lang="en-US" sz="2400" dirty="0"/>
-              <a:t>Team of 6 until January</a:t>
-            </a:r>
-          </a:p>
-          <a:p>
-            <a:endParaRPr lang="en-US" sz="2400" dirty="0"/>
-          </a:p>
-          <a:p>
-            <a:r>
-              <a:rPr lang="en-US" sz="2400" dirty="0"/>
-              <a:t>Team of 3 after January</a:t>
-            </a:r>
-            <a:endParaRPr lang="fr-FR" sz="2400" dirty="0"/>
-          </a:p>
-        </p:txBody>
-      </p:sp>
-      <p:sp>
-        <p:nvSpPr>
-          <p:cNvPr id="5" name="Espace réservé du contenu 4"/>
-          <p:cNvSpPr>
-            <a:spLocks noGrp="1"/>
-          </p:cNvSpPr>
-          <p:nvPr>
-            <p:ph sz="quarter" idx="14"/>
-          </p:nvPr>
-        </p:nvSpPr>
-        <p:spPr>
-          <a:xfrm>
-            <a:off x="6225975" y="1771651"/>
-            <a:ext cx="4754880" cy="3595687"/>
-          </a:xfrm>
-        </p:spPr>
-        <p:txBody>
-          <a:bodyPr>
-            <a:normAutofit/>
-          </a:bodyPr>
-          <a:lstStyle/>
-          <a:p>
-            <a:pPr marL="0" indent="0">
-              <a:buNone/>
-            </a:pPr>
-            <a:r>
-              <a:rPr lang="en-US" sz="2400" b="1" dirty="0"/>
-              <a:t>Technological resources:</a:t>
-            </a:r>
-          </a:p>
-          <a:p>
-            <a:endParaRPr lang="en-US" sz="2400" dirty="0"/>
-          </a:p>
-          <a:p>
-            <a:r>
-              <a:rPr lang="en-US" sz="2400" dirty="0"/>
-              <a:t>Computers from INSA's computer science department</a:t>
-            </a:r>
-          </a:p>
-          <a:p>
-            <a:endParaRPr lang="en-US" sz="2400" dirty="0"/>
-          </a:p>
-          <a:p>
-            <a:r>
-              <a:rPr lang="en-US" sz="2400" i="1" dirty="0"/>
-              <a:t>Grid'5000</a:t>
-            </a:r>
-            <a:r>
-              <a:rPr lang="en-US" sz="2400" dirty="0"/>
-              <a:t>, a set of clusters of multi-core machines</a:t>
-            </a:r>
-            <a:endParaRPr lang="fr-FR" sz="2400" dirty="0"/>
-          </a:p>
-        </p:txBody>
-      </p:sp>
-      <p:sp>
-        <p:nvSpPr>
-          <p:cNvPr id="3" name="Slide Number Placeholder 2"/>
-          <p:cNvSpPr>
-            <a:spLocks noGrp="1"/>
-          </p:cNvSpPr>
-          <p:nvPr>
-            <p:ph type="sldNum" sz="quarter" idx="12"/>
-          </p:nvPr>
-        </p:nvSpPr>
-        <p:spPr/>
-        <p:txBody>
-          <a:bodyPr/>
-          <a:lstStyle/>
-          <a:p>
-            <a:fld id="{27C6CCC6-2BE5-4E42-96A4-D1E8E81A3D8E}" type="slidenum">
-              <a:rPr lang="de-DE" smtClean="0"/>
-              <a:t>7</a:t>
-            </a:fld>
-            <a:endParaRPr lang="de-DE"/>
+              <a:defRPr sz="4000" kern="1200">
+                <a:solidFill>
+                  <a:schemeClr val="tx2"/>
+                </a:solidFill>
+                <a:latin typeface="+mj-lt"/>
+                <a:ea typeface="+mj-ea"/>
+                <a:cs typeface="+mj-cs"/>
+              </a:defRPr>
+            </a:lvl1pPr>
+            <a:lvl2pPr eaLnBrk="1" hangingPunct="1">
+              <a:defRPr>
+                <a:solidFill>
+                  <a:schemeClr val="tx2"/>
+                </a:solidFill>
+              </a:defRPr>
+            </a:lvl2pPr>
+            <a:lvl3pPr eaLnBrk="1" hangingPunct="1">
+              <a:defRPr>
+                <a:solidFill>
+                  <a:schemeClr val="tx2"/>
+                </a:solidFill>
+              </a:defRPr>
+            </a:lvl3pPr>
+            <a:lvl4pPr eaLnBrk="1" hangingPunct="1">
+              <a:defRPr>
+                <a:solidFill>
+                  <a:schemeClr val="tx2"/>
+                </a:solidFill>
+              </a:defRPr>
+            </a:lvl4pPr>
+            <a:lvl5pPr eaLnBrk="1" hangingPunct="1">
+              <a:defRPr>
+                <a:solidFill>
+                  <a:schemeClr val="tx2"/>
+                </a:solidFill>
+              </a:defRPr>
+            </a:lvl5pPr>
+            <a:lvl6pPr eaLnBrk="1" hangingPunct="1">
+              <a:defRPr>
+                <a:solidFill>
+                  <a:schemeClr val="tx2"/>
+                </a:solidFill>
+              </a:defRPr>
+            </a:lvl6pPr>
+            <a:lvl7pPr eaLnBrk="1" hangingPunct="1">
+              <a:defRPr>
+                <a:solidFill>
+                  <a:schemeClr val="tx2"/>
+                </a:solidFill>
+              </a:defRPr>
+            </a:lvl7pPr>
+            <a:lvl8pPr eaLnBrk="1" hangingPunct="1">
+              <a:defRPr>
+                <a:solidFill>
+                  <a:schemeClr val="tx2"/>
+                </a:solidFill>
+              </a:defRPr>
+            </a:lvl8pPr>
+            <a:lvl9pPr eaLnBrk="1" hangingPunct="1">
+              <a:defRPr>
+                <a:solidFill>
+                  <a:schemeClr val="tx2"/>
+                </a:solidFill>
+              </a:defRPr>
+            </a:lvl9pPr>
+          </a:lstStyle>
+          <a:p>
+            <a:r>
+              <a:rPr lang="en-US" b="1" dirty="0" smtClean="0">
+                <a:solidFill>
+                  <a:srgbClr val="FF0000"/>
+                </a:solidFill>
+              </a:rPr>
+              <a:t>1. Development Methodologies</a:t>
+            </a:r>
+            <a:endParaRPr lang="fr-FR" b="1" dirty="0">
+              <a:solidFill>
+                <a:srgbClr val="FF0000"/>
+              </a:solidFill>
+            </a:endParaRPr>
           </a:p>
         </p:txBody>
       </p:sp>
     </p:spTree>
     <p:extLst>
       <p:ext uri="{BB962C8B-B14F-4D97-AF65-F5344CB8AC3E}">
-        <p14:creationId xmlns:p14="http://schemas.microsoft.com/office/powerpoint/2010/main" val="3055379221"/>
+        <p14:creationId xmlns:p14="http://schemas.microsoft.com/office/powerpoint/2010/main" val="878974739"/>
       </p:ext>
     </p:extLst>
   </p:cSld>
@@ -8418,7 +8944,7 @@
     <a:masterClrMapping/>
   </p:clrMapOvr>
   <p:transition spd="slow">
-    <p:push dir="u"/>
+    <p:push/>
   </p:transition>
   <p:timing>
     <p:tnLst>
@@ -8464,6 +8990,202 @@
           <a:p>
             <a:r>
               <a:rPr lang="fr-FR" b="1" dirty="0" smtClean="0"/>
+              <a:t>2. </a:t>
+            </a:r>
+            <a:r>
+              <a:rPr lang="fr-FR" b="1" dirty="0" err="1" smtClean="0"/>
+              <a:t>Environment</a:t>
+            </a:r>
+            <a:endParaRPr lang="fr-FR" b="1" dirty="0"/>
+          </a:p>
+        </p:txBody>
+      </p:sp>
+      <p:sp>
+        <p:nvSpPr>
+          <p:cNvPr id="4" name="Espace réservé du contenu 3"/>
+          <p:cNvSpPr>
+            <a:spLocks noGrp="1"/>
+          </p:cNvSpPr>
+          <p:nvPr>
+            <p:ph sz="quarter" idx="13"/>
+          </p:nvPr>
+        </p:nvSpPr>
+        <p:spPr>
+          <a:xfrm>
+            <a:off x="1235529" y="1812472"/>
+            <a:ext cx="4754880" cy="3593592"/>
+          </a:xfrm>
+        </p:spPr>
+        <p:txBody>
+          <a:bodyPr>
+            <a:normAutofit/>
+          </a:bodyPr>
+          <a:lstStyle/>
+          <a:p>
+            <a:pPr marL="0" indent="0">
+              <a:buNone/>
+            </a:pPr>
+            <a:r>
+              <a:rPr lang="en-US" sz="2400" b="1" dirty="0"/>
+              <a:t>Human resources:</a:t>
+            </a:r>
+          </a:p>
+          <a:p>
+            <a:endParaRPr lang="en-US" sz="2400" dirty="0"/>
+          </a:p>
+          <a:p>
+            <a:r>
+              <a:rPr lang="en-US" sz="2400" dirty="0"/>
+              <a:t>Team of 6 until January</a:t>
+            </a:r>
+          </a:p>
+          <a:p>
+            <a:endParaRPr lang="en-US" sz="2400" dirty="0"/>
+          </a:p>
+          <a:p>
+            <a:r>
+              <a:rPr lang="en-US" sz="2400" dirty="0"/>
+              <a:t>Team of 3 after January</a:t>
+            </a:r>
+            <a:endParaRPr lang="fr-FR" sz="2400" dirty="0"/>
+          </a:p>
+        </p:txBody>
+      </p:sp>
+      <p:sp>
+        <p:nvSpPr>
+          <p:cNvPr id="5" name="Espace réservé du contenu 4"/>
+          <p:cNvSpPr>
+            <a:spLocks noGrp="1"/>
+          </p:cNvSpPr>
+          <p:nvPr>
+            <p:ph sz="quarter" idx="14"/>
+          </p:nvPr>
+        </p:nvSpPr>
+        <p:spPr>
+          <a:xfrm>
+            <a:off x="6225975" y="1771651"/>
+            <a:ext cx="4754880" cy="3595687"/>
+          </a:xfrm>
+        </p:spPr>
+        <p:txBody>
+          <a:bodyPr>
+            <a:normAutofit/>
+          </a:bodyPr>
+          <a:lstStyle/>
+          <a:p>
+            <a:pPr marL="0" indent="0">
+              <a:buNone/>
+            </a:pPr>
+            <a:r>
+              <a:rPr lang="en-US" sz="2400" b="1" dirty="0"/>
+              <a:t>Technological resources:</a:t>
+            </a:r>
+          </a:p>
+          <a:p>
+            <a:endParaRPr lang="en-US" sz="2400" dirty="0"/>
+          </a:p>
+          <a:p>
+            <a:r>
+              <a:rPr lang="en-US" sz="2400" dirty="0"/>
+              <a:t>Computers from INSA's computer science department</a:t>
+            </a:r>
+          </a:p>
+          <a:p>
+            <a:endParaRPr lang="en-US" sz="2400" dirty="0"/>
+          </a:p>
+          <a:p>
+            <a:r>
+              <a:rPr lang="en-US" sz="2400" i="1" dirty="0"/>
+              <a:t>Grid'5000</a:t>
+            </a:r>
+            <a:r>
+              <a:rPr lang="en-US" sz="2400" dirty="0"/>
+              <a:t>, a set of clusters of multi-core machines</a:t>
+            </a:r>
+            <a:endParaRPr lang="fr-FR" sz="2400" dirty="0"/>
+          </a:p>
+        </p:txBody>
+      </p:sp>
+      <p:sp>
+        <p:nvSpPr>
+          <p:cNvPr id="3" name="Slide Number Placeholder 2"/>
+          <p:cNvSpPr>
+            <a:spLocks noGrp="1"/>
+          </p:cNvSpPr>
+          <p:nvPr>
+            <p:ph type="sldNum" sz="quarter" idx="12"/>
+          </p:nvPr>
+        </p:nvSpPr>
+        <p:spPr/>
+        <p:txBody>
+          <a:bodyPr/>
+          <a:lstStyle/>
+          <a:p>
+            <a:fld id="{27C6CCC6-2BE5-4E42-96A4-D1E8E81A3D8E}" type="slidenum">
+              <a:rPr lang="de-DE" smtClean="0"/>
+              <a:t>8</a:t>
+            </a:fld>
+            <a:endParaRPr lang="de-DE"/>
+          </a:p>
+        </p:txBody>
+      </p:sp>
+    </p:spTree>
+    <p:extLst>
+      <p:ext uri="{BB962C8B-B14F-4D97-AF65-F5344CB8AC3E}">
+        <p14:creationId xmlns:p14="http://schemas.microsoft.com/office/powerpoint/2010/main" val="3055379221"/>
+      </p:ext>
+    </p:extLst>
+  </p:cSld>
+  <p:clrMapOvr>
+    <a:masterClrMapping/>
+  </p:clrMapOvr>
+  <p:transition spd="slow">
+    <p:push dir="u"/>
+  </p:transition>
+  <p:timing>
+    <p:tnLst>
+      <p:par>
+        <p:cTn id="1" dur="indefinite" restart="never" nodeType="tmRoot"/>
+      </p:par>
+    </p:tnLst>
+  </p:timing>
+</p:sld>
+</file>
+
+<file path=ppt/slides/slide9.xml><?xml version="1.0" encoding="utf-8"?>
+<p:sld xmlns:a="http://schemas.openxmlformats.org/drawingml/2006/main" xmlns:r="http://schemas.openxmlformats.org/officeDocument/2006/relationships" xmlns:p="http://schemas.openxmlformats.org/presentationml/2006/main">
+  <p:cSld>
+    <p:spTree>
+      <p:nvGrpSpPr>
+        <p:cNvPr id="1" name=""/>
+        <p:cNvGrpSpPr/>
+        <p:nvPr/>
+      </p:nvGrpSpPr>
+      <p:grpSpPr>
+        <a:xfrm>
+          <a:off x="0" y="0"/>
+          <a:ext cx="0" cy="0"/>
+          <a:chOff x="0" y="0"/>
+          <a:chExt cx="0" cy="0"/>
+        </a:xfrm>
+      </p:grpSpPr>
+      <p:sp>
+        <p:nvSpPr>
+          <p:cNvPr id="2" name="Titre 1"/>
+          <p:cNvSpPr>
+            <a:spLocks noGrp="1"/>
+          </p:cNvSpPr>
+          <p:nvPr>
+            <p:ph type="title"/>
+          </p:nvPr>
+        </p:nvSpPr>
+        <p:spPr/>
+        <p:txBody>
+          <a:bodyPr/>
+          <a:lstStyle/>
+          <a:p>
+            <a:r>
+              <a:rPr lang="fr-FR" b="1" dirty="0" smtClean="0"/>
               <a:t>3. </a:t>
             </a:r>
             <a:r>
@@ -8919,7 +9641,7 @@
           <a:p>
             <a:fld id="{27C6CCC6-2BE5-4E42-96A4-D1E8E81A3D8E}" type="slidenum">
               <a:rPr lang="de-DE" smtClean="0"/>
-              <a:t>8</a:t>
+              <a:t>9</a:t>
             </a:fld>
             <a:endParaRPr lang="de-DE"/>
           </a:p>
@@ -10056,146 +10778,6 @@
 </p:sld>
 </file>
 
-<file path=ppt/slides/slide9.xml><?xml version="1.0" encoding="utf-8"?>
-<p:sld xmlns:a="http://schemas.openxmlformats.org/drawingml/2006/main" xmlns:r="http://schemas.openxmlformats.org/officeDocument/2006/relationships" xmlns:p="http://schemas.openxmlformats.org/presentationml/2006/main">
-  <p:cSld>
-    <p:spTree>
-      <p:nvGrpSpPr>
-        <p:cNvPr id="1" name=""/>
-        <p:cNvGrpSpPr/>
-        <p:nvPr/>
-      </p:nvGrpSpPr>
-      <p:grpSpPr>
-        <a:xfrm>
-          <a:off x="0" y="0"/>
-          <a:ext cx="0" cy="0"/>
-          <a:chOff x="0" y="0"/>
-          <a:chExt cx="0" cy="0"/>
-        </a:xfrm>
-      </p:grpSpPr>
-      <p:sp>
-        <p:nvSpPr>
-          <p:cNvPr id="2" name="Titre 1"/>
-          <p:cNvSpPr>
-            <a:spLocks noGrp="1"/>
-          </p:cNvSpPr>
-          <p:nvPr>
-            <p:ph type="title"/>
-          </p:nvPr>
-        </p:nvSpPr>
-        <p:spPr/>
-        <p:txBody>
-          <a:bodyPr/>
-          <a:lstStyle/>
-          <a:p>
-            <a:r>
-              <a:rPr lang="fr-FR" b="1" dirty="0" smtClean="0"/>
-              <a:t>4. Important </a:t>
-            </a:r>
-            <a:r>
-              <a:rPr lang="fr-FR" b="1" dirty="0"/>
-              <a:t>dates</a:t>
-            </a:r>
-          </a:p>
-        </p:txBody>
-      </p:sp>
-      <p:pic>
-        <p:nvPicPr>
-          <p:cNvPr id="3" name="Espace réservé du contenu 2" descr="DatesChronology.png"/>
-          <p:cNvPicPr>
-            <a:picLocks noGrp="1" noChangeAspect="1"/>
-          </p:cNvPicPr>
-          <p:nvPr>
-            <p:ph idx="1"/>
-          </p:nvPr>
-        </p:nvPicPr>
-        <p:blipFill rotWithShape="1">
-          <a:blip r:embed="rId3">
-            <a:extLst>
-              <a:ext uri="{28A0092B-C50C-407E-A947-70E740481C1C}">
-                <a14:useLocalDpi xmlns:a14="http://schemas.microsoft.com/office/drawing/2010/main" val="0"/>
-              </a:ext>
-            </a:extLst>
-          </a:blip>
-          <a:srcRect l="5711" t="17201" r="46346" b="19708"/>
-          <a:stretch/>
-        </p:blipFill>
-        <p:spPr>
-          <a:xfrm>
-            <a:off x="2088000" y="1692000"/>
-            <a:ext cx="10044000" cy="1728000"/>
-          </a:xfrm>
-        </p:spPr>
-      </p:pic>
-      <p:pic>
-        <p:nvPicPr>
-          <p:cNvPr id="5" name="Espace réservé du contenu 2" descr="DatesChronology.png"/>
-          <p:cNvPicPr>
-            <a:picLocks noChangeAspect="1"/>
-          </p:cNvPicPr>
-          <p:nvPr/>
-        </p:nvPicPr>
-        <p:blipFill rotWithShape="1">
-          <a:blip r:embed="rId4"/>
-          <a:srcRect l="48384" r="-1321"/>
-          <a:stretch/>
-        </p:blipFill>
-        <p:spPr>
-          <a:xfrm>
-            <a:off x="36000" y="3667135"/>
-            <a:ext cx="11088000" cy="2741755"/>
-          </a:xfrm>
-          <a:prstGeom prst="rect">
-            <a:avLst/>
-          </a:prstGeom>
-        </p:spPr>
-      </p:pic>
-      <p:sp>
-        <p:nvSpPr>
-          <p:cNvPr id="4" name="Slide Number Placeholder 3"/>
-          <p:cNvSpPr>
-            <a:spLocks noGrp="1"/>
-          </p:cNvSpPr>
-          <p:nvPr>
-            <p:ph type="sldNum" sz="quarter" idx="12"/>
-          </p:nvPr>
-        </p:nvSpPr>
-        <p:spPr/>
-        <p:txBody>
-          <a:bodyPr/>
-          <a:lstStyle/>
-          <a:p>
-            <a:fld id="{27C6CCC6-2BE5-4E42-96A4-D1E8E81A3D8E}" type="slidenum">
-              <a:rPr lang="de-DE" smtClean="0"/>
-              <a:t>9</a:t>
-            </a:fld>
-            <a:endParaRPr lang="de-DE"/>
-          </a:p>
-        </p:txBody>
-      </p:sp>
-    </p:spTree>
-    <p:extLst>
-      <p:ext uri="{BB962C8B-B14F-4D97-AF65-F5344CB8AC3E}">
-        <p14:creationId xmlns:p14="http://schemas.microsoft.com/office/powerpoint/2010/main" val="2704138539"/>
-      </p:ext>
-    </p:extLst>
-  </p:cSld>
-  <p:clrMapOvr>
-    <a:masterClrMapping/>
-  </p:clrMapOvr>
-  <p:transition spd="slow">
-    <p:push dir="u"/>
-  </p:transition>
-  <p:timing>
-    <p:tnLst>
-      <p:par>
-        <p:cTn id="1" dur="indefinite" restart="never" nodeType="tmRoot"/>
-      </p:par>
-    </p:tnLst>
-  </p:timing>
-</p:sld>
-</file>
-
 <file path=ppt/theme/theme1.xml><?xml version="1.0" encoding="utf-8"?>
 <a:theme xmlns:a="http://schemas.openxmlformats.org/drawingml/2006/main" name="Perspective">
   <a:themeElements>
